--- a/giao-an/buoi1/BUỔI 1 TỪ RAZOR VIEW SANG JSX.pptx
+++ b/giao-an/buoi1/BUỔI 1 TỪ RAZOR VIEW SANG JSX.pptx
@@ -7,51 +7,56 @@
   <p:sldIdLst>
     <p:sldId id="256" r:id="rId2"/>
     <p:sldId id="257" r:id="rId3"/>
-    <p:sldId id="258" r:id="rId4"/>
-    <p:sldId id="259" r:id="rId5"/>
-    <p:sldId id="260" r:id="rId6"/>
-    <p:sldId id="261" r:id="rId7"/>
-    <p:sldId id="262" r:id="rId8"/>
-    <p:sldId id="263" r:id="rId9"/>
-    <p:sldId id="264" r:id="rId10"/>
-    <p:sldId id="265" r:id="rId11"/>
-    <p:sldId id="266" r:id="rId12"/>
-    <p:sldId id="267" r:id="rId13"/>
-    <p:sldId id="268" r:id="rId14"/>
-    <p:sldId id="269" r:id="rId15"/>
-    <p:sldId id="270" r:id="rId16"/>
-    <p:sldId id="272" r:id="rId17"/>
-    <p:sldId id="273" r:id="rId18"/>
+    <p:sldId id="274" r:id="rId4"/>
+    <p:sldId id="258" r:id="rId5"/>
+    <p:sldId id="259" r:id="rId6"/>
+    <p:sldId id="260" r:id="rId7"/>
+    <p:sldId id="261" r:id="rId8"/>
+    <p:sldId id="262" r:id="rId9"/>
+    <p:sldId id="263" r:id="rId10"/>
+    <p:sldId id="264" r:id="rId11"/>
+    <p:sldId id="265" r:id="rId12"/>
+    <p:sldId id="266" r:id="rId13"/>
+    <p:sldId id="267" r:id="rId14"/>
+    <p:sldId id="268" r:id="rId15"/>
+    <p:sldId id="269" r:id="rId16"/>
+    <p:sldId id="275" r:id="rId17"/>
+    <p:sldId id="276" r:id="rId18"/>
+    <p:sldId id="277" r:id="rId19"/>
+    <p:sldId id="270" r:id="rId20"/>
+    <p:sldId id="273" r:id="rId21"/>
+    <p:sldId id="279" r:id="rId22"/>
+    <p:sldId id="278" r:id="rId23"/>
   </p:sldIdLst>
   <p:sldSz cx="18288000" cy="10287000"/>
   <p:notesSz cx="6858000" cy="9144000"/>
   <p:embeddedFontLst>
     <p:embeddedFont>
+      <p:font typeface="Calibri" panose="020F0502020204030204" pitchFamily="34" charset="0"/>
+      <p:regular r:id="rId24"/>
+      <p:bold r:id="rId25"/>
+      <p:italic r:id="rId26"/>
+      <p:boldItalic r:id="rId27"/>
+    </p:embeddedFont>
+    <p:embeddedFont>
       <p:font typeface="Bricolage Grotesque Semi-Bold" panose="020B0604020202020204" charset="0"/>
-      <p:regular r:id="rId19"/>
+      <p:regular r:id="rId28"/>
+    </p:embeddedFont>
+    <p:embeddedFont>
+      <p:font typeface="Canva Sans Bold" panose="020B0604020202020204" charset="0"/>
+      <p:regular r:id="rId29"/>
     </p:embeddedFont>
     <p:embeddedFont>
       <p:font typeface="HK Grotesk" panose="020B0604020202020204" charset="0"/>
-      <p:regular r:id="rId20"/>
-    </p:embeddedFont>
-    <p:embeddedFont>
-      <p:font typeface="Calibri" panose="020F0502020204030204" pitchFamily="34" charset="0"/>
-      <p:regular r:id="rId21"/>
-      <p:bold r:id="rId22"/>
-      <p:italic r:id="rId23"/>
-      <p:boldItalic r:id="rId24"/>
-    </p:embeddedFont>
-    <p:embeddedFont>
-      <p:font typeface="Canva Sans Bold" panose="020B0604020202020204" charset="0"/>
-      <p:regular r:id="rId25"/>
+      <p:regular r:id="rId30"/>
     </p:embeddedFont>
     <p:embeddedFont>
       <p:font typeface="Bricolage Grotesque Bold" panose="020B0604020202020204" charset="0"/>
-      <p:regular r:id="rId26"/>
+      <p:regular r:id="rId31"/>
     </p:embeddedFont>
     <p:embeddedFont>
       <p:font typeface="Bricolage Grotesque" panose="020B0604020202020204" charset="0"/>
-      <p:regular r:id="rId27"/>
+      <p:regular r:id="rId32"/>
     </p:embeddedFont>
   </p:embeddedFontLst>
   <p:defaultTextStyle>
@@ -350,7 +355,7 @@
             <a:fld id="{1D8BD707-D9CF-40AE-B4C6-C98DA3205C09}" type="datetimeFigureOut">
               <a:rPr lang="en-US" smtClean="0"/>
               <a:pPr/>
-              <a:t>2026-01-02</a:t>
+              <a:t>2026-01-15</a:t>
             </a:fld>
             <a:endParaRPr lang="en-US"/>
           </a:p>
@@ -517,7 +522,7 @@
             <a:fld id="{1D8BD707-D9CF-40AE-B4C6-C98DA3205C09}" type="datetimeFigureOut">
               <a:rPr lang="en-US" smtClean="0"/>
               <a:pPr/>
-              <a:t>2026-01-02</a:t>
+              <a:t>2026-01-15</a:t>
             </a:fld>
             <a:endParaRPr lang="en-US"/>
           </a:p>
@@ -694,7 +699,7 @@
             <a:fld id="{1D8BD707-D9CF-40AE-B4C6-C98DA3205C09}" type="datetimeFigureOut">
               <a:rPr lang="en-US" smtClean="0"/>
               <a:pPr/>
-              <a:t>2026-01-02</a:t>
+              <a:t>2026-01-15</a:t>
             </a:fld>
             <a:endParaRPr lang="en-US"/>
           </a:p>
@@ -861,7 +866,7 @@
             <a:fld id="{1D8BD707-D9CF-40AE-B4C6-C98DA3205C09}" type="datetimeFigureOut">
               <a:rPr lang="en-US" smtClean="0"/>
               <a:pPr/>
-              <a:t>2026-01-02</a:t>
+              <a:t>2026-01-15</a:t>
             </a:fld>
             <a:endParaRPr lang="en-US"/>
           </a:p>
@@ -1104,7 +1109,7 @@
             <a:fld id="{1D8BD707-D9CF-40AE-B4C6-C98DA3205C09}" type="datetimeFigureOut">
               <a:rPr lang="en-US" smtClean="0"/>
               <a:pPr/>
-              <a:t>2026-01-02</a:t>
+              <a:t>2026-01-15</a:t>
             </a:fld>
             <a:endParaRPr lang="en-US"/>
           </a:p>
@@ -1389,7 +1394,7 @@
             <a:fld id="{1D8BD707-D9CF-40AE-B4C6-C98DA3205C09}" type="datetimeFigureOut">
               <a:rPr lang="en-US" smtClean="0"/>
               <a:pPr/>
-              <a:t>2026-01-02</a:t>
+              <a:t>2026-01-15</a:t>
             </a:fld>
             <a:endParaRPr lang="en-US"/>
           </a:p>
@@ -1808,7 +1813,7 @@
             <a:fld id="{1D8BD707-D9CF-40AE-B4C6-C98DA3205C09}" type="datetimeFigureOut">
               <a:rPr lang="en-US" smtClean="0"/>
               <a:pPr/>
-              <a:t>2026-01-02</a:t>
+              <a:t>2026-01-15</a:t>
             </a:fld>
             <a:endParaRPr lang="en-US"/>
           </a:p>
@@ -1923,7 +1928,7 @@
             <a:fld id="{1D8BD707-D9CF-40AE-B4C6-C98DA3205C09}" type="datetimeFigureOut">
               <a:rPr lang="en-US" smtClean="0"/>
               <a:pPr/>
-              <a:t>2026-01-02</a:t>
+              <a:t>2026-01-15</a:t>
             </a:fld>
             <a:endParaRPr lang="en-US"/>
           </a:p>
@@ -2015,7 +2020,7 @@
             <a:fld id="{1D8BD707-D9CF-40AE-B4C6-C98DA3205C09}" type="datetimeFigureOut">
               <a:rPr lang="en-US" smtClean="0"/>
               <a:pPr/>
-              <a:t>2026-01-02</a:t>
+              <a:t>2026-01-15</a:t>
             </a:fld>
             <a:endParaRPr lang="en-US"/>
           </a:p>
@@ -2289,7 +2294,7 @@
             <a:fld id="{1D8BD707-D9CF-40AE-B4C6-C98DA3205C09}" type="datetimeFigureOut">
               <a:rPr lang="en-US" smtClean="0"/>
               <a:pPr/>
-              <a:t>2026-01-02</a:t>
+              <a:t>2026-01-15</a:t>
             </a:fld>
             <a:endParaRPr lang="en-US"/>
           </a:p>
@@ -2539,7 +2544,7 @@
             <a:fld id="{1D8BD707-D9CF-40AE-B4C6-C98DA3205C09}" type="datetimeFigureOut">
               <a:rPr lang="en-US" smtClean="0"/>
               <a:pPr/>
-              <a:t>2026-01-02</a:t>
+              <a:t>2026-01-15</a:t>
             </a:fld>
             <a:endParaRPr lang="en-US"/>
           </a:p>
@@ -2749,7 +2754,7 @@
             <a:fld id="{1D8BD707-D9CF-40AE-B4C6-C98DA3205C09}" type="datetimeFigureOut">
               <a:rPr lang="en-US" smtClean="0"/>
               <a:pPr/>
-              <a:t>2026-01-02</a:t>
+              <a:t>2026-01-15</a:t>
             </a:fld>
             <a:endParaRPr lang="en-US"/>
           </a:p>
@@ -3282,7 +3287,7 @@
               <a:blip r:embed="rId3">
                 <a:extLst>
                   <a:ext uri="{96DAC541-7B7A-43D3-8B79-37D633B846F1}">
-                    <asvg:svgBlip xmlns:asvg="http://schemas.microsoft.com/office/drawing/2016/SVG/main" xmlns="" r:embed="rId4"/>
+                    <asvg:svgBlip xmlns="" xmlns:asvg="http://schemas.microsoft.com/office/drawing/2016/SVG/main" r:embed="rId4"/>
                   </a:ext>
                 </a:extLst>
               </a:blip>
@@ -3482,6 +3487,607 @@
           <a:chExt cx="0" cy="0"/>
         </a:xfrm>
       </p:grpSpPr>
+      <p:graphicFrame>
+        <p:nvGraphicFramePr>
+          <p:cNvPr id="2" name="Table 2"/>
+          <p:cNvGraphicFramePr>
+            <a:graphicFrameLocks noGrp="1"/>
+          </p:cNvGraphicFramePr>
+          <p:nvPr/>
+        </p:nvGraphicFramePr>
+        <p:xfrm>
+          <a:off x="1028700" y="1690000"/>
+          <a:ext cx="16230600" cy="7568300"/>
+        </p:xfrm>
+        <a:graphic>
+          <a:graphicData uri="http://schemas.openxmlformats.org/drawingml/2006/table">
+            <a:tbl>
+              <a:tblPr/>
+              <a:tblGrid>
+                <a:gridCol w="8115300">
+                  <a:extLst>
+                    <a:ext uri="{9D8B030D-6E8A-4147-A177-3AD203B41FA5}">
+                      <a16:colId xmlns:a16="http://schemas.microsoft.com/office/drawing/2014/main" val="20000"/>
+                    </a:ext>
+                  </a:extLst>
+                </a:gridCol>
+                <a:gridCol w="8115300">
+                  <a:extLst>
+                    <a:ext uri="{9D8B030D-6E8A-4147-A177-3AD203B41FA5}">
+                      <a16:colId xmlns:a16="http://schemas.microsoft.com/office/drawing/2014/main" val="20001"/>
+                    </a:ext>
+                  </a:extLst>
+                </a:gridCol>
+              </a:tblGrid>
+              <a:tr h="1100917">
+                <a:tc>
+                  <a:txBody>
+                    <a:bodyPr/>
+                    <a:lstStyle/>
+                    <a:p>
+                      <a:pPr algn="ctr">
+                        <a:lnSpc>
+                          <a:spcPts val="4200"/>
+                        </a:lnSpc>
+                        <a:defRPr/>
+                      </a:pPr>
+                      <a:r>
+                        <a:rPr lang="en-US" sz="3000" b="1">
+                          <a:solidFill>
+                            <a:srgbClr val="000000"/>
+                          </a:solidFill>
+                          <a:latin typeface="Bricolage Grotesque Bold"/>
+                          <a:ea typeface="Bricolage Grotesque Bold"/>
+                          <a:cs typeface="Bricolage Grotesque Bold"/>
+                          <a:sym typeface="Bricolage Grotesque Bold"/>
+                        </a:rPr>
+                        <a:t>NPM (Node Package Manager)</a:t>
+                      </a:r>
+                      <a:endParaRPr lang="en-US" sz="1100"/>
+                    </a:p>
+                  </a:txBody>
+                  <a:tcPr marL="190500" marR="190500" marT="190500" marB="190500" anchor="ctr">
+                    <a:lnL w="38100" cap="flat" cmpd="sng" algn="ctr">
+                      <a:solidFill>
+                        <a:srgbClr val="000000"/>
+                      </a:solidFill>
+                      <a:prstDash val="solid"/>
+                      <a:round/>
+                      <a:headEnd type="none" w="med" len="med"/>
+                      <a:tailEnd type="none" w="med" len="med"/>
+                    </a:lnL>
+                    <a:lnR w="38100" cap="flat" cmpd="sng" algn="ctr">
+                      <a:solidFill>
+                        <a:srgbClr val="000000"/>
+                      </a:solidFill>
+                      <a:prstDash val="solid"/>
+                      <a:round/>
+                      <a:headEnd type="none" w="med" len="med"/>
+                      <a:tailEnd type="none" w="med" len="med"/>
+                    </a:lnR>
+                    <a:lnT w="38100" cap="flat" cmpd="sng" algn="ctr">
+                      <a:solidFill>
+                        <a:srgbClr val="000000"/>
+                      </a:solidFill>
+                      <a:prstDash val="solid"/>
+                      <a:round/>
+                      <a:headEnd type="none" w="med" len="med"/>
+                      <a:tailEnd type="none" w="med" len="med"/>
+                    </a:lnT>
+                    <a:lnB w="38100" cap="flat" cmpd="sng" algn="ctr">
+                      <a:solidFill>
+                        <a:srgbClr val="000000"/>
+                      </a:solidFill>
+                      <a:prstDash val="solid"/>
+                      <a:round/>
+                      <a:headEnd type="none" w="med" len="med"/>
+                      <a:tailEnd type="none" w="med" len="med"/>
+                    </a:lnB>
+                  </a:tcPr>
+                </a:tc>
+                <a:tc>
+                  <a:txBody>
+                    <a:bodyPr/>
+                    <a:lstStyle/>
+                    <a:p>
+                      <a:pPr algn="ctr">
+                        <a:lnSpc>
+                          <a:spcPts val="4200"/>
+                        </a:lnSpc>
+                        <a:defRPr/>
+                      </a:pPr>
+                      <a:r>
+                        <a:rPr lang="en-US" sz="3000" b="1">
+                          <a:solidFill>
+                            <a:srgbClr val="000000"/>
+                          </a:solidFill>
+                          <a:latin typeface="Bricolage Grotesque Bold"/>
+                          <a:ea typeface="Bricolage Grotesque Bold"/>
+                          <a:cs typeface="Bricolage Grotesque Bold"/>
+                          <a:sym typeface="Bricolage Grotesque Bold"/>
+                        </a:rPr>
+                        <a:t>NuGet</a:t>
+                      </a:r>
+                      <a:endParaRPr lang="en-US" sz="1100"/>
+                    </a:p>
+                  </a:txBody>
+                  <a:tcPr marL="190500" marR="190500" marT="190500" marB="190500" anchor="ctr">
+                    <a:lnL w="38100" cap="flat" cmpd="sng" algn="ctr">
+                      <a:solidFill>
+                        <a:srgbClr val="000000"/>
+                      </a:solidFill>
+                      <a:prstDash val="solid"/>
+                      <a:round/>
+                      <a:headEnd type="none" w="med" len="med"/>
+                      <a:tailEnd type="none" w="med" len="med"/>
+                    </a:lnL>
+                    <a:lnR w="38100" cap="flat" cmpd="sng" algn="ctr">
+                      <a:solidFill>
+                        <a:srgbClr val="000000"/>
+                      </a:solidFill>
+                      <a:prstDash val="solid"/>
+                      <a:round/>
+                      <a:headEnd type="none" w="med" len="med"/>
+                      <a:tailEnd type="none" w="med" len="med"/>
+                    </a:lnR>
+                    <a:lnT w="38100" cap="flat" cmpd="sng" algn="ctr">
+                      <a:solidFill>
+                        <a:srgbClr val="000000"/>
+                      </a:solidFill>
+                      <a:prstDash val="solid"/>
+                      <a:round/>
+                      <a:headEnd type="none" w="med" len="med"/>
+                      <a:tailEnd type="none" w="med" len="med"/>
+                    </a:lnT>
+                    <a:lnB w="38100" cap="flat" cmpd="sng" algn="ctr">
+                      <a:solidFill>
+                        <a:srgbClr val="000000"/>
+                      </a:solidFill>
+                      <a:prstDash val="solid"/>
+                      <a:round/>
+                      <a:headEnd type="none" w="med" len="med"/>
+                      <a:tailEnd type="none" w="med" len="med"/>
+                    </a:lnB>
+                  </a:tcPr>
+                </a:tc>
+                <a:extLst>
+                  <a:ext uri="{0D108BD9-81ED-4DB2-BD59-A6C34878D82A}">
+                    <a16:rowId xmlns:a16="http://schemas.microsoft.com/office/drawing/2014/main" val="10000"/>
+                  </a:ext>
+                </a:extLst>
+              </a:tr>
+              <a:tr h="6467383">
+                <a:tc>
+                  <a:txBody>
+                    <a:bodyPr/>
+                    <a:lstStyle/>
+                    <a:p>
+                      <a:pPr marL="539746" lvl="1" indent="-269873" algn="l">
+                        <a:lnSpc>
+                          <a:spcPts val="3749"/>
+                        </a:lnSpc>
+                        <a:buFont typeface="Arial"/>
+                        <a:buChar char="•"/>
+                        <a:defRPr/>
+                      </a:pPr>
+                      <a:r>
+                        <a:rPr lang="en-US" sz="2499">
+                          <a:solidFill>
+                            <a:srgbClr val="000000"/>
+                          </a:solidFill>
+                          <a:latin typeface="Bricolage Grotesque"/>
+                          <a:ea typeface="Bricolage Grotesque"/>
+                          <a:cs typeface="Bricolage Grotesque"/>
+                          <a:sym typeface="Bricolage Grotesque"/>
+                        </a:rPr>
+                        <a:t>Là công cụ quản lý gói cho Node.js và JavaScript.</a:t>
+                      </a:r>
+                      <a:endParaRPr lang="en-US" sz="1100"/>
+                    </a:p>
+                    <a:p>
+                      <a:pPr algn="l">
+                        <a:lnSpc>
+                          <a:spcPts val="3749"/>
+                        </a:lnSpc>
+                      </a:pPr>
+                      <a:endParaRPr lang="en-US" sz="1100"/>
+                    </a:p>
+                    <a:p>
+                      <a:pPr marL="539746" lvl="1" indent="-269873" algn="l">
+                        <a:lnSpc>
+                          <a:spcPts val="3749"/>
+                        </a:lnSpc>
+                        <a:buFont typeface="Arial"/>
+                        <a:buChar char="•"/>
+                      </a:pPr>
+                      <a:r>
+                        <a:rPr lang="en-US" sz="2499">
+                          <a:solidFill>
+                            <a:srgbClr val="000000"/>
+                          </a:solidFill>
+                          <a:latin typeface="Bricolage Grotesque"/>
+                          <a:ea typeface="Bricolage Grotesque"/>
+                          <a:cs typeface="Bricolage Grotesque"/>
+                          <a:sym typeface="Bricolage Grotesque"/>
+                        </a:rPr>
+                        <a:t>Được sử dụng để cài đặt và quản lý các thư viện JavaScript và các công cụ phát triển liên quan.</a:t>
+                      </a:r>
+                    </a:p>
+                    <a:p>
+                      <a:pPr algn="l">
+                        <a:lnSpc>
+                          <a:spcPts val="3749"/>
+                        </a:lnSpc>
+                      </a:pPr>
+                      <a:endParaRPr lang="en-US" sz="2499">
+                        <a:solidFill>
+                          <a:srgbClr val="000000"/>
+                        </a:solidFill>
+                        <a:latin typeface="Bricolage Grotesque"/>
+                        <a:ea typeface="Bricolage Grotesque"/>
+                        <a:cs typeface="Bricolage Grotesque"/>
+                        <a:sym typeface="Bricolage Grotesque"/>
+                      </a:endParaRPr>
+                    </a:p>
+                    <a:p>
+                      <a:pPr marL="539746" lvl="1" indent="-269873" algn="l">
+                        <a:lnSpc>
+                          <a:spcPts val="3749"/>
+                        </a:lnSpc>
+                        <a:buFont typeface="Arial"/>
+                        <a:buChar char="•"/>
+                      </a:pPr>
+                      <a:r>
+                        <a:rPr lang="en-US" sz="2499">
+                          <a:solidFill>
+                            <a:srgbClr val="000000"/>
+                          </a:solidFill>
+                          <a:latin typeface="Bricolage Grotesque"/>
+                          <a:ea typeface="Bricolage Grotesque"/>
+                          <a:cs typeface="Bricolage Grotesque"/>
+                          <a:sym typeface="Bricolage Grotesque"/>
+                        </a:rPr>
+                        <a:t>Các gói được cài đặt từ kho lưu trữ trực tuyến (npm registry).</a:t>
+                      </a:r>
+                    </a:p>
+                    <a:p>
+                      <a:pPr algn="l">
+                        <a:lnSpc>
+                          <a:spcPts val="3749"/>
+                        </a:lnSpc>
+                      </a:pPr>
+                      <a:endParaRPr lang="en-US" sz="2499">
+                        <a:solidFill>
+                          <a:srgbClr val="000000"/>
+                        </a:solidFill>
+                        <a:latin typeface="Bricolage Grotesque"/>
+                        <a:ea typeface="Bricolage Grotesque"/>
+                        <a:cs typeface="Bricolage Grotesque"/>
+                        <a:sym typeface="Bricolage Grotesque"/>
+                      </a:endParaRPr>
+                    </a:p>
+                    <a:p>
+                      <a:pPr marL="539746" lvl="1" indent="-269873" algn="l">
+                        <a:lnSpc>
+                          <a:spcPts val="3749"/>
+                        </a:lnSpc>
+                        <a:buFont typeface="Arial"/>
+                        <a:buChar char="•"/>
+                      </a:pPr>
+                      <a:r>
+                        <a:rPr lang="en-US" sz="2499">
+                          <a:solidFill>
+                            <a:srgbClr val="000000"/>
+                          </a:solidFill>
+                          <a:latin typeface="Bricolage Grotesque"/>
+                          <a:ea typeface="Bricolage Grotesque"/>
+                          <a:cs typeface="Bricolage Grotesque"/>
+                          <a:sym typeface="Bricolage Grotesque"/>
+                        </a:rPr>
+                        <a:t>Hỗ trợ các tệp cấu hình như package.json để quản lý các gói và thông tin dự án.</a:t>
+                      </a:r>
+                    </a:p>
+                  </a:txBody>
+                  <a:tcPr marL="190500" marR="190500" marT="190500" marB="190500" anchor="ctr">
+                    <a:lnL w="38100" cap="flat" cmpd="sng" algn="ctr">
+                      <a:solidFill>
+                        <a:srgbClr val="000000"/>
+                      </a:solidFill>
+                      <a:prstDash val="solid"/>
+                      <a:round/>
+                      <a:headEnd type="none" w="med" len="med"/>
+                      <a:tailEnd type="none" w="med" len="med"/>
+                    </a:lnL>
+                    <a:lnR w="38100" cap="flat" cmpd="sng" algn="ctr">
+                      <a:solidFill>
+                        <a:srgbClr val="000000"/>
+                      </a:solidFill>
+                      <a:prstDash val="solid"/>
+                      <a:round/>
+                      <a:headEnd type="none" w="med" len="med"/>
+                      <a:tailEnd type="none" w="med" len="med"/>
+                    </a:lnR>
+                    <a:lnT w="38100" cap="flat" cmpd="sng" algn="ctr">
+                      <a:solidFill>
+                        <a:srgbClr val="000000"/>
+                      </a:solidFill>
+                      <a:prstDash val="solid"/>
+                      <a:round/>
+                      <a:headEnd type="none" w="med" len="med"/>
+                      <a:tailEnd type="none" w="med" len="med"/>
+                    </a:lnT>
+                    <a:lnB w="38100" cap="flat" cmpd="sng" algn="ctr">
+                      <a:solidFill>
+                        <a:srgbClr val="000000"/>
+                      </a:solidFill>
+                      <a:prstDash val="solid"/>
+                      <a:round/>
+                      <a:headEnd type="none" w="med" len="med"/>
+                      <a:tailEnd type="none" w="med" len="med"/>
+                    </a:lnB>
+                  </a:tcPr>
+                </a:tc>
+                <a:tc>
+                  <a:txBody>
+                    <a:bodyPr/>
+                    <a:lstStyle/>
+                    <a:p>
+                      <a:pPr marL="539746" lvl="1" indent="-269873" algn="l">
+                        <a:lnSpc>
+                          <a:spcPts val="3749"/>
+                        </a:lnSpc>
+                        <a:buFont typeface="Arial"/>
+                        <a:buChar char="•"/>
+                        <a:defRPr/>
+                      </a:pPr>
+                      <a:r>
+                        <a:rPr lang="en-US" sz="2499">
+                          <a:solidFill>
+                            <a:srgbClr val="000000"/>
+                          </a:solidFill>
+                          <a:latin typeface="Bricolage Grotesque"/>
+                          <a:ea typeface="Bricolage Grotesque"/>
+                          <a:cs typeface="Bricolage Grotesque"/>
+                          <a:sym typeface="Bricolage Grotesque"/>
+                        </a:rPr>
+                        <a:t>Là công cụ quản lý gói cho .NET và các ứng dụng dựa trên .NET.</a:t>
+                      </a:r>
+                      <a:endParaRPr lang="en-US" sz="1100"/>
+                    </a:p>
+                    <a:p>
+                      <a:pPr algn="l">
+                        <a:lnSpc>
+                          <a:spcPts val="3749"/>
+                        </a:lnSpc>
+                      </a:pPr>
+                      <a:endParaRPr lang="en-US" sz="1100"/>
+                    </a:p>
+                    <a:p>
+                      <a:pPr marL="539746" lvl="1" indent="-269873" algn="l">
+                        <a:lnSpc>
+                          <a:spcPts val="3749"/>
+                        </a:lnSpc>
+                        <a:buFont typeface="Arial"/>
+                        <a:buChar char="•"/>
+                      </a:pPr>
+                      <a:r>
+                        <a:rPr lang="en-US" sz="2499">
+                          <a:solidFill>
+                            <a:srgbClr val="000000"/>
+                          </a:solidFill>
+                          <a:latin typeface="Bricolage Grotesque"/>
+                          <a:ea typeface="Bricolage Grotesque"/>
+                          <a:cs typeface="Bricolage Grotesque"/>
+                          <a:sym typeface="Bricolage Grotesque"/>
+                        </a:rPr>
+                        <a:t>Được sử dụng để cài đặt và quản lý các thư viện .NET, bao gồm cả thư viện cho ASP.NET, WinForms, WPF và các loại dự án khác.</a:t>
+                      </a:r>
+                    </a:p>
+                    <a:p>
+                      <a:pPr algn="l">
+                        <a:lnSpc>
+                          <a:spcPts val="3749"/>
+                        </a:lnSpc>
+                      </a:pPr>
+                      <a:endParaRPr lang="en-US" sz="2499">
+                        <a:solidFill>
+                          <a:srgbClr val="000000"/>
+                        </a:solidFill>
+                        <a:latin typeface="Bricolage Grotesque"/>
+                        <a:ea typeface="Bricolage Grotesque"/>
+                        <a:cs typeface="Bricolage Grotesque"/>
+                        <a:sym typeface="Bricolage Grotesque"/>
+                      </a:endParaRPr>
+                    </a:p>
+                    <a:p>
+                      <a:pPr marL="539746" lvl="1" indent="-269873" algn="l">
+                        <a:lnSpc>
+                          <a:spcPts val="3749"/>
+                        </a:lnSpc>
+                        <a:buFont typeface="Arial"/>
+                        <a:buChar char="•"/>
+                      </a:pPr>
+                      <a:r>
+                        <a:rPr lang="en-US" sz="2499">
+                          <a:solidFill>
+                            <a:srgbClr val="000000"/>
+                          </a:solidFill>
+                          <a:latin typeface="Bricolage Grotesque"/>
+                          <a:ea typeface="Bricolage Grotesque"/>
+                          <a:cs typeface="Bricolage Grotesque"/>
+                          <a:sym typeface="Bricolage Grotesque"/>
+                        </a:rPr>
+                        <a:t>Các gói được cài đặt từ kho lưu trữ NuGet (nuget.org).</a:t>
+                      </a:r>
+                    </a:p>
+                    <a:p>
+                      <a:pPr algn="l">
+                        <a:lnSpc>
+                          <a:spcPts val="3749"/>
+                        </a:lnSpc>
+                      </a:pPr>
+                      <a:endParaRPr lang="en-US" sz="2499">
+                        <a:solidFill>
+                          <a:srgbClr val="000000"/>
+                        </a:solidFill>
+                        <a:latin typeface="Bricolage Grotesque"/>
+                        <a:ea typeface="Bricolage Grotesque"/>
+                        <a:cs typeface="Bricolage Grotesque"/>
+                        <a:sym typeface="Bricolage Grotesque"/>
+                      </a:endParaRPr>
+                    </a:p>
+                    <a:p>
+                      <a:pPr marL="539746" lvl="1" indent="-269873" algn="l">
+                        <a:lnSpc>
+                          <a:spcPts val="3749"/>
+                        </a:lnSpc>
+                        <a:buFont typeface="Arial"/>
+                        <a:buChar char="•"/>
+                      </a:pPr>
+                      <a:r>
+                        <a:rPr lang="en-US" sz="2499">
+                          <a:solidFill>
+                            <a:srgbClr val="000000"/>
+                          </a:solidFill>
+                          <a:latin typeface="Bricolage Grotesque"/>
+                          <a:ea typeface="Bricolage Grotesque"/>
+                          <a:cs typeface="Bricolage Grotesque"/>
+                          <a:sym typeface="Bricolage Grotesque"/>
+                        </a:rPr>
+                        <a:t>Sử dụng tệp cấu hình như packages.config hoặc .csproj để quản lý các gói và thông tin dự án.</a:t>
+                      </a:r>
+                    </a:p>
+                  </a:txBody>
+                  <a:tcPr marL="190500" marR="190500" marT="190500" marB="190500" anchor="ctr">
+                    <a:lnL w="38100" cap="flat" cmpd="sng" algn="ctr">
+                      <a:solidFill>
+                        <a:srgbClr val="000000"/>
+                      </a:solidFill>
+                      <a:prstDash val="solid"/>
+                      <a:round/>
+                      <a:headEnd type="none" w="med" len="med"/>
+                      <a:tailEnd type="none" w="med" len="med"/>
+                    </a:lnL>
+                    <a:lnR w="38100" cap="flat" cmpd="sng" algn="ctr">
+                      <a:solidFill>
+                        <a:srgbClr val="000000"/>
+                      </a:solidFill>
+                      <a:prstDash val="solid"/>
+                      <a:round/>
+                      <a:headEnd type="none" w="med" len="med"/>
+                      <a:tailEnd type="none" w="med" len="med"/>
+                    </a:lnR>
+                    <a:lnT w="38100" cap="flat" cmpd="sng" algn="ctr">
+                      <a:solidFill>
+                        <a:srgbClr val="000000"/>
+                      </a:solidFill>
+                      <a:prstDash val="solid"/>
+                      <a:round/>
+                      <a:headEnd type="none" w="med" len="med"/>
+                      <a:tailEnd type="none" w="med" len="med"/>
+                    </a:lnT>
+                    <a:lnB w="38100" cap="flat" cmpd="sng" algn="ctr">
+                      <a:solidFill>
+                        <a:srgbClr val="000000"/>
+                      </a:solidFill>
+                      <a:prstDash val="solid"/>
+                      <a:round/>
+                      <a:headEnd type="none" w="med" len="med"/>
+                      <a:tailEnd type="none" w="med" len="med"/>
+                    </a:lnB>
+                  </a:tcPr>
+                </a:tc>
+                <a:extLst>
+                  <a:ext uri="{0D108BD9-81ED-4DB2-BD59-A6C34878D82A}">
+                    <a16:rowId xmlns:a16="http://schemas.microsoft.com/office/drawing/2014/main" val="10001"/>
+                  </a:ext>
+                </a:extLst>
+              </a:tr>
+            </a:tbl>
+          </a:graphicData>
+        </a:graphic>
+      </p:graphicFrame>
+      <p:sp>
+        <p:nvSpPr>
+          <p:cNvPr id="3" name="TextBox 3"/>
+          <p:cNvSpPr txBox="1"/>
+          <p:nvPr/>
+        </p:nvSpPr>
+        <p:spPr>
+          <a:xfrm>
+            <a:off x="0" y="323789"/>
+            <a:ext cx="18288000" cy="812068"/>
+          </a:xfrm>
+          <a:prstGeom prst="rect">
+            <a:avLst/>
+          </a:prstGeom>
+        </p:spPr>
+        <p:txBody>
+          <a:bodyPr lIns="0" tIns="0" rIns="0" bIns="0" rtlCol="0" anchor="t">
+            <a:spAutoFit/>
+          </a:bodyPr>
+          <a:lstStyle/>
+          <a:p>
+            <a:pPr algn="ctr">
+              <a:lnSpc>
+                <a:spcPts val="6626"/>
+              </a:lnSpc>
+            </a:pPr>
+            <a:r>
+              <a:rPr lang="en-US" sz="4733" b="1">
+                <a:solidFill>
+                  <a:srgbClr val="000000"/>
+                </a:solidFill>
+                <a:latin typeface="Bricolage Grotesque Bold"/>
+                <a:ea typeface="Bricolage Grotesque Bold"/>
+                <a:cs typeface="Bricolage Grotesque Bold"/>
+                <a:sym typeface="Bricolage Grotesque Bold"/>
+              </a:rPr>
+              <a:t>NPM khác gì NuGet</a:t>
+            </a:r>
+          </a:p>
+        </p:txBody>
+      </p:sp>
+    </p:spTree>
+  </p:cSld>
+  <p:clrMapOvr>
+    <a:masterClrMapping/>
+  </p:clrMapOvr>
+  <p:timing>
+    <p:tnLst>
+      <p:par>
+        <p:cTn id="1" dur="indefinite" restart="never" nodeType="tmRoot"/>
+      </p:par>
+    </p:tnLst>
+  </p:timing>
+</p:sld>
+</file>
+
+<file path=ppt/slides/slide11.xml><?xml version="1.0" encoding="utf-8"?>
+<p:sld xmlns:a="http://schemas.openxmlformats.org/drawingml/2006/main" xmlns:r="http://schemas.openxmlformats.org/officeDocument/2006/relationships" xmlns:p="http://schemas.openxmlformats.org/presentationml/2006/main">
+  <p:cSld>
+    <p:bg>
+      <p:bgPr>
+        <a:solidFill>
+          <a:srgbClr val="F7F7F7"/>
+        </a:solidFill>
+        <a:effectLst/>
+      </p:bgPr>
+    </p:bg>
+    <p:spTree>
+      <p:nvGrpSpPr>
+        <p:cNvPr id="1" name=""/>
+        <p:cNvGrpSpPr/>
+        <p:nvPr/>
+      </p:nvGrpSpPr>
+      <p:grpSpPr>
+        <a:xfrm>
+          <a:off x="0" y="0"/>
+          <a:ext cx="0" cy="0"/>
+          <a:chOff x="0" y="0"/>
+          <a:chExt cx="0" cy="0"/>
+        </a:xfrm>
+      </p:grpSpPr>
       <p:sp>
         <p:nvSpPr>
           <p:cNvPr id="2" name="Freeform 2"/>
@@ -3587,7 +4193,7 @@
 </p:sld>
 </file>
 
-<file path=ppt/slides/slide11.xml><?xml version="1.0" encoding="utf-8"?>
+<file path=ppt/slides/slide12.xml><?xml version="1.0" encoding="utf-8"?>
 <p:sld xmlns:a="http://schemas.openxmlformats.org/drawingml/2006/main" xmlns:r="http://schemas.openxmlformats.org/officeDocument/2006/relationships" xmlns:p="http://schemas.openxmlformats.org/presentationml/2006/main">
   <p:cSld>
     <p:bg>
@@ -4349,7 +4955,7 @@
 </p:sld>
 </file>
 
-<file path=ppt/slides/slide12.xml><?xml version="1.0" encoding="utf-8"?>
+<file path=ppt/slides/slide13.xml><?xml version="1.0" encoding="utf-8"?>
 <p:sld xmlns:a="http://schemas.openxmlformats.org/drawingml/2006/main" xmlns:r="http://schemas.openxmlformats.org/officeDocument/2006/relationships" xmlns:p="http://schemas.openxmlformats.org/presentationml/2006/main">
   <p:cSld>
     <p:bg>
@@ -4479,7 +5085,7 @@
 </p:sld>
 </file>
 
-<file path=ppt/slides/slide13.xml><?xml version="1.0" encoding="utf-8"?>
+<file path=ppt/slides/slide14.xml><?xml version="1.0" encoding="utf-8"?>
 <p:sld xmlns:a="http://schemas.openxmlformats.org/drawingml/2006/main" xmlns:r="http://schemas.openxmlformats.org/officeDocument/2006/relationships" xmlns:p="http://schemas.openxmlformats.org/presentationml/2006/main">
   <p:cSld>
     <p:bg>
@@ -4490,6 +5096,854 @@
         <a:effectLst/>
       </p:bgPr>
     </p:bg>
+    <p:spTree>
+      <p:nvGrpSpPr>
+        <p:cNvPr id="1" name=""/>
+        <p:cNvGrpSpPr/>
+        <p:nvPr/>
+      </p:nvGrpSpPr>
+      <p:grpSpPr>
+        <a:xfrm>
+          <a:off x="0" y="0"/>
+          <a:ext cx="0" cy="0"/>
+          <a:chOff x="0" y="0"/>
+          <a:chExt cx="0" cy="0"/>
+        </a:xfrm>
+      </p:grpSpPr>
+      <p:sp>
+        <p:nvSpPr>
+          <p:cNvPr id="9" name="TextBox 9"/>
+          <p:cNvSpPr txBox="1"/>
+          <p:nvPr/>
+        </p:nvSpPr>
+        <p:spPr>
+          <a:xfrm>
+            <a:off x="-762000" y="4076700"/>
+            <a:ext cx="7772400" cy="1795363"/>
+          </a:xfrm>
+          <a:prstGeom prst="rect">
+            <a:avLst/>
+          </a:prstGeom>
+        </p:spPr>
+        <p:txBody>
+          <a:bodyPr wrap="square" lIns="0" tIns="0" rIns="0" bIns="0" rtlCol="0" anchor="t">
+            <a:spAutoFit/>
+          </a:bodyPr>
+          <a:lstStyle/>
+          <a:p>
+            <a:pPr marL="0" lvl="0" indent="0" algn="ctr">
+              <a:lnSpc>
+                <a:spcPts val="6999"/>
+              </a:lnSpc>
+              <a:spcBef>
+                <a:spcPct val="0"/>
+              </a:spcBef>
+            </a:pPr>
+            <a:r>
+              <a:rPr lang="en-US" sz="6999" b="1" spc="-209" dirty="0" smtClean="0">
+                <a:solidFill>
+                  <a:srgbClr val="1E293B"/>
+                </a:solidFill>
+                <a:latin typeface="Bricolage Grotesque Semi-Bold"/>
+                <a:ea typeface="Bricolage Grotesque Semi-Bold"/>
+                <a:cs typeface="Bricolage Grotesque Semi-Bold"/>
+                <a:sym typeface="Bricolage Grotesque Semi-Bold"/>
+              </a:rPr>
+              <a:t>Spacing </a:t>
+            </a:r>
+            <a:r>
+              <a:rPr lang="en-US" sz="6999" b="1" spc="-209" dirty="0" err="1" smtClean="0">
+                <a:solidFill>
+                  <a:srgbClr val="1E293B"/>
+                </a:solidFill>
+                <a:latin typeface="Bricolage Grotesque Semi-Bold"/>
+                <a:ea typeface="Bricolage Grotesque Semi-Bold"/>
+                <a:cs typeface="Bricolage Grotesque Semi-Bold"/>
+                <a:sym typeface="Bricolage Grotesque Semi-Bold"/>
+              </a:rPr>
+              <a:t>trong</a:t>
+            </a:r>
+            <a:r>
+              <a:rPr lang="en-US" sz="6999" b="1" spc="-209" dirty="0" smtClean="0">
+                <a:solidFill>
+                  <a:srgbClr val="1E293B"/>
+                </a:solidFill>
+                <a:latin typeface="Bricolage Grotesque Semi-Bold"/>
+                <a:ea typeface="Bricolage Grotesque Semi-Bold"/>
+                <a:cs typeface="Bricolage Grotesque Semi-Bold"/>
+                <a:sym typeface="Bricolage Grotesque Semi-Bold"/>
+              </a:rPr>
+              <a:t> </a:t>
+            </a:r>
+            <a:r>
+              <a:rPr lang="en-US" sz="6999" b="1" spc="-209" dirty="0" err="1" smtClean="0">
+                <a:solidFill>
+                  <a:srgbClr val="1E293B"/>
+                </a:solidFill>
+                <a:latin typeface="Bricolage Grotesque Semi-Bold"/>
+                <a:ea typeface="Bricolage Grotesque Semi-Bold"/>
+                <a:cs typeface="Bricolage Grotesque Semi-Bold"/>
+                <a:sym typeface="Bricolage Grotesque Semi-Bold"/>
+              </a:rPr>
+              <a:t>TailwindCSS</a:t>
+            </a:r>
+            <a:endParaRPr lang="en-US" sz="6999" b="1" spc="-209" dirty="0">
+              <a:solidFill>
+                <a:srgbClr val="1E293B"/>
+              </a:solidFill>
+              <a:latin typeface="Bricolage Grotesque Semi-Bold"/>
+              <a:ea typeface="Bricolage Grotesque Semi-Bold"/>
+              <a:cs typeface="Bricolage Grotesque Semi-Bold"/>
+              <a:sym typeface="Bricolage Grotesque Semi-Bold"/>
+            </a:endParaRPr>
+          </a:p>
+        </p:txBody>
+      </p:sp>
+      <p:pic>
+        <p:nvPicPr>
+          <p:cNvPr id="12" name="Picture 11"/>
+          <p:cNvPicPr>
+            <a:picLocks noChangeAspect="1"/>
+          </p:cNvPicPr>
+          <p:nvPr/>
+        </p:nvPicPr>
+        <p:blipFill>
+          <a:blip r:embed="rId2"/>
+          <a:stretch>
+            <a:fillRect/>
+          </a:stretch>
+        </p:blipFill>
+        <p:spPr>
+          <a:xfrm>
+            <a:off x="6705600" y="571500"/>
+            <a:ext cx="10892118" cy="9070305"/>
+          </a:xfrm>
+          <a:prstGeom prst="rect">
+            <a:avLst/>
+          </a:prstGeom>
+        </p:spPr>
+      </p:pic>
+    </p:spTree>
+  </p:cSld>
+  <p:clrMapOvr>
+    <a:masterClrMapping/>
+  </p:clrMapOvr>
+  <p:timing>
+    <p:tnLst>
+      <p:par>
+        <p:cTn id="1" dur="indefinite" restart="never" nodeType="tmRoot"/>
+      </p:par>
+    </p:tnLst>
+  </p:timing>
+</p:sld>
+</file>
+
+<file path=ppt/slides/slide15.xml><?xml version="1.0" encoding="utf-8"?>
+<p:sld xmlns:a="http://schemas.openxmlformats.org/drawingml/2006/main" xmlns:r="http://schemas.openxmlformats.org/officeDocument/2006/relationships" xmlns:p="http://schemas.openxmlformats.org/presentationml/2006/main">
+  <p:cSld>
+    <p:bg>
+      <p:bgPr>
+        <a:solidFill>
+          <a:srgbClr val="F7F7F7"/>
+        </a:solidFill>
+        <a:effectLst/>
+      </p:bgPr>
+    </p:bg>
+    <p:spTree>
+      <p:nvGrpSpPr>
+        <p:cNvPr id="1" name=""/>
+        <p:cNvGrpSpPr/>
+        <p:nvPr/>
+      </p:nvGrpSpPr>
+      <p:grpSpPr>
+        <a:xfrm>
+          <a:off x="0" y="0"/>
+          <a:ext cx="0" cy="0"/>
+          <a:chOff x="0" y="0"/>
+          <a:chExt cx="0" cy="0"/>
+        </a:xfrm>
+      </p:grpSpPr>
+      <p:sp>
+        <p:nvSpPr>
+          <p:cNvPr id="2" name="Freeform 2"/>
+          <p:cNvSpPr/>
+          <p:nvPr/>
+        </p:nvSpPr>
+        <p:spPr>
+          <a:xfrm>
+            <a:off x="1028700" y="5551828"/>
+            <a:ext cx="5311123" cy="3947130"/>
+          </a:xfrm>
+          <a:custGeom>
+            <a:avLst/>
+            <a:gdLst/>
+            <a:ahLst/>
+            <a:cxnLst/>
+            <a:rect l="l" t="t" r="r" b="b"/>
+            <a:pathLst>
+              <a:path w="5311123" h="3947130">
+                <a:moveTo>
+                  <a:pt x="0" y="0"/>
+                </a:moveTo>
+                <a:lnTo>
+                  <a:pt x="5311123" y="0"/>
+                </a:lnTo>
+                <a:lnTo>
+                  <a:pt x="5311123" y="3947130"/>
+                </a:lnTo>
+                <a:lnTo>
+                  <a:pt x="0" y="3947130"/>
+                </a:lnTo>
+                <a:lnTo>
+                  <a:pt x="0" y="0"/>
+                </a:lnTo>
+                <a:close/>
+              </a:path>
+            </a:pathLst>
+          </a:custGeom>
+          <a:blipFill>
+            <a:blip r:embed="rId2"/>
+            <a:stretch>
+              <a:fillRect/>
+            </a:stretch>
+          </a:blipFill>
+        </p:spPr>
+      </p:sp>
+      <p:sp>
+        <p:nvSpPr>
+          <p:cNvPr id="3" name="Freeform 3"/>
+          <p:cNvSpPr/>
+          <p:nvPr/>
+        </p:nvSpPr>
+        <p:spPr>
+          <a:xfrm>
+            <a:off x="7177159" y="6614493"/>
+            <a:ext cx="10388551" cy="2164981"/>
+          </a:xfrm>
+          <a:custGeom>
+            <a:avLst/>
+            <a:gdLst/>
+            <a:ahLst/>
+            <a:cxnLst/>
+            <a:rect l="l" t="t" r="r" b="b"/>
+            <a:pathLst>
+              <a:path w="10388551" h="2164981">
+                <a:moveTo>
+                  <a:pt x="0" y="0"/>
+                </a:moveTo>
+                <a:lnTo>
+                  <a:pt x="10388550" y="0"/>
+                </a:lnTo>
+                <a:lnTo>
+                  <a:pt x="10388550" y="2164981"/>
+                </a:lnTo>
+                <a:lnTo>
+                  <a:pt x="0" y="2164981"/>
+                </a:lnTo>
+                <a:lnTo>
+                  <a:pt x="0" y="0"/>
+                </a:lnTo>
+                <a:close/>
+              </a:path>
+            </a:pathLst>
+          </a:custGeom>
+          <a:blipFill>
+            <a:blip r:embed="rId3"/>
+            <a:stretch>
+              <a:fillRect/>
+            </a:stretch>
+          </a:blipFill>
+        </p:spPr>
+      </p:sp>
+      <p:sp>
+        <p:nvSpPr>
+          <p:cNvPr id="4" name="TextBox 4"/>
+          <p:cNvSpPr txBox="1"/>
+          <p:nvPr/>
+        </p:nvSpPr>
+        <p:spPr>
+          <a:xfrm>
+            <a:off x="0" y="442363"/>
+            <a:ext cx="18288000" cy="930275"/>
+          </a:xfrm>
+          <a:prstGeom prst="rect">
+            <a:avLst/>
+          </a:prstGeom>
+        </p:spPr>
+        <p:txBody>
+          <a:bodyPr lIns="0" tIns="0" rIns="0" bIns="0" rtlCol="0" anchor="t">
+            <a:spAutoFit/>
+          </a:bodyPr>
+          <a:lstStyle/>
+          <a:p>
+            <a:pPr marL="0" lvl="0" indent="0" algn="ctr">
+              <a:lnSpc>
+                <a:spcPts val="6999"/>
+              </a:lnSpc>
+              <a:spcBef>
+                <a:spcPct val="0"/>
+              </a:spcBef>
+            </a:pPr>
+            <a:r>
+              <a:rPr lang="en-US" sz="6999" b="1" spc="-209">
+                <a:solidFill>
+                  <a:srgbClr val="1E293B"/>
+                </a:solidFill>
+                <a:latin typeface="Bricolage Grotesque Semi-Bold"/>
+                <a:ea typeface="Bricolage Grotesque Semi-Bold"/>
+                <a:cs typeface="Bricolage Grotesque Semi-Bold"/>
+                <a:sym typeface="Bricolage Grotesque Semi-Bold"/>
+              </a:rPr>
+              <a:t>Cài đặt font chữ</a:t>
+            </a:r>
+          </a:p>
+        </p:txBody>
+      </p:sp>
+      <p:sp>
+        <p:nvSpPr>
+          <p:cNvPr id="5" name="TextBox 5"/>
+          <p:cNvSpPr txBox="1"/>
+          <p:nvPr/>
+        </p:nvSpPr>
+        <p:spPr>
+          <a:xfrm>
+            <a:off x="1028700" y="2273518"/>
+            <a:ext cx="17700676" cy="1171575"/>
+          </a:xfrm>
+          <a:prstGeom prst="rect">
+            <a:avLst/>
+          </a:prstGeom>
+        </p:spPr>
+        <p:txBody>
+          <a:bodyPr lIns="0" tIns="0" rIns="0" bIns="0" rtlCol="0" anchor="t">
+            <a:spAutoFit/>
+          </a:bodyPr>
+          <a:lstStyle/>
+          <a:p>
+            <a:pPr algn="l">
+              <a:lnSpc>
+                <a:spcPts val="3000"/>
+              </a:lnSpc>
+            </a:pPr>
+            <a:r>
+              <a:rPr lang="en-US" sz="3000" spc="-89" dirty="0" err="1">
+                <a:solidFill>
+                  <a:srgbClr val="1E293B"/>
+                </a:solidFill>
+                <a:latin typeface="Bricolage Grotesque"/>
+                <a:ea typeface="Bricolage Grotesque"/>
+                <a:cs typeface="Bricolage Grotesque"/>
+                <a:sym typeface="Bricolage Grotesque"/>
+              </a:rPr>
+              <a:t>Bước</a:t>
+            </a:r>
+            <a:r>
+              <a:rPr lang="en-US" sz="3000" spc="-89" dirty="0">
+                <a:solidFill>
+                  <a:srgbClr val="1E293B"/>
+                </a:solidFill>
+                <a:latin typeface="Bricolage Grotesque"/>
+                <a:ea typeface="Bricolage Grotesque"/>
+                <a:cs typeface="Bricolage Grotesque"/>
+                <a:sym typeface="Bricolage Grotesque"/>
+              </a:rPr>
+              <a:t> 1: </a:t>
+            </a:r>
+            <a:r>
+              <a:rPr lang="en-US" sz="3000" spc="-89" dirty="0" err="1">
+                <a:solidFill>
+                  <a:srgbClr val="1E293B"/>
+                </a:solidFill>
+                <a:latin typeface="Bricolage Grotesque"/>
+                <a:ea typeface="Bricolage Grotesque"/>
+                <a:cs typeface="Bricolage Grotesque"/>
+                <a:sym typeface="Bricolage Grotesque"/>
+              </a:rPr>
+              <a:t>Tìm</a:t>
+            </a:r>
+            <a:r>
+              <a:rPr lang="en-US" sz="3000" spc="-89" dirty="0">
+                <a:solidFill>
+                  <a:srgbClr val="1E293B"/>
+                </a:solidFill>
+                <a:latin typeface="Bricolage Grotesque"/>
+                <a:ea typeface="Bricolage Grotesque"/>
+                <a:cs typeface="Bricolage Grotesque"/>
+                <a:sym typeface="Bricolage Grotesque"/>
+              </a:rPr>
+              <a:t> </a:t>
+            </a:r>
+            <a:r>
+              <a:rPr lang="en-US" sz="3000" spc="-89" dirty="0" err="1">
+                <a:solidFill>
+                  <a:srgbClr val="1E293B"/>
+                </a:solidFill>
+                <a:latin typeface="Bricolage Grotesque"/>
+                <a:ea typeface="Bricolage Grotesque"/>
+                <a:cs typeface="Bricolage Grotesque"/>
+                <a:sym typeface="Bricolage Grotesque"/>
+              </a:rPr>
+              <a:t>từ</a:t>
+            </a:r>
+            <a:r>
+              <a:rPr lang="en-US" sz="3000" spc="-89" dirty="0">
+                <a:solidFill>
+                  <a:srgbClr val="1E293B"/>
+                </a:solidFill>
+                <a:latin typeface="Bricolage Grotesque"/>
+                <a:ea typeface="Bricolage Grotesque"/>
+                <a:cs typeface="Bricolage Grotesque"/>
+                <a:sym typeface="Bricolage Grotesque"/>
+              </a:rPr>
+              <a:t> </a:t>
+            </a:r>
+            <a:r>
+              <a:rPr lang="en-US" sz="3000" spc="-89" dirty="0" err="1">
+                <a:solidFill>
+                  <a:srgbClr val="1E293B"/>
+                </a:solidFill>
+                <a:latin typeface="Bricolage Grotesque"/>
+                <a:ea typeface="Bricolage Grotesque"/>
+                <a:cs typeface="Bricolage Grotesque"/>
+                <a:sym typeface="Bricolage Grotesque"/>
+              </a:rPr>
+              <a:t>khóa</a:t>
+            </a:r>
+            <a:r>
+              <a:rPr lang="en-US" sz="3000" spc="-89" dirty="0">
+                <a:solidFill>
+                  <a:srgbClr val="1E293B"/>
+                </a:solidFill>
+                <a:latin typeface="Bricolage Grotesque"/>
+                <a:ea typeface="Bricolage Grotesque"/>
+                <a:cs typeface="Bricolage Grotesque"/>
+                <a:sym typeface="Bricolage Grotesque"/>
+              </a:rPr>
+              <a:t> “</a:t>
+            </a:r>
+            <a:r>
+              <a:rPr lang="en-US" sz="3000" spc="-89" dirty="0" err="1">
+                <a:solidFill>
+                  <a:srgbClr val="1E293B"/>
+                </a:solidFill>
+                <a:latin typeface="Bricolage Grotesque"/>
+                <a:ea typeface="Bricolage Grotesque"/>
+                <a:cs typeface="Bricolage Grotesque"/>
+                <a:sym typeface="Bricolage Grotesque"/>
+              </a:rPr>
+              <a:t>JetBrain</a:t>
+            </a:r>
+            <a:r>
+              <a:rPr lang="en-US" sz="3000" spc="-89" dirty="0">
+                <a:solidFill>
+                  <a:srgbClr val="1E293B"/>
+                </a:solidFill>
+                <a:latin typeface="Bricolage Grotesque"/>
+                <a:ea typeface="Bricolage Grotesque"/>
+                <a:cs typeface="Bricolage Grotesque"/>
+                <a:sym typeface="Bricolage Grotesque"/>
+              </a:rPr>
+              <a:t> Mono”</a:t>
+            </a:r>
+          </a:p>
+          <a:p>
+            <a:pPr algn="l">
+              <a:lnSpc>
+                <a:spcPts val="3000"/>
+              </a:lnSpc>
+            </a:pPr>
+            <a:endParaRPr lang="en-US" sz="3000" spc="-89" dirty="0">
+              <a:solidFill>
+                <a:srgbClr val="1E293B"/>
+              </a:solidFill>
+              <a:latin typeface="Bricolage Grotesque"/>
+              <a:ea typeface="Bricolage Grotesque"/>
+              <a:cs typeface="Bricolage Grotesque"/>
+              <a:sym typeface="Bricolage Grotesque"/>
+            </a:endParaRPr>
+          </a:p>
+          <a:p>
+            <a:pPr marL="0" lvl="0" indent="0" algn="l">
+              <a:lnSpc>
+                <a:spcPts val="3000"/>
+              </a:lnSpc>
+              <a:spcBef>
+                <a:spcPct val="0"/>
+              </a:spcBef>
+            </a:pPr>
+            <a:r>
+              <a:rPr lang="en-US" sz="3000" spc="-89" dirty="0" err="1">
+                <a:solidFill>
+                  <a:srgbClr val="1E293B"/>
+                </a:solidFill>
+                <a:latin typeface="Bricolage Grotesque"/>
+                <a:ea typeface="Bricolage Grotesque"/>
+                <a:cs typeface="Bricolage Grotesque"/>
+                <a:sym typeface="Bricolage Grotesque"/>
+              </a:rPr>
+              <a:t>Bước</a:t>
+            </a:r>
+            <a:r>
+              <a:rPr lang="en-US" sz="3000" spc="-89" dirty="0">
+                <a:solidFill>
+                  <a:srgbClr val="1E293B"/>
+                </a:solidFill>
+                <a:latin typeface="Bricolage Grotesque"/>
+                <a:ea typeface="Bricolage Grotesque"/>
+                <a:cs typeface="Bricolage Grotesque"/>
+                <a:sym typeface="Bricolage Grotesque"/>
+              </a:rPr>
+              <a:t> 2: </a:t>
+            </a:r>
+            <a:r>
+              <a:rPr lang="en-US" sz="3000" spc="-89" dirty="0" err="1">
+                <a:solidFill>
+                  <a:srgbClr val="1E293B"/>
+                </a:solidFill>
+                <a:latin typeface="Bricolage Grotesque"/>
+                <a:ea typeface="Bricolage Grotesque"/>
+                <a:cs typeface="Bricolage Grotesque"/>
+                <a:sym typeface="Bricolage Grotesque"/>
+              </a:rPr>
+              <a:t>Tải</a:t>
+            </a:r>
+            <a:r>
+              <a:rPr lang="en-US" sz="3000" spc="-89" dirty="0">
+                <a:solidFill>
+                  <a:srgbClr val="1E293B"/>
+                </a:solidFill>
+                <a:latin typeface="Bricolage Grotesque"/>
+                <a:ea typeface="Bricolage Grotesque"/>
+                <a:cs typeface="Bricolage Grotesque"/>
+                <a:sym typeface="Bricolage Grotesque"/>
+              </a:rPr>
+              <a:t> </a:t>
+            </a:r>
+            <a:r>
+              <a:rPr lang="en-US" sz="3000" spc="-89" dirty="0" err="1">
+                <a:solidFill>
+                  <a:srgbClr val="1E293B"/>
+                </a:solidFill>
+                <a:latin typeface="Bricolage Grotesque"/>
+                <a:ea typeface="Bricolage Grotesque"/>
+                <a:cs typeface="Bricolage Grotesque"/>
+                <a:sym typeface="Bricolage Grotesque"/>
+              </a:rPr>
+              <a:t>về</a:t>
+            </a:r>
+            <a:r>
+              <a:rPr lang="en-US" sz="3000" spc="-89" dirty="0">
+                <a:solidFill>
+                  <a:srgbClr val="1E293B"/>
+                </a:solidFill>
+                <a:latin typeface="Bricolage Grotesque"/>
+                <a:ea typeface="Bricolage Grotesque"/>
+                <a:cs typeface="Bricolage Grotesque"/>
+                <a:sym typeface="Bricolage Grotesque"/>
+              </a:rPr>
+              <a:t> </a:t>
+            </a:r>
+            <a:r>
+              <a:rPr lang="en-US" sz="3000" spc="-89" dirty="0" err="1">
+                <a:solidFill>
+                  <a:srgbClr val="1E293B"/>
+                </a:solidFill>
+                <a:latin typeface="Bricolage Grotesque"/>
+                <a:ea typeface="Bricolage Grotesque"/>
+                <a:cs typeface="Bricolage Grotesque"/>
+                <a:sym typeface="Bricolage Grotesque"/>
+              </a:rPr>
+              <a:t>và</a:t>
+            </a:r>
+            <a:r>
+              <a:rPr lang="en-US" sz="3000" spc="-89" dirty="0">
+                <a:solidFill>
+                  <a:srgbClr val="1E293B"/>
+                </a:solidFill>
+                <a:latin typeface="Bricolage Grotesque"/>
+                <a:ea typeface="Bricolage Grotesque"/>
+                <a:cs typeface="Bricolage Grotesque"/>
+                <a:sym typeface="Bricolage Grotesque"/>
+              </a:rPr>
+              <a:t> </a:t>
+            </a:r>
+            <a:r>
+              <a:rPr lang="en-US" sz="3000" spc="-89" dirty="0" err="1">
+                <a:solidFill>
+                  <a:srgbClr val="1E293B"/>
+                </a:solidFill>
+                <a:latin typeface="Bricolage Grotesque"/>
+                <a:ea typeface="Bricolage Grotesque"/>
+                <a:cs typeface="Bricolage Grotesque"/>
+                <a:sym typeface="Bricolage Grotesque"/>
+              </a:rPr>
+              <a:t>giải</a:t>
+            </a:r>
+            <a:r>
+              <a:rPr lang="en-US" sz="3000" spc="-89" dirty="0">
+                <a:solidFill>
+                  <a:srgbClr val="1E293B"/>
+                </a:solidFill>
+                <a:latin typeface="Bricolage Grotesque"/>
+                <a:ea typeface="Bricolage Grotesque"/>
+                <a:cs typeface="Bricolage Grotesque"/>
+                <a:sym typeface="Bricolage Grotesque"/>
+              </a:rPr>
+              <a:t> </a:t>
+            </a:r>
+            <a:r>
+              <a:rPr lang="en-US" sz="3000" spc="-89" dirty="0" err="1">
+                <a:solidFill>
+                  <a:srgbClr val="1E293B"/>
+                </a:solidFill>
+                <a:latin typeface="Bricolage Grotesque"/>
+                <a:ea typeface="Bricolage Grotesque"/>
+                <a:cs typeface="Bricolage Grotesque"/>
+                <a:sym typeface="Bricolage Grotesque"/>
+              </a:rPr>
+              <a:t>nén</a:t>
+            </a:r>
+            <a:r>
+              <a:rPr lang="en-US" sz="3000" spc="-89" dirty="0">
+                <a:solidFill>
+                  <a:srgbClr val="1E293B"/>
+                </a:solidFill>
+                <a:latin typeface="Bricolage Grotesque"/>
+                <a:ea typeface="Bricolage Grotesque"/>
+                <a:cs typeface="Bricolage Grotesque"/>
+                <a:sym typeface="Bricolage Grotesque"/>
+              </a:rPr>
+              <a:t>, Ctrl + A </a:t>
+            </a:r>
+            <a:r>
+              <a:rPr lang="en-US" sz="3000" spc="-89" dirty="0" err="1">
+                <a:solidFill>
+                  <a:srgbClr val="1E293B"/>
+                </a:solidFill>
+                <a:latin typeface="Bricolage Grotesque"/>
+                <a:ea typeface="Bricolage Grotesque"/>
+                <a:cs typeface="Bricolage Grotesque"/>
+                <a:sym typeface="Bricolage Grotesque"/>
+              </a:rPr>
+              <a:t>sau</a:t>
+            </a:r>
+            <a:r>
+              <a:rPr lang="en-US" sz="3000" spc="-89" dirty="0">
+                <a:solidFill>
+                  <a:srgbClr val="1E293B"/>
+                </a:solidFill>
+                <a:latin typeface="Bricolage Grotesque"/>
+                <a:ea typeface="Bricolage Grotesque"/>
+                <a:cs typeface="Bricolage Grotesque"/>
+                <a:sym typeface="Bricolage Grotesque"/>
+              </a:rPr>
+              <a:t> </a:t>
+            </a:r>
+            <a:r>
+              <a:rPr lang="en-US" sz="3000" spc="-89" dirty="0" err="1">
+                <a:solidFill>
+                  <a:srgbClr val="1E293B"/>
+                </a:solidFill>
+                <a:latin typeface="Bricolage Grotesque"/>
+                <a:ea typeface="Bricolage Grotesque"/>
+                <a:cs typeface="Bricolage Grotesque"/>
+                <a:sym typeface="Bricolage Grotesque"/>
+              </a:rPr>
+              <a:t>đó</a:t>
+            </a:r>
+            <a:r>
+              <a:rPr lang="en-US" sz="3000" spc="-89" dirty="0">
+                <a:solidFill>
+                  <a:srgbClr val="1E293B"/>
+                </a:solidFill>
+                <a:latin typeface="Bricolage Grotesque"/>
+                <a:ea typeface="Bricolage Grotesque"/>
+                <a:cs typeface="Bricolage Grotesque"/>
+                <a:sym typeface="Bricolage Grotesque"/>
+              </a:rPr>
+              <a:t>  </a:t>
+            </a:r>
+            <a:r>
+              <a:rPr lang="en-US" sz="3000" spc="-89" dirty="0" err="1">
+                <a:solidFill>
+                  <a:srgbClr val="1E293B"/>
+                </a:solidFill>
+                <a:latin typeface="Bricolage Grotesque"/>
+                <a:ea typeface="Bricolage Grotesque"/>
+                <a:cs typeface="Bricolage Grotesque"/>
+                <a:sym typeface="Bricolage Grotesque"/>
+              </a:rPr>
+              <a:t>chuột</a:t>
+            </a:r>
+            <a:r>
+              <a:rPr lang="en-US" sz="3000" spc="-89" dirty="0">
+                <a:solidFill>
+                  <a:srgbClr val="1E293B"/>
+                </a:solidFill>
+                <a:latin typeface="Bricolage Grotesque"/>
+                <a:ea typeface="Bricolage Grotesque"/>
+                <a:cs typeface="Bricolage Grotesque"/>
+                <a:sym typeface="Bricolage Grotesque"/>
+              </a:rPr>
+              <a:t> </a:t>
+            </a:r>
+            <a:r>
+              <a:rPr lang="en-US" sz="3000" spc="-89" dirty="0" err="1">
+                <a:solidFill>
+                  <a:srgbClr val="1E293B"/>
+                </a:solidFill>
+                <a:latin typeface="Bricolage Grotesque"/>
+                <a:ea typeface="Bricolage Grotesque"/>
+                <a:cs typeface="Bricolage Grotesque"/>
+                <a:sym typeface="Bricolage Grotesque"/>
+              </a:rPr>
+              <a:t>phải</a:t>
+            </a:r>
+            <a:r>
+              <a:rPr lang="en-US" sz="3000" spc="-89" dirty="0">
+                <a:solidFill>
+                  <a:srgbClr val="1E293B"/>
+                </a:solidFill>
+                <a:latin typeface="Bricolage Grotesque"/>
+                <a:ea typeface="Bricolage Grotesque"/>
+                <a:cs typeface="Bricolage Grotesque"/>
+                <a:sym typeface="Bricolage Grotesque"/>
+              </a:rPr>
+              <a:t> </a:t>
+            </a:r>
+            <a:r>
+              <a:rPr lang="en-US" sz="3000" spc="-89" dirty="0" err="1">
+                <a:solidFill>
+                  <a:srgbClr val="1E293B"/>
+                </a:solidFill>
+                <a:latin typeface="Bricolage Grotesque"/>
+                <a:ea typeface="Bricolage Grotesque"/>
+                <a:cs typeface="Bricolage Grotesque"/>
+                <a:sym typeface="Bricolage Grotesque"/>
+              </a:rPr>
+              <a:t>để</a:t>
+            </a:r>
+            <a:r>
+              <a:rPr lang="en-US" sz="3000" spc="-89" dirty="0">
+                <a:solidFill>
+                  <a:srgbClr val="1E293B"/>
+                </a:solidFill>
+                <a:latin typeface="Bricolage Grotesque"/>
+                <a:ea typeface="Bricolage Grotesque"/>
+                <a:cs typeface="Bricolage Grotesque"/>
+                <a:sym typeface="Bricolage Grotesque"/>
+              </a:rPr>
+              <a:t> install font</a:t>
+            </a:r>
+          </a:p>
+        </p:txBody>
+      </p:sp>
+      <p:sp>
+        <p:nvSpPr>
+          <p:cNvPr id="6" name="TextBox 6"/>
+          <p:cNvSpPr txBox="1"/>
+          <p:nvPr/>
+        </p:nvSpPr>
+        <p:spPr>
+          <a:xfrm>
+            <a:off x="1028700" y="4962525"/>
+            <a:ext cx="5311123" cy="409575"/>
+          </a:xfrm>
+          <a:prstGeom prst="rect">
+            <a:avLst/>
+          </a:prstGeom>
+        </p:spPr>
+        <p:txBody>
+          <a:bodyPr lIns="0" tIns="0" rIns="0" bIns="0" rtlCol="0" anchor="t">
+            <a:spAutoFit/>
+          </a:bodyPr>
+          <a:lstStyle/>
+          <a:p>
+            <a:pPr marL="0" lvl="0" indent="0" algn="ctr">
+              <a:lnSpc>
+                <a:spcPts val="3000"/>
+              </a:lnSpc>
+              <a:spcBef>
+                <a:spcPct val="0"/>
+              </a:spcBef>
+            </a:pPr>
+            <a:r>
+              <a:rPr lang="en-US" sz="3000" spc="-89">
+                <a:solidFill>
+                  <a:srgbClr val="1E293B"/>
+                </a:solidFill>
+                <a:latin typeface="Bricolage Grotesque"/>
+                <a:ea typeface="Bricolage Grotesque"/>
+                <a:cs typeface="Bricolage Grotesque"/>
+                <a:sym typeface="Bricolage Grotesque"/>
+              </a:rPr>
+              <a:t>Bước 3: Bấm vào Setting</a:t>
+            </a:r>
+          </a:p>
+        </p:txBody>
+      </p:sp>
+      <p:sp>
+        <p:nvSpPr>
+          <p:cNvPr id="7" name="TextBox 7"/>
+          <p:cNvSpPr txBox="1"/>
+          <p:nvPr/>
+        </p:nvSpPr>
+        <p:spPr>
+          <a:xfrm>
+            <a:off x="7177159" y="5987491"/>
+            <a:ext cx="10388551" cy="409575"/>
+          </a:xfrm>
+          <a:prstGeom prst="rect">
+            <a:avLst/>
+          </a:prstGeom>
+        </p:spPr>
+        <p:txBody>
+          <a:bodyPr lIns="0" tIns="0" rIns="0" bIns="0" rtlCol="0" anchor="t">
+            <a:spAutoFit/>
+          </a:bodyPr>
+          <a:lstStyle/>
+          <a:p>
+            <a:pPr marL="0" lvl="0" indent="0" algn="ctr">
+              <a:lnSpc>
+                <a:spcPts val="3000"/>
+              </a:lnSpc>
+              <a:spcBef>
+                <a:spcPct val="0"/>
+              </a:spcBef>
+            </a:pPr>
+            <a:r>
+              <a:rPr lang="en-US" sz="3000" spc="-89">
+                <a:solidFill>
+                  <a:srgbClr val="1E293B"/>
+                </a:solidFill>
+                <a:latin typeface="Bricolage Grotesque"/>
+                <a:ea typeface="Bricolage Grotesque"/>
+                <a:cs typeface="Bricolage Grotesque"/>
+                <a:sym typeface="Bricolage Grotesque"/>
+              </a:rPr>
+              <a:t>Bước 4: Editor: Font Family</a:t>
+            </a:r>
+          </a:p>
+        </p:txBody>
+      </p:sp>
+    </p:spTree>
+  </p:cSld>
+  <p:clrMapOvr>
+    <a:masterClrMapping/>
+  </p:clrMapOvr>
+  <p:timing>
+    <p:tnLst>
+      <p:par>
+        <p:cTn id="1" dur="indefinite" restart="never" nodeType="tmRoot"/>
+      </p:par>
+    </p:tnLst>
+  </p:timing>
+</p:sld>
+</file>
+
+<file path=ppt/slides/slide16.xml><?xml version="1.0" encoding="utf-8"?>
+<p:sld xmlns:a="http://schemas.openxmlformats.org/drawingml/2006/main" xmlns:r="http://schemas.openxmlformats.org/officeDocument/2006/relationships" xmlns:p="http://schemas.openxmlformats.org/presentationml/2006/main">
+  <p:cSld>
     <p:spTree>
       <p:nvGrpSpPr>
         <p:cNvPr id="1" name=""/>
@@ -4871,6 +6325,11 @@
         </p:txBody>
       </p:sp>
     </p:spTree>
+    <p:extLst>
+      <p:ext uri="{BB962C8B-B14F-4D97-AF65-F5344CB8AC3E}">
+        <p14:creationId xmlns:p14="http://schemas.microsoft.com/office/powerpoint/2010/main" val="1619171483"/>
+      </p:ext>
+    </p:extLst>
   </p:cSld>
   <p:clrMapOvr>
     <a:masterClrMapping/>
@@ -4885,17 +6344,9 @@
 </p:sld>
 </file>
 
-<file path=ppt/slides/slide14.xml><?xml version="1.0" encoding="utf-8"?>
+<file path=ppt/slides/slide17.xml><?xml version="1.0" encoding="utf-8"?>
 <p:sld xmlns:a="http://schemas.openxmlformats.org/drawingml/2006/main" xmlns:r="http://schemas.openxmlformats.org/officeDocument/2006/relationships" xmlns:p="http://schemas.openxmlformats.org/presentationml/2006/main">
   <p:cSld>
-    <p:bg>
-      <p:bgPr>
-        <a:solidFill>
-          <a:srgbClr val="F7F7F7"/>
-        </a:solidFill>
-        <a:effectLst/>
-      </p:bgPr>
-    </p:bg>
     <p:spTree>
       <p:nvGrpSpPr>
         <p:cNvPr id="1" name=""/>
@@ -4912,113 +6363,21 @@
       </p:grpSpPr>
       <p:sp>
         <p:nvSpPr>
-          <p:cNvPr id="2" name="Freeform 2"/>
-          <p:cNvSpPr/>
-          <p:nvPr/>
-        </p:nvSpPr>
-        <p:spPr>
-          <a:xfrm>
-            <a:off x="1028700" y="5551828"/>
-            <a:ext cx="5311123" cy="3947130"/>
-          </a:xfrm>
-          <a:custGeom>
-            <a:avLst/>
-            <a:gdLst/>
-            <a:ahLst/>
-            <a:cxnLst/>
-            <a:rect l="l" t="t" r="r" b="b"/>
-            <a:pathLst>
-              <a:path w="5311123" h="3947130">
-                <a:moveTo>
-                  <a:pt x="0" y="0"/>
-                </a:moveTo>
-                <a:lnTo>
-                  <a:pt x="5311123" y="0"/>
-                </a:lnTo>
-                <a:lnTo>
-                  <a:pt x="5311123" y="3947130"/>
-                </a:lnTo>
-                <a:lnTo>
-                  <a:pt x="0" y="3947130"/>
-                </a:lnTo>
-                <a:lnTo>
-                  <a:pt x="0" y="0"/>
-                </a:lnTo>
-                <a:close/>
-              </a:path>
-            </a:pathLst>
-          </a:custGeom>
-          <a:blipFill>
-            <a:blip r:embed="rId2"/>
-            <a:stretch>
-              <a:fillRect/>
-            </a:stretch>
-          </a:blipFill>
-        </p:spPr>
-      </p:sp>
-      <p:sp>
-        <p:nvSpPr>
-          <p:cNvPr id="3" name="Freeform 3"/>
-          <p:cNvSpPr/>
-          <p:nvPr/>
-        </p:nvSpPr>
-        <p:spPr>
-          <a:xfrm>
-            <a:off x="7177159" y="6614493"/>
-            <a:ext cx="10388551" cy="2164981"/>
-          </a:xfrm>
-          <a:custGeom>
-            <a:avLst/>
-            <a:gdLst/>
-            <a:ahLst/>
-            <a:cxnLst/>
-            <a:rect l="l" t="t" r="r" b="b"/>
-            <a:pathLst>
-              <a:path w="10388551" h="2164981">
-                <a:moveTo>
-                  <a:pt x="0" y="0"/>
-                </a:moveTo>
-                <a:lnTo>
-                  <a:pt x="10388550" y="0"/>
-                </a:lnTo>
-                <a:lnTo>
-                  <a:pt x="10388550" y="2164981"/>
-                </a:lnTo>
-                <a:lnTo>
-                  <a:pt x="0" y="2164981"/>
-                </a:lnTo>
-                <a:lnTo>
-                  <a:pt x="0" y="0"/>
-                </a:lnTo>
-                <a:close/>
-              </a:path>
-            </a:pathLst>
-          </a:custGeom>
-          <a:blipFill>
-            <a:blip r:embed="rId3"/>
-            <a:stretch>
-              <a:fillRect/>
-            </a:stretch>
-          </a:blipFill>
-        </p:spPr>
-      </p:sp>
-      <p:sp>
-        <p:nvSpPr>
-          <p:cNvPr id="4" name="TextBox 4"/>
+          <p:cNvPr id="9" name="TextBox 9"/>
           <p:cNvSpPr txBox="1"/>
           <p:nvPr/>
         </p:nvSpPr>
         <p:spPr>
           <a:xfrm>
-            <a:off x="0" y="442363"/>
-            <a:ext cx="18288000" cy="930275"/>
+            <a:off x="-762000" y="4076700"/>
+            <a:ext cx="7772400" cy="915572"/>
           </a:xfrm>
           <a:prstGeom prst="rect">
             <a:avLst/>
           </a:prstGeom>
         </p:spPr>
         <p:txBody>
-          <a:bodyPr lIns="0" tIns="0" rIns="0" bIns="0" rtlCol="0" anchor="t">
+          <a:bodyPr wrap="square" lIns="0" tIns="0" rIns="0" bIns="0" rtlCol="0" anchor="t">
             <a:spAutoFit/>
           </a:bodyPr>
           <a:lstStyle/>
@@ -5032,7 +6391,7 @@
               </a:spcBef>
             </a:pPr>
             <a:r>
-              <a:rPr lang="en-US" sz="6999" b="1" spc="-209">
+              <a:rPr lang="en-US" sz="6999" b="1" spc="-209" dirty="0" smtClean="0">
                 <a:solidFill>
                   <a:srgbClr val="1E293B"/>
                 </a:solidFill>
@@ -5041,179 +6400,50 @@
                 <a:cs typeface="Bricolage Grotesque Semi-Bold"/>
                 <a:sym typeface="Bricolage Grotesque Semi-Bold"/>
               </a:rPr>
-              <a:t>Cài đặt font chữ</a:t>
-            </a:r>
+              <a:t>Demo</a:t>
+            </a:r>
+            <a:endParaRPr lang="en-US" sz="6999" b="1" spc="-209" dirty="0">
+              <a:solidFill>
+                <a:srgbClr val="1E293B"/>
+              </a:solidFill>
+              <a:latin typeface="Bricolage Grotesque Semi-Bold"/>
+              <a:ea typeface="Bricolage Grotesque Semi-Bold"/>
+              <a:cs typeface="Bricolage Grotesque Semi-Bold"/>
+              <a:sym typeface="Bricolage Grotesque Semi-Bold"/>
+            </a:endParaRPr>
           </a:p>
         </p:txBody>
       </p:sp>
-      <p:sp>
-        <p:nvSpPr>
-          <p:cNvPr id="5" name="TextBox 5"/>
-          <p:cNvSpPr txBox="1"/>
+      <p:pic>
+        <p:nvPicPr>
+          <p:cNvPr id="3" name="Picture 2"/>
+          <p:cNvPicPr>
+            <a:picLocks noChangeAspect="1"/>
+          </p:cNvPicPr>
           <p:nvPr/>
-        </p:nvSpPr>
+        </p:nvPicPr>
+        <p:blipFill>
+          <a:blip r:embed="rId2"/>
+          <a:stretch>
+            <a:fillRect/>
+          </a:stretch>
+        </p:blipFill>
         <p:spPr>
           <a:xfrm>
-            <a:off x="1028700" y="2273518"/>
-            <a:ext cx="17700676" cy="1171575"/>
+            <a:off x="10515600" y="266700"/>
+            <a:ext cx="7096977" cy="9233821"/>
           </a:xfrm>
           <a:prstGeom prst="rect">
             <a:avLst/>
           </a:prstGeom>
         </p:spPr>
-        <p:txBody>
-          <a:bodyPr lIns="0" tIns="0" rIns="0" bIns="0" rtlCol="0" anchor="t">
-            <a:spAutoFit/>
-          </a:bodyPr>
-          <a:lstStyle/>
-          <a:p>
-            <a:pPr algn="l">
-              <a:lnSpc>
-                <a:spcPts val="3000"/>
-              </a:lnSpc>
-            </a:pPr>
-            <a:r>
-              <a:rPr lang="en-US" sz="3000" spc="-89">
-                <a:solidFill>
-                  <a:srgbClr val="1E293B"/>
-                </a:solidFill>
-                <a:latin typeface="Bricolage Grotesque"/>
-                <a:ea typeface="Bricolage Grotesque"/>
-                <a:cs typeface="Bricolage Grotesque"/>
-                <a:sym typeface="Bricolage Grotesque"/>
-              </a:rPr>
-              <a:t>Bước 1: Tìm từ khóa “JetBrain Mono”</a:t>
-            </a:r>
-          </a:p>
-          <a:p>
-            <a:pPr algn="l">
-              <a:lnSpc>
-                <a:spcPts val="3000"/>
-              </a:lnSpc>
-            </a:pPr>
-            <a:endParaRPr lang="en-US" sz="3000" spc="-89">
-              <a:solidFill>
-                <a:srgbClr val="1E293B"/>
-              </a:solidFill>
-              <a:latin typeface="Bricolage Grotesque"/>
-              <a:ea typeface="Bricolage Grotesque"/>
-              <a:cs typeface="Bricolage Grotesque"/>
-              <a:sym typeface="Bricolage Grotesque"/>
-            </a:endParaRPr>
-          </a:p>
-          <a:p>
-            <a:pPr marL="0" lvl="0" indent="0" algn="l">
-              <a:lnSpc>
-                <a:spcPts val="3000"/>
-              </a:lnSpc>
-              <a:spcBef>
-                <a:spcPct val="0"/>
-              </a:spcBef>
-            </a:pPr>
-            <a:r>
-              <a:rPr lang="en-US" sz="3000" spc="-89">
-                <a:solidFill>
-                  <a:srgbClr val="1E293B"/>
-                </a:solidFill>
-                <a:latin typeface="Bricolage Grotesque"/>
-                <a:ea typeface="Bricolage Grotesque"/>
-                <a:cs typeface="Bricolage Grotesque"/>
-                <a:sym typeface="Bricolage Grotesque"/>
-              </a:rPr>
-              <a:t>Bước 2: Tải về và giải nén, Ctrl + A sau đó  chuột phải để install font</a:t>
-            </a:r>
-          </a:p>
-        </p:txBody>
-      </p:sp>
-      <p:sp>
-        <p:nvSpPr>
-          <p:cNvPr id="6" name="TextBox 6"/>
-          <p:cNvSpPr txBox="1"/>
-          <p:nvPr/>
-        </p:nvSpPr>
-        <p:spPr>
-          <a:xfrm>
-            <a:off x="1028700" y="4962525"/>
-            <a:ext cx="5311123" cy="409575"/>
-          </a:xfrm>
-          <a:prstGeom prst="rect">
-            <a:avLst/>
-          </a:prstGeom>
-        </p:spPr>
-        <p:txBody>
-          <a:bodyPr lIns="0" tIns="0" rIns="0" bIns="0" rtlCol="0" anchor="t">
-            <a:spAutoFit/>
-          </a:bodyPr>
-          <a:lstStyle/>
-          <a:p>
-            <a:pPr marL="0" lvl="0" indent="0" algn="ctr">
-              <a:lnSpc>
-                <a:spcPts val="3000"/>
-              </a:lnSpc>
-              <a:spcBef>
-                <a:spcPct val="0"/>
-              </a:spcBef>
-            </a:pPr>
-            <a:r>
-              <a:rPr lang="en-US" sz="3000" spc="-89">
-                <a:solidFill>
-                  <a:srgbClr val="1E293B"/>
-                </a:solidFill>
-                <a:latin typeface="Bricolage Grotesque"/>
-                <a:ea typeface="Bricolage Grotesque"/>
-                <a:cs typeface="Bricolage Grotesque"/>
-                <a:sym typeface="Bricolage Grotesque"/>
-              </a:rPr>
-              <a:t>Bước 3: Bấm vào Setting</a:t>
-            </a:r>
-          </a:p>
-        </p:txBody>
-      </p:sp>
-      <p:sp>
-        <p:nvSpPr>
-          <p:cNvPr id="7" name="TextBox 7"/>
-          <p:cNvSpPr txBox="1"/>
-          <p:nvPr/>
-        </p:nvSpPr>
-        <p:spPr>
-          <a:xfrm>
-            <a:off x="7177159" y="5987491"/>
-            <a:ext cx="10388551" cy="409575"/>
-          </a:xfrm>
-          <a:prstGeom prst="rect">
-            <a:avLst/>
-          </a:prstGeom>
-        </p:spPr>
-        <p:txBody>
-          <a:bodyPr lIns="0" tIns="0" rIns="0" bIns="0" rtlCol="0" anchor="t">
-            <a:spAutoFit/>
-          </a:bodyPr>
-          <a:lstStyle/>
-          <a:p>
-            <a:pPr marL="0" lvl="0" indent="0" algn="ctr">
-              <a:lnSpc>
-                <a:spcPts val="3000"/>
-              </a:lnSpc>
-              <a:spcBef>
-                <a:spcPct val="0"/>
-              </a:spcBef>
-            </a:pPr>
-            <a:r>
-              <a:rPr lang="en-US" sz="3000" spc="-89">
-                <a:solidFill>
-                  <a:srgbClr val="1E293B"/>
-                </a:solidFill>
-                <a:latin typeface="Bricolage Grotesque"/>
-                <a:ea typeface="Bricolage Grotesque"/>
-                <a:cs typeface="Bricolage Grotesque"/>
-                <a:sym typeface="Bricolage Grotesque"/>
-              </a:rPr>
-              <a:t>Bước 4: Editor: Font Family</a:t>
-            </a:r>
-          </a:p>
-        </p:txBody>
-      </p:sp>
+      </p:pic>
     </p:spTree>
+    <p:extLst>
+      <p:ext uri="{BB962C8B-B14F-4D97-AF65-F5344CB8AC3E}">
+        <p14:creationId xmlns:p14="http://schemas.microsoft.com/office/powerpoint/2010/main" val="1707117477"/>
+      </p:ext>
+    </p:extLst>
   </p:cSld>
   <p:clrMapOvr>
     <a:masterClrMapping/>
@@ -5228,7 +6458,121 @@
 </p:sld>
 </file>
 
-<file path=ppt/slides/slide15.xml><?xml version="1.0" encoding="utf-8"?>
+<file path=ppt/slides/slide18.xml><?xml version="1.0" encoding="utf-8"?>
+<p:sld xmlns:a="http://schemas.openxmlformats.org/drawingml/2006/main" xmlns:r="http://schemas.openxmlformats.org/officeDocument/2006/relationships" xmlns:p="http://schemas.openxmlformats.org/presentationml/2006/main">
+  <p:cSld>
+    <p:spTree>
+      <p:nvGrpSpPr>
+        <p:cNvPr id="1" name=""/>
+        <p:cNvGrpSpPr/>
+        <p:nvPr/>
+      </p:nvGrpSpPr>
+      <p:grpSpPr>
+        <a:xfrm>
+          <a:off x="0" y="0"/>
+          <a:ext cx="0" cy="0"/>
+          <a:chOff x="0" y="0"/>
+          <a:chExt cx="0" cy="0"/>
+        </a:xfrm>
+      </p:grpSpPr>
+      <p:sp>
+        <p:nvSpPr>
+          <p:cNvPr id="9" name="TextBox 9"/>
+          <p:cNvSpPr txBox="1"/>
+          <p:nvPr/>
+        </p:nvSpPr>
+        <p:spPr>
+          <a:xfrm>
+            <a:off x="4724400" y="1028700"/>
+            <a:ext cx="7772400" cy="915572"/>
+          </a:xfrm>
+          <a:prstGeom prst="rect">
+            <a:avLst/>
+          </a:prstGeom>
+        </p:spPr>
+        <p:txBody>
+          <a:bodyPr wrap="square" lIns="0" tIns="0" rIns="0" bIns="0" rtlCol="0" anchor="t">
+            <a:spAutoFit/>
+          </a:bodyPr>
+          <a:lstStyle/>
+          <a:p>
+            <a:pPr marL="0" lvl="0" indent="0" algn="ctr">
+              <a:lnSpc>
+                <a:spcPts val="6999"/>
+              </a:lnSpc>
+              <a:spcBef>
+                <a:spcPct val="0"/>
+              </a:spcBef>
+            </a:pPr>
+            <a:r>
+              <a:rPr lang="en-US" sz="6999" b="1" spc="-209" dirty="0" smtClean="0">
+                <a:solidFill>
+                  <a:srgbClr val="1E293B"/>
+                </a:solidFill>
+                <a:latin typeface="Bricolage Grotesque Semi-Bold"/>
+                <a:ea typeface="Bricolage Grotesque Semi-Bold"/>
+                <a:cs typeface="Bricolage Grotesque Semi-Bold"/>
+                <a:sym typeface="Bricolage Grotesque Semi-Bold"/>
+              </a:rPr>
+              <a:t>Demo</a:t>
+            </a:r>
+            <a:endParaRPr lang="en-US" sz="6999" b="1" spc="-209" dirty="0">
+              <a:solidFill>
+                <a:srgbClr val="1E293B"/>
+              </a:solidFill>
+              <a:latin typeface="Bricolage Grotesque Semi-Bold"/>
+              <a:ea typeface="Bricolage Grotesque Semi-Bold"/>
+              <a:cs typeface="Bricolage Grotesque Semi-Bold"/>
+              <a:sym typeface="Bricolage Grotesque Semi-Bold"/>
+            </a:endParaRPr>
+          </a:p>
+        </p:txBody>
+      </p:sp>
+      <p:pic>
+        <p:nvPicPr>
+          <p:cNvPr id="2" name="Picture 1"/>
+          <p:cNvPicPr>
+            <a:picLocks noChangeAspect="1"/>
+          </p:cNvPicPr>
+          <p:nvPr/>
+        </p:nvPicPr>
+        <p:blipFill>
+          <a:blip r:embed="rId2"/>
+          <a:stretch>
+            <a:fillRect/>
+          </a:stretch>
+        </p:blipFill>
+        <p:spPr>
+          <a:xfrm>
+            <a:off x="990600" y="1944272"/>
+            <a:ext cx="15697200" cy="7129967"/>
+          </a:xfrm>
+          <a:prstGeom prst="rect">
+            <a:avLst/>
+          </a:prstGeom>
+        </p:spPr>
+      </p:pic>
+    </p:spTree>
+    <p:extLst>
+      <p:ext uri="{BB962C8B-B14F-4D97-AF65-F5344CB8AC3E}">
+        <p14:creationId xmlns:p14="http://schemas.microsoft.com/office/powerpoint/2010/main" val="2799193887"/>
+      </p:ext>
+    </p:extLst>
+  </p:cSld>
+  <p:clrMapOvr>
+    <a:masterClrMapping/>
+  </p:clrMapOvr>
+  <p:timing>
+    <p:tnLst>
+      <p:par>
+        <p:cTn id="1" dur="indefinite" restart="never" nodeType="tmRoot"/>
+      </p:par>
+    </p:tnLst>
+  </p:timing>
+</p:sld>
+</file>
+
+<file path=ppt/slides/slide19.xml><?xml version="1.0" encoding="utf-8"?>
 <p:sld xmlns:a="http://schemas.openxmlformats.org/drawingml/2006/main" xmlns:r="http://schemas.openxmlformats.org/officeDocument/2006/relationships" xmlns:p="http://schemas.openxmlformats.org/presentationml/2006/main">
   <p:cSld>
     <p:bg>
@@ -5261,7 +6605,7 @@
         </p:nvSpPr>
         <p:spPr>
           <a:xfrm>
-            <a:off x="9220200" y="2474527"/>
+            <a:off x="7912138" y="916753"/>
             <a:ext cx="8407323" cy="553998"/>
           </a:xfrm>
           <a:prstGeom prst="rect">
@@ -5317,6 +6661,18 @@
                 <a:sym typeface="Bricolage Grotesque Bold"/>
               </a:rPr>
               <a:t>tập</a:t>
+            </a:r>
+            <a:r>
+              <a:rPr lang="en-US" sz="6000" b="1" u="none" strike="noStrike" dirty="0" smtClean="0">
+                <a:solidFill>
+                  <a:srgbClr val="1E293B"/>
+                </a:solidFill>
+                <a:latin typeface="Bricolage Grotesque Bold"/>
+                <a:ea typeface="Bricolage Grotesque Bold"/>
+                <a:cs typeface="Bricolage Grotesque Bold"/>
+                <a:sym typeface="Bricolage Grotesque Bold"/>
+              </a:rPr>
+              <a:t> Profile</a:t>
             </a:r>
             <a:endParaRPr lang="en-US" sz="6000" b="1" u="none" strike="noStrike" dirty="0">
               <a:solidFill>
@@ -5386,7 +6742,7 @@
               <a:blip r:embed="rId2">
                 <a:extLst>
                   <a:ext uri="{96DAC541-7B7A-43D3-8B79-37D633B846F1}">
-                    <asvg:svgBlip xmlns:asvg="http://schemas.microsoft.com/office/drawing/2016/SVG/main" xmlns="" r:embed="rId4"/>
+                    <asvg:svgBlip xmlns="" xmlns:asvg="http://schemas.microsoft.com/office/drawing/2016/SVG/main" r:embed="rId4"/>
                   </a:ext>
                 </a:extLst>
               </a:blip>
@@ -5504,7 +6860,7 @@
       </p:grpSp>
       <p:pic>
         <p:nvPicPr>
-          <p:cNvPr id="19" name="Picture 18"/>
+          <p:cNvPr id="21" name="Picture 20"/>
           <p:cNvPicPr>
             <a:picLocks noChangeAspect="1"/>
           </p:cNvPicPr>
@@ -5518,31 +6874,7 @@
         </p:blipFill>
         <p:spPr>
           <a:xfrm>
-            <a:off x="7543800" y="4558001"/>
-            <a:ext cx="9245523" cy="2581861"/>
-          </a:xfrm>
-          <a:prstGeom prst="rect">
-            <a:avLst/>
-          </a:prstGeom>
-        </p:spPr>
-      </p:pic>
-      <p:pic>
-        <p:nvPicPr>
-          <p:cNvPr id="21" name="Picture 20"/>
-          <p:cNvPicPr>
-            <a:picLocks noChangeAspect="1"/>
-          </p:cNvPicPr>
-          <p:nvPr/>
-        </p:nvPicPr>
-        <p:blipFill>
-          <a:blip r:embed="rId6"/>
-          <a:stretch>
-            <a:fillRect/>
-          </a:stretch>
-        </p:blipFill>
-        <p:spPr>
-          <a:xfrm>
-            <a:off x="596938" y="1017688"/>
+            <a:off x="6172200" y="1564066"/>
             <a:ext cx="5943600" cy="8513806"/>
           </a:xfrm>
           <a:prstGeom prst="rect">
@@ -5551,980 +6883,6 @@
         </p:spPr>
       </p:pic>
     </p:spTree>
-  </p:cSld>
-  <p:clrMapOvr>
-    <a:masterClrMapping/>
-  </p:clrMapOvr>
-  <p:timing>
-    <p:tnLst>
-      <p:par>
-        <p:cTn id="1" dur="indefinite" restart="never" nodeType="tmRoot"/>
-      </p:par>
-    </p:tnLst>
-  </p:timing>
-</p:sld>
-</file>
-
-<file path=ppt/slides/slide16.xml><?xml version="1.0" encoding="utf-8"?>
-<p:sld xmlns:a="http://schemas.openxmlformats.org/drawingml/2006/main" xmlns:r="http://schemas.openxmlformats.org/officeDocument/2006/relationships" xmlns:p="http://schemas.openxmlformats.org/presentationml/2006/main">
-  <p:cSld>
-    <p:bg>
-      <p:bgPr>
-        <a:solidFill>
-          <a:srgbClr val="F7F7F7"/>
-        </a:solidFill>
-        <a:effectLst/>
-      </p:bgPr>
-    </p:bg>
-    <p:spTree>
-      <p:nvGrpSpPr>
-        <p:cNvPr id="1" name=""/>
-        <p:cNvGrpSpPr/>
-        <p:nvPr/>
-      </p:nvGrpSpPr>
-      <p:grpSpPr>
-        <a:xfrm>
-          <a:off x="0" y="0"/>
-          <a:ext cx="0" cy="0"/>
-          <a:chOff x="0" y="0"/>
-          <a:chExt cx="0" cy="0"/>
-        </a:xfrm>
-      </p:grpSpPr>
-      <p:sp>
-        <p:nvSpPr>
-          <p:cNvPr id="2" name="TextBox 2"/>
-          <p:cNvSpPr txBox="1"/>
-          <p:nvPr/>
-        </p:nvSpPr>
-        <p:spPr>
-          <a:xfrm>
-            <a:off x="1143000" y="800100"/>
-            <a:ext cx="15020287" cy="1813253"/>
-          </a:xfrm>
-          <a:prstGeom prst="rect">
-            <a:avLst/>
-          </a:prstGeom>
-        </p:spPr>
-        <p:txBody>
-          <a:bodyPr wrap="square" lIns="0" tIns="0" rIns="0" bIns="0" rtlCol="0" anchor="t">
-            <a:spAutoFit/>
-          </a:bodyPr>
-          <a:lstStyle/>
-          <a:p>
-            <a:pPr marL="0" lvl="0" indent="0" algn="l">
-              <a:lnSpc>
-                <a:spcPts val="6999"/>
-              </a:lnSpc>
-              <a:spcBef>
-                <a:spcPct val="0"/>
-              </a:spcBef>
-            </a:pPr>
-            <a:r>
-              <a:rPr lang="en-US" sz="6999" b="1" u="none" strike="noStrike" dirty="0" err="1" smtClean="0">
-                <a:solidFill>
-                  <a:srgbClr val="1E293B"/>
-                </a:solidFill>
-                <a:latin typeface="Bricolage Grotesque Bold"/>
-                <a:ea typeface="Bricolage Grotesque Bold"/>
-                <a:cs typeface="Bricolage Grotesque Bold"/>
-                <a:sym typeface="Bricolage Grotesque Bold"/>
-              </a:rPr>
-              <a:t>Bài</a:t>
-            </a:r>
-            <a:r>
-              <a:rPr lang="en-US" sz="6999" b="1" u="none" strike="noStrike" dirty="0" smtClean="0">
-                <a:solidFill>
-                  <a:srgbClr val="1E293B"/>
-                </a:solidFill>
-                <a:latin typeface="Bricolage Grotesque Bold"/>
-                <a:ea typeface="Bricolage Grotesque Bold"/>
-                <a:cs typeface="Bricolage Grotesque Bold"/>
-                <a:sym typeface="Bricolage Grotesque Bold"/>
-              </a:rPr>
-              <a:t> </a:t>
-            </a:r>
-            <a:r>
-              <a:rPr lang="en-US" sz="6999" b="1" u="none" strike="noStrike" dirty="0" err="1" smtClean="0">
-                <a:solidFill>
-                  <a:srgbClr val="1E293B"/>
-                </a:solidFill>
-                <a:latin typeface="Bricolage Grotesque Bold"/>
-                <a:ea typeface="Bricolage Grotesque Bold"/>
-                <a:cs typeface="Bricolage Grotesque Bold"/>
-                <a:sym typeface="Bricolage Grotesque Bold"/>
-              </a:rPr>
-              <a:t>tập</a:t>
-            </a:r>
-            <a:r>
-              <a:rPr lang="en-US" sz="6999" b="1" u="none" strike="noStrike" dirty="0" smtClean="0">
-                <a:solidFill>
-                  <a:srgbClr val="1E293B"/>
-                </a:solidFill>
-                <a:latin typeface="Bricolage Grotesque Bold"/>
-                <a:ea typeface="Bricolage Grotesque Bold"/>
-                <a:cs typeface="Bricolage Grotesque Bold"/>
-                <a:sym typeface="Bricolage Grotesque Bold"/>
-              </a:rPr>
-              <a:t> </a:t>
-            </a:r>
-            <a:r>
-              <a:rPr lang="en-US" sz="6999" b="1" u="none" strike="noStrike" dirty="0" err="1" smtClean="0">
-                <a:solidFill>
-                  <a:srgbClr val="1E293B"/>
-                </a:solidFill>
-                <a:latin typeface="Bricolage Grotesque Bold"/>
-                <a:ea typeface="Bricolage Grotesque Bold"/>
-                <a:cs typeface="Bricolage Grotesque Bold"/>
-                <a:sym typeface="Bricolage Grotesque Bold"/>
-              </a:rPr>
-              <a:t>về</a:t>
-            </a:r>
-            <a:r>
-              <a:rPr lang="en-US" sz="6999" b="1" u="none" strike="noStrike" dirty="0" smtClean="0">
-                <a:solidFill>
-                  <a:srgbClr val="1E293B"/>
-                </a:solidFill>
-                <a:latin typeface="Bricolage Grotesque Bold"/>
-                <a:ea typeface="Bricolage Grotesque Bold"/>
-                <a:cs typeface="Bricolage Grotesque Bold"/>
-                <a:sym typeface="Bricolage Grotesque Bold"/>
-              </a:rPr>
-              <a:t> </a:t>
-            </a:r>
-            <a:r>
-              <a:rPr lang="en-US" sz="6999" b="1" u="none" strike="noStrike" dirty="0" err="1" smtClean="0">
-                <a:solidFill>
-                  <a:srgbClr val="1E293B"/>
-                </a:solidFill>
-                <a:latin typeface="Bricolage Grotesque Bold"/>
-                <a:ea typeface="Bricolage Grotesque Bold"/>
-                <a:cs typeface="Bricolage Grotesque Bold"/>
-                <a:sym typeface="Bricolage Grotesque Bold"/>
-              </a:rPr>
-              <a:t>nhà</a:t>
-            </a:r>
-            <a:r>
-              <a:rPr lang="en-US" sz="6999" b="1" u="none" strike="noStrike" dirty="0" smtClean="0">
-                <a:solidFill>
-                  <a:srgbClr val="1E293B"/>
-                </a:solidFill>
-                <a:latin typeface="Bricolage Grotesque Bold"/>
-                <a:ea typeface="Bricolage Grotesque Bold"/>
-                <a:cs typeface="Bricolage Grotesque Bold"/>
-                <a:sym typeface="Bricolage Grotesque Bold"/>
-              </a:rPr>
-              <a:t>:</a:t>
-            </a:r>
-          </a:p>
-          <a:p>
-            <a:pPr marL="0" lvl="0" indent="0" algn="l">
-              <a:lnSpc>
-                <a:spcPts val="6999"/>
-              </a:lnSpc>
-              <a:spcBef>
-                <a:spcPct val="0"/>
-              </a:spcBef>
-            </a:pPr>
-            <a:r>
-              <a:rPr lang="en-US" sz="6999" b="1" u="none" strike="noStrike" dirty="0" err="1" smtClean="0">
-                <a:solidFill>
-                  <a:srgbClr val="1E293B"/>
-                </a:solidFill>
-                <a:latin typeface="Bricolage Grotesque Bold"/>
-                <a:ea typeface="Bricolage Grotesque Bold"/>
-                <a:cs typeface="Bricolage Grotesque Bold"/>
-                <a:sym typeface="Bricolage Grotesque Bold"/>
-              </a:rPr>
-              <a:t>Tạo</a:t>
-            </a:r>
-            <a:r>
-              <a:rPr lang="en-US" sz="6999" b="1" u="none" strike="noStrike" dirty="0" smtClean="0">
-                <a:solidFill>
-                  <a:srgbClr val="1E293B"/>
-                </a:solidFill>
-                <a:latin typeface="Bricolage Grotesque Bold"/>
-                <a:ea typeface="Bricolage Grotesque Bold"/>
-                <a:cs typeface="Bricolage Grotesque Bold"/>
-                <a:sym typeface="Bricolage Grotesque Bold"/>
-              </a:rPr>
-              <a:t> </a:t>
-            </a:r>
-            <a:r>
-              <a:rPr lang="en-US" sz="6999" b="1" u="none" strike="noStrike" dirty="0" err="1">
-                <a:solidFill>
-                  <a:srgbClr val="1E293B"/>
-                </a:solidFill>
-                <a:latin typeface="Bricolage Grotesque Bold"/>
-                <a:ea typeface="Bricolage Grotesque Bold"/>
-                <a:cs typeface="Bricolage Grotesque Bold"/>
-                <a:sym typeface="Bricolage Grotesque Bold"/>
-              </a:rPr>
-              <a:t>trang</a:t>
-            </a:r>
-            <a:r>
-              <a:rPr lang="en-US" sz="6999" b="1" u="none" strike="noStrike" dirty="0">
-                <a:solidFill>
-                  <a:srgbClr val="1E293B"/>
-                </a:solidFill>
-                <a:latin typeface="Bricolage Grotesque Bold"/>
-                <a:ea typeface="Bricolage Grotesque Bold"/>
-                <a:cs typeface="Bricolage Grotesque Bold"/>
-                <a:sym typeface="Bricolage Grotesque Bold"/>
-              </a:rPr>
-              <a:t> Landing Page</a:t>
-            </a:r>
-          </a:p>
-        </p:txBody>
-      </p:sp>
-      <p:grpSp>
-        <p:nvGrpSpPr>
-          <p:cNvPr id="3" name="Group 3"/>
-          <p:cNvGrpSpPr/>
-          <p:nvPr/>
-        </p:nvGrpSpPr>
-        <p:grpSpPr>
-          <a:xfrm>
-            <a:off x="6248400" y="4114800"/>
-            <a:ext cx="5448300" cy="911024"/>
-            <a:chOff x="0" y="0"/>
-            <a:chExt cx="7264400" cy="1214699"/>
-          </a:xfrm>
-        </p:grpSpPr>
-        <p:sp>
-          <p:nvSpPr>
-            <p:cNvPr id="4" name="TextBox 4"/>
-            <p:cNvSpPr txBox="1"/>
-            <p:nvPr/>
-          </p:nvSpPr>
-          <p:spPr>
-            <a:xfrm>
-              <a:off x="0" y="-9525"/>
-              <a:ext cx="7264400" cy="619125"/>
-            </a:xfrm>
-            <a:prstGeom prst="rect">
-              <a:avLst/>
-            </a:prstGeom>
-          </p:spPr>
-          <p:txBody>
-            <a:bodyPr lIns="0" tIns="0" rIns="0" bIns="0" rtlCol="0" anchor="t">
-              <a:spAutoFit/>
-            </a:bodyPr>
-            <a:lstStyle/>
-            <a:p>
-              <a:pPr marL="0" lvl="0" indent="0" algn="l">
-                <a:lnSpc>
-                  <a:spcPts val="3600"/>
-                </a:lnSpc>
-                <a:spcBef>
-                  <a:spcPct val="0"/>
-                </a:spcBef>
-              </a:pPr>
-              <a:r>
-                <a:rPr lang="en-US" sz="3000" b="1" u="none" strike="noStrike" dirty="0" err="1">
-                  <a:solidFill>
-                    <a:srgbClr val="1E293B"/>
-                  </a:solidFill>
-                  <a:latin typeface="Bricolage Grotesque Bold"/>
-                  <a:ea typeface="Bricolage Grotesque Bold"/>
-                  <a:cs typeface="Bricolage Grotesque Bold"/>
-                  <a:sym typeface="Bricolage Grotesque Bold"/>
-                </a:rPr>
-                <a:t>Thiết</a:t>
-              </a:r>
-              <a:r>
-                <a:rPr lang="en-US" sz="3000" b="1" u="none" strike="noStrike" dirty="0">
-                  <a:solidFill>
-                    <a:srgbClr val="1E293B"/>
-                  </a:solidFill>
-                  <a:latin typeface="Bricolage Grotesque Bold"/>
-                  <a:ea typeface="Bricolage Grotesque Bold"/>
-                  <a:cs typeface="Bricolage Grotesque Bold"/>
-                  <a:sym typeface="Bricolage Grotesque Bold"/>
-                </a:rPr>
-                <a:t> </a:t>
-              </a:r>
-              <a:r>
-                <a:rPr lang="en-US" sz="3000" b="1" u="none" strike="noStrike" dirty="0" err="1">
-                  <a:solidFill>
-                    <a:srgbClr val="1E293B"/>
-                  </a:solidFill>
-                  <a:latin typeface="Bricolage Grotesque Bold"/>
-                  <a:ea typeface="Bricolage Grotesque Bold"/>
-                  <a:cs typeface="Bricolage Grotesque Bold"/>
-                  <a:sym typeface="Bricolage Grotesque Bold"/>
-                </a:rPr>
-                <a:t>kế</a:t>
-              </a:r>
-              <a:r>
-                <a:rPr lang="en-US" sz="3000" b="1" u="none" strike="noStrike" dirty="0">
-                  <a:solidFill>
-                    <a:srgbClr val="1E293B"/>
-                  </a:solidFill>
-                  <a:latin typeface="Bricolage Grotesque Bold"/>
-                  <a:ea typeface="Bricolage Grotesque Bold"/>
-                  <a:cs typeface="Bricolage Grotesque Bold"/>
-                  <a:sym typeface="Bricolage Grotesque Bold"/>
-                </a:rPr>
-                <a:t> Header </a:t>
-              </a:r>
-              <a:r>
-                <a:rPr lang="en-US" sz="3000" b="1" u="none" strike="noStrike" dirty="0" err="1">
-                  <a:solidFill>
-                    <a:srgbClr val="1E293B"/>
-                  </a:solidFill>
-                  <a:latin typeface="Bricolage Grotesque Bold"/>
-                  <a:ea typeface="Bricolage Grotesque Bold"/>
-                  <a:cs typeface="Bricolage Grotesque Bold"/>
-                  <a:sym typeface="Bricolage Grotesque Bold"/>
-                </a:rPr>
-                <a:t>cơ</a:t>
-              </a:r>
-              <a:r>
-                <a:rPr lang="en-US" sz="3000" b="1" u="none" strike="noStrike" dirty="0">
-                  <a:solidFill>
-                    <a:srgbClr val="1E293B"/>
-                  </a:solidFill>
-                  <a:latin typeface="Bricolage Grotesque Bold"/>
-                  <a:ea typeface="Bricolage Grotesque Bold"/>
-                  <a:cs typeface="Bricolage Grotesque Bold"/>
-                  <a:sym typeface="Bricolage Grotesque Bold"/>
-                </a:rPr>
-                <a:t> </a:t>
-              </a:r>
-              <a:r>
-                <a:rPr lang="en-US" sz="3000" b="1" u="none" strike="noStrike" dirty="0" err="1">
-                  <a:solidFill>
-                    <a:srgbClr val="1E293B"/>
-                  </a:solidFill>
-                  <a:latin typeface="Bricolage Grotesque Bold"/>
-                  <a:ea typeface="Bricolage Grotesque Bold"/>
-                  <a:cs typeface="Bricolage Grotesque Bold"/>
-                  <a:sym typeface="Bricolage Grotesque Bold"/>
-                </a:rPr>
-                <a:t>bản</a:t>
-              </a:r>
-              <a:endParaRPr lang="en-US" sz="3000" b="1" u="none" strike="noStrike" dirty="0">
-                <a:solidFill>
-                  <a:srgbClr val="1E293B"/>
-                </a:solidFill>
-                <a:latin typeface="Bricolage Grotesque Bold"/>
-                <a:ea typeface="Bricolage Grotesque Bold"/>
-                <a:cs typeface="Bricolage Grotesque Bold"/>
-                <a:sym typeface="Bricolage Grotesque Bold"/>
-              </a:endParaRPr>
-            </a:p>
-          </p:txBody>
-        </p:sp>
-        <p:sp>
-          <p:nvSpPr>
-            <p:cNvPr id="5" name="TextBox 5"/>
-            <p:cNvSpPr txBox="1"/>
-            <p:nvPr/>
-          </p:nvSpPr>
-          <p:spPr>
-            <a:xfrm>
-              <a:off x="0" y="732099"/>
-              <a:ext cx="7264400" cy="482600"/>
-            </a:xfrm>
-            <a:prstGeom prst="rect">
-              <a:avLst/>
-            </a:prstGeom>
-          </p:spPr>
-          <p:txBody>
-            <a:bodyPr lIns="0" tIns="0" rIns="0" bIns="0" rtlCol="0" anchor="t">
-              <a:spAutoFit/>
-            </a:bodyPr>
-            <a:lstStyle/>
-            <a:p>
-              <a:pPr marL="0" lvl="0" indent="0" algn="l">
-                <a:lnSpc>
-                  <a:spcPts val="2879"/>
-                </a:lnSpc>
-                <a:spcBef>
-                  <a:spcPct val="0"/>
-                </a:spcBef>
-              </a:pPr>
-              <a:r>
-                <a:rPr lang="en-US" sz="2400" u="none" strike="noStrike">
-                  <a:solidFill>
-                    <a:srgbClr val="1E293B"/>
-                  </a:solidFill>
-                  <a:latin typeface="HK Grotesk"/>
-                  <a:ea typeface="HK Grotesk"/>
-                  <a:cs typeface="HK Grotesk"/>
-                  <a:sym typeface="HK Grotesk"/>
-                </a:rPr>
-                <a:t>Logo, Menu đơn giản</a:t>
-              </a:r>
-            </a:p>
-          </p:txBody>
-        </p:sp>
-      </p:grpSp>
-      <p:grpSp>
-        <p:nvGrpSpPr>
-          <p:cNvPr id="6" name="Group 6"/>
-          <p:cNvGrpSpPr/>
-          <p:nvPr/>
-        </p:nvGrpSpPr>
-        <p:grpSpPr>
-          <a:xfrm>
-            <a:off x="6248400" y="5905500"/>
-            <a:ext cx="5448300" cy="911024"/>
-            <a:chOff x="0" y="0"/>
-            <a:chExt cx="7264400" cy="1214699"/>
-          </a:xfrm>
-        </p:grpSpPr>
-        <p:sp>
-          <p:nvSpPr>
-            <p:cNvPr id="7" name="TextBox 7"/>
-            <p:cNvSpPr txBox="1"/>
-            <p:nvPr/>
-          </p:nvSpPr>
-          <p:spPr>
-            <a:xfrm>
-              <a:off x="0" y="-9525"/>
-              <a:ext cx="7264400" cy="619125"/>
-            </a:xfrm>
-            <a:prstGeom prst="rect">
-              <a:avLst/>
-            </a:prstGeom>
-          </p:spPr>
-          <p:txBody>
-            <a:bodyPr lIns="0" tIns="0" rIns="0" bIns="0" rtlCol="0" anchor="t">
-              <a:spAutoFit/>
-            </a:bodyPr>
-            <a:lstStyle/>
-            <a:p>
-              <a:pPr marL="0" lvl="0" indent="0" algn="l">
-                <a:lnSpc>
-                  <a:spcPts val="3600"/>
-                </a:lnSpc>
-                <a:spcBef>
-                  <a:spcPct val="0"/>
-                </a:spcBef>
-              </a:pPr>
-              <a:r>
-                <a:rPr lang="en-US" sz="3000" b="1" u="none" strike="noStrike">
-                  <a:solidFill>
-                    <a:srgbClr val="1E293B"/>
-                  </a:solidFill>
-                  <a:latin typeface="Bricolage Grotesque Bold"/>
-                  <a:ea typeface="Bricolage Grotesque Bold"/>
-                  <a:cs typeface="Bricolage Grotesque Bold"/>
-                  <a:sym typeface="Bricolage Grotesque Bold"/>
-                </a:rPr>
-                <a:t>Banner thu hút sự chú ý</a:t>
-              </a:r>
-            </a:p>
-          </p:txBody>
-        </p:sp>
-        <p:sp>
-          <p:nvSpPr>
-            <p:cNvPr id="8" name="TextBox 8"/>
-            <p:cNvSpPr txBox="1"/>
-            <p:nvPr/>
-          </p:nvSpPr>
-          <p:spPr>
-            <a:xfrm>
-              <a:off x="0" y="732099"/>
-              <a:ext cx="7264400" cy="482600"/>
-            </a:xfrm>
-            <a:prstGeom prst="rect">
-              <a:avLst/>
-            </a:prstGeom>
-          </p:spPr>
-          <p:txBody>
-            <a:bodyPr lIns="0" tIns="0" rIns="0" bIns="0" rtlCol="0" anchor="t">
-              <a:spAutoFit/>
-            </a:bodyPr>
-            <a:lstStyle/>
-            <a:p>
-              <a:pPr marL="0" lvl="0" indent="0" algn="l">
-                <a:lnSpc>
-                  <a:spcPts val="2879"/>
-                </a:lnSpc>
-                <a:spcBef>
-                  <a:spcPct val="0"/>
-                </a:spcBef>
-              </a:pPr>
-              <a:r>
-                <a:rPr lang="en-US" sz="2400" u="none" strike="noStrike">
-                  <a:solidFill>
-                    <a:srgbClr val="1E293B"/>
-                  </a:solidFill>
-                  <a:latin typeface="HK Grotesk"/>
-                  <a:ea typeface="HK Grotesk"/>
-                  <a:cs typeface="HK Grotesk"/>
-                  <a:sym typeface="HK Grotesk"/>
-                </a:rPr>
-                <a:t>Ảnh nền, Text nổi bật</a:t>
-              </a:r>
-            </a:p>
-          </p:txBody>
-        </p:sp>
-      </p:grpSp>
-      <p:grpSp>
-        <p:nvGrpSpPr>
-          <p:cNvPr id="9" name="Group 9"/>
-          <p:cNvGrpSpPr/>
-          <p:nvPr/>
-        </p:nvGrpSpPr>
-        <p:grpSpPr>
-          <a:xfrm>
-            <a:off x="6248400" y="7696200"/>
-            <a:ext cx="5448300" cy="911024"/>
-            <a:chOff x="0" y="0"/>
-            <a:chExt cx="7264400" cy="1214699"/>
-          </a:xfrm>
-        </p:grpSpPr>
-        <p:sp>
-          <p:nvSpPr>
-            <p:cNvPr id="10" name="TextBox 10"/>
-            <p:cNvSpPr txBox="1"/>
-            <p:nvPr/>
-          </p:nvSpPr>
-          <p:spPr>
-            <a:xfrm>
-              <a:off x="0" y="-9525"/>
-              <a:ext cx="7264400" cy="619125"/>
-            </a:xfrm>
-            <a:prstGeom prst="rect">
-              <a:avLst/>
-            </a:prstGeom>
-          </p:spPr>
-          <p:txBody>
-            <a:bodyPr lIns="0" tIns="0" rIns="0" bIns="0" rtlCol="0" anchor="t">
-              <a:spAutoFit/>
-            </a:bodyPr>
-            <a:lstStyle/>
-            <a:p>
-              <a:pPr marL="0" lvl="0" indent="0" algn="l">
-                <a:lnSpc>
-                  <a:spcPts val="3600"/>
-                </a:lnSpc>
-                <a:spcBef>
-                  <a:spcPct val="0"/>
-                </a:spcBef>
-              </a:pPr>
-              <a:r>
-                <a:rPr lang="en-US" sz="3000" b="1" u="none" strike="noStrike">
-                  <a:solidFill>
-                    <a:srgbClr val="1E293B"/>
-                  </a:solidFill>
-                  <a:latin typeface="Bricolage Grotesque Bold"/>
-                  <a:ea typeface="Bricolage Grotesque Bold"/>
-                  <a:cs typeface="Bricolage Grotesque Bold"/>
-                  <a:sym typeface="Bricolage Grotesque Bold"/>
-                </a:rPr>
-                <a:t>Footer với thông tin</a:t>
-              </a:r>
-            </a:p>
-          </p:txBody>
-        </p:sp>
-        <p:sp>
-          <p:nvSpPr>
-            <p:cNvPr id="11" name="TextBox 11"/>
-            <p:cNvSpPr txBox="1"/>
-            <p:nvPr/>
-          </p:nvSpPr>
-          <p:spPr>
-            <a:xfrm>
-              <a:off x="0" y="732099"/>
-              <a:ext cx="7264400" cy="482600"/>
-            </a:xfrm>
-            <a:prstGeom prst="rect">
-              <a:avLst/>
-            </a:prstGeom>
-          </p:spPr>
-          <p:txBody>
-            <a:bodyPr lIns="0" tIns="0" rIns="0" bIns="0" rtlCol="0" anchor="t">
-              <a:spAutoFit/>
-            </a:bodyPr>
-            <a:lstStyle/>
-            <a:p>
-              <a:pPr marL="0" lvl="0" indent="0" algn="l">
-                <a:lnSpc>
-                  <a:spcPts val="2879"/>
-                </a:lnSpc>
-                <a:spcBef>
-                  <a:spcPct val="0"/>
-                </a:spcBef>
-              </a:pPr>
-              <a:r>
-                <a:rPr lang="en-US" sz="2400" u="none" strike="noStrike">
-                  <a:solidFill>
-                    <a:srgbClr val="1E293B"/>
-                  </a:solidFill>
-                  <a:latin typeface="HK Grotesk"/>
-                  <a:ea typeface="HK Grotesk"/>
-                  <a:cs typeface="HK Grotesk"/>
-                  <a:sym typeface="HK Grotesk"/>
-                </a:rPr>
-                <a:t>Copyright, Liên hệ đơn giản</a:t>
-              </a:r>
-            </a:p>
-          </p:txBody>
-        </p:sp>
-      </p:grpSp>
-      <p:grpSp>
-        <p:nvGrpSpPr>
-          <p:cNvPr id="14" name="Group 14"/>
-          <p:cNvGrpSpPr/>
-          <p:nvPr/>
-        </p:nvGrpSpPr>
-        <p:grpSpPr>
-          <a:xfrm>
-            <a:off x="15493924" y="6934200"/>
-            <a:ext cx="3467057" cy="4305236"/>
-            <a:chOff x="0" y="0"/>
-            <a:chExt cx="4622743" cy="5740315"/>
-          </a:xfrm>
-        </p:grpSpPr>
-        <p:sp>
-          <p:nvSpPr>
-            <p:cNvPr id="15" name="Freeform 15"/>
-            <p:cNvSpPr/>
-            <p:nvPr/>
-          </p:nvSpPr>
-          <p:spPr>
-            <a:xfrm rot="-2700000">
-              <a:off x="-124706" y="1478676"/>
-              <a:ext cx="4872155" cy="1665391"/>
-            </a:xfrm>
-            <a:custGeom>
-              <a:avLst/>
-              <a:gdLst/>
-              <a:ahLst/>
-              <a:cxnLst/>
-              <a:rect l="l" t="t" r="r" b="b"/>
-              <a:pathLst>
-                <a:path w="4872155" h="1665391">
-                  <a:moveTo>
-                    <a:pt x="0" y="0"/>
-                  </a:moveTo>
-                  <a:lnTo>
-                    <a:pt x="4872155" y="0"/>
-                  </a:lnTo>
-                  <a:lnTo>
-                    <a:pt x="4872155" y="1665391"/>
-                  </a:lnTo>
-                  <a:lnTo>
-                    <a:pt x="0" y="1665391"/>
-                  </a:lnTo>
-                  <a:lnTo>
-                    <a:pt x="0" y="0"/>
-                  </a:lnTo>
-                  <a:close/>
-                </a:path>
-              </a:pathLst>
-            </a:custGeom>
-            <a:blipFill>
-              <a:blip r:embed="rId2">
-                <a:extLst>
-                  <a:ext uri="{96DAC541-7B7A-43D3-8B79-37D633B846F1}">
-                    <asvg:svgBlip xmlns:asvg="http://schemas.microsoft.com/office/drawing/2016/SVG/main" xmlns="" r:embed="rId4"/>
-                  </a:ext>
-                </a:extLst>
-              </a:blip>
-              <a:stretch>
-                <a:fillRect/>
-              </a:stretch>
-            </a:blipFill>
-          </p:spPr>
-        </p:sp>
-        <p:grpSp>
-          <p:nvGrpSpPr>
-            <p:cNvPr id="16" name="Group 16"/>
-            <p:cNvGrpSpPr/>
-            <p:nvPr/>
-          </p:nvGrpSpPr>
-          <p:grpSpPr>
-            <a:xfrm rot="8100000">
-              <a:off x="-106337" y="2577879"/>
-              <a:ext cx="4835418" cy="1702128"/>
-              <a:chOff x="0" y="0"/>
-              <a:chExt cx="954623" cy="336039"/>
-            </a:xfrm>
-          </p:grpSpPr>
-          <p:sp>
-            <p:nvSpPr>
-              <p:cNvPr id="17" name="Freeform 17"/>
-              <p:cNvSpPr/>
-              <p:nvPr/>
-            </p:nvSpPr>
-            <p:spPr>
-              <a:xfrm>
-                <a:off x="0" y="0"/>
-                <a:ext cx="954623" cy="336039"/>
-              </a:xfrm>
-              <a:custGeom>
-                <a:avLst/>
-                <a:gdLst/>
-                <a:ahLst/>
-                <a:cxnLst/>
-                <a:rect l="l" t="t" r="r" b="b"/>
-                <a:pathLst>
-                  <a:path w="954623" h="336039">
-                    <a:moveTo>
-                      <a:pt x="751423" y="0"/>
-                    </a:moveTo>
-                    <a:cubicBezTo>
-                      <a:pt x="863647" y="0"/>
-                      <a:pt x="954623" y="75225"/>
-                      <a:pt x="954623" y="168020"/>
-                    </a:cubicBezTo>
-                    <a:cubicBezTo>
-                      <a:pt x="954623" y="260814"/>
-                      <a:pt x="863647" y="336039"/>
-                      <a:pt x="751423" y="336039"/>
-                    </a:cubicBezTo>
-                    <a:lnTo>
-                      <a:pt x="203200" y="336039"/>
-                    </a:lnTo>
-                    <a:cubicBezTo>
-                      <a:pt x="90976" y="336039"/>
-                      <a:pt x="0" y="260814"/>
-                      <a:pt x="0" y="168020"/>
-                    </a:cubicBezTo>
-                    <a:cubicBezTo>
-                      <a:pt x="0" y="75225"/>
-                      <a:pt x="90976" y="0"/>
-                      <a:pt x="203200" y="0"/>
-                    </a:cubicBezTo>
-                    <a:close/>
-                  </a:path>
-                </a:pathLst>
-              </a:custGeom>
-              <a:solidFill>
-                <a:srgbClr val="1E293B"/>
-              </a:solidFill>
-              <a:ln cap="sq">
-                <a:noFill/>
-                <a:prstDash val="solid"/>
-                <a:miter/>
-              </a:ln>
-            </p:spPr>
-          </p:sp>
-          <p:sp>
-            <p:nvSpPr>
-              <p:cNvPr id="18" name="TextBox 18"/>
-              <p:cNvSpPr txBox="1"/>
-              <p:nvPr/>
-            </p:nvSpPr>
-            <p:spPr>
-              <a:xfrm>
-                <a:off x="0" y="-19050"/>
-                <a:ext cx="954623" cy="355089"/>
-              </a:xfrm>
-              <a:prstGeom prst="rect">
-                <a:avLst/>
-              </a:prstGeom>
-            </p:spPr>
-            <p:txBody>
-              <a:bodyPr lIns="18752" tIns="18752" rIns="18752" bIns="18752" rtlCol="0" anchor="ctr"/>
-              <a:lstStyle/>
-              <a:p>
-                <a:pPr marL="0" lvl="0" indent="0" algn="ctr">
-                  <a:lnSpc>
-                    <a:spcPts val="755"/>
-                  </a:lnSpc>
-                  <a:spcBef>
-                    <a:spcPct val="0"/>
-                  </a:spcBef>
-                </a:pPr>
-                <a:endParaRPr/>
-              </a:p>
-            </p:txBody>
-          </p:sp>
-        </p:grpSp>
-      </p:grpSp>
-    </p:spTree>
-  </p:cSld>
-  <p:clrMapOvr>
-    <a:masterClrMapping/>
-  </p:clrMapOvr>
-  <p:timing>
-    <p:tnLst>
-      <p:par>
-        <p:cTn id="1" dur="indefinite" restart="never" nodeType="tmRoot"/>
-      </p:par>
-    </p:tnLst>
-  </p:timing>
-</p:sld>
-</file>
-
-<file path=ppt/slides/slide17.xml><?xml version="1.0" encoding="utf-8"?>
-<p:sld xmlns:a="http://schemas.openxmlformats.org/drawingml/2006/main" xmlns:r="http://schemas.openxmlformats.org/officeDocument/2006/relationships" xmlns:p="http://schemas.openxmlformats.org/presentationml/2006/main">
-  <p:cSld>
-    <p:spTree>
-      <p:nvGrpSpPr>
-        <p:cNvPr id="1" name=""/>
-        <p:cNvGrpSpPr/>
-        <p:nvPr/>
-      </p:nvGrpSpPr>
-      <p:grpSpPr>
-        <a:xfrm>
-          <a:off x="0" y="0"/>
-          <a:ext cx="0" cy="0"/>
-          <a:chOff x="0" y="0"/>
-          <a:chExt cx="0" cy="0"/>
-        </a:xfrm>
-      </p:grpSpPr>
-      <p:pic>
-        <p:nvPicPr>
-          <p:cNvPr id="12" name="Picture 11"/>
-          <p:cNvPicPr>
-            <a:picLocks noChangeAspect="1"/>
-          </p:cNvPicPr>
-          <p:nvPr/>
-        </p:nvPicPr>
-        <p:blipFill>
-          <a:blip r:embed="rId2"/>
-          <a:stretch>
-            <a:fillRect/>
-          </a:stretch>
-        </p:blipFill>
-        <p:spPr>
-          <a:xfrm>
-            <a:off x="0" y="1391039"/>
-            <a:ext cx="18271500" cy="8916644"/>
-          </a:xfrm>
-          <a:prstGeom prst="rect">
-            <a:avLst/>
-          </a:prstGeom>
-        </p:spPr>
-      </p:pic>
-      <p:sp>
-        <p:nvSpPr>
-          <p:cNvPr id="19" name="TextBox 2"/>
-          <p:cNvSpPr txBox="1"/>
-          <p:nvPr/>
-        </p:nvSpPr>
-        <p:spPr>
-          <a:xfrm>
-            <a:off x="7696200" y="342900"/>
-            <a:ext cx="5410200" cy="897682"/>
-          </a:xfrm>
-          <a:prstGeom prst="rect">
-            <a:avLst/>
-          </a:prstGeom>
-        </p:spPr>
-        <p:txBody>
-          <a:bodyPr wrap="square" lIns="0" tIns="0" rIns="0" bIns="0" rtlCol="0" anchor="t">
-            <a:spAutoFit/>
-          </a:bodyPr>
-          <a:lstStyle/>
-          <a:p>
-            <a:pPr marL="0" lvl="0" indent="0" algn="l">
-              <a:lnSpc>
-                <a:spcPts val="6999"/>
-              </a:lnSpc>
-              <a:spcBef>
-                <a:spcPct val="0"/>
-              </a:spcBef>
-            </a:pPr>
-            <a:r>
-              <a:rPr lang="en-US" sz="4000" b="1" u="none" strike="noStrike" dirty="0" err="1" smtClean="0">
-                <a:solidFill>
-                  <a:srgbClr val="1E293B"/>
-                </a:solidFill>
-                <a:latin typeface="Bricolage Grotesque Bold"/>
-                <a:ea typeface="Bricolage Grotesque Bold"/>
-                <a:cs typeface="Bricolage Grotesque Bold"/>
-                <a:sym typeface="Bricolage Grotesque Bold"/>
-              </a:rPr>
-              <a:t>Bài</a:t>
-            </a:r>
-            <a:r>
-              <a:rPr lang="en-US" sz="4000" b="1" u="none" strike="noStrike" dirty="0" smtClean="0">
-                <a:solidFill>
-                  <a:srgbClr val="1E293B"/>
-                </a:solidFill>
-                <a:latin typeface="Bricolage Grotesque Bold"/>
-                <a:ea typeface="Bricolage Grotesque Bold"/>
-                <a:cs typeface="Bricolage Grotesque Bold"/>
-                <a:sym typeface="Bricolage Grotesque Bold"/>
-              </a:rPr>
-              <a:t> </a:t>
-            </a:r>
-            <a:r>
-              <a:rPr lang="en-US" sz="4000" b="1" u="none" strike="noStrike" dirty="0" err="1" smtClean="0">
-                <a:solidFill>
-                  <a:srgbClr val="1E293B"/>
-                </a:solidFill>
-                <a:latin typeface="Bricolage Grotesque Bold"/>
-                <a:ea typeface="Bricolage Grotesque Bold"/>
-                <a:cs typeface="Bricolage Grotesque Bold"/>
-                <a:sym typeface="Bricolage Grotesque Bold"/>
-              </a:rPr>
-              <a:t>mẫu</a:t>
-            </a:r>
-            <a:r>
-              <a:rPr lang="en-US" sz="4000" b="1" u="none" strike="noStrike" dirty="0" smtClean="0">
-                <a:solidFill>
-                  <a:srgbClr val="1E293B"/>
-                </a:solidFill>
-                <a:latin typeface="Bricolage Grotesque Bold"/>
-                <a:ea typeface="Bricolage Grotesque Bold"/>
-                <a:cs typeface="Bricolage Grotesque Bold"/>
-                <a:sym typeface="Bricolage Grotesque Bold"/>
-              </a:rPr>
-              <a:t> </a:t>
-            </a:r>
-            <a:r>
-              <a:rPr lang="en-US" sz="4000" b="1" u="none" strike="noStrike" dirty="0" err="1" smtClean="0">
-                <a:solidFill>
-                  <a:srgbClr val="1E293B"/>
-                </a:solidFill>
-                <a:latin typeface="Bricolage Grotesque Bold"/>
-                <a:ea typeface="Bricolage Grotesque Bold"/>
-                <a:cs typeface="Bricolage Grotesque Bold"/>
-                <a:sym typeface="Bricolage Grotesque Bold"/>
-              </a:rPr>
-              <a:t>về</a:t>
-            </a:r>
-            <a:r>
-              <a:rPr lang="en-US" sz="4000" b="1" u="none" strike="noStrike" dirty="0" smtClean="0">
-                <a:solidFill>
-                  <a:srgbClr val="1E293B"/>
-                </a:solidFill>
-                <a:latin typeface="Bricolage Grotesque Bold"/>
-                <a:ea typeface="Bricolage Grotesque Bold"/>
-                <a:cs typeface="Bricolage Grotesque Bold"/>
-                <a:sym typeface="Bricolage Grotesque Bold"/>
-              </a:rPr>
-              <a:t> </a:t>
-            </a:r>
-            <a:r>
-              <a:rPr lang="en-US" sz="4000" b="1" u="none" strike="noStrike" dirty="0" err="1" smtClean="0">
-                <a:solidFill>
-                  <a:srgbClr val="1E293B"/>
-                </a:solidFill>
-                <a:latin typeface="Bricolage Grotesque Bold"/>
-                <a:ea typeface="Bricolage Grotesque Bold"/>
-                <a:cs typeface="Bricolage Grotesque Bold"/>
-                <a:sym typeface="Bricolage Grotesque Bold"/>
-              </a:rPr>
-              <a:t>nhà</a:t>
-            </a:r>
-            <a:endParaRPr lang="en-US" sz="4000" b="1" u="none" strike="noStrike" dirty="0">
-              <a:solidFill>
-                <a:srgbClr val="1E293B"/>
-              </a:solidFill>
-              <a:latin typeface="Bricolage Grotesque Bold"/>
-              <a:ea typeface="Bricolage Grotesque Bold"/>
-              <a:cs typeface="Bricolage Grotesque Bold"/>
-              <a:sym typeface="Bricolage Grotesque Bold"/>
-            </a:endParaRPr>
-          </a:p>
-        </p:txBody>
-      </p:sp>
-    </p:spTree>
-    <p:extLst>
-      <p:ext uri="{BB962C8B-B14F-4D97-AF65-F5344CB8AC3E}">
-        <p14:creationId xmlns:p14="http://schemas.microsoft.com/office/powerpoint/2010/main" val="2554710250"/>
-      </p:ext>
-    </p:extLst>
   </p:cSld>
   <p:clrMapOvr>
     <a:masterClrMapping/>
@@ -6594,6 +6952,1406 @@
               </a:spcBef>
             </a:pPr>
             <a:r>
+              <a:rPr lang="en-US" sz="6999" b="1" dirty="0" err="1" smtClean="0">
+                <a:solidFill>
+                  <a:srgbClr val="1E293B"/>
+                </a:solidFill>
+                <a:latin typeface="Bricolage Grotesque Bold"/>
+                <a:ea typeface="Bricolage Grotesque Bold"/>
+                <a:cs typeface="Bricolage Grotesque Bold"/>
+                <a:sym typeface="Bricolage Grotesque Bold"/>
+              </a:rPr>
+              <a:t>Lời</a:t>
+            </a:r>
+            <a:r>
+              <a:rPr lang="en-US" sz="6999" b="1" dirty="0" smtClean="0">
+                <a:solidFill>
+                  <a:srgbClr val="1E293B"/>
+                </a:solidFill>
+                <a:latin typeface="Bricolage Grotesque Bold"/>
+                <a:ea typeface="Bricolage Grotesque Bold"/>
+                <a:cs typeface="Bricolage Grotesque Bold"/>
+                <a:sym typeface="Bricolage Grotesque Bold"/>
+              </a:rPr>
+              <a:t> </a:t>
+            </a:r>
+            <a:r>
+              <a:rPr lang="en-US" sz="6999" b="1" dirty="0" err="1" smtClean="0">
+                <a:solidFill>
+                  <a:srgbClr val="1E293B"/>
+                </a:solidFill>
+                <a:latin typeface="Bricolage Grotesque Bold"/>
+                <a:ea typeface="Bricolage Grotesque Bold"/>
+                <a:cs typeface="Bricolage Grotesque Bold"/>
+                <a:sym typeface="Bricolage Grotesque Bold"/>
+              </a:rPr>
+              <a:t>mở</a:t>
+            </a:r>
+            <a:r>
+              <a:rPr lang="en-US" sz="6999" b="1" dirty="0" smtClean="0">
+                <a:solidFill>
+                  <a:srgbClr val="1E293B"/>
+                </a:solidFill>
+                <a:latin typeface="Bricolage Grotesque Bold"/>
+                <a:ea typeface="Bricolage Grotesque Bold"/>
+                <a:cs typeface="Bricolage Grotesque Bold"/>
+                <a:sym typeface="Bricolage Grotesque Bold"/>
+              </a:rPr>
+              <a:t> </a:t>
+            </a:r>
+            <a:r>
+              <a:rPr lang="en-US" sz="6999" b="1" dirty="0" err="1" smtClean="0">
+                <a:solidFill>
+                  <a:srgbClr val="1E293B"/>
+                </a:solidFill>
+                <a:latin typeface="Bricolage Grotesque Bold"/>
+                <a:ea typeface="Bricolage Grotesque Bold"/>
+                <a:cs typeface="Bricolage Grotesque Bold"/>
+                <a:sym typeface="Bricolage Grotesque Bold"/>
+              </a:rPr>
+              <a:t>đầu</a:t>
+            </a:r>
+            <a:endParaRPr lang="en-US" sz="6999" b="1" dirty="0">
+              <a:solidFill>
+                <a:srgbClr val="1E293B"/>
+              </a:solidFill>
+              <a:latin typeface="Bricolage Grotesque Bold"/>
+              <a:ea typeface="Bricolage Grotesque Bold"/>
+              <a:cs typeface="Bricolage Grotesque Bold"/>
+              <a:sym typeface="Bricolage Grotesque Bold"/>
+            </a:endParaRPr>
+          </a:p>
+        </p:txBody>
+      </p:sp>
+      <p:sp>
+        <p:nvSpPr>
+          <p:cNvPr id="3" name="TextBox 3"/>
+          <p:cNvSpPr txBox="1"/>
+          <p:nvPr/>
+        </p:nvSpPr>
+        <p:spPr>
+          <a:xfrm>
+            <a:off x="2514600" y="4381500"/>
+            <a:ext cx="9678972" cy="2808461"/>
+          </a:xfrm>
+          <a:prstGeom prst="rect">
+            <a:avLst/>
+          </a:prstGeom>
+        </p:spPr>
+        <p:txBody>
+          <a:bodyPr lIns="0" tIns="0" rIns="0" bIns="0" rtlCol="0" anchor="t">
+            <a:spAutoFit/>
+          </a:bodyPr>
+          <a:lstStyle/>
+          <a:p>
+            <a:pPr marL="377932" lvl="1" algn="l">
+              <a:lnSpc>
+                <a:spcPts val="7282"/>
+              </a:lnSpc>
+            </a:pPr>
+            <a:r>
+              <a:rPr lang="en-US" sz="3000" dirty="0" err="1" smtClean="0">
+                <a:solidFill>
+                  <a:srgbClr val="1E293B"/>
+                </a:solidFill>
+                <a:latin typeface="Bricolage Grotesque Bold"/>
+                <a:ea typeface="Bricolage Grotesque Bold"/>
+                <a:cs typeface="Bricolage Grotesque Bold"/>
+                <a:sym typeface="Bricolage Grotesque Bold"/>
+              </a:rPr>
+              <a:t>Nền</a:t>
+            </a:r>
+            <a:r>
+              <a:rPr lang="en-US" sz="3000" dirty="0" smtClean="0">
+                <a:solidFill>
+                  <a:srgbClr val="1E293B"/>
+                </a:solidFill>
+                <a:latin typeface="Bricolage Grotesque Bold"/>
+                <a:ea typeface="Bricolage Grotesque Bold"/>
+                <a:cs typeface="Bricolage Grotesque Bold"/>
+                <a:sym typeface="Bricolage Grotesque Bold"/>
+              </a:rPr>
+              <a:t> </a:t>
+            </a:r>
+            <a:r>
+              <a:rPr lang="en-US" sz="3000" dirty="0" err="1" smtClean="0">
+                <a:solidFill>
+                  <a:srgbClr val="1E293B"/>
+                </a:solidFill>
+                <a:latin typeface="Bricolage Grotesque Bold"/>
+                <a:ea typeface="Bricolage Grotesque Bold"/>
+                <a:cs typeface="Bricolage Grotesque Bold"/>
+                <a:sym typeface="Bricolage Grotesque Bold"/>
+              </a:rPr>
+              <a:t>tảng</a:t>
+            </a:r>
+            <a:r>
+              <a:rPr lang="en-US" sz="3000" dirty="0" smtClean="0">
+                <a:solidFill>
+                  <a:srgbClr val="1E293B"/>
+                </a:solidFill>
+                <a:latin typeface="Bricolage Grotesque Bold"/>
+                <a:ea typeface="Bricolage Grotesque Bold"/>
+                <a:cs typeface="Bricolage Grotesque Bold"/>
+                <a:sym typeface="Bricolage Grotesque Bold"/>
+              </a:rPr>
+              <a:t> </a:t>
+            </a:r>
+            <a:r>
+              <a:rPr lang="en-US" sz="3000" dirty="0" err="1" smtClean="0">
+                <a:solidFill>
+                  <a:srgbClr val="1E293B"/>
+                </a:solidFill>
+                <a:latin typeface="Bricolage Grotesque Bold"/>
+                <a:ea typeface="Bricolage Grotesque Bold"/>
+                <a:cs typeface="Bricolage Grotesque Bold"/>
+                <a:sym typeface="Bricolage Grotesque Bold"/>
+              </a:rPr>
+              <a:t>cần</a:t>
+            </a:r>
+            <a:r>
+              <a:rPr lang="en-US" sz="3000" dirty="0" smtClean="0">
+                <a:solidFill>
+                  <a:srgbClr val="1E293B"/>
+                </a:solidFill>
+                <a:latin typeface="Bricolage Grotesque Bold"/>
+                <a:ea typeface="Bricolage Grotesque Bold"/>
+                <a:cs typeface="Bricolage Grotesque Bold"/>
+                <a:sym typeface="Bricolage Grotesque Bold"/>
+              </a:rPr>
+              <a:t> </a:t>
+            </a:r>
+            <a:r>
+              <a:rPr lang="en-US" sz="3000" dirty="0" err="1" smtClean="0">
+                <a:solidFill>
+                  <a:srgbClr val="1E293B"/>
+                </a:solidFill>
+                <a:latin typeface="Bricolage Grotesque Bold"/>
+                <a:ea typeface="Bricolage Grotesque Bold"/>
+                <a:cs typeface="Bricolage Grotesque Bold"/>
+                <a:sym typeface="Bricolage Grotesque Bold"/>
+              </a:rPr>
+              <a:t>thiết</a:t>
+            </a:r>
+            <a:r>
+              <a:rPr lang="en-US" sz="3000" dirty="0" smtClean="0">
+                <a:solidFill>
+                  <a:srgbClr val="1E293B"/>
+                </a:solidFill>
+                <a:latin typeface="Bricolage Grotesque Bold"/>
+                <a:ea typeface="Bricolage Grotesque Bold"/>
+                <a:cs typeface="Bricolage Grotesque Bold"/>
+                <a:sym typeface="Bricolage Grotesque Bold"/>
+              </a:rPr>
+              <a:t> </a:t>
+            </a:r>
+            <a:r>
+              <a:rPr lang="en-US" sz="3000" dirty="0" err="1" smtClean="0">
+                <a:solidFill>
+                  <a:srgbClr val="1E293B"/>
+                </a:solidFill>
+                <a:latin typeface="Bricolage Grotesque Bold"/>
+                <a:ea typeface="Bricolage Grotesque Bold"/>
+                <a:cs typeface="Bricolage Grotesque Bold"/>
+                <a:sym typeface="Bricolage Grotesque Bold"/>
+              </a:rPr>
+              <a:t>để</a:t>
+            </a:r>
+            <a:r>
+              <a:rPr lang="en-US" sz="3000" dirty="0" smtClean="0">
+                <a:solidFill>
+                  <a:srgbClr val="1E293B"/>
+                </a:solidFill>
+                <a:latin typeface="Bricolage Grotesque Bold"/>
+                <a:ea typeface="Bricolage Grotesque Bold"/>
+                <a:cs typeface="Bricolage Grotesque Bold"/>
+                <a:sym typeface="Bricolage Grotesque Bold"/>
+              </a:rPr>
+              <a:t> </a:t>
+            </a:r>
+            <a:r>
+              <a:rPr lang="en-US" sz="3000" dirty="0" err="1" smtClean="0">
+                <a:solidFill>
+                  <a:srgbClr val="1E293B"/>
+                </a:solidFill>
+                <a:latin typeface="Bricolage Grotesque Bold"/>
+                <a:ea typeface="Bricolage Grotesque Bold"/>
+                <a:cs typeface="Bricolage Grotesque Bold"/>
+                <a:sym typeface="Bricolage Grotesque Bold"/>
+              </a:rPr>
+              <a:t>bắt</a:t>
+            </a:r>
+            <a:r>
+              <a:rPr lang="en-US" sz="3000" dirty="0" smtClean="0">
+                <a:solidFill>
+                  <a:srgbClr val="1E293B"/>
+                </a:solidFill>
+                <a:latin typeface="Bricolage Grotesque Bold"/>
+                <a:ea typeface="Bricolage Grotesque Bold"/>
+                <a:cs typeface="Bricolage Grotesque Bold"/>
+                <a:sym typeface="Bricolage Grotesque Bold"/>
+              </a:rPr>
+              <a:t> </a:t>
+            </a:r>
+            <a:r>
+              <a:rPr lang="en-US" sz="3000" dirty="0" err="1" smtClean="0">
+                <a:solidFill>
+                  <a:srgbClr val="1E293B"/>
+                </a:solidFill>
+                <a:latin typeface="Bricolage Grotesque Bold"/>
+                <a:ea typeface="Bricolage Grotesque Bold"/>
+                <a:cs typeface="Bricolage Grotesque Bold"/>
+                <a:sym typeface="Bricolage Grotesque Bold"/>
+              </a:rPr>
+              <a:t>đầu</a:t>
+            </a:r>
+            <a:r>
+              <a:rPr lang="en-US" sz="3000" dirty="0" smtClean="0">
+                <a:solidFill>
+                  <a:srgbClr val="1E293B"/>
+                </a:solidFill>
+                <a:latin typeface="Bricolage Grotesque Bold"/>
+                <a:ea typeface="Bricolage Grotesque Bold"/>
+                <a:cs typeface="Bricolage Grotesque Bold"/>
+                <a:sym typeface="Bricolage Grotesque Bold"/>
+              </a:rPr>
+              <a:t> </a:t>
+            </a:r>
+            <a:r>
+              <a:rPr lang="en-US" sz="3000" dirty="0" err="1" smtClean="0">
+                <a:solidFill>
+                  <a:srgbClr val="1E293B"/>
+                </a:solidFill>
+                <a:latin typeface="Bricolage Grotesque Bold"/>
+                <a:ea typeface="Bricolage Grotesque Bold"/>
+                <a:cs typeface="Bricolage Grotesque Bold"/>
+                <a:sym typeface="Bricolage Grotesque Bold"/>
+              </a:rPr>
+              <a:t>khóa</a:t>
+            </a:r>
+            <a:r>
+              <a:rPr lang="en-US" sz="3000" dirty="0" smtClean="0">
+                <a:solidFill>
+                  <a:srgbClr val="1E293B"/>
+                </a:solidFill>
+                <a:latin typeface="Bricolage Grotesque Bold"/>
+                <a:ea typeface="Bricolage Grotesque Bold"/>
+                <a:cs typeface="Bricolage Grotesque Bold"/>
+                <a:sym typeface="Bricolage Grotesque Bold"/>
+              </a:rPr>
+              <a:t> React?</a:t>
+            </a:r>
+          </a:p>
+          <a:p>
+            <a:pPr marL="377932" lvl="1" algn="l">
+              <a:lnSpc>
+                <a:spcPts val="7282"/>
+              </a:lnSpc>
+            </a:pPr>
+            <a:r>
+              <a:rPr lang="en-US" sz="3000" dirty="0" err="1" smtClean="0">
+                <a:solidFill>
+                  <a:srgbClr val="1E293B"/>
+                </a:solidFill>
+                <a:latin typeface="Bricolage Grotesque Bold"/>
+                <a:ea typeface="Bricolage Grotesque Bold"/>
+                <a:cs typeface="Bricolage Grotesque Bold"/>
+                <a:sym typeface="Bricolage Grotesque Bold"/>
+              </a:rPr>
+              <a:t>Khóa</a:t>
+            </a:r>
+            <a:r>
+              <a:rPr lang="en-US" sz="3000" dirty="0" smtClean="0">
+                <a:solidFill>
+                  <a:srgbClr val="1E293B"/>
+                </a:solidFill>
+                <a:latin typeface="Bricolage Grotesque Bold"/>
+                <a:ea typeface="Bricolage Grotesque Bold"/>
+                <a:cs typeface="Bricolage Grotesque Bold"/>
+                <a:sym typeface="Bricolage Grotesque Bold"/>
+              </a:rPr>
+              <a:t> </a:t>
+            </a:r>
+            <a:r>
+              <a:rPr lang="en-US" sz="3000" dirty="0" err="1" smtClean="0">
+                <a:solidFill>
+                  <a:srgbClr val="1E293B"/>
+                </a:solidFill>
+                <a:latin typeface="Bricolage Grotesque Bold"/>
+                <a:ea typeface="Bricolage Grotesque Bold"/>
+                <a:cs typeface="Bricolage Grotesque Bold"/>
+                <a:sym typeface="Bricolage Grotesque Bold"/>
+              </a:rPr>
+              <a:t>học</a:t>
+            </a:r>
+            <a:r>
+              <a:rPr lang="en-US" sz="3000" dirty="0" smtClean="0">
+                <a:solidFill>
+                  <a:srgbClr val="1E293B"/>
+                </a:solidFill>
+                <a:latin typeface="Bricolage Grotesque Bold"/>
+                <a:ea typeface="Bricolage Grotesque Bold"/>
+                <a:cs typeface="Bricolage Grotesque Bold"/>
+                <a:sym typeface="Bricolage Grotesque Bold"/>
+              </a:rPr>
+              <a:t> </a:t>
+            </a:r>
+            <a:r>
+              <a:rPr lang="en-US" sz="3000" dirty="0" err="1" smtClean="0">
+                <a:solidFill>
+                  <a:srgbClr val="1E293B"/>
+                </a:solidFill>
+                <a:latin typeface="Bricolage Grotesque Bold"/>
+                <a:ea typeface="Bricolage Grotesque Bold"/>
+                <a:cs typeface="Bricolage Grotesque Bold"/>
+                <a:sym typeface="Bricolage Grotesque Bold"/>
+              </a:rPr>
+              <a:t>này</a:t>
+            </a:r>
+            <a:r>
+              <a:rPr lang="en-US" sz="3000" dirty="0" smtClean="0">
+                <a:solidFill>
+                  <a:srgbClr val="1E293B"/>
+                </a:solidFill>
+                <a:latin typeface="Bricolage Grotesque Bold"/>
+                <a:ea typeface="Bricolage Grotesque Bold"/>
+                <a:cs typeface="Bricolage Grotesque Bold"/>
+                <a:sym typeface="Bricolage Grotesque Bold"/>
+              </a:rPr>
+              <a:t> </a:t>
+            </a:r>
+            <a:r>
+              <a:rPr lang="en-US" sz="3000" dirty="0" err="1" smtClean="0">
+                <a:solidFill>
+                  <a:srgbClr val="1E293B"/>
+                </a:solidFill>
+                <a:latin typeface="Bricolage Grotesque Bold"/>
+                <a:ea typeface="Bricolage Grotesque Bold"/>
+                <a:cs typeface="Bricolage Grotesque Bold"/>
+                <a:sym typeface="Bricolage Grotesque Bold"/>
+              </a:rPr>
+              <a:t>gồm</a:t>
+            </a:r>
+            <a:r>
+              <a:rPr lang="en-US" sz="3000" dirty="0" smtClean="0">
+                <a:solidFill>
+                  <a:srgbClr val="1E293B"/>
+                </a:solidFill>
+                <a:latin typeface="Bricolage Grotesque Bold"/>
+                <a:ea typeface="Bricolage Grotesque Bold"/>
+                <a:cs typeface="Bricolage Grotesque Bold"/>
+                <a:sym typeface="Bricolage Grotesque Bold"/>
+              </a:rPr>
+              <a:t> </a:t>
+            </a:r>
+            <a:r>
+              <a:rPr lang="en-US" sz="3000" dirty="0" err="1" smtClean="0">
+                <a:solidFill>
+                  <a:srgbClr val="1E293B"/>
+                </a:solidFill>
+                <a:latin typeface="Bricolage Grotesque Bold"/>
+                <a:ea typeface="Bricolage Grotesque Bold"/>
+                <a:cs typeface="Bricolage Grotesque Bold"/>
+                <a:sym typeface="Bricolage Grotesque Bold"/>
+              </a:rPr>
+              <a:t>những</a:t>
+            </a:r>
+            <a:r>
+              <a:rPr lang="en-US" sz="3000" dirty="0" smtClean="0">
+                <a:solidFill>
+                  <a:srgbClr val="1E293B"/>
+                </a:solidFill>
+                <a:latin typeface="Bricolage Grotesque Bold"/>
+                <a:ea typeface="Bricolage Grotesque Bold"/>
+                <a:cs typeface="Bricolage Grotesque Bold"/>
+                <a:sym typeface="Bricolage Grotesque Bold"/>
+              </a:rPr>
+              <a:t> </a:t>
+            </a:r>
+            <a:r>
+              <a:rPr lang="en-US" sz="3000" dirty="0" err="1" smtClean="0">
+                <a:solidFill>
+                  <a:srgbClr val="1E293B"/>
+                </a:solidFill>
+                <a:latin typeface="Bricolage Grotesque Bold"/>
+                <a:ea typeface="Bricolage Grotesque Bold"/>
+                <a:cs typeface="Bricolage Grotesque Bold"/>
+                <a:sym typeface="Bricolage Grotesque Bold"/>
+              </a:rPr>
+              <a:t>gì</a:t>
+            </a:r>
+            <a:r>
+              <a:rPr lang="en-US" sz="3000" dirty="0" smtClean="0">
+                <a:solidFill>
+                  <a:srgbClr val="1E293B"/>
+                </a:solidFill>
+                <a:latin typeface="Bricolage Grotesque Bold"/>
+                <a:ea typeface="Bricolage Grotesque Bold"/>
+                <a:cs typeface="Bricolage Grotesque Bold"/>
+                <a:sym typeface="Bricolage Grotesque Bold"/>
+              </a:rPr>
+              <a:t>?</a:t>
+            </a:r>
+          </a:p>
+          <a:p>
+            <a:pPr marL="377932" lvl="1">
+              <a:lnSpc>
+                <a:spcPts val="7282"/>
+              </a:lnSpc>
+            </a:pPr>
+            <a:r>
+              <a:rPr lang="en-US" sz="3000" dirty="0" err="1">
+                <a:solidFill>
+                  <a:srgbClr val="1E293B"/>
+                </a:solidFill>
+                <a:latin typeface="Bricolage Grotesque Bold"/>
+                <a:ea typeface="Bricolage Grotesque Bold"/>
+                <a:cs typeface="Bricolage Grotesque Bold"/>
+                <a:sym typeface="Bricolage Grotesque Bold"/>
+              </a:rPr>
+              <a:t>Vì</a:t>
+            </a:r>
+            <a:r>
+              <a:rPr lang="en-US" sz="3000" dirty="0">
+                <a:solidFill>
+                  <a:srgbClr val="1E293B"/>
+                </a:solidFill>
+                <a:latin typeface="Bricolage Grotesque Bold"/>
+                <a:ea typeface="Bricolage Grotesque Bold"/>
+                <a:cs typeface="Bricolage Grotesque Bold"/>
+                <a:sym typeface="Bricolage Grotesque Bold"/>
+              </a:rPr>
+              <a:t> </a:t>
+            </a:r>
+            <a:r>
+              <a:rPr lang="en-US" sz="3000" dirty="0" err="1">
+                <a:solidFill>
+                  <a:srgbClr val="1E293B"/>
+                </a:solidFill>
+                <a:latin typeface="Bricolage Grotesque Bold"/>
+                <a:ea typeface="Bricolage Grotesque Bold"/>
+                <a:cs typeface="Bricolage Grotesque Bold"/>
+                <a:sym typeface="Bricolage Grotesque Bold"/>
+              </a:rPr>
+              <a:t>sao</a:t>
+            </a:r>
+            <a:r>
+              <a:rPr lang="en-US" sz="3000" dirty="0">
+                <a:solidFill>
+                  <a:srgbClr val="1E293B"/>
+                </a:solidFill>
+                <a:latin typeface="Bricolage Grotesque Bold"/>
+                <a:ea typeface="Bricolage Grotesque Bold"/>
+                <a:cs typeface="Bricolage Grotesque Bold"/>
+                <a:sym typeface="Bricolage Grotesque Bold"/>
+              </a:rPr>
+              <a:t> </a:t>
+            </a:r>
+            <a:r>
+              <a:rPr lang="en-US" sz="3000" dirty="0" err="1">
+                <a:solidFill>
+                  <a:srgbClr val="1E293B"/>
+                </a:solidFill>
+                <a:latin typeface="Bricolage Grotesque Bold"/>
+                <a:ea typeface="Bricolage Grotesque Bold"/>
+                <a:cs typeface="Bricolage Grotesque Bold"/>
+                <a:sym typeface="Bricolage Grotesque Bold"/>
+              </a:rPr>
+              <a:t>rất</a:t>
+            </a:r>
+            <a:r>
+              <a:rPr lang="en-US" sz="3000" dirty="0">
+                <a:solidFill>
+                  <a:srgbClr val="1E293B"/>
+                </a:solidFill>
+                <a:latin typeface="Bricolage Grotesque Bold"/>
+                <a:ea typeface="Bricolage Grotesque Bold"/>
+                <a:cs typeface="Bricolage Grotesque Bold"/>
+                <a:sym typeface="Bricolage Grotesque Bold"/>
+              </a:rPr>
+              <a:t> </a:t>
+            </a:r>
+            <a:r>
+              <a:rPr lang="en-US" sz="3000" dirty="0" err="1">
+                <a:solidFill>
+                  <a:srgbClr val="1E293B"/>
+                </a:solidFill>
+                <a:latin typeface="Bricolage Grotesque Bold"/>
+                <a:ea typeface="Bricolage Grotesque Bold"/>
+                <a:cs typeface="Bricolage Grotesque Bold"/>
+                <a:sym typeface="Bricolage Grotesque Bold"/>
+              </a:rPr>
+              <a:t>ít</a:t>
+            </a:r>
+            <a:r>
+              <a:rPr lang="en-US" sz="3000" dirty="0">
+                <a:solidFill>
+                  <a:srgbClr val="1E293B"/>
+                </a:solidFill>
+                <a:latin typeface="Bricolage Grotesque Bold"/>
+                <a:ea typeface="Bricolage Grotesque Bold"/>
+                <a:cs typeface="Bricolage Grotesque Bold"/>
+                <a:sym typeface="Bricolage Grotesque Bold"/>
+              </a:rPr>
+              <a:t> </a:t>
+            </a:r>
+            <a:r>
+              <a:rPr lang="en-US" sz="3000" dirty="0" err="1">
+                <a:solidFill>
+                  <a:srgbClr val="1E293B"/>
+                </a:solidFill>
+                <a:latin typeface="Bricolage Grotesque Bold"/>
+                <a:ea typeface="Bricolage Grotesque Bold"/>
+                <a:cs typeface="Bricolage Grotesque Bold"/>
+                <a:sym typeface="Bricolage Grotesque Bold"/>
+              </a:rPr>
+              <a:t>lý</a:t>
+            </a:r>
+            <a:r>
+              <a:rPr lang="en-US" sz="3000" dirty="0">
+                <a:solidFill>
+                  <a:srgbClr val="1E293B"/>
+                </a:solidFill>
+                <a:latin typeface="Bricolage Grotesque Bold"/>
+                <a:ea typeface="Bricolage Grotesque Bold"/>
+                <a:cs typeface="Bricolage Grotesque Bold"/>
+                <a:sym typeface="Bricolage Grotesque Bold"/>
+              </a:rPr>
+              <a:t> </a:t>
+            </a:r>
+            <a:r>
+              <a:rPr lang="en-US" sz="3000" dirty="0" err="1">
+                <a:solidFill>
+                  <a:srgbClr val="1E293B"/>
+                </a:solidFill>
+                <a:latin typeface="Bricolage Grotesque Bold"/>
+                <a:ea typeface="Bricolage Grotesque Bold"/>
+                <a:cs typeface="Bricolage Grotesque Bold"/>
+                <a:sym typeface="Bricolage Grotesque Bold"/>
+              </a:rPr>
+              <a:t>thuyết</a:t>
+            </a:r>
+            <a:r>
+              <a:rPr lang="en-US" sz="3000" dirty="0" smtClean="0">
+                <a:solidFill>
+                  <a:srgbClr val="1E293B"/>
+                </a:solidFill>
+                <a:latin typeface="Bricolage Grotesque Bold"/>
+                <a:ea typeface="Bricolage Grotesque Bold"/>
+                <a:cs typeface="Bricolage Grotesque Bold"/>
+                <a:sym typeface="Bricolage Grotesque Bold"/>
+              </a:rPr>
+              <a:t>?</a:t>
+            </a:r>
+            <a:endParaRPr lang="en-US" sz="3000" dirty="0">
+              <a:solidFill>
+                <a:srgbClr val="1E293B"/>
+              </a:solidFill>
+              <a:latin typeface="Bricolage Grotesque Bold"/>
+              <a:ea typeface="Bricolage Grotesque Bold"/>
+              <a:cs typeface="Bricolage Grotesque Bold"/>
+              <a:sym typeface="Bricolage Grotesque Bold"/>
+            </a:endParaRPr>
+          </a:p>
+        </p:txBody>
+      </p:sp>
+    </p:spTree>
+  </p:cSld>
+  <p:clrMapOvr>
+    <a:masterClrMapping/>
+  </p:clrMapOvr>
+  <p:timing>
+    <p:tnLst>
+      <p:par>
+        <p:cTn id="1" dur="indefinite" restart="never" nodeType="tmRoot"/>
+      </p:par>
+    </p:tnLst>
+  </p:timing>
+</p:sld>
+</file>
+
+<file path=ppt/slides/slide20.xml><?xml version="1.0" encoding="utf-8"?>
+<p:sld xmlns:a="http://schemas.openxmlformats.org/drawingml/2006/main" xmlns:r="http://schemas.openxmlformats.org/officeDocument/2006/relationships" xmlns:p="http://schemas.openxmlformats.org/presentationml/2006/main">
+  <p:cSld>
+    <p:spTree>
+      <p:nvGrpSpPr>
+        <p:cNvPr id="1" name=""/>
+        <p:cNvGrpSpPr/>
+        <p:nvPr/>
+      </p:nvGrpSpPr>
+      <p:grpSpPr>
+        <a:xfrm>
+          <a:off x="0" y="0"/>
+          <a:ext cx="0" cy="0"/>
+          <a:chOff x="0" y="0"/>
+          <a:chExt cx="0" cy="0"/>
+        </a:xfrm>
+      </p:grpSpPr>
+      <p:sp>
+        <p:nvSpPr>
+          <p:cNvPr id="19" name="TextBox 2"/>
+          <p:cNvSpPr txBox="1"/>
+          <p:nvPr/>
+        </p:nvSpPr>
+        <p:spPr>
+          <a:xfrm>
+            <a:off x="1219200" y="1409700"/>
+            <a:ext cx="5410200" cy="811761"/>
+          </a:xfrm>
+          <a:prstGeom prst="rect">
+            <a:avLst/>
+          </a:prstGeom>
+        </p:spPr>
+        <p:txBody>
+          <a:bodyPr wrap="square" lIns="0" tIns="0" rIns="0" bIns="0" rtlCol="0" anchor="t">
+            <a:spAutoFit/>
+          </a:bodyPr>
+          <a:lstStyle/>
+          <a:p>
+            <a:pPr marL="0" lvl="0" indent="0" algn="l">
+              <a:lnSpc>
+                <a:spcPts val="6999"/>
+              </a:lnSpc>
+              <a:spcBef>
+                <a:spcPct val="0"/>
+              </a:spcBef>
+            </a:pPr>
+            <a:r>
+              <a:rPr lang="en-US" sz="4000" b="1" u="none" strike="noStrike" dirty="0" err="1" smtClean="0">
+                <a:solidFill>
+                  <a:srgbClr val="1E293B"/>
+                </a:solidFill>
+                <a:latin typeface="Bricolage Grotesque Bold"/>
+                <a:ea typeface="Bricolage Grotesque Bold"/>
+                <a:cs typeface="Bricolage Grotesque Bold"/>
+                <a:sym typeface="Bricolage Grotesque Bold"/>
+              </a:rPr>
+              <a:t>Bài</a:t>
+            </a:r>
+            <a:r>
+              <a:rPr lang="en-US" sz="4000" b="1" u="none" strike="noStrike" dirty="0" smtClean="0">
+                <a:solidFill>
+                  <a:srgbClr val="1E293B"/>
+                </a:solidFill>
+                <a:latin typeface="Bricolage Grotesque Bold"/>
+                <a:ea typeface="Bricolage Grotesque Bold"/>
+                <a:cs typeface="Bricolage Grotesque Bold"/>
+                <a:sym typeface="Bricolage Grotesque Bold"/>
+              </a:rPr>
+              <a:t> </a:t>
+            </a:r>
+            <a:r>
+              <a:rPr lang="en-US" sz="4000" b="1" u="none" strike="noStrike" dirty="0" err="1" smtClean="0">
+                <a:solidFill>
+                  <a:srgbClr val="1E293B"/>
+                </a:solidFill>
+                <a:latin typeface="Bricolage Grotesque Bold"/>
+                <a:ea typeface="Bricolage Grotesque Bold"/>
+                <a:cs typeface="Bricolage Grotesque Bold"/>
+                <a:sym typeface="Bricolage Grotesque Bold"/>
+              </a:rPr>
+              <a:t>tập</a:t>
+            </a:r>
+            <a:r>
+              <a:rPr lang="en-US" sz="4000" b="1" u="none" strike="noStrike" dirty="0" smtClean="0">
+                <a:solidFill>
+                  <a:srgbClr val="1E293B"/>
+                </a:solidFill>
+                <a:latin typeface="Bricolage Grotesque Bold"/>
+                <a:ea typeface="Bricolage Grotesque Bold"/>
+                <a:cs typeface="Bricolage Grotesque Bold"/>
+                <a:sym typeface="Bricolage Grotesque Bold"/>
+              </a:rPr>
+              <a:t>: News</a:t>
+            </a:r>
+            <a:endParaRPr lang="en-US" sz="4000" b="1" u="none" strike="noStrike" dirty="0">
+              <a:solidFill>
+                <a:srgbClr val="1E293B"/>
+              </a:solidFill>
+              <a:latin typeface="Bricolage Grotesque Bold"/>
+              <a:ea typeface="Bricolage Grotesque Bold"/>
+              <a:cs typeface="Bricolage Grotesque Bold"/>
+              <a:sym typeface="Bricolage Grotesque Bold"/>
+            </a:endParaRPr>
+          </a:p>
+        </p:txBody>
+      </p:sp>
+      <p:sp>
+        <p:nvSpPr>
+          <p:cNvPr id="6" name="TextBox 5"/>
+          <p:cNvSpPr txBox="1"/>
+          <p:nvPr/>
+        </p:nvSpPr>
+        <p:spPr>
+          <a:xfrm>
+            <a:off x="827062" y="4686300"/>
+            <a:ext cx="17700676" cy="777136"/>
+          </a:xfrm>
+          <a:prstGeom prst="rect">
+            <a:avLst/>
+          </a:prstGeom>
+        </p:spPr>
+        <p:txBody>
+          <a:bodyPr lIns="0" tIns="0" rIns="0" bIns="0" rtlCol="0" anchor="t">
+            <a:spAutoFit/>
+          </a:bodyPr>
+          <a:lstStyle/>
+          <a:p>
+            <a:pPr algn="l">
+              <a:lnSpc>
+                <a:spcPts val="3000"/>
+              </a:lnSpc>
+            </a:pPr>
+            <a:r>
+              <a:rPr lang="en-US" sz="3000" spc="-89" dirty="0" err="1" smtClean="0">
+                <a:solidFill>
+                  <a:srgbClr val="1E293B"/>
+                </a:solidFill>
+                <a:latin typeface="Bricolage Grotesque"/>
+                <a:ea typeface="Bricolage Grotesque"/>
+                <a:cs typeface="Bricolage Grotesque"/>
+                <a:sym typeface="Bricolage Grotesque"/>
+              </a:rPr>
+              <a:t>Sử</a:t>
+            </a:r>
+            <a:r>
+              <a:rPr lang="en-US" sz="3000" spc="-89" dirty="0" smtClean="0">
+                <a:solidFill>
+                  <a:srgbClr val="1E293B"/>
+                </a:solidFill>
+                <a:latin typeface="Bricolage Grotesque"/>
+                <a:ea typeface="Bricolage Grotesque"/>
+                <a:cs typeface="Bricolage Grotesque"/>
+                <a:sym typeface="Bricolage Grotesque"/>
+              </a:rPr>
+              <a:t> </a:t>
+            </a:r>
+            <a:r>
+              <a:rPr lang="en-US" sz="3000" spc="-89" dirty="0" err="1" smtClean="0">
+                <a:solidFill>
+                  <a:srgbClr val="1E293B"/>
+                </a:solidFill>
+                <a:latin typeface="Bricolage Grotesque"/>
+                <a:ea typeface="Bricolage Grotesque"/>
+                <a:cs typeface="Bricolage Grotesque"/>
+                <a:sym typeface="Bricolage Grotesque"/>
+              </a:rPr>
+              <a:t>dụng</a:t>
+            </a:r>
+            <a:r>
+              <a:rPr lang="en-US" sz="3000" spc="-89" dirty="0" smtClean="0">
+                <a:solidFill>
+                  <a:srgbClr val="1E293B"/>
+                </a:solidFill>
+                <a:latin typeface="Bricolage Grotesque"/>
+                <a:ea typeface="Bricolage Grotesque"/>
+                <a:cs typeface="Bricolage Grotesque"/>
+                <a:sym typeface="Bricolage Grotesque"/>
+              </a:rPr>
+              <a:t> font: SF Pro Display </a:t>
+            </a:r>
+          </a:p>
+          <a:p>
+            <a:pPr algn="l">
+              <a:lnSpc>
+                <a:spcPts val="3000"/>
+              </a:lnSpc>
+            </a:pPr>
+            <a:r>
+              <a:rPr lang="en-US" sz="3000" spc="-89" dirty="0" err="1" smtClean="0">
+                <a:solidFill>
+                  <a:srgbClr val="1E293B"/>
+                </a:solidFill>
+                <a:latin typeface="Bricolage Grotesque"/>
+                <a:ea typeface="Bricolage Grotesque"/>
+                <a:cs typeface="Bricolage Grotesque"/>
+                <a:sym typeface="Bricolage Grotesque"/>
+              </a:rPr>
+              <a:t>Truy</a:t>
+            </a:r>
+            <a:r>
+              <a:rPr lang="en-US" sz="3000" spc="-89" dirty="0" smtClean="0">
+                <a:solidFill>
+                  <a:srgbClr val="1E293B"/>
+                </a:solidFill>
+                <a:latin typeface="Bricolage Grotesque"/>
+                <a:ea typeface="Bricolage Grotesque"/>
+                <a:cs typeface="Bricolage Grotesque"/>
+                <a:sym typeface="Bricolage Grotesque"/>
+              </a:rPr>
+              <a:t> </a:t>
+            </a:r>
+            <a:r>
+              <a:rPr lang="en-US" sz="3000" spc="-89" dirty="0" err="1" smtClean="0">
+                <a:solidFill>
+                  <a:srgbClr val="1E293B"/>
+                </a:solidFill>
+                <a:latin typeface="Bricolage Grotesque"/>
+                <a:ea typeface="Bricolage Grotesque"/>
+                <a:cs typeface="Bricolage Grotesque"/>
+                <a:sym typeface="Bricolage Grotesque"/>
+              </a:rPr>
+              <a:t>cập</a:t>
+            </a:r>
+            <a:r>
+              <a:rPr lang="en-US" sz="3000" spc="-89" dirty="0" smtClean="0">
+                <a:solidFill>
+                  <a:srgbClr val="1E293B"/>
+                </a:solidFill>
+                <a:latin typeface="Bricolage Grotesque"/>
+                <a:ea typeface="Bricolage Grotesque"/>
+                <a:cs typeface="Bricolage Grotesque"/>
+                <a:sym typeface="Bricolage Grotesque"/>
+              </a:rPr>
+              <a:t> </a:t>
+            </a:r>
+            <a:r>
+              <a:rPr lang="en-US" sz="3000" spc="-89" dirty="0" err="1" smtClean="0">
+                <a:solidFill>
+                  <a:srgbClr val="1E293B"/>
+                </a:solidFill>
+                <a:latin typeface="Bricolage Grotesque"/>
+                <a:ea typeface="Bricolage Grotesque"/>
+                <a:cs typeface="Bricolage Grotesque"/>
+                <a:sym typeface="Bricolage Grotesque"/>
+              </a:rPr>
+              <a:t>vào</a:t>
+            </a:r>
+            <a:r>
+              <a:rPr lang="en-US" sz="3000" spc="-89" dirty="0" smtClean="0">
+                <a:solidFill>
+                  <a:srgbClr val="1E293B"/>
+                </a:solidFill>
+                <a:latin typeface="Bricolage Grotesque"/>
+                <a:ea typeface="Bricolage Grotesque"/>
+                <a:cs typeface="Bricolage Grotesque"/>
+                <a:sym typeface="Bricolage Grotesque"/>
+              </a:rPr>
+              <a:t> </a:t>
+            </a:r>
+            <a:r>
+              <a:rPr lang="en-US" sz="3000" spc="-89" dirty="0" err="1" smtClean="0">
+                <a:solidFill>
+                  <a:srgbClr val="1E293B"/>
+                </a:solidFill>
+                <a:latin typeface="Bricolage Grotesque"/>
+                <a:ea typeface="Bricolage Grotesque"/>
+                <a:cs typeface="Bricolage Grotesque"/>
+                <a:sym typeface="Bricolage Grotesque"/>
+              </a:rPr>
+              <a:t>src</a:t>
+            </a:r>
+            <a:r>
+              <a:rPr lang="en-US" sz="3000" spc="-89" dirty="0" smtClean="0">
+                <a:solidFill>
+                  <a:srgbClr val="1E293B"/>
+                </a:solidFill>
+                <a:latin typeface="Bricolage Grotesque"/>
+                <a:ea typeface="Bricolage Grotesque"/>
+                <a:cs typeface="Bricolage Grotesque"/>
+                <a:sym typeface="Bricolage Grotesque"/>
+              </a:rPr>
+              <a:t>/App.css</a:t>
+            </a:r>
+            <a:endParaRPr lang="en-US" sz="3000" spc="-89" dirty="0">
+              <a:solidFill>
+                <a:srgbClr val="1E293B"/>
+              </a:solidFill>
+              <a:latin typeface="Bricolage Grotesque"/>
+              <a:ea typeface="Bricolage Grotesque"/>
+              <a:cs typeface="Bricolage Grotesque"/>
+              <a:sym typeface="Bricolage Grotesque"/>
+            </a:endParaRPr>
+          </a:p>
+        </p:txBody>
+      </p:sp>
+      <p:pic>
+        <p:nvPicPr>
+          <p:cNvPr id="4" name="Picture 3"/>
+          <p:cNvPicPr>
+            <a:picLocks noChangeAspect="1"/>
+          </p:cNvPicPr>
+          <p:nvPr/>
+        </p:nvPicPr>
+        <p:blipFill>
+          <a:blip r:embed="rId2"/>
+          <a:stretch>
+            <a:fillRect/>
+          </a:stretch>
+        </p:blipFill>
+        <p:spPr>
+          <a:xfrm>
+            <a:off x="685800" y="5753100"/>
+            <a:ext cx="6934200" cy="2524384"/>
+          </a:xfrm>
+          <a:prstGeom prst="rect">
+            <a:avLst/>
+          </a:prstGeom>
+        </p:spPr>
+      </p:pic>
+      <p:pic>
+        <p:nvPicPr>
+          <p:cNvPr id="5" name="Picture 4"/>
+          <p:cNvPicPr>
+            <a:picLocks noChangeAspect="1"/>
+          </p:cNvPicPr>
+          <p:nvPr/>
+        </p:nvPicPr>
+        <p:blipFill>
+          <a:blip r:embed="rId3"/>
+          <a:stretch>
+            <a:fillRect/>
+          </a:stretch>
+        </p:blipFill>
+        <p:spPr>
+          <a:xfrm>
+            <a:off x="9448800" y="99186"/>
+            <a:ext cx="7393992" cy="10187814"/>
+          </a:xfrm>
+          <a:prstGeom prst="rect">
+            <a:avLst/>
+          </a:prstGeom>
+        </p:spPr>
+      </p:pic>
+    </p:spTree>
+    <p:extLst>
+      <p:ext uri="{BB962C8B-B14F-4D97-AF65-F5344CB8AC3E}">
+        <p14:creationId xmlns:p14="http://schemas.microsoft.com/office/powerpoint/2010/main" val="2554710250"/>
+      </p:ext>
+    </p:extLst>
+  </p:cSld>
+  <p:clrMapOvr>
+    <a:masterClrMapping/>
+  </p:clrMapOvr>
+  <p:timing>
+    <p:tnLst>
+      <p:par>
+        <p:cTn id="1" dur="indefinite" restart="never" nodeType="tmRoot"/>
+      </p:par>
+    </p:tnLst>
+  </p:timing>
+</p:sld>
+</file>
+
+<file path=ppt/slides/slide21.xml><?xml version="1.0" encoding="utf-8"?>
+<p:sld xmlns:a="http://schemas.openxmlformats.org/drawingml/2006/main" xmlns:r="http://schemas.openxmlformats.org/officeDocument/2006/relationships" xmlns:p="http://schemas.openxmlformats.org/presentationml/2006/main">
+  <p:cSld>
+    <p:spTree>
+      <p:nvGrpSpPr>
+        <p:cNvPr id="1" name=""/>
+        <p:cNvGrpSpPr/>
+        <p:nvPr/>
+      </p:nvGrpSpPr>
+      <p:grpSpPr>
+        <a:xfrm>
+          <a:off x="0" y="0"/>
+          <a:ext cx="0" cy="0"/>
+          <a:chOff x="0" y="0"/>
+          <a:chExt cx="0" cy="0"/>
+        </a:xfrm>
+      </p:grpSpPr>
+      <p:sp>
+        <p:nvSpPr>
+          <p:cNvPr id="19" name="TextBox 2"/>
+          <p:cNvSpPr txBox="1"/>
+          <p:nvPr/>
+        </p:nvSpPr>
+        <p:spPr>
+          <a:xfrm>
+            <a:off x="990600" y="4796259"/>
+            <a:ext cx="5410200" cy="897682"/>
+          </a:xfrm>
+          <a:prstGeom prst="rect">
+            <a:avLst/>
+          </a:prstGeom>
+        </p:spPr>
+        <p:txBody>
+          <a:bodyPr wrap="square" lIns="0" tIns="0" rIns="0" bIns="0" rtlCol="0" anchor="t">
+            <a:spAutoFit/>
+          </a:bodyPr>
+          <a:lstStyle/>
+          <a:p>
+            <a:pPr marL="0" lvl="0" indent="0" algn="l">
+              <a:lnSpc>
+                <a:spcPts val="6999"/>
+              </a:lnSpc>
+              <a:spcBef>
+                <a:spcPct val="0"/>
+              </a:spcBef>
+            </a:pPr>
+            <a:r>
+              <a:rPr lang="en-US" sz="4000" b="1" u="none" strike="noStrike" dirty="0" err="1" smtClean="0">
+                <a:solidFill>
+                  <a:srgbClr val="1E293B"/>
+                </a:solidFill>
+                <a:latin typeface="Bricolage Grotesque Bold"/>
+                <a:ea typeface="Bricolage Grotesque Bold"/>
+                <a:cs typeface="Bricolage Grotesque Bold"/>
+                <a:sym typeface="Bricolage Grotesque Bold"/>
+              </a:rPr>
+              <a:t>Bài</a:t>
+            </a:r>
+            <a:r>
+              <a:rPr lang="en-US" sz="4000" b="1" u="none" strike="noStrike" dirty="0" smtClean="0">
+                <a:solidFill>
+                  <a:srgbClr val="1E293B"/>
+                </a:solidFill>
+                <a:latin typeface="Bricolage Grotesque Bold"/>
+                <a:ea typeface="Bricolage Grotesque Bold"/>
+                <a:cs typeface="Bricolage Grotesque Bold"/>
+                <a:sym typeface="Bricolage Grotesque Bold"/>
+              </a:rPr>
+              <a:t> </a:t>
+            </a:r>
+            <a:r>
+              <a:rPr lang="en-US" sz="4000" b="1" u="none" strike="noStrike" dirty="0" err="1" smtClean="0">
+                <a:solidFill>
+                  <a:srgbClr val="1E293B"/>
+                </a:solidFill>
+                <a:latin typeface="Bricolage Grotesque Bold"/>
+                <a:ea typeface="Bricolage Grotesque Bold"/>
+                <a:cs typeface="Bricolage Grotesque Bold"/>
+                <a:sym typeface="Bricolage Grotesque Bold"/>
+              </a:rPr>
+              <a:t>tập</a:t>
+            </a:r>
+            <a:r>
+              <a:rPr lang="en-US" sz="4000" b="1" u="none" strike="noStrike" dirty="0" smtClean="0">
+                <a:solidFill>
+                  <a:srgbClr val="1E293B"/>
+                </a:solidFill>
+                <a:latin typeface="Bricolage Grotesque Bold"/>
+                <a:ea typeface="Bricolage Grotesque Bold"/>
+                <a:cs typeface="Bricolage Grotesque Bold"/>
+                <a:sym typeface="Bricolage Grotesque Bold"/>
+              </a:rPr>
+              <a:t>: </a:t>
+            </a:r>
+            <a:r>
+              <a:rPr lang="en-US" sz="4000" b="1" u="none" strike="noStrike" dirty="0" err="1" smtClean="0">
+                <a:solidFill>
+                  <a:srgbClr val="1E293B"/>
+                </a:solidFill>
+                <a:latin typeface="Bricolage Grotesque Bold"/>
+                <a:ea typeface="Bricolage Grotesque Bold"/>
+                <a:cs typeface="Bricolage Grotesque Bold"/>
+                <a:sym typeface="Bricolage Grotesque Bold"/>
+              </a:rPr>
+              <a:t>Lịch</a:t>
+            </a:r>
+            <a:r>
+              <a:rPr lang="en-US" sz="4000" b="1" u="none" strike="noStrike" dirty="0" smtClean="0">
+                <a:solidFill>
+                  <a:srgbClr val="1E293B"/>
+                </a:solidFill>
+                <a:latin typeface="Bricolage Grotesque Bold"/>
+                <a:ea typeface="Bricolage Grotesque Bold"/>
+                <a:cs typeface="Bricolage Grotesque Bold"/>
+                <a:sym typeface="Bricolage Grotesque Bold"/>
+              </a:rPr>
+              <a:t> </a:t>
+            </a:r>
+            <a:r>
+              <a:rPr lang="en-US" sz="4000" b="1" u="none" strike="noStrike" dirty="0" err="1" smtClean="0">
+                <a:solidFill>
+                  <a:srgbClr val="1E293B"/>
+                </a:solidFill>
+                <a:latin typeface="Bricolage Grotesque Bold"/>
+                <a:ea typeface="Bricolage Grotesque Bold"/>
+                <a:cs typeface="Bricolage Grotesque Bold"/>
+                <a:sym typeface="Bricolage Grotesque Bold"/>
+              </a:rPr>
+              <a:t>đá</a:t>
+            </a:r>
+            <a:r>
+              <a:rPr lang="en-US" sz="4000" b="1" u="none" strike="noStrike" dirty="0" smtClean="0">
+                <a:solidFill>
+                  <a:srgbClr val="1E293B"/>
+                </a:solidFill>
+                <a:latin typeface="Bricolage Grotesque Bold"/>
+                <a:ea typeface="Bricolage Grotesque Bold"/>
+                <a:cs typeface="Bricolage Grotesque Bold"/>
+                <a:sym typeface="Bricolage Grotesque Bold"/>
+              </a:rPr>
+              <a:t> </a:t>
+            </a:r>
+            <a:r>
+              <a:rPr lang="en-US" sz="4000" b="1" u="none" strike="noStrike" dirty="0" err="1" smtClean="0">
+                <a:solidFill>
+                  <a:srgbClr val="1E293B"/>
+                </a:solidFill>
+                <a:latin typeface="Bricolage Grotesque Bold"/>
+                <a:ea typeface="Bricolage Grotesque Bold"/>
+                <a:cs typeface="Bricolage Grotesque Bold"/>
+                <a:sym typeface="Bricolage Grotesque Bold"/>
+              </a:rPr>
+              <a:t>bóng</a:t>
+            </a:r>
+            <a:endParaRPr lang="en-US" sz="4000" b="1" u="none" strike="noStrike" dirty="0">
+              <a:solidFill>
+                <a:srgbClr val="1E293B"/>
+              </a:solidFill>
+              <a:latin typeface="Bricolage Grotesque Bold"/>
+              <a:ea typeface="Bricolage Grotesque Bold"/>
+              <a:cs typeface="Bricolage Grotesque Bold"/>
+              <a:sym typeface="Bricolage Grotesque Bold"/>
+            </a:endParaRPr>
+          </a:p>
+        </p:txBody>
+      </p:sp>
+      <p:pic>
+        <p:nvPicPr>
+          <p:cNvPr id="2" name="Picture 1"/>
+          <p:cNvPicPr>
+            <a:picLocks noChangeAspect="1"/>
+          </p:cNvPicPr>
+          <p:nvPr/>
+        </p:nvPicPr>
+        <p:blipFill>
+          <a:blip r:embed="rId2"/>
+          <a:stretch>
+            <a:fillRect/>
+          </a:stretch>
+        </p:blipFill>
+        <p:spPr>
+          <a:xfrm>
+            <a:off x="8763000" y="1562100"/>
+            <a:ext cx="8382000" cy="7366000"/>
+          </a:xfrm>
+          <a:prstGeom prst="rect">
+            <a:avLst/>
+          </a:prstGeom>
+        </p:spPr>
+      </p:pic>
+    </p:spTree>
+    <p:extLst>
+      <p:ext uri="{BB962C8B-B14F-4D97-AF65-F5344CB8AC3E}">
+        <p14:creationId xmlns:p14="http://schemas.microsoft.com/office/powerpoint/2010/main" val="4100929494"/>
+      </p:ext>
+    </p:extLst>
+  </p:cSld>
+  <p:clrMapOvr>
+    <a:masterClrMapping/>
+  </p:clrMapOvr>
+  <p:timing>
+    <p:tnLst>
+      <p:par>
+        <p:cTn id="1" dur="indefinite" restart="never" nodeType="tmRoot"/>
+      </p:par>
+    </p:tnLst>
+  </p:timing>
+</p:sld>
+</file>
+
+<file path=ppt/slides/slide22.xml><?xml version="1.0" encoding="utf-8"?>
+<p:sld xmlns:a="http://schemas.openxmlformats.org/drawingml/2006/main" xmlns:r="http://schemas.openxmlformats.org/officeDocument/2006/relationships" xmlns:p="http://schemas.openxmlformats.org/presentationml/2006/main">
+  <p:cSld>
+    <p:spTree>
+      <p:nvGrpSpPr>
+        <p:cNvPr id="1" name=""/>
+        <p:cNvGrpSpPr/>
+        <p:nvPr/>
+      </p:nvGrpSpPr>
+      <p:grpSpPr>
+        <a:xfrm>
+          <a:off x="0" y="0"/>
+          <a:ext cx="0" cy="0"/>
+          <a:chOff x="0" y="0"/>
+          <a:chExt cx="0" cy="0"/>
+        </a:xfrm>
+      </p:grpSpPr>
+      <p:pic>
+        <p:nvPicPr>
+          <p:cNvPr id="12" name="Picture 11"/>
+          <p:cNvPicPr>
+            <a:picLocks noChangeAspect="1"/>
+          </p:cNvPicPr>
+          <p:nvPr/>
+        </p:nvPicPr>
+        <p:blipFill>
+          <a:blip r:embed="rId2"/>
+          <a:stretch>
+            <a:fillRect/>
+          </a:stretch>
+        </p:blipFill>
+        <p:spPr>
+          <a:xfrm>
+            <a:off x="0" y="1391039"/>
+            <a:ext cx="18271500" cy="8916644"/>
+          </a:xfrm>
+          <a:prstGeom prst="rect">
+            <a:avLst/>
+          </a:prstGeom>
+        </p:spPr>
+      </p:pic>
+      <p:sp>
+        <p:nvSpPr>
+          <p:cNvPr id="19" name="TextBox 2"/>
+          <p:cNvSpPr txBox="1"/>
+          <p:nvPr/>
+        </p:nvSpPr>
+        <p:spPr>
+          <a:xfrm>
+            <a:off x="7696200" y="342900"/>
+            <a:ext cx="5410200" cy="811761"/>
+          </a:xfrm>
+          <a:prstGeom prst="rect">
+            <a:avLst/>
+          </a:prstGeom>
+        </p:spPr>
+        <p:txBody>
+          <a:bodyPr wrap="square" lIns="0" tIns="0" rIns="0" bIns="0" rtlCol="0" anchor="t">
+            <a:spAutoFit/>
+          </a:bodyPr>
+          <a:lstStyle/>
+          <a:p>
+            <a:pPr marL="0" lvl="0" indent="0" algn="l">
+              <a:lnSpc>
+                <a:spcPts val="6999"/>
+              </a:lnSpc>
+              <a:spcBef>
+                <a:spcPct val="0"/>
+              </a:spcBef>
+            </a:pPr>
+            <a:r>
+              <a:rPr lang="en-US" sz="4000" b="1" u="none" strike="noStrike" dirty="0" err="1" smtClean="0">
+                <a:solidFill>
+                  <a:srgbClr val="1E293B"/>
+                </a:solidFill>
+                <a:latin typeface="Bricolage Grotesque Bold"/>
+                <a:ea typeface="Bricolage Grotesque Bold"/>
+                <a:cs typeface="Bricolage Grotesque Bold"/>
+                <a:sym typeface="Bricolage Grotesque Bold"/>
+              </a:rPr>
+              <a:t>Bài</a:t>
+            </a:r>
+            <a:r>
+              <a:rPr lang="en-US" sz="4000" b="1" u="none" strike="noStrike" dirty="0" smtClean="0">
+                <a:solidFill>
+                  <a:srgbClr val="1E293B"/>
+                </a:solidFill>
+                <a:latin typeface="Bricolage Grotesque Bold"/>
+                <a:ea typeface="Bricolage Grotesque Bold"/>
+                <a:cs typeface="Bricolage Grotesque Bold"/>
+                <a:sym typeface="Bricolage Grotesque Bold"/>
+              </a:rPr>
+              <a:t> </a:t>
+            </a:r>
+            <a:r>
+              <a:rPr lang="en-US" sz="4000" b="1" u="none" strike="noStrike" dirty="0" err="1" smtClean="0">
+                <a:solidFill>
+                  <a:srgbClr val="1E293B"/>
+                </a:solidFill>
+                <a:latin typeface="Bricolage Grotesque Bold"/>
+                <a:ea typeface="Bricolage Grotesque Bold"/>
+                <a:cs typeface="Bricolage Grotesque Bold"/>
+                <a:sym typeface="Bricolage Grotesque Bold"/>
+              </a:rPr>
+              <a:t>tập</a:t>
+            </a:r>
+            <a:r>
+              <a:rPr lang="en-US" sz="4000" b="1" dirty="0" smtClean="0">
+                <a:solidFill>
+                  <a:srgbClr val="1E293B"/>
+                </a:solidFill>
+                <a:latin typeface="Bricolage Grotesque Bold"/>
+                <a:ea typeface="Bricolage Grotesque Bold"/>
+                <a:cs typeface="Bricolage Grotesque Bold"/>
+                <a:sym typeface="Bricolage Grotesque Bold"/>
+              </a:rPr>
+              <a:t>: </a:t>
+            </a:r>
+            <a:r>
+              <a:rPr lang="en-US" sz="4000" b="1" dirty="0" err="1" smtClean="0">
+                <a:solidFill>
+                  <a:srgbClr val="1E293B"/>
+                </a:solidFill>
+                <a:latin typeface="Bricolage Grotesque Bold"/>
+                <a:ea typeface="Bricolage Grotesque Bold"/>
+                <a:cs typeface="Bricolage Grotesque Bold"/>
+                <a:sym typeface="Bricolage Grotesque Bold"/>
+              </a:rPr>
+              <a:t>LandingPage</a:t>
+            </a:r>
+            <a:endParaRPr lang="en-US" sz="4000" b="1" u="none" strike="noStrike" dirty="0">
+              <a:solidFill>
+                <a:srgbClr val="1E293B"/>
+              </a:solidFill>
+              <a:latin typeface="Bricolage Grotesque Bold"/>
+              <a:ea typeface="Bricolage Grotesque Bold"/>
+              <a:cs typeface="Bricolage Grotesque Bold"/>
+              <a:sym typeface="Bricolage Grotesque Bold"/>
+            </a:endParaRPr>
+          </a:p>
+        </p:txBody>
+      </p:sp>
+    </p:spTree>
+    <p:extLst>
+      <p:ext uri="{BB962C8B-B14F-4D97-AF65-F5344CB8AC3E}">
+        <p14:creationId xmlns:p14="http://schemas.microsoft.com/office/powerpoint/2010/main" val="3981972886"/>
+      </p:ext>
+    </p:extLst>
+  </p:cSld>
+  <p:clrMapOvr>
+    <a:masterClrMapping/>
+  </p:clrMapOvr>
+  <p:timing>
+    <p:tnLst>
+      <p:par>
+        <p:cTn id="1" dur="indefinite" restart="never" nodeType="tmRoot"/>
+      </p:par>
+    </p:tnLst>
+  </p:timing>
+</p:sld>
+</file>
+
+<file path=ppt/slides/slide3.xml><?xml version="1.0" encoding="utf-8"?>
+<p:sld xmlns:a="http://schemas.openxmlformats.org/drawingml/2006/main" xmlns:r="http://schemas.openxmlformats.org/officeDocument/2006/relationships" xmlns:p="http://schemas.openxmlformats.org/presentationml/2006/main">
+  <p:cSld>
+    <p:spTree>
+      <p:nvGrpSpPr>
+        <p:cNvPr id="1" name=""/>
+        <p:cNvGrpSpPr/>
+        <p:nvPr/>
+      </p:nvGrpSpPr>
+      <p:grpSpPr>
+        <a:xfrm>
+          <a:off x="0" y="0"/>
+          <a:ext cx="0" cy="0"/>
+          <a:chOff x="0" y="0"/>
+          <a:chExt cx="0" cy="0"/>
+        </a:xfrm>
+      </p:grpSpPr>
+      <p:sp>
+        <p:nvSpPr>
+          <p:cNvPr id="2" name="TextBox 2"/>
+          <p:cNvSpPr txBox="1"/>
+          <p:nvPr/>
+        </p:nvSpPr>
+        <p:spPr>
+          <a:xfrm>
+            <a:off x="0" y="1162050"/>
+            <a:ext cx="18288000" cy="930275"/>
+          </a:xfrm>
+          <a:prstGeom prst="rect">
+            <a:avLst/>
+          </a:prstGeom>
+        </p:spPr>
+        <p:txBody>
+          <a:bodyPr lIns="0" tIns="0" rIns="0" bIns="0" rtlCol="0" anchor="t">
+            <a:spAutoFit/>
+          </a:bodyPr>
+          <a:lstStyle/>
+          <a:p>
+            <a:pPr marL="0" lvl="0" indent="0" algn="ctr">
+              <a:lnSpc>
+                <a:spcPts val="6999"/>
+              </a:lnSpc>
+              <a:spcBef>
+                <a:spcPct val="0"/>
+              </a:spcBef>
+            </a:pPr>
+            <a:r>
               <a:rPr lang="en-US" sz="6999" b="1">
                 <a:solidFill>
                   <a:srgbClr val="1E293B"/>
@@ -6731,6 +8489,11 @@
         </p:txBody>
       </p:sp>
     </p:spTree>
+    <p:extLst>
+      <p:ext uri="{BB962C8B-B14F-4D97-AF65-F5344CB8AC3E}">
+        <p14:creationId xmlns:p14="http://schemas.microsoft.com/office/powerpoint/2010/main" val="2120585202"/>
+      </p:ext>
+    </p:extLst>
   </p:cSld>
   <p:clrMapOvr>
     <a:masterClrMapping/>
@@ -6745,7 +8508,7 @@
 </p:sld>
 </file>
 
-<file path=ppt/slides/slide3.xml><?xml version="1.0" encoding="utf-8"?>
+<file path=ppt/slides/slide4.xml><?xml version="1.0" encoding="utf-8"?>
 <p:sld xmlns:a="http://schemas.openxmlformats.org/drawingml/2006/main" xmlns:r="http://schemas.openxmlformats.org/officeDocument/2006/relationships" xmlns:p="http://schemas.openxmlformats.org/presentationml/2006/main">
   <p:cSld>
     <p:bg>
@@ -6954,18 +8717,342 @@
                         <a:defRPr/>
                       </a:pPr>
                       <a:r>
-                        <a:rPr lang="en-US" sz="2499">
-                          <a:solidFill>
-                            <a:srgbClr val="000000"/>
-                          </a:solidFill>
-                          <a:latin typeface="Bricolage Grotesque"/>
-                          <a:ea typeface="Bricolage Grotesque"/>
-                          <a:cs typeface="Bricolage Grotesque"/>
-                          <a:sym typeface="Bricolage Grotesque"/>
-                        </a:rPr>
-                        <a:t>Là một thư viện JavaScript để xây dựng giao diện người dùng, phát triển bởi Facebook.</a:t>
-                      </a:r>
-                      <a:endParaRPr lang="en-US" sz="1100"/>
+                        <a:rPr lang="en-US" sz="2499" dirty="0" err="1">
+                          <a:solidFill>
+                            <a:srgbClr val="000000"/>
+                          </a:solidFill>
+                          <a:latin typeface="Bricolage Grotesque"/>
+                          <a:ea typeface="Bricolage Grotesque"/>
+                          <a:cs typeface="Bricolage Grotesque"/>
+                          <a:sym typeface="Bricolage Grotesque"/>
+                        </a:rPr>
+                        <a:t>Là</a:t>
+                      </a:r>
+                      <a:r>
+                        <a:rPr lang="en-US" sz="2499" dirty="0">
+                          <a:solidFill>
+                            <a:srgbClr val="000000"/>
+                          </a:solidFill>
+                          <a:latin typeface="Bricolage Grotesque"/>
+                          <a:ea typeface="Bricolage Grotesque"/>
+                          <a:cs typeface="Bricolage Grotesque"/>
+                          <a:sym typeface="Bricolage Grotesque"/>
+                        </a:rPr>
+                        <a:t> </a:t>
+                      </a:r>
+                      <a:r>
+                        <a:rPr lang="en-US" sz="2499" dirty="0" err="1">
+                          <a:solidFill>
+                            <a:srgbClr val="000000"/>
+                          </a:solidFill>
+                          <a:latin typeface="Bricolage Grotesque"/>
+                          <a:ea typeface="Bricolage Grotesque"/>
+                          <a:cs typeface="Bricolage Grotesque"/>
+                          <a:sym typeface="Bricolage Grotesque"/>
+                        </a:rPr>
+                        <a:t>một</a:t>
+                      </a:r>
+                      <a:r>
+                        <a:rPr lang="en-US" sz="2499" dirty="0">
+                          <a:solidFill>
+                            <a:srgbClr val="000000"/>
+                          </a:solidFill>
+                          <a:latin typeface="Bricolage Grotesque"/>
+                          <a:ea typeface="Bricolage Grotesque"/>
+                          <a:cs typeface="Bricolage Grotesque"/>
+                          <a:sym typeface="Bricolage Grotesque"/>
+                        </a:rPr>
+                        <a:t> </a:t>
+                      </a:r>
+                      <a:r>
+                        <a:rPr lang="en-US" sz="2499" dirty="0" err="1">
+                          <a:solidFill>
+                            <a:srgbClr val="000000"/>
+                          </a:solidFill>
+                          <a:latin typeface="Bricolage Grotesque"/>
+                          <a:ea typeface="Bricolage Grotesque"/>
+                          <a:cs typeface="Bricolage Grotesque"/>
+                          <a:sym typeface="Bricolage Grotesque"/>
+                        </a:rPr>
+                        <a:t>thư</a:t>
+                      </a:r>
+                      <a:r>
+                        <a:rPr lang="en-US" sz="2499" dirty="0">
+                          <a:solidFill>
+                            <a:srgbClr val="000000"/>
+                          </a:solidFill>
+                          <a:latin typeface="Bricolage Grotesque"/>
+                          <a:ea typeface="Bricolage Grotesque"/>
+                          <a:cs typeface="Bricolage Grotesque"/>
+                          <a:sym typeface="Bricolage Grotesque"/>
+                        </a:rPr>
+                        <a:t> </a:t>
+                      </a:r>
+                      <a:r>
+                        <a:rPr lang="en-US" sz="2499" dirty="0" err="1">
+                          <a:solidFill>
+                            <a:srgbClr val="000000"/>
+                          </a:solidFill>
+                          <a:latin typeface="Bricolage Grotesque"/>
+                          <a:ea typeface="Bricolage Grotesque"/>
+                          <a:cs typeface="Bricolage Grotesque"/>
+                          <a:sym typeface="Bricolage Grotesque"/>
+                        </a:rPr>
+                        <a:t>viện</a:t>
+                      </a:r>
+                      <a:r>
+                        <a:rPr lang="en-US" sz="2499" dirty="0">
+                          <a:solidFill>
+                            <a:srgbClr val="000000"/>
+                          </a:solidFill>
+                          <a:latin typeface="Bricolage Grotesque"/>
+                          <a:ea typeface="Bricolage Grotesque"/>
+                          <a:cs typeface="Bricolage Grotesque"/>
+                          <a:sym typeface="Bricolage Grotesque"/>
+                        </a:rPr>
+                        <a:t> JavaScript </a:t>
+                      </a:r>
+                      <a:r>
+                        <a:rPr lang="en-US" sz="2499" dirty="0" err="1">
+                          <a:solidFill>
+                            <a:srgbClr val="000000"/>
+                          </a:solidFill>
+                          <a:latin typeface="Bricolage Grotesque"/>
+                          <a:ea typeface="Bricolage Grotesque"/>
+                          <a:cs typeface="Bricolage Grotesque"/>
+                          <a:sym typeface="Bricolage Grotesque"/>
+                        </a:rPr>
+                        <a:t>để</a:t>
+                      </a:r>
+                      <a:r>
+                        <a:rPr lang="en-US" sz="2499" dirty="0">
+                          <a:solidFill>
+                            <a:srgbClr val="000000"/>
+                          </a:solidFill>
+                          <a:latin typeface="Bricolage Grotesque"/>
+                          <a:ea typeface="Bricolage Grotesque"/>
+                          <a:cs typeface="Bricolage Grotesque"/>
+                          <a:sym typeface="Bricolage Grotesque"/>
+                        </a:rPr>
+                        <a:t> </a:t>
+                      </a:r>
+                      <a:r>
+                        <a:rPr lang="en-US" sz="2499" dirty="0" err="1">
+                          <a:solidFill>
+                            <a:srgbClr val="000000"/>
+                          </a:solidFill>
+                          <a:latin typeface="Bricolage Grotesque"/>
+                          <a:ea typeface="Bricolage Grotesque"/>
+                          <a:cs typeface="Bricolage Grotesque"/>
+                          <a:sym typeface="Bricolage Grotesque"/>
+                        </a:rPr>
+                        <a:t>xây</a:t>
+                      </a:r>
+                      <a:r>
+                        <a:rPr lang="en-US" sz="2499" dirty="0">
+                          <a:solidFill>
+                            <a:srgbClr val="000000"/>
+                          </a:solidFill>
+                          <a:latin typeface="Bricolage Grotesque"/>
+                          <a:ea typeface="Bricolage Grotesque"/>
+                          <a:cs typeface="Bricolage Grotesque"/>
+                          <a:sym typeface="Bricolage Grotesque"/>
+                        </a:rPr>
+                        <a:t> </a:t>
+                      </a:r>
+                      <a:r>
+                        <a:rPr lang="en-US" sz="2499" dirty="0" err="1">
+                          <a:solidFill>
+                            <a:srgbClr val="000000"/>
+                          </a:solidFill>
+                          <a:latin typeface="Bricolage Grotesque"/>
+                          <a:ea typeface="Bricolage Grotesque"/>
+                          <a:cs typeface="Bricolage Grotesque"/>
+                          <a:sym typeface="Bricolage Grotesque"/>
+                        </a:rPr>
+                        <a:t>dựng</a:t>
+                      </a:r>
+                      <a:r>
+                        <a:rPr lang="en-US" sz="2499" dirty="0">
+                          <a:solidFill>
+                            <a:srgbClr val="000000"/>
+                          </a:solidFill>
+                          <a:latin typeface="Bricolage Grotesque"/>
+                          <a:ea typeface="Bricolage Grotesque"/>
+                          <a:cs typeface="Bricolage Grotesque"/>
+                          <a:sym typeface="Bricolage Grotesque"/>
+                        </a:rPr>
+                        <a:t> </a:t>
+                      </a:r>
+                      <a:r>
+                        <a:rPr lang="en-US" sz="2499" dirty="0" err="1">
+                          <a:solidFill>
+                            <a:srgbClr val="000000"/>
+                          </a:solidFill>
+                          <a:latin typeface="Bricolage Grotesque"/>
+                          <a:ea typeface="Bricolage Grotesque"/>
+                          <a:cs typeface="Bricolage Grotesque"/>
+                          <a:sym typeface="Bricolage Grotesque"/>
+                        </a:rPr>
+                        <a:t>giao</a:t>
+                      </a:r>
+                      <a:r>
+                        <a:rPr lang="en-US" sz="2499" dirty="0">
+                          <a:solidFill>
+                            <a:srgbClr val="000000"/>
+                          </a:solidFill>
+                          <a:latin typeface="Bricolage Grotesque"/>
+                          <a:ea typeface="Bricolage Grotesque"/>
+                          <a:cs typeface="Bricolage Grotesque"/>
+                          <a:sym typeface="Bricolage Grotesque"/>
+                        </a:rPr>
+                        <a:t> </a:t>
+                      </a:r>
+                      <a:r>
+                        <a:rPr lang="en-US" sz="2499" dirty="0" err="1">
+                          <a:solidFill>
+                            <a:srgbClr val="000000"/>
+                          </a:solidFill>
+                          <a:latin typeface="Bricolage Grotesque"/>
+                          <a:ea typeface="Bricolage Grotesque"/>
+                          <a:cs typeface="Bricolage Grotesque"/>
+                          <a:sym typeface="Bricolage Grotesque"/>
+                        </a:rPr>
+                        <a:t>diện</a:t>
+                      </a:r>
+                      <a:r>
+                        <a:rPr lang="en-US" sz="2499" dirty="0">
+                          <a:solidFill>
+                            <a:srgbClr val="000000"/>
+                          </a:solidFill>
+                          <a:latin typeface="Bricolage Grotesque"/>
+                          <a:ea typeface="Bricolage Grotesque"/>
+                          <a:cs typeface="Bricolage Grotesque"/>
+                          <a:sym typeface="Bricolage Grotesque"/>
+                        </a:rPr>
+                        <a:t> </a:t>
+                      </a:r>
+                      <a:r>
+                        <a:rPr lang="en-US" sz="2499" dirty="0" err="1">
+                          <a:solidFill>
+                            <a:srgbClr val="000000"/>
+                          </a:solidFill>
+                          <a:latin typeface="Bricolage Grotesque"/>
+                          <a:ea typeface="Bricolage Grotesque"/>
+                          <a:cs typeface="Bricolage Grotesque"/>
+                          <a:sym typeface="Bricolage Grotesque"/>
+                        </a:rPr>
+                        <a:t>người</a:t>
+                      </a:r>
+                      <a:r>
+                        <a:rPr lang="en-US" sz="2499" dirty="0">
+                          <a:solidFill>
+                            <a:srgbClr val="000000"/>
+                          </a:solidFill>
+                          <a:latin typeface="Bricolage Grotesque"/>
+                          <a:ea typeface="Bricolage Grotesque"/>
+                          <a:cs typeface="Bricolage Grotesque"/>
+                          <a:sym typeface="Bricolage Grotesque"/>
+                        </a:rPr>
+                        <a:t> </a:t>
+                      </a:r>
+                      <a:r>
+                        <a:rPr lang="en-US" sz="2499" dirty="0" err="1">
+                          <a:solidFill>
+                            <a:srgbClr val="000000"/>
+                          </a:solidFill>
+                          <a:latin typeface="Bricolage Grotesque"/>
+                          <a:ea typeface="Bricolage Grotesque"/>
+                          <a:cs typeface="Bricolage Grotesque"/>
+                          <a:sym typeface="Bricolage Grotesque"/>
+                        </a:rPr>
+                        <a:t>dùng</a:t>
+                      </a:r>
+                      <a:r>
+                        <a:rPr lang="en-US" sz="2499" dirty="0">
+                          <a:solidFill>
+                            <a:srgbClr val="000000"/>
+                          </a:solidFill>
+                          <a:latin typeface="Bricolage Grotesque"/>
+                          <a:ea typeface="Bricolage Grotesque"/>
+                          <a:cs typeface="Bricolage Grotesque"/>
+                          <a:sym typeface="Bricolage Grotesque"/>
+                        </a:rPr>
+                        <a:t>, </a:t>
+                      </a:r>
+                      <a:r>
+                        <a:rPr lang="en-US" sz="2499" dirty="0" err="1">
+                          <a:solidFill>
+                            <a:srgbClr val="000000"/>
+                          </a:solidFill>
+                          <a:latin typeface="Bricolage Grotesque"/>
+                          <a:ea typeface="Bricolage Grotesque"/>
+                          <a:cs typeface="Bricolage Grotesque"/>
+                          <a:sym typeface="Bricolage Grotesque"/>
+                        </a:rPr>
+                        <a:t>phát</a:t>
+                      </a:r>
+                      <a:r>
+                        <a:rPr lang="en-US" sz="2499" dirty="0">
+                          <a:solidFill>
+                            <a:srgbClr val="000000"/>
+                          </a:solidFill>
+                          <a:latin typeface="Bricolage Grotesque"/>
+                          <a:ea typeface="Bricolage Grotesque"/>
+                          <a:cs typeface="Bricolage Grotesque"/>
+                          <a:sym typeface="Bricolage Grotesque"/>
+                        </a:rPr>
+                        <a:t> </a:t>
+                      </a:r>
+                      <a:r>
+                        <a:rPr lang="en-US" sz="2499" dirty="0" err="1">
+                          <a:solidFill>
+                            <a:srgbClr val="000000"/>
+                          </a:solidFill>
+                          <a:latin typeface="Bricolage Grotesque"/>
+                          <a:ea typeface="Bricolage Grotesque"/>
+                          <a:cs typeface="Bricolage Grotesque"/>
+                          <a:sym typeface="Bricolage Grotesque"/>
+                        </a:rPr>
+                        <a:t>triển</a:t>
+                      </a:r>
+                      <a:r>
+                        <a:rPr lang="en-US" sz="2499" dirty="0">
+                          <a:solidFill>
+                            <a:srgbClr val="000000"/>
+                          </a:solidFill>
+                          <a:latin typeface="Bricolage Grotesque"/>
+                          <a:ea typeface="Bricolage Grotesque"/>
+                          <a:cs typeface="Bricolage Grotesque"/>
+                          <a:sym typeface="Bricolage Grotesque"/>
+                        </a:rPr>
+                        <a:t> </a:t>
+                      </a:r>
+                      <a:r>
+                        <a:rPr lang="en-US" sz="2499" dirty="0" err="1">
+                          <a:solidFill>
+                            <a:srgbClr val="000000"/>
+                          </a:solidFill>
+                          <a:latin typeface="Bricolage Grotesque"/>
+                          <a:ea typeface="Bricolage Grotesque"/>
+                          <a:cs typeface="Bricolage Grotesque"/>
+                          <a:sym typeface="Bricolage Grotesque"/>
+                        </a:rPr>
+                        <a:t>bởi</a:t>
+                      </a:r>
+                      <a:r>
+                        <a:rPr lang="en-US" sz="2499" dirty="0">
+                          <a:solidFill>
+                            <a:srgbClr val="000000"/>
+                          </a:solidFill>
+                          <a:latin typeface="Bricolage Grotesque"/>
+                          <a:ea typeface="Bricolage Grotesque"/>
+                          <a:cs typeface="Bricolage Grotesque"/>
+                          <a:sym typeface="Bricolage Grotesque"/>
+                        </a:rPr>
+                        <a:t> Facebook.</a:t>
+                      </a:r>
+                      <a:endParaRPr lang="en-US" sz="1100" dirty="0"/>
                     </a:p>
                     <a:p>
                       <a:pPr algn="l">
@@ -6973,7 +9060,7 @@
                           <a:spcPts val="3749"/>
                         </a:lnSpc>
                       </a:pPr>
-                      <a:endParaRPr lang="en-US" sz="1100"/>
+                      <a:endParaRPr lang="en-US" sz="1100" dirty="0"/>
                     </a:p>
                     <a:p>
                       <a:pPr marL="539746" lvl="1" indent="-269873" algn="l">
@@ -6984,16 +9071,340 @@
                         <a:buChar char="•"/>
                       </a:pPr>
                       <a:r>
-                        <a:rPr lang="en-US" sz="2499">
-                          <a:solidFill>
-                            <a:srgbClr val="000000"/>
-                          </a:solidFill>
-                          <a:latin typeface="Bricolage Grotesque"/>
-                          <a:ea typeface="Bricolage Grotesque"/>
-                          <a:cs typeface="Bricolage Grotesque"/>
-                          <a:sym typeface="Bricolage Grotesque"/>
-                        </a:rPr>
-                        <a:t>Sử dụng thành phần (component) để tái sử dụng mã và tổ chức giao diện.</a:t>
+                        <a:rPr lang="en-US" sz="2499" dirty="0" err="1">
+                          <a:solidFill>
+                            <a:srgbClr val="000000"/>
+                          </a:solidFill>
+                          <a:latin typeface="Bricolage Grotesque"/>
+                          <a:ea typeface="Bricolage Grotesque"/>
+                          <a:cs typeface="Bricolage Grotesque"/>
+                          <a:sym typeface="Bricolage Grotesque"/>
+                        </a:rPr>
+                        <a:t>Sử</a:t>
+                      </a:r>
+                      <a:r>
+                        <a:rPr lang="en-US" sz="2499" dirty="0">
+                          <a:solidFill>
+                            <a:srgbClr val="000000"/>
+                          </a:solidFill>
+                          <a:latin typeface="Bricolage Grotesque"/>
+                          <a:ea typeface="Bricolage Grotesque"/>
+                          <a:cs typeface="Bricolage Grotesque"/>
+                          <a:sym typeface="Bricolage Grotesque"/>
+                        </a:rPr>
+                        <a:t> </a:t>
+                      </a:r>
+                      <a:r>
+                        <a:rPr lang="en-US" sz="2499" dirty="0" err="1">
+                          <a:solidFill>
+                            <a:srgbClr val="000000"/>
+                          </a:solidFill>
+                          <a:latin typeface="Bricolage Grotesque"/>
+                          <a:ea typeface="Bricolage Grotesque"/>
+                          <a:cs typeface="Bricolage Grotesque"/>
+                          <a:sym typeface="Bricolage Grotesque"/>
+                        </a:rPr>
+                        <a:t>dụng</a:t>
+                      </a:r>
+                      <a:r>
+                        <a:rPr lang="en-US" sz="2499" dirty="0">
+                          <a:solidFill>
+                            <a:srgbClr val="000000"/>
+                          </a:solidFill>
+                          <a:latin typeface="Bricolage Grotesque"/>
+                          <a:ea typeface="Bricolage Grotesque"/>
+                          <a:cs typeface="Bricolage Grotesque"/>
+                          <a:sym typeface="Bricolage Grotesque"/>
+                        </a:rPr>
+                        <a:t> </a:t>
+                      </a:r>
+                      <a:r>
+                        <a:rPr lang="en-US" sz="2499" dirty="0" err="1">
+                          <a:solidFill>
+                            <a:srgbClr val="000000"/>
+                          </a:solidFill>
+                          <a:latin typeface="Bricolage Grotesque"/>
+                          <a:ea typeface="Bricolage Grotesque"/>
+                          <a:cs typeface="Bricolage Grotesque"/>
+                          <a:sym typeface="Bricolage Grotesque"/>
+                        </a:rPr>
+                        <a:t>thành</a:t>
+                      </a:r>
+                      <a:r>
+                        <a:rPr lang="en-US" sz="2499" dirty="0">
+                          <a:solidFill>
+                            <a:srgbClr val="000000"/>
+                          </a:solidFill>
+                          <a:latin typeface="Bricolage Grotesque"/>
+                          <a:ea typeface="Bricolage Grotesque"/>
+                          <a:cs typeface="Bricolage Grotesque"/>
+                          <a:sym typeface="Bricolage Grotesque"/>
+                        </a:rPr>
+                        <a:t> </a:t>
+                      </a:r>
+                      <a:r>
+                        <a:rPr lang="en-US" sz="2499" dirty="0" err="1">
+                          <a:solidFill>
+                            <a:srgbClr val="000000"/>
+                          </a:solidFill>
+                          <a:latin typeface="Bricolage Grotesque"/>
+                          <a:ea typeface="Bricolage Grotesque"/>
+                          <a:cs typeface="Bricolage Grotesque"/>
+                          <a:sym typeface="Bricolage Grotesque"/>
+                        </a:rPr>
+                        <a:t>phần</a:t>
+                      </a:r>
+                      <a:r>
+                        <a:rPr lang="en-US" sz="2499" dirty="0">
+                          <a:solidFill>
+                            <a:srgbClr val="000000"/>
+                          </a:solidFill>
+                          <a:latin typeface="Bricolage Grotesque"/>
+                          <a:ea typeface="Bricolage Grotesque"/>
+                          <a:cs typeface="Bricolage Grotesque"/>
+                          <a:sym typeface="Bricolage Grotesque"/>
+                        </a:rPr>
+                        <a:t> (component) </a:t>
+                      </a:r>
+                      <a:r>
+                        <a:rPr lang="en-US" sz="2499" dirty="0" err="1">
+                          <a:solidFill>
+                            <a:srgbClr val="000000"/>
+                          </a:solidFill>
+                          <a:latin typeface="Bricolage Grotesque"/>
+                          <a:ea typeface="Bricolage Grotesque"/>
+                          <a:cs typeface="Bricolage Grotesque"/>
+                          <a:sym typeface="Bricolage Grotesque"/>
+                        </a:rPr>
+                        <a:t>để</a:t>
+                      </a:r>
+                      <a:r>
+                        <a:rPr lang="en-US" sz="2499" dirty="0">
+                          <a:solidFill>
+                            <a:srgbClr val="000000"/>
+                          </a:solidFill>
+                          <a:latin typeface="Bricolage Grotesque"/>
+                          <a:ea typeface="Bricolage Grotesque"/>
+                          <a:cs typeface="Bricolage Grotesque"/>
+                          <a:sym typeface="Bricolage Grotesque"/>
+                        </a:rPr>
+                        <a:t> </a:t>
+                      </a:r>
+                      <a:r>
+                        <a:rPr lang="en-US" sz="2499" dirty="0" err="1">
+                          <a:solidFill>
+                            <a:srgbClr val="000000"/>
+                          </a:solidFill>
+                          <a:latin typeface="Bricolage Grotesque"/>
+                          <a:ea typeface="Bricolage Grotesque"/>
+                          <a:cs typeface="Bricolage Grotesque"/>
+                          <a:sym typeface="Bricolage Grotesque"/>
+                        </a:rPr>
+                        <a:t>tái</a:t>
+                      </a:r>
+                      <a:r>
+                        <a:rPr lang="en-US" sz="2499" dirty="0">
+                          <a:solidFill>
+                            <a:srgbClr val="000000"/>
+                          </a:solidFill>
+                          <a:latin typeface="Bricolage Grotesque"/>
+                          <a:ea typeface="Bricolage Grotesque"/>
+                          <a:cs typeface="Bricolage Grotesque"/>
+                          <a:sym typeface="Bricolage Grotesque"/>
+                        </a:rPr>
+                        <a:t> </a:t>
+                      </a:r>
+                      <a:r>
+                        <a:rPr lang="en-US" sz="2499" dirty="0" err="1">
+                          <a:solidFill>
+                            <a:srgbClr val="000000"/>
+                          </a:solidFill>
+                          <a:latin typeface="Bricolage Grotesque"/>
+                          <a:ea typeface="Bricolage Grotesque"/>
+                          <a:cs typeface="Bricolage Grotesque"/>
+                          <a:sym typeface="Bricolage Grotesque"/>
+                        </a:rPr>
+                        <a:t>sử</a:t>
+                      </a:r>
+                      <a:r>
+                        <a:rPr lang="en-US" sz="2499" dirty="0">
+                          <a:solidFill>
+                            <a:srgbClr val="000000"/>
+                          </a:solidFill>
+                          <a:latin typeface="Bricolage Grotesque"/>
+                          <a:ea typeface="Bricolage Grotesque"/>
+                          <a:cs typeface="Bricolage Grotesque"/>
+                          <a:sym typeface="Bricolage Grotesque"/>
+                        </a:rPr>
+                        <a:t> </a:t>
+                      </a:r>
+                      <a:r>
+                        <a:rPr lang="en-US" sz="2499" dirty="0" err="1">
+                          <a:solidFill>
+                            <a:srgbClr val="000000"/>
+                          </a:solidFill>
+                          <a:latin typeface="Bricolage Grotesque"/>
+                          <a:ea typeface="Bricolage Grotesque"/>
+                          <a:cs typeface="Bricolage Grotesque"/>
+                          <a:sym typeface="Bricolage Grotesque"/>
+                        </a:rPr>
+                        <a:t>dụng</a:t>
+                      </a:r>
+                      <a:r>
+                        <a:rPr lang="en-US" sz="2499" dirty="0">
+                          <a:solidFill>
+                            <a:srgbClr val="000000"/>
+                          </a:solidFill>
+                          <a:latin typeface="Bricolage Grotesque"/>
+                          <a:ea typeface="Bricolage Grotesque"/>
+                          <a:cs typeface="Bricolage Grotesque"/>
+                          <a:sym typeface="Bricolage Grotesque"/>
+                        </a:rPr>
+                        <a:t> </a:t>
+                      </a:r>
+                      <a:r>
+                        <a:rPr lang="en-US" sz="2499" dirty="0" err="1">
+                          <a:solidFill>
+                            <a:srgbClr val="000000"/>
+                          </a:solidFill>
+                          <a:latin typeface="Bricolage Grotesque"/>
+                          <a:ea typeface="Bricolage Grotesque"/>
+                          <a:cs typeface="Bricolage Grotesque"/>
+                          <a:sym typeface="Bricolage Grotesque"/>
+                        </a:rPr>
+                        <a:t>mã</a:t>
+                      </a:r>
+                      <a:r>
+                        <a:rPr lang="en-US" sz="2499" dirty="0">
+                          <a:solidFill>
+                            <a:srgbClr val="000000"/>
+                          </a:solidFill>
+                          <a:latin typeface="Bricolage Grotesque"/>
+                          <a:ea typeface="Bricolage Grotesque"/>
+                          <a:cs typeface="Bricolage Grotesque"/>
+                          <a:sym typeface="Bricolage Grotesque"/>
+                        </a:rPr>
+                        <a:t> </a:t>
+                      </a:r>
+                      <a:r>
+                        <a:rPr lang="en-US" sz="2499" dirty="0" err="1">
+                          <a:solidFill>
+                            <a:srgbClr val="000000"/>
+                          </a:solidFill>
+                          <a:latin typeface="Bricolage Grotesque"/>
+                          <a:ea typeface="Bricolage Grotesque"/>
+                          <a:cs typeface="Bricolage Grotesque"/>
+                          <a:sym typeface="Bricolage Grotesque"/>
+                        </a:rPr>
+                        <a:t>và</a:t>
+                      </a:r>
+                      <a:r>
+                        <a:rPr lang="en-US" sz="2499" dirty="0">
+                          <a:solidFill>
+                            <a:srgbClr val="000000"/>
+                          </a:solidFill>
+                          <a:latin typeface="Bricolage Grotesque"/>
+                          <a:ea typeface="Bricolage Grotesque"/>
+                          <a:cs typeface="Bricolage Grotesque"/>
+                          <a:sym typeface="Bricolage Grotesque"/>
+                        </a:rPr>
+                        <a:t> </a:t>
+                      </a:r>
+                      <a:r>
+                        <a:rPr lang="en-US" sz="2499" dirty="0" err="1">
+                          <a:solidFill>
+                            <a:srgbClr val="000000"/>
+                          </a:solidFill>
+                          <a:latin typeface="Bricolage Grotesque"/>
+                          <a:ea typeface="Bricolage Grotesque"/>
+                          <a:cs typeface="Bricolage Grotesque"/>
+                          <a:sym typeface="Bricolage Grotesque"/>
+                        </a:rPr>
+                        <a:t>tổ</a:t>
+                      </a:r>
+                      <a:r>
+                        <a:rPr lang="en-US" sz="2499" dirty="0">
+                          <a:solidFill>
+                            <a:srgbClr val="000000"/>
+                          </a:solidFill>
+                          <a:latin typeface="Bricolage Grotesque"/>
+                          <a:ea typeface="Bricolage Grotesque"/>
+                          <a:cs typeface="Bricolage Grotesque"/>
+                          <a:sym typeface="Bricolage Grotesque"/>
+                        </a:rPr>
+                        <a:t> </a:t>
+                      </a:r>
+                      <a:r>
+                        <a:rPr lang="en-US" sz="2499" dirty="0" err="1">
+                          <a:solidFill>
+                            <a:srgbClr val="000000"/>
+                          </a:solidFill>
+                          <a:latin typeface="Bricolage Grotesque"/>
+                          <a:ea typeface="Bricolage Grotesque"/>
+                          <a:cs typeface="Bricolage Grotesque"/>
+                          <a:sym typeface="Bricolage Grotesque"/>
+                        </a:rPr>
+                        <a:t>chức</a:t>
+                      </a:r>
+                      <a:r>
+                        <a:rPr lang="en-US" sz="2499" dirty="0">
+                          <a:solidFill>
+                            <a:srgbClr val="000000"/>
+                          </a:solidFill>
+                          <a:latin typeface="Bricolage Grotesque"/>
+                          <a:ea typeface="Bricolage Grotesque"/>
+                          <a:cs typeface="Bricolage Grotesque"/>
+                          <a:sym typeface="Bricolage Grotesque"/>
+                        </a:rPr>
+                        <a:t> </a:t>
+                      </a:r>
+                      <a:r>
+                        <a:rPr lang="en-US" sz="2499" dirty="0" err="1">
+                          <a:solidFill>
+                            <a:srgbClr val="000000"/>
+                          </a:solidFill>
+                          <a:latin typeface="Bricolage Grotesque"/>
+                          <a:ea typeface="Bricolage Grotesque"/>
+                          <a:cs typeface="Bricolage Grotesque"/>
+                          <a:sym typeface="Bricolage Grotesque"/>
+                        </a:rPr>
+                        <a:t>giao</a:t>
+                      </a:r>
+                      <a:r>
+                        <a:rPr lang="en-US" sz="2499" dirty="0">
+                          <a:solidFill>
+                            <a:srgbClr val="000000"/>
+                          </a:solidFill>
+                          <a:latin typeface="Bricolage Grotesque"/>
+                          <a:ea typeface="Bricolage Grotesque"/>
+                          <a:cs typeface="Bricolage Grotesque"/>
+                          <a:sym typeface="Bricolage Grotesque"/>
+                        </a:rPr>
+                        <a:t> </a:t>
+                      </a:r>
+                      <a:r>
+                        <a:rPr lang="en-US" sz="2499" dirty="0" err="1">
+                          <a:solidFill>
+                            <a:srgbClr val="000000"/>
+                          </a:solidFill>
+                          <a:latin typeface="Bricolage Grotesque"/>
+                          <a:ea typeface="Bricolage Grotesque"/>
+                          <a:cs typeface="Bricolage Grotesque"/>
+                          <a:sym typeface="Bricolage Grotesque"/>
+                        </a:rPr>
+                        <a:t>diện</a:t>
+                      </a:r>
+                      <a:r>
+                        <a:rPr lang="en-US" sz="2499" dirty="0">
+                          <a:solidFill>
+                            <a:srgbClr val="000000"/>
+                          </a:solidFill>
+                          <a:latin typeface="Bricolage Grotesque"/>
+                          <a:ea typeface="Bricolage Grotesque"/>
+                          <a:cs typeface="Bricolage Grotesque"/>
+                          <a:sym typeface="Bricolage Grotesque"/>
+                        </a:rPr>
+                        <a:t>.</a:t>
                       </a:r>
                     </a:p>
                     <a:p>
@@ -7002,7 +9413,7 @@
                           <a:spcPts val="3749"/>
                         </a:lnSpc>
                       </a:pPr>
-                      <a:endParaRPr lang="en-US" sz="2499">
+                      <a:endParaRPr lang="en-US" sz="2499" dirty="0">
                         <a:solidFill>
                           <a:srgbClr val="000000"/>
                         </a:solidFill>
@@ -7021,16 +9432,148 @@
                         <a:buChar char="•"/>
                       </a:pPr>
                       <a:r>
-                        <a:rPr lang="en-US" sz="2499">
-                          <a:solidFill>
-                            <a:srgbClr val="000000"/>
-                          </a:solidFill>
-                          <a:latin typeface="Bricolage Grotesque"/>
-                          <a:ea typeface="Bricolage Grotesque"/>
-                          <a:cs typeface="Bricolage Grotesque"/>
-                          <a:sym typeface="Bricolage Grotesque"/>
-                        </a:rPr>
-                        <a:t>Hỗ trợ lập trình một chiều (one-way data binding).</a:t>
+                        <a:rPr lang="en-US" sz="2499" dirty="0" err="1">
+                          <a:solidFill>
+                            <a:srgbClr val="000000"/>
+                          </a:solidFill>
+                          <a:latin typeface="Bricolage Grotesque"/>
+                          <a:ea typeface="Bricolage Grotesque"/>
+                          <a:cs typeface="Bricolage Grotesque"/>
+                          <a:sym typeface="Bricolage Grotesque"/>
+                        </a:rPr>
+                        <a:t>Hỗ</a:t>
+                      </a:r>
+                      <a:r>
+                        <a:rPr lang="en-US" sz="2499" dirty="0">
+                          <a:solidFill>
+                            <a:srgbClr val="000000"/>
+                          </a:solidFill>
+                          <a:latin typeface="Bricolage Grotesque"/>
+                          <a:ea typeface="Bricolage Grotesque"/>
+                          <a:cs typeface="Bricolage Grotesque"/>
+                          <a:sym typeface="Bricolage Grotesque"/>
+                        </a:rPr>
+                        <a:t> </a:t>
+                      </a:r>
+                      <a:r>
+                        <a:rPr lang="en-US" sz="2499" dirty="0" err="1">
+                          <a:solidFill>
+                            <a:srgbClr val="000000"/>
+                          </a:solidFill>
+                          <a:latin typeface="Bricolage Grotesque"/>
+                          <a:ea typeface="Bricolage Grotesque"/>
+                          <a:cs typeface="Bricolage Grotesque"/>
+                          <a:sym typeface="Bricolage Grotesque"/>
+                        </a:rPr>
+                        <a:t>trợ</a:t>
+                      </a:r>
+                      <a:r>
+                        <a:rPr lang="en-US" sz="2499" dirty="0">
+                          <a:solidFill>
+                            <a:srgbClr val="000000"/>
+                          </a:solidFill>
+                          <a:latin typeface="Bricolage Grotesque"/>
+                          <a:ea typeface="Bricolage Grotesque"/>
+                          <a:cs typeface="Bricolage Grotesque"/>
+                          <a:sym typeface="Bricolage Grotesque"/>
+                        </a:rPr>
+                        <a:t> </a:t>
+                      </a:r>
+                      <a:r>
+                        <a:rPr lang="en-US" sz="2499" dirty="0" err="1">
+                          <a:solidFill>
+                            <a:srgbClr val="000000"/>
+                          </a:solidFill>
+                          <a:latin typeface="Bricolage Grotesque"/>
+                          <a:ea typeface="Bricolage Grotesque"/>
+                          <a:cs typeface="Bricolage Grotesque"/>
+                          <a:sym typeface="Bricolage Grotesque"/>
+                        </a:rPr>
+                        <a:t>lập</a:t>
+                      </a:r>
+                      <a:r>
+                        <a:rPr lang="en-US" sz="2499" dirty="0">
+                          <a:solidFill>
+                            <a:srgbClr val="000000"/>
+                          </a:solidFill>
+                          <a:latin typeface="Bricolage Grotesque"/>
+                          <a:ea typeface="Bricolage Grotesque"/>
+                          <a:cs typeface="Bricolage Grotesque"/>
+                          <a:sym typeface="Bricolage Grotesque"/>
+                        </a:rPr>
+                        <a:t> </a:t>
+                      </a:r>
+                      <a:r>
+                        <a:rPr lang="en-US" sz="2499" dirty="0" err="1">
+                          <a:solidFill>
+                            <a:srgbClr val="000000"/>
+                          </a:solidFill>
+                          <a:latin typeface="Bricolage Grotesque"/>
+                          <a:ea typeface="Bricolage Grotesque"/>
+                          <a:cs typeface="Bricolage Grotesque"/>
+                          <a:sym typeface="Bricolage Grotesque"/>
+                        </a:rPr>
+                        <a:t>trình</a:t>
+                      </a:r>
+                      <a:r>
+                        <a:rPr lang="en-US" sz="2499" dirty="0">
+                          <a:solidFill>
+                            <a:srgbClr val="000000"/>
+                          </a:solidFill>
+                          <a:latin typeface="Bricolage Grotesque"/>
+                          <a:ea typeface="Bricolage Grotesque"/>
+                          <a:cs typeface="Bricolage Grotesque"/>
+                          <a:sym typeface="Bricolage Grotesque"/>
+                        </a:rPr>
+                        <a:t> </a:t>
+                      </a:r>
+                      <a:r>
+                        <a:rPr lang="en-US" sz="2499" dirty="0" err="1">
+                          <a:solidFill>
+                            <a:srgbClr val="000000"/>
+                          </a:solidFill>
+                          <a:latin typeface="Bricolage Grotesque"/>
+                          <a:ea typeface="Bricolage Grotesque"/>
+                          <a:cs typeface="Bricolage Grotesque"/>
+                          <a:sym typeface="Bricolage Grotesque"/>
+                        </a:rPr>
+                        <a:t>một</a:t>
+                      </a:r>
+                      <a:r>
+                        <a:rPr lang="en-US" sz="2499" dirty="0">
+                          <a:solidFill>
+                            <a:srgbClr val="000000"/>
+                          </a:solidFill>
+                          <a:latin typeface="Bricolage Grotesque"/>
+                          <a:ea typeface="Bricolage Grotesque"/>
+                          <a:cs typeface="Bricolage Grotesque"/>
+                          <a:sym typeface="Bricolage Grotesque"/>
+                        </a:rPr>
+                        <a:t> </a:t>
+                      </a:r>
+                      <a:r>
+                        <a:rPr lang="en-US" sz="2499" dirty="0" err="1">
+                          <a:solidFill>
+                            <a:srgbClr val="000000"/>
+                          </a:solidFill>
+                          <a:latin typeface="Bricolage Grotesque"/>
+                          <a:ea typeface="Bricolage Grotesque"/>
+                          <a:cs typeface="Bricolage Grotesque"/>
+                          <a:sym typeface="Bricolage Grotesque"/>
+                        </a:rPr>
+                        <a:t>chiều</a:t>
+                      </a:r>
+                      <a:r>
+                        <a:rPr lang="en-US" sz="2499" dirty="0">
+                          <a:solidFill>
+                            <a:srgbClr val="000000"/>
+                          </a:solidFill>
+                          <a:latin typeface="Bricolage Grotesque"/>
+                          <a:ea typeface="Bricolage Grotesque"/>
+                          <a:cs typeface="Bricolage Grotesque"/>
+                          <a:sym typeface="Bricolage Grotesque"/>
+                        </a:rPr>
+                        <a:t> (one-way data binding).</a:t>
                       </a:r>
                     </a:p>
                     <a:p>
@@ -7039,7 +9582,7 @@
                           <a:spcPts val="3749"/>
                         </a:lnSpc>
                       </a:pPr>
-                      <a:endParaRPr lang="en-US" sz="2499">
+                      <a:endParaRPr lang="en-US" sz="2499" dirty="0">
                         <a:solidFill>
                           <a:srgbClr val="000000"/>
                         </a:solidFill>
@@ -7058,16 +9601,244 @@
                         <a:buChar char="•"/>
                       </a:pPr>
                       <a:r>
-                        <a:rPr lang="en-US" sz="2499">
-                          <a:solidFill>
-                            <a:srgbClr val="000000"/>
-                          </a:solidFill>
-                          <a:latin typeface="Bricolage Grotesque"/>
-                          <a:ea typeface="Bricolage Grotesque"/>
-                          <a:cs typeface="Bricolage Grotesque"/>
-                          <a:sym typeface="Bricolage Grotesque"/>
-                        </a:rPr>
-                        <a:t>Thường sử dụng với REST API hoặc GraphQL để lấy dữ liệu.</a:t>
+                        <a:rPr lang="en-US" sz="2499" dirty="0" err="1">
+                          <a:solidFill>
+                            <a:srgbClr val="000000"/>
+                          </a:solidFill>
+                          <a:latin typeface="Bricolage Grotesque"/>
+                          <a:ea typeface="Bricolage Grotesque"/>
+                          <a:cs typeface="Bricolage Grotesque"/>
+                          <a:sym typeface="Bricolage Grotesque"/>
+                        </a:rPr>
+                        <a:t>Thường</a:t>
+                      </a:r>
+                      <a:r>
+                        <a:rPr lang="en-US" sz="2499" dirty="0">
+                          <a:solidFill>
+                            <a:srgbClr val="000000"/>
+                          </a:solidFill>
+                          <a:latin typeface="Bricolage Grotesque"/>
+                          <a:ea typeface="Bricolage Grotesque"/>
+                          <a:cs typeface="Bricolage Grotesque"/>
+                          <a:sym typeface="Bricolage Grotesque"/>
+                        </a:rPr>
+                        <a:t> </a:t>
+                      </a:r>
+                      <a:r>
+                        <a:rPr lang="en-US" sz="2499" dirty="0" err="1">
+                          <a:solidFill>
+                            <a:srgbClr val="000000"/>
+                          </a:solidFill>
+                          <a:latin typeface="Bricolage Grotesque"/>
+                          <a:ea typeface="Bricolage Grotesque"/>
+                          <a:cs typeface="Bricolage Grotesque"/>
+                          <a:sym typeface="Bricolage Grotesque"/>
+                        </a:rPr>
+                        <a:t>sử</a:t>
+                      </a:r>
+                      <a:r>
+                        <a:rPr lang="en-US" sz="2499" dirty="0">
+                          <a:solidFill>
+                            <a:srgbClr val="000000"/>
+                          </a:solidFill>
+                          <a:latin typeface="Bricolage Grotesque"/>
+                          <a:ea typeface="Bricolage Grotesque"/>
+                          <a:cs typeface="Bricolage Grotesque"/>
+                          <a:sym typeface="Bricolage Grotesque"/>
+                        </a:rPr>
+                        <a:t> </a:t>
+                      </a:r>
+                      <a:r>
+                        <a:rPr lang="en-US" sz="2499" dirty="0" err="1">
+                          <a:solidFill>
+                            <a:srgbClr val="000000"/>
+                          </a:solidFill>
+                          <a:latin typeface="Bricolage Grotesque"/>
+                          <a:ea typeface="Bricolage Grotesque"/>
+                          <a:cs typeface="Bricolage Grotesque"/>
+                          <a:sym typeface="Bricolage Grotesque"/>
+                        </a:rPr>
+                        <a:t>dụng</a:t>
+                      </a:r>
+                      <a:r>
+                        <a:rPr lang="en-US" sz="2499" dirty="0">
+                          <a:solidFill>
+                            <a:srgbClr val="000000"/>
+                          </a:solidFill>
+                          <a:latin typeface="Bricolage Grotesque"/>
+                          <a:ea typeface="Bricolage Grotesque"/>
+                          <a:cs typeface="Bricolage Grotesque"/>
+                          <a:sym typeface="Bricolage Grotesque"/>
+                        </a:rPr>
+                        <a:t> </a:t>
+                      </a:r>
+                      <a:r>
+                        <a:rPr lang="en-US" sz="2499" dirty="0" err="1">
+                          <a:solidFill>
+                            <a:srgbClr val="000000"/>
+                          </a:solidFill>
+                          <a:latin typeface="Bricolage Grotesque"/>
+                          <a:ea typeface="Bricolage Grotesque"/>
+                          <a:cs typeface="Bricolage Grotesque"/>
+                          <a:sym typeface="Bricolage Grotesque"/>
+                        </a:rPr>
+                        <a:t>với</a:t>
+                      </a:r>
+                      <a:r>
+                        <a:rPr lang="en-US" sz="2499" dirty="0">
+                          <a:solidFill>
+                            <a:srgbClr val="000000"/>
+                          </a:solidFill>
+                          <a:latin typeface="Bricolage Grotesque"/>
+                          <a:ea typeface="Bricolage Grotesque"/>
+                          <a:cs typeface="Bricolage Grotesque"/>
+                          <a:sym typeface="Bricolage Grotesque"/>
+                        </a:rPr>
+                        <a:t> REST API </a:t>
+                      </a:r>
+                      <a:r>
+                        <a:rPr lang="en-US" sz="2499" dirty="0" err="1">
+                          <a:solidFill>
+                            <a:srgbClr val="000000"/>
+                          </a:solidFill>
+                          <a:latin typeface="Bricolage Grotesque"/>
+                          <a:ea typeface="Bricolage Grotesque"/>
+                          <a:cs typeface="Bricolage Grotesque"/>
+                          <a:sym typeface="Bricolage Grotesque"/>
+                        </a:rPr>
+                        <a:t>hoặc</a:t>
+                      </a:r>
+                      <a:r>
+                        <a:rPr lang="en-US" sz="2499" dirty="0">
+                          <a:solidFill>
+                            <a:srgbClr val="000000"/>
+                          </a:solidFill>
+                          <a:latin typeface="Bricolage Grotesque"/>
+                          <a:ea typeface="Bricolage Grotesque"/>
+                          <a:cs typeface="Bricolage Grotesque"/>
+                          <a:sym typeface="Bricolage Grotesque"/>
+                        </a:rPr>
+                        <a:t> </a:t>
+                      </a:r>
+                      <a:r>
+                        <a:rPr lang="en-US" sz="2499" dirty="0" err="1">
+                          <a:solidFill>
+                            <a:srgbClr val="000000"/>
+                          </a:solidFill>
+                          <a:latin typeface="Bricolage Grotesque"/>
+                          <a:ea typeface="Bricolage Grotesque"/>
+                          <a:cs typeface="Bricolage Grotesque"/>
+                          <a:sym typeface="Bricolage Grotesque"/>
+                        </a:rPr>
+                        <a:t>GraphQL</a:t>
+                      </a:r>
+                      <a:r>
+                        <a:rPr lang="en-US" sz="2499" dirty="0">
+                          <a:solidFill>
+                            <a:srgbClr val="000000"/>
+                          </a:solidFill>
+                          <a:latin typeface="Bricolage Grotesque"/>
+                          <a:ea typeface="Bricolage Grotesque"/>
+                          <a:cs typeface="Bricolage Grotesque"/>
+                          <a:sym typeface="Bricolage Grotesque"/>
+                        </a:rPr>
+                        <a:t> </a:t>
+                      </a:r>
+                      <a:r>
+                        <a:rPr lang="en-US" sz="2499" dirty="0" err="1">
+                          <a:solidFill>
+                            <a:srgbClr val="000000"/>
+                          </a:solidFill>
+                          <a:latin typeface="Bricolage Grotesque"/>
+                          <a:ea typeface="Bricolage Grotesque"/>
+                          <a:cs typeface="Bricolage Grotesque"/>
+                          <a:sym typeface="Bricolage Grotesque"/>
+                        </a:rPr>
+                        <a:t>để</a:t>
+                      </a:r>
+                      <a:r>
+                        <a:rPr lang="en-US" sz="2499" dirty="0">
+                          <a:solidFill>
+                            <a:srgbClr val="000000"/>
+                          </a:solidFill>
+                          <a:latin typeface="Bricolage Grotesque"/>
+                          <a:ea typeface="Bricolage Grotesque"/>
+                          <a:cs typeface="Bricolage Grotesque"/>
+                          <a:sym typeface="Bricolage Grotesque"/>
+                        </a:rPr>
+                        <a:t> </a:t>
+                      </a:r>
+                      <a:r>
+                        <a:rPr lang="en-US" sz="2499" dirty="0" err="1">
+                          <a:solidFill>
+                            <a:srgbClr val="000000"/>
+                          </a:solidFill>
+                          <a:latin typeface="Bricolage Grotesque"/>
+                          <a:ea typeface="Bricolage Grotesque"/>
+                          <a:cs typeface="Bricolage Grotesque"/>
+                          <a:sym typeface="Bricolage Grotesque"/>
+                        </a:rPr>
+                        <a:t>lấy</a:t>
+                      </a:r>
+                      <a:r>
+                        <a:rPr lang="en-US" sz="2499" dirty="0">
+                          <a:solidFill>
+                            <a:srgbClr val="000000"/>
+                          </a:solidFill>
+                          <a:latin typeface="Bricolage Grotesque"/>
+                          <a:ea typeface="Bricolage Grotesque"/>
+                          <a:cs typeface="Bricolage Grotesque"/>
+                          <a:sym typeface="Bricolage Grotesque"/>
+                        </a:rPr>
+                        <a:t> </a:t>
+                      </a:r>
+                      <a:r>
+                        <a:rPr lang="en-US" sz="2499" dirty="0" err="1">
+                          <a:solidFill>
+                            <a:srgbClr val="000000"/>
+                          </a:solidFill>
+                          <a:latin typeface="Bricolage Grotesque"/>
+                          <a:ea typeface="Bricolage Grotesque"/>
+                          <a:cs typeface="Bricolage Grotesque"/>
+                          <a:sym typeface="Bricolage Grotesque"/>
+                        </a:rPr>
+                        <a:t>dữ</a:t>
+                      </a:r>
+                      <a:r>
+                        <a:rPr lang="en-US" sz="2499" dirty="0">
+                          <a:solidFill>
+                            <a:srgbClr val="000000"/>
+                          </a:solidFill>
+                          <a:latin typeface="Bricolage Grotesque"/>
+                          <a:ea typeface="Bricolage Grotesque"/>
+                          <a:cs typeface="Bricolage Grotesque"/>
+                          <a:sym typeface="Bricolage Grotesque"/>
+                        </a:rPr>
+                        <a:t> </a:t>
+                      </a:r>
+                      <a:r>
+                        <a:rPr lang="en-US" sz="2499" dirty="0" err="1">
+                          <a:solidFill>
+                            <a:srgbClr val="000000"/>
+                          </a:solidFill>
+                          <a:latin typeface="Bricolage Grotesque"/>
+                          <a:ea typeface="Bricolage Grotesque"/>
+                          <a:cs typeface="Bricolage Grotesque"/>
+                          <a:sym typeface="Bricolage Grotesque"/>
+                        </a:rPr>
+                        <a:t>liệu</a:t>
+                      </a:r>
+                      <a:r>
+                        <a:rPr lang="en-US" sz="2499" dirty="0">
+                          <a:solidFill>
+                            <a:srgbClr val="000000"/>
+                          </a:solidFill>
+                          <a:latin typeface="Bricolage Grotesque"/>
+                          <a:ea typeface="Bricolage Grotesque"/>
+                          <a:cs typeface="Bricolage Grotesque"/>
+                          <a:sym typeface="Bricolage Grotesque"/>
+                        </a:rPr>
+                        <a:t>.</a:t>
                       </a:r>
                     </a:p>
                   </a:txBody>
@@ -7124,18 +9895,318 @@
                         <a:defRPr/>
                       </a:pPr>
                       <a:r>
-                        <a:rPr lang="en-US" sz="2499">
-                          <a:solidFill>
-                            <a:srgbClr val="000000"/>
-                          </a:solidFill>
-                          <a:latin typeface="Bricolage Grotesque"/>
-                          <a:ea typeface="Bricolage Grotesque"/>
-                          <a:cs typeface="Bricolage Grotesque"/>
-                          <a:sym typeface="Bricolage Grotesque"/>
-                        </a:rPr>
-                        <a:t>Là một phần của framework ASP.NET MVC, sử dụng cú pháp Razor để xây dựng giao diện.</a:t>
-                      </a:r>
-                      <a:endParaRPr lang="en-US" sz="1100"/>
+                        <a:rPr lang="en-US" sz="2499" dirty="0" err="1">
+                          <a:solidFill>
+                            <a:srgbClr val="000000"/>
+                          </a:solidFill>
+                          <a:latin typeface="Bricolage Grotesque"/>
+                          <a:ea typeface="Bricolage Grotesque"/>
+                          <a:cs typeface="Bricolage Grotesque"/>
+                          <a:sym typeface="Bricolage Grotesque"/>
+                        </a:rPr>
+                        <a:t>Là</a:t>
+                      </a:r>
+                      <a:r>
+                        <a:rPr lang="en-US" sz="2499" dirty="0">
+                          <a:solidFill>
+                            <a:srgbClr val="000000"/>
+                          </a:solidFill>
+                          <a:latin typeface="Bricolage Grotesque"/>
+                          <a:ea typeface="Bricolage Grotesque"/>
+                          <a:cs typeface="Bricolage Grotesque"/>
+                          <a:sym typeface="Bricolage Grotesque"/>
+                        </a:rPr>
+                        <a:t> </a:t>
+                      </a:r>
+                      <a:r>
+                        <a:rPr lang="en-US" sz="2499" dirty="0" err="1">
+                          <a:solidFill>
+                            <a:srgbClr val="000000"/>
+                          </a:solidFill>
+                          <a:latin typeface="Bricolage Grotesque"/>
+                          <a:ea typeface="Bricolage Grotesque"/>
+                          <a:cs typeface="Bricolage Grotesque"/>
+                          <a:sym typeface="Bricolage Grotesque"/>
+                        </a:rPr>
+                        <a:t>một</a:t>
+                      </a:r>
+                      <a:r>
+                        <a:rPr lang="en-US" sz="2499" dirty="0">
+                          <a:solidFill>
+                            <a:srgbClr val="000000"/>
+                          </a:solidFill>
+                          <a:latin typeface="Bricolage Grotesque"/>
+                          <a:ea typeface="Bricolage Grotesque"/>
+                          <a:cs typeface="Bricolage Grotesque"/>
+                          <a:sym typeface="Bricolage Grotesque"/>
+                        </a:rPr>
+                        <a:t> </a:t>
+                      </a:r>
+                      <a:r>
+                        <a:rPr lang="en-US" sz="2499" dirty="0" err="1">
+                          <a:solidFill>
+                            <a:srgbClr val="000000"/>
+                          </a:solidFill>
+                          <a:latin typeface="Bricolage Grotesque"/>
+                          <a:ea typeface="Bricolage Grotesque"/>
+                          <a:cs typeface="Bricolage Grotesque"/>
+                          <a:sym typeface="Bricolage Grotesque"/>
+                        </a:rPr>
+                        <a:t>phần</a:t>
+                      </a:r>
+                      <a:r>
+                        <a:rPr lang="en-US" sz="2499" dirty="0">
+                          <a:solidFill>
+                            <a:srgbClr val="000000"/>
+                          </a:solidFill>
+                          <a:latin typeface="Bricolage Grotesque"/>
+                          <a:ea typeface="Bricolage Grotesque"/>
+                          <a:cs typeface="Bricolage Grotesque"/>
+                          <a:sym typeface="Bricolage Grotesque"/>
+                        </a:rPr>
+                        <a:t> </a:t>
+                      </a:r>
+                      <a:r>
+                        <a:rPr lang="en-US" sz="2499" dirty="0" err="1">
+                          <a:solidFill>
+                            <a:srgbClr val="000000"/>
+                          </a:solidFill>
+                          <a:latin typeface="Bricolage Grotesque"/>
+                          <a:ea typeface="Bricolage Grotesque"/>
+                          <a:cs typeface="Bricolage Grotesque"/>
+                          <a:sym typeface="Bricolage Grotesque"/>
+                        </a:rPr>
+                        <a:t>của</a:t>
+                      </a:r>
+                      <a:r>
+                        <a:rPr lang="en-US" sz="2499" dirty="0">
+                          <a:solidFill>
+                            <a:srgbClr val="000000"/>
+                          </a:solidFill>
+                          <a:latin typeface="Bricolage Grotesque"/>
+                          <a:ea typeface="Bricolage Grotesque"/>
+                          <a:cs typeface="Bricolage Grotesque"/>
+                          <a:sym typeface="Bricolage Grotesque"/>
+                        </a:rPr>
+                        <a:t> framework ASP.NET MVC, </a:t>
+                      </a:r>
+                      <a:r>
+                        <a:rPr lang="en-US" sz="2499" dirty="0" err="1">
+                          <a:solidFill>
+                            <a:srgbClr val="000000"/>
+                          </a:solidFill>
+                          <a:latin typeface="Bricolage Grotesque"/>
+                          <a:ea typeface="Bricolage Grotesque"/>
+                          <a:cs typeface="Bricolage Grotesque"/>
+                          <a:sym typeface="Bricolage Grotesque"/>
+                        </a:rPr>
+                        <a:t>sử</a:t>
+                      </a:r>
+                      <a:r>
+                        <a:rPr lang="en-US" sz="2499" dirty="0">
+                          <a:solidFill>
+                            <a:srgbClr val="000000"/>
+                          </a:solidFill>
+                          <a:latin typeface="Bricolage Grotesque"/>
+                          <a:ea typeface="Bricolage Grotesque"/>
+                          <a:cs typeface="Bricolage Grotesque"/>
+                          <a:sym typeface="Bricolage Grotesque"/>
+                        </a:rPr>
+                        <a:t> </a:t>
+                      </a:r>
+                      <a:r>
+                        <a:rPr lang="en-US" sz="2499" dirty="0" err="1">
+                          <a:solidFill>
+                            <a:srgbClr val="000000"/>
+                          </a:solidFill>
+                          <a:latin typeface="Bricolage Grotesque"/>
+                          <a:ea typeface="Bricolage Grotesque"/>
+                          <a:cs typeface="Bricolage Grotesque"/>
+                          <a:sym typeface="Bricolage Grotesque"/>
+                        </a:rPr>
+                        <a:t>dụng</a:t>
+                      </a:r>
+                      <a:r>
+                        <a:rPr lang="en-US" sz="2499" dirty="0">
+                          <a:solidFill>
+                            <a:srgbClr val="000000"/>
+                          </a:solidFill>
+                          <a:latin typeface="Bricolage Grotesque"/>
+                          <a:ea typeface="Bricolage Grotesque"/>
+                          <a:cs typeface="Bricolage Grotesque"/>
+                          <a:sym typeface="Bricolage Grotesque"/>
+                        </a:rPr>
+                        <a:t> </a:t>
+                      </a:r>
+                      <a:r>
+                        <a:rPr lang="en-US" sz="2499" dirty="0" err="1">
+                          <a:solidFill>
+                            <a:srgbClr val="000000"/>
+                          </a:solidFill>
+                          <a:latin typeface="Bricolage Grotesque"/>
+                          <a:ea typeface="Bricolage Grotesque"/>
+                          <a:cs typeface="Bricolage Grotesque"/>
+                          <a:sym typeface="Bricolage Grotesque"/>
+                        </a:rPr>
+                        <a:t>cú</a:t>
+                      </a:r>
+                      <a:r>
+                        <a:rPr lang="en-US" sz="2499" dirty="0">
+                          <a:solidFill>
+                            <a:srgbClr val="000000"/>
+                          </a:solidFill>
+                          <a:latin typeface="Bricolage Grotesque"/>
+                          <a:ea typeface="Bricolage Grotesque"/>
+                          <a:cs typeface="Bricolage Grotesque"/>
+                          <a:sym typeface="Bricolage Grotesque"/>
+                        </a:rPr>
+                        <a:t> </a:t>
+                      </a:r>
+                      <a:r>
+                        <a:rPr lang="en-US" sz="2499" dirty="0" err="1">
+                          <a:solidFill>
+                            <a:srgbClr val="000000"/>
+                          </a:solidFill>
+                          <a:latin typeface="Bricolage Grotesque"/>
+                          <a:ea typeface="Bricolage Grotesque"/>
+                          <a:cs typeface="Bricolage Grotesque"/>
+                          <a:sym typeface="Bricolage Grotesque"/>
+                        </a:rPr>
+                        <a:t>pháp</a:t>
+                      </a:r>
+                      <a:r>
+                        <a:rPr lang="en-US" sz="2499" dirty="0">
+                          <a:solidFill>
+                            <a:srgbClr val="000000"/>
+                          </a:solidFill>
+                          <a:latin typeface="Bricolage Grotesque"/>
+                          <a:ea typeface="Bricolage Grotesque"/>
+                          <a:cs typeface="Bricolage Grotesque"/>
+                          <a:sym typeface="Bricolage Grotesque"/>
+                        </a:rPr>
+                        <a:t> Razor </a:t>
+                      </a:r>
+                      <a:r>
+                        <a:rPr lang="en-US" sz="2499" dirty="0" err="1">
+                          <a:solidFill>
+                            <a:srgbClr val="000000"/>
+                          </a:solidFill>
+                          <a:latin typeface="Bricolage Grotesque"/>
+                          <a:ea typeface="Bricolage Grotesque"/>
+                          <a:cs typeface="Bricolage Grotesque"/>
+                          <a:sym typeface="Bricolage Grotesque"/>
+                        </a:rPr>
+                        <a:t>để</a:t>
+                      </a:r>
+                      <a:r>
+                        <a:rPr lang="en-US" sz="2499" dirty="0">
+                          <a:solidFill>
+                            <a:srgbClr val="000000"/>
+                          </a:solidFill>
+                          <a:latin typeface="Bricolage Grotesque"/>
+                          <a:ea typeface="Bricolage Grotesque"/>
+                          <a:cs typeface="Bricolage Grotesque"/>
+                          <a:sym typeface="Bricolage Grotesque"/>
+                        </a:rPr>
+                        <a:t> </a:t>
+                      </a:r>
+                      <a:r>
+                        <a:rPr lang="en-US" sz="2499" dirty="0" err="1">
+                          <a:solidFill>
+                            <a:srgbClr val="000000"/>
+                          </a:solidFill>
+                          <a:latin typeface="Bricolage Grotesque"/>
+                          <a:ea typeface="Bricolage Grotesque"/>
+                          <a:cs typeface="Bricolage Grotesque"/>
+                          <a:sym typeface="Bricolage Grotesque"/>
+                        </a:rPr>
+                        <a:t>xây</a:t>
+                      </a:r>
+                      <a:r>
+                        <a:rPr lang="en-US" sz="2499" dirty="0">
+                          <a:solidFill>
+                            <a:srgbClr val="000000"/>
+                          </a:solidFill>
+                          <a:latin typeface="Bricolage Grotesque"/>
+                          <a:ea typeface="Bricolage Grotesque"/>
+                          <a:cs typeface="Bricolage Grotesque"/>
+                          <a:sym typeface="Bricolage Grotesque"/>
+                        </a:rPr>
+                        <a:t> </a:t>
+                      </a:r>
+                      <a:r>
+                        <a:rPr lang="en-US" sz="2499" dirty="0" err="1">
+                          <a:solidFill>
+                            <a:srgbClr val="000000"/>
+                          </a:solidFill>
+                          <a:latin typeface="Bricolage Grotesque"/>
+                          <a:ea typeface="Bricolage Grotesque"/>
+                          <a:cs typeface="Bricolage Grotesque"/>
+                          <a:sym typeface="Bricolage Grotesque"/>
+                        </a:rPr>
+                        <a:t>dựng</a:t>
+                      </a:r>
+                      <a:r>
+                        <a:rPr lang="en-US" sz="2499" dirty="0">
+                          <a:solidFill>
+                            <a:srgbClr val="000000"/>
+                          </a:solidFill>
+                          <a:latin typeface="Bricolage Grotesque"/>
+                          <a:ea typeface="Bricolage Grotesque"/>
+                          <a:cs typeface="Bricolage Grotesque"/>
+                          <a:sym typeface="Bricolage Grotesque"/>
+                        </a:rPr>
+                        <a:t> </a:t>
+                      </a:r>
+                      <a:r>
+                        <a:rPr lang="en-US" sz="2499" dirty="0" err="1">
+                          <a:solidFill>
+                            <a:srgbClr val="000000"/>
+                          </a:solidFill>
+                          <a:latin typeface="Bricolage Grotesque"/>
+                          <a:ea typeface="Bricolage Grotesque"/>
+                          <a:cs typeface="Bricolage Grotesque"/>
+                          <a:sym typeface="Bricolage Grotesque"/>
+                        </a:rPr>
+                        <a:t>giao</a:t>
+                      </a:r>
+                      <a:r>
+                        <a:rPr lang="en-US" sz="2499" dirty="0">
+                          <a:solidFill>
+                            <a:srgbClr val="000000"/>
+                          </a:solidFill>
+                          <a:latin typeface="Bricolage Grotesque"/>
+                          <a:ea typeface="Bricolage Grotesque"/>
+                          <a:cs typeface="Bricolage Grotesque"/>
+                          <a:sym typeface="Bricolage Grotesque"/>
+                        </a:rPr>
+                        <a:t> </a:t>
+                      </a:r>
+                      <a:r>
+                        <a:rPr lang="en-US" sz="2499" dirty="0" err="1">
+                          <a:solidFill>
+                            <a:srgbClr val="000000"/>
+                          </a:solidFill>
+                          <a:latin typeface="Bricolage Grotesque"/>
+                          <a:ea typeface="Bricolage Grotesque"/>
+                          <a:cs typeface="Bricolage Grotesque"/>
+                          <a:sym typeface="Bricolage Grotesque"/>
+                        </a:rPr>
+                        <a:t>diện</a:t>
+                      </a:r>
+                      <a:r>
+                        <a:rPr lang="en-US" sz="2499" dirty="0">
+                          <a:solidFill>
+                            <a:srgbClr val="000000"/>
+                          </a:solidFill>
+                          <a:latin typeface="Bricolage Grotesque"/>
+                          <a:ea typeface="Bricolage Grotesque"/>
+                          <a:cs typeface="Bricolage Grotesque"/>
+                          <a:sym typeface="Bricolage Grotesque"/>
+                        </a:rPr>
+                        <a:t>.</a:t>
+                      </a:r>
+                      <a:endParaRPr lang="en-US" sz="1100" dirty="0"/>
                     </a:p>
                     <a:p>
                       <a:pPr algn="l">
@@ -7143,7 +10214,7 @@
                           <a:spcPts val="3749"/>
                         </a:lnSpc>
                       </a:pPr>
-                      <a:endParaRPr lang="en-US" sz="1100"/>
+                      <a:endParaRPr lang="en-US" sz="1100" dirty="0"/>
                     </a:p>
                     <a:p>
                       <a:pPr marL="539746" lvl="1" indent="-269873" algn="l">
@@ -7154,16 +10225,220 @@
                         <a:buChar char="•"/>
                       </a:pPr>
                       <a:r>
-                        <a:rPr lang="en-US" sz="2499">
-                          <a:solidFill>
-                            <a:srgbClr val="000000"/>
-                          </a:solidFill>
-                          <a:latin typeface="Bricolage Grotesque"/>
-                          <a:ea typeface="Bricolage Grotesque"/>
-                          <a:cs typeface="Bricolage Grotesque"/>
-                          <a:sym typeface="Bricolage Grotesque"/>
-                        </a:rPr>
-                        <a:t>Kết hợp giữa HTML và C# để tạo ra nội dung động.</a:t>
+                        <a:rPr lang="en-US" sz="2499" dirty="0" err="1">
+                          <a:solidFill>
+                            <a:srgbClr val="000000"/>
+                          </a:solidFill>
+                          <a:latin typeface="Bricolage Grotesque"/>
+                          <a:ea typeface="Bricolage Grotesque"/>
+                          <a:cs typeface="Bricolage Grotesque"/>
+                          <a:sym typeface="Bricolage Grotesque"/>
+                        </a:rPr>
+                        <a:t>Kết</a:t>
+                      </a:r>
+                      <a:r>
+                        <a:rPr lang="en-US" sz="2499" dirty="0">
+                          <a:solidFill>
+                            <a:srgbClr val="000000"/>
+                          </a:solidFill>
+                          <a:latin typeface="Bricolage Grotesque"/>
+                          <a:ea typeface="Bricolage Grotesque"/>
+                          <a:cs typeface="Bricolage Grotesque"/>
+                          <a:sym typeface="Bricolage Grotesque"/>
+                        </a:rPr>
+                        <a:t> </a:t>
+                      </a:r>
+                      <a:r>
+                        <a:rPr lang="en-US" sz="2499" dirty="0" err="1">
+                          <a:solidFill>
+                            <a:srgbClr val="000000"/>
+                          </a:solidFill>
+                          <a:latin typeface="Bricolage Grotesque"/>
+                          <a:ea typeface="Bricolage Grotesque"/>
+                          <a:cs typeface="Bricolage Grotesque"/>
+                          <a:sym typeface="Bricolage Grotesque"/>
+                        </a:rPr>
+                        <a:t>hợp</a:t>
+                      </a:r>
+                      <a:r>
+                        <a:rPr lang="en-US" sz="2499" dirty="0">
+                          <a:solidFill>
+                            <a:srgbClr val="000000"/>
+                          </a:solidFill>
+                          <a:latin typeface="Bricolage Grotesque"/>
+                          <a:ea typeface="Bricolage Grotesque"/>
+                          <a:cs typeface="Bricolage Grotesque"/>
+                          <a:sym typeface="Bricolage Grotesque"/>
+                        </a:rPr>
+                        <a:t> </a:t>
+                      </a:r>
+                      <a:r>
+                        <a:rPr lang="en-US" sz="2499" dirty="0" err="1">
+                          <a:solidFill>
+                            <a:srgbClr val="000000"/>
+                          </a:solidFill>
+                          <a:latin typeface="Bricolage Grotesque"/>
+                          <a:ea typeface="Bricolage Grotesque"/>
+                          <a:cs typeface="Bricolage Grotesque"/>
+                          <a:sym typeface="Bricolage Grotesque"/>
+                        </a:rPr>
+                        <a:t>giữa</a:t>
+                      </a:r>
+                      <a:r>
+                        <a:rPr lang="en-US" sz="2499" dirty="0">
+                          <a:solidFill>
+                            <a:srgbClr val="000000"/>
+                          </a:solidFill>
+                          <a:latin typeface="Bricolage Grotesque"/>
+                          <a:ea typeface="Bricolage Grotesque"/>
+                          <a:cs typeface="Bricolage Grotesque"/>
+                          <a:sym typeface="Bricolage Grotesque"/>
+                        </a:rPr>
+                        <a:t> HTML </a:t>
+                      </a:r>
+                      <a:r>
+                        <a:rPr lang="en-US" sz="2499" dirty="0" err="1">
+                          <a:solidFill>
+                            <a:srgbClr val="000000"/>
+                          </a:solidFill>
+                          <a:latin typeface="Bricolage Grotesque"/>
+                          <a:ea typeface="Bricolage Grotesque"/>
+                          <a:cs typeface="Bricolage Grotesque"/>
+                          <a:sym typeface="Bricolage Grotesque"/>
+                        </a:rPr>
+                        <a:t>và</a:t>
+                      </a:r>
+                      <a:r>
+                        <a:rPr lang="en-US" sz="2499" dirty="0">
+                          <a:solidFill>
+                            <a:srgbClr val="000000"/>
+                          </a:solidFill>
+                          <a:latin typeface="Bricolage Grotesque"/>
+                          <a:ea typeface="Bricolage Grotesque"/>
+                          <a:cs typeface="Bricolage Grotesque"/>
+                          <a:sym typeface="Bricolage Grotesque"/>
+                        </a:rPr>
+                        <a:t> C# </a:t>
+                      </a:r>
+                      <a:r>
+                        <a:rPr lang="en-US" sz="2499" dirty="0" err="1">
+                          <a:solidFill>
+                            <a:srgbClr val="000000"/>
+                          </a:solidFill>
+                          <a:latin typeface="Bricolage Grotesque"/>
+                          <a:ea typeface="Bricolage Grotesque"/>
+                          <a:cs typeface="Bricolage Grotesque"/>
+                          <a:sym typeface="Bricolage Grotesque"/>
+                        </a:rPr>
+                        <a:t>để</a:t>
+                      </a:r>
+                      <a:r>
+                        <a:rPr lang="en-US" sz="2499" dirty="0">
+                          <a:solidFill>
+                            <a:srgbClr val="000000"/>
+                          </a:solidFill>
+                          <a:latin typeface="Bricolage Grotesque"/>
+                          <a:ea typeface="Bricolage Grotesque"/>
+                          <a:cs typeface="Bricolage Grotesque"/>
+                          <a:sym typeface="Bricolage Grotesque"/>
+                        </a:rPr>
+                        <a:t> </a:t>
+                      </a:r>
+                      <a:r>
+                        <a:rPr lang="en-US" sz="2499" dirty="0" err="1">
+                          <a:solidFill>
+                            <a:srgbClr val="000000"/>
+                          </a:solidFill>
+                          <a:latin typeface="Bricolage Grotesque"/>
+                          <a:ea typeface="Bricolage Grotesque"/>
+                          <a:cs typeface="Bricolage Grotesque"/>
+                          <a:sym typeface="Bricolage Grotesque"/>
+                        </a:rPr>
+                        <a:t>tạo</a:t>
+                      </a:r>
+                      <a:r>
+                        <a:rPr lang="en-US" sz="2499" dirty="0">
+                          <a:solidFill>
+                            <a:srgbClr val="000000"/>
+                          </a:solidFill>
+                          <a:latin typeface="Bricolage Grotesque"/>
+                          <a:ea typeface="Bricolage Grotesque"/>
+                          <a:cs typeface="Bricolage Grotesque"/>
+                          <a:sym typeface="Bricolage Grotesque"/>
+                        </a:rPr>
+                        <a:t> </a:t>
+                      </a:r>
+                      <a:r>
+                        <a:rPr lang="en-US" sz="2499" dirty="0" err="1">
+                          <a:solidFill>
+                            <a:srgbClr val="000000"/>
+                          </a:solidFill>
+                          <a:latin typeface="Bricolage Grotesque"/>
+                          <a:ea typeface="Bricolage Grotesque"/>
+                          <a:cs typeface="Bricolage Grotesque"/>
+                          <a:sym typeface="Bricolage Grotesque"/>
+                        </a:rPr>
+                        <a:t>ra</a:t>
+                      </a:r>
+                      <a:r>
+                        <a:rPr lang="en-US" sz="2499" dirty="0">
+                          <a:solidFill>
+                            <a:srgbClr val="000000"/>
+                          </a:solidFill>
+                          <a:latin typeface="Bricolage Grotesque"/>
+                          <a:ea typeface="Bricolage Grotesque"/>
+                          <a:cs typeface="Bricolage Grotesque"/>
+                          <a:sym typeface="Bricolage Grotesque"/>
+                        </a:rPr>
+                        <a:t> </a:t>
+                      </a:r>
+                      <a:r>
+                        <a:rPr lang="en-US" sz="2499" dirty="0" err="1">
+                          <a:solidFill>
+                            <a:srgbClr val="000000"/>
+                          </a:solidFill>
+                          <a:latin typeface="Bricolage Grotesque"/>
+                          <a:ea typeface="Bricolage Grotesque"/>
+                          <a:cs typeface="Bricolage Grotesque"/>
+                          <a:sym typeface="Bricolage Grotesque"/>
+                        </a:rPr>
+                        <a:t>nội</a:t>
+                      </a:r>
+                      <a:r>
+                        <a:rPr lang="en-US" sz="2499" dirty="0">
+                          <a:solidFill>
+                            <a:srgbClr val="000000"/>
+                          </a:solidFill>
+                          <a:latin typeface="Bricolage Grotesque"/>
+                          <a:ea typeface="Bricolage Grotesque"/>
+                          <a:cs typeface="Bricolage Grotesque"/>
+                          <a:sym typeface="Bricolage Grotesque"/>
+                        </a:rPr>
+                        <a:t> dung </a:t>
+                      </a:r>
+                      <a:r>
+                        <a:rPr lang="en-US" sz="2499" dirty="0" err="1">
+                          <a:solidFill>
+                            <a:srgbClr val="000000"/>
+                          </a:solidFill>
+                          <a:latin typeface="Bricolage Grotesque"/>
+                          <a:ea typeface="Bricolage Grotesque"/>
+                          <a:cs typeface="Bricolage Grotesque"/>
+                          <a:sym typeface="Bricolage Grotesque"/>
+                        </a:rPr>
+                        <a:t>động</a:t>
+                      </a:r>
+                      <a:r>
+                        <a:rPr lang="en-US" sz="2499" dirty="0">
+                          <a:solidFill>
+                            <a:srgbClr val="000000"/>
+                          </a:solidFill>
+                          <a:latin typeface="Bricolage Grotesque"/>
+                          <a:ea typeface="Bricolage Grotesque"/>
+                          <a:cs typeface="Bricolage Grotesque"/>
+                          <a:sym typeface="Bricolage Grotesque"/>
+                        </a:rPr>
+                        <a:t>.</a:t>
                       </a:r>
                     </a:p>
                     <a:p>
@@ -7172,7 +10447,7 @@
                           <a:spcPts val="3749"/>
                         </a:lnSpc>
                       </a:pPr>
-                      <a:endParaRPr lang="en-US" sz="2499">
+                      <a:endParaRPr lang="en-US" sz="2499" dirty="0">
                         <a:solidFill>
                           <a:srgbClr val="000000"/>
                         </a:solidFill>
@@ -7191,16 +10466,172 @@
                         <a:buChar char="•"/>
                       </a:pPr>
                       <a:r>
-                        <a:rPr lang="en-US" sz="2499">
-                          <a:solidFill>
-                            <a:srgbClr val="000000"/>
-                          </a:solidFill>
-                          <a:latin typeface="Bricolage Grotesque"/>
-                          <a:ea typeface="Bricolage Grotesque"/>
-                          <a:cs typeface="Bricolage Grotesque"/>
-                          <a:sym typeface="Bricolage Grotesque"/>
-                        </a:rPr>
-                        <a:t>Hỗ trợ lập trình hai chiều (two-way data binding) thông qua model binding.</a:t>
+                        <a:rPr lang="en-US" sz="2499" dirty="0" err="1">
+                          <a:solidFill>
+                            <a:srgbClr val="000000"/>
+                          </a:solidFill>
+                          <a:latin typeface="Bricolage Grotesque"/>
+                          <a:ea typeface="Bricolage Grotesque"/>
+                          <a:cs typeface="Bricolage Grotesque"/>
+                          <a:sym typeface="Bricolage Grotesque"/>
+                        </a:rPr>
+                        <a:t>Hỗ</a:t>
+                      </a:r>
+                      <a:r>
+                        <a:rPr lang="en-US" sz="2499" dirty="0">
+                          <a:solidFill>
+                            <a:srgbClr val="000000"/>
+                          </a:solidFill>
+                          <a:latin typeface="Bricolage Grotesque"/>
+                          <a:ea typeface="Bricolage Grotesque"/>
+                          <a:cs typeface="Bricolage Grotesque"/>
+                          <a:sym typeface="Bricolage Grotesque"/>
+                        </a:rPr>
+                        <a:t> </a:t>
+                      </a:r>
+                      <a:r>
+                        <a:rPr lang="en-US" sz="2499" dirty="0" err="1">
+                          <a:solidFill>
+                            <a:srgbClr val="000000"/>
+                          </a:solidFill>
+                          <a:latin typeface="Bricolage Grotesque"/>
+                          <a:ea typeface="Bricolage Grotesque"/>
+                          <a:cs typeface="Bricolage Grotesque"/>
+                          <a:sym typeface="Bricolage Grotesque"/>
+                        </a:rPr>
+                        <a:t>trợ</a:t>
+                      </a:r>
+                      <a:r>
+                        <a:rPr lang="en-US" sz="2499" dirty="0">
+                          <a:solidFill>
+                            <a:srgbClr val="000000"/>
+                          </a:solidFill>
+                          <a:latin typeface="Bricolage Grotesque"/>
+                          <a:ea typeface="Bricolage Grotesque"/>
+                          <a:cs typeface="Bricolage Grotesque"/>
+                          <a:sym typeface="Bricolage Grotesque"/>
+                        </a:rPr>
+                        <a:t> </a:t>
+                      </a:r>
+                      <a:r>
+                        <a:rPr lang="en-US" sz="2499" dirty="0" err="1">
+                          <a:solidFill>
+                            <a:srgbClr val="000000"/>
+                          </a:solidFill>
+                          <a:latin typeface="Bricolage Grotesque"/>
+                          <a:ea typeface="Bricolage Grotesque"/>
+                          <a:cs typeface="Bricolage Grotesque"/>
+                          <a:sym typeface="Bricolage Grotesque"/>
+                        </a:rPr>
+                        <a:t>lập</a:t>
+                      </a:r>
+                      <a:r>
+                        <a:rPr lang="en-US" sz="2499" dirty="0">
+                          <a:solidFill>
+                            <a:srgbClr val="000000"/>
+                          </a:solidFill>
+                          <a:latin typeface="Bricolage Grotesque"/>
+                          <a:ea typeface="Bricolage Grotesque"/>
+                          <a:cs typeface="Bricolage Grotesque"/>
+                          <a:sym typeface="Bricolage Grotesque"/>
+                        </a:rPr>
+                        <a:t> </a:t>
+                      </a:r>
+                      <a:r>
+                        <a:rPr lang="en-US" sz="2499" dirty="0" err="1">
+                          <a:solidFill>
+                            <a:srgbClr val="000000"/>
+                          </a:solidFill>
+                          <a:latin typeface="Bricolage Grotesque"/>
+                          <a:ea typeface="Bricolage Grotesque"/>
+                          <a:cs typeface="Bricolage Grotesque"/>
+                          <a:sym typeface="Bricolage Grotesque"/>
+                        </a:rPr>
+                        <a:t>trình</a:t>
+                      </a:r>
+                      <a:r>
+                        <a:rPr lang="en-US" sz="2499" dirty="0">
+                          <a:solidFill>
+                            <a:srgbClr val="000000"/>
+                          </a:solidFill>
+                          <a:latin typeface="Bricolage Grotesque"/>
+                          <a:ea typeface="Bricolage Grotesque"/>
+                          <a:cs typeface="Bricolage Grotesque"/>
+                          <a:sym typeface="Bricolage Grotesque"/>
+                        </a:rPr>
+                        <a:t> </a:t>
+                      </a:r>
+                      <a:r>
+                        <a:rPr lang="en-US" sz="2499" dirty="0" err="1">
+                          <a:solidFill>
+                            <a:srgbClr val="000000"/>
+                          </a:solidFill>
+                          <a:latin typeface="Bricolage Grotesque"/>
+                          <a:ea typeface="Bricolage Grotesque"/>
+                          <a:cs typeface="Bricolage Grotesque"/>
+                          <a:sym typeface="Bricolage Grotesque"/>
+                        </a:rPr>
+                        <a:t>hai</a:t>
+                      </a:r>
+                      <a:r>
+                        <a:rPr lang="en-US" sz="2499" dirty="0">
+                          <a:solidFill>
+                            <a:srgbClr val="000000"/>
+                          </a:solidFill>
+                          <a:latin typeface="Bricolage Grotesque"/>
+                          <a:ea typeface="Bricolage Grotesque"/>
+                          <a:cs typeface="Bricolage Grotesque"/>
+                          <a:sym typeface="Bricolage Grotesque"/>
+                        </a:rPr>
+                        <a:t> </a:t>
+                      </a:r>
+                      <a:r>
+                        <a:rPr lang="en-US" sz="2499" dirty="0" err="1">
+                          <a:solidFill>
+                            <a:srgbClr val="000000"/>
+                          </a:solidFill>
+                          <a:latin typeface="Bricolage Grotesque"/>
+                          <a:ea typeface="Bricolage Grotesque"/>
+                          <a:cs typeface="Bricolage Grotesque"/>
+                          <a:sym typeface="Bricolage Grotesque"/>
+                        </a:rPr>
+                        <a:t>chiều</a:t>
+                      </a:r>
+                      <a:r>
+                        <a:rPr lang="en-US" sz="2499" dirty="0">
+                          <a:solidFill>
+                            <a:srgbClr val="000000"/>
+                          </a:solidFill>
+                          <a:latin typeface="Bricolage Grotesque"/>
+                          <a:ea typeface="Bricolage Grotesque"/>
+                          <a:cs typeface="Bricolage Grotesque"/>
+                          <a:sym typeface="Bricolage Grotesque"/>
+                        </a:rPr>
+                        <a:t> (two-way data binding) </a:t>
+                      </a:r>
+                      <a:r>
+                        <a:rPr lang="en-US" sz="2499" dirty="0" err="1">
+                          <a:solidFill>
+                            <a:srgbClr val="000000"/>
+                          </a:solidFill>
+                          <a:latin typeface="Bricolage Grotesque"/>
+                          <a:ea typeface="Bricolage Grotesque"/>
+                          <a:cs typeface="Bricolage Grotesque"/>
+                          <a:sym typeface="Bricolage Grotesque"/>
+                        </a:rPr>
+                        <a:t>thông</a:t>
+                      </a:r>
+                      <a:r>
+                        <a:rPr lang="en-US" sz="2499" dirty="0">
+                          <a:solidFill>
+                            <a:srgbClr val="000000"/>
+                          </a:solidFill>
+                          <a:latin typeface="Bricolage Grotesque"/>
+                          <a:ea typeface="Bricolage Grotesque"/>
+                          <a:cs typeface="Bricolage Grotesque"/>
+                          <a:sym typeface="Bricolage Grotesque"/>
+                        </a:rPr>
+                        <a:t> qua model binding.</a:t>
                       </a:r>
                     </a:p>
                     <a:p>
@@ -7209,7 +10640,7 @@
                           <a:spcPts val="3749"/>
                         </a:lnSpc>
                       </a:pPr>
-                      <a:endParaRPr lang="en-US" sz="2499">
+                      <a:endParaRPr lang="en-US" sz="2499" dirty="0">
                         <a:solidFill>
                           <a:srgbClr val="000000"/>
                         </a:solidFill>
@@ -7228,16 +10659,268 @@
                         <a:buChar char="•"/>
                       </a:pPr>
                       <a:r>
-                        <a:rPr lang="en-US" sz="2499">
-                          <a:solidFill>
-                            <a:srgbClr val="000000"/>
-                          </a:solidFill>
-                          <a:latin typeface="Bricolage Grotesque"/>
-                          <a:ea typeface="Bricolage Grotesque"/>
-                          <a:cs typeface="Bricolage Grotesque"/>
-                          <a:sym typeface="Bricolage Grotesque"/>
-                        </a:rPr>
-                        <a:t>Thường sử dụng với các controller để xử lý logic và trả về view.</a:t>
+                        <a:rPr lang="en-US" sz="2499" dirty="0" err="1">
+                          <a:solidFill>
+                            <a:srgbClr val="000000"/>
+                          </a:solidFill>
+                          <a:latin typeface="Bricolage Grotesque"/>
+                          <a:ea typeface="Bricolage Grotesque"/>
+                          <a:cs typeface="Bricolage Grotesque"/>
+                          <a:sym typeface="Bricolage Grotesque"/>
+                        </a:rPr>
+                        <a:t>Thường</a:t>
+                      </a:r>
+                      <a:r>
+                        <a:rPr lang="en-US" sz="2499" dirty="0">
+                          <a:solidFill>
+                            <a:srgbClr val="000000"/>
+                          </a:solidFill>
+                          <a:latin typeface="Bricolage Grotesque"/>
+                          <a:ea typeface="Bricolage Grotesque"/>
+                          <a:cs typeface="Bricolage Grotesque"/>
+                          <a:sym typeface="Bricolage Grotesque"/>
+                        </a:rPr>
+                        <a:t> </a:t>
+                      </a:r>
+                      <a:r>
+                        <a:rPr lang="en-US" sz="2499" dirty="0" err="1">
+                          <a:solidFill>
+                            <a:srgbClr val="000000"/>
+                          </a:solidFill>
+                          <a:latin typeface="Bricolage Grotesque"/>
+                          <a:ea typeface="Bricolage Grotesque"/>
+                          <a:cs typeface="Bricolage Grotesque"/>
+                          <a:sym typeface="Bricolage Grotesque"/>
+                        </a:rPr>
+                        <a:t>sử</a:t>
+                      </a:r>
+                      <a:r>
+                        <a:rPr lang="en-US" sz="2499" dirty="0">
+                          <a:solidFill>
+                            <a:srgbClr val="000000"/>
+                          </a:solidFill>
+                          <a:latin typeface="Bricolage Grotesque"/>
+                          <a:ea typeface="Bricolage Grotesque"/>
+                          <a:cs typeface="Bricolage Grotesque"/>
+                          <a:sym typeface="Bricolage Grotesque"/>
+                        </a:rPr>
+                        <a:t> </a:t>
+                      </a:r>
+                      <a:r>
+                        <a:rPr lang="en-US" sz="2499" dirty="0" err="1">
+                          <a:solidFill>
+                            <a:srgbClr val="000000"/>
+                          </a:solidFill>
+                          <a:latin typeface="Bricolage Grotesque"/>
+                          <a:ea typeface="Bricolage Grotesque"/>
+                          <a:cs typeface="Bricolage Grotesque"/>
+                          <a:sym typeface="Bricolage Grotesque"/>
+                        </a:rPr>
+                        <a:t>dụng</a:t>
+                      </a:r>
+                      <a:r>
+                        <a:rPr lang="en-US" sz="2499" dirty="0">
+                          <a:solidFill>
+                            <a:srgbClr val="000000"/>
+                          </a:solidFill>
+                          <a:latin typeface="Bricolage Grotesque"/>
+                          <a:ea typeface="Bricolage Grotesque"/>
+                          <a:cs typeface="Bricolage Grotesque"/>
+                          <a:sym typeface="Bricolage Grotesque"/>
+                        </a:rPr>
+                        <a:t> </a:t>
+                      </a:r>
+                      <a:r>
+                        <a:rPr lang="en-US" sz="2499" dirty="0" err="1">
+                          <a:solidFill>
+                            <a:srgbClr val="000000"/>
+                          </a:solidFill>
+                          <a:latin typeface="Bricolage Grotesque"/>
+                          <a:ea typeface="Bricolage Grotesque"/>
+                          <a:cs typeface="Bricolage Grotesque"/>
+                          <a:sym typeface="Bricolage Grotesque"/>
+                        </a:rPr>
+                        <a:t>với</a:t>
+                      </a:r>
+                      <a:r>
+                        <a:rPr lang="en-US" sz="2499" dirty="0">
+                          <a:solidFill>
+                            <a:srgbClr val="000000"/>
+                          </a:solidFill>
+                          <a:latin typeface="Bricolage Grotesque"/>
+                          <a:ea typeface="Bricolage Grotesque"/>
+                          <a:cs typeface="Bricolage Grotesque"/>
+                          <a:sym typeface="Bricolage Grotesque"/>
+                        </a:rPr>
+                        <a:t> </a:t>
+                      </a:r>
+                      <a:r>
+                        <a:rPr lang="en-US" sz="2499" dirty="0" err="1">
+                          <a:solidFill>
+                            <a:srgbClr val="000000"/>
+                          </a:solidFill>
+                          <a:latin typeface="Bricolage Grotesque"/>
+                          <a:ea typeface="Bricolage Grotesque"/>
+                          <a:cs typeface="Bricolage Grotesque"/>
+                          <a:sym typeface="Bricolage Grotesque"/>
+                        </a:rPr>
+                        <a:t>các</a:t>
+                      </a:r>
+                      <a:r>
+                        <a:rPr lang="en-US" sz="2499" dirty="0">
+                          <a:solidFill>
+                            <a:srgbClr val="000000"/>
+                          </a:solidFill>
+                          <a:latin typeface="Bricolage Grotesque"/>
+                          <a:ea typeface="Bricolage Grotesque"/>
+                          <a:cs typeface="Bricolage Grotesque"/>
+                          <a:sym typeface="Bricolage Grotesque"/>
+                        </a:rPr>
+                        <a:t> controller </a:t>
+                      </a:r>
+                      <a:r>
+                        <a:rPr lang="en-US" sz="2499" dirty="0" err="1">
+                          <a:solidFill>
+                            <a:srgbClr val="000000"/>
+                          </a:solidFill>
+                          <a:latin typeface="Bricolage Grotesque"/>
+                          <a:ea typeface="Bricolage Grotesque"/>
+                          <a:cs typeface="Bricolage Grotesque"/>
+                          <a:sym typeface="Bricolage Grotesque"/>
+                        </a:rPr>
+                        <a:t>để</a:t>
+                      </a:r>
+                      <a:r>
+                        <a:rPr lang="en-US" sz="2499" dirty="0">
+                          <a:solidFill>
+                            <a:srgbClr val="000000"/>
+                          </a:solidFill>
+                          <a:latin typeface="Bricolage Grotesque"/>
+                          <a:ea typeface="Bricolage Grotesque"/>
+                          <a:cs typeface="Bricolage Grotesque"/>
+                          <a:sym typeface="Bricolage Grotesque"/>
+                        </a:rPr>
+                        <a:t> </a:t>
+                      </a:r>
+                      <a:r>
+                        <a:rPr lang="en-US" sz="2499" dirty="0" err="1">
+                          <a:solidFill>
+                            <a:srgbClr val="000000"/>
+                          </a:solidFill>
+                          <a:latin typeface="Bricolage Grotesque"/>
+                          <a:ea typeface="Bricolage Grotesque"/>
+                          <a:cs typeface="Bricolage Grotesque"/>
+                          <a:sym typeface="Bricolage Grotesque"/>
+                        </a:rPr>
+                        <a:t>xử</a:t>
+                      </a:r>
+                      <a:r>
+                        <a:rPr lang="en-US" sz="2499" dirty="0">
+                          <a:solidFill>
+                            <a:srgbClr val="000000"/>
+                          </a:solidFill>
+                          <a:latin typeface="Bricolage Grotesque"/>
+                          <a:ea typeface="Bricolage Grotesque"/>
+                          <a:cs typeface="Bricolage Grotesque"/>
+                          <a:sym typeface="Bricolage Grotesque"/>
+                        </a:rPr>
+                        <a:t> </a:t>
+                      </a:r>
+                      <a:r>
+                        <a:rPr lang="en-US" sz="2499" dirty="0" err="1">
+                          <a:solidFill>
+                            <a:srgbClr val="000000"/>
+                          </a:solidFill>
+                          <a:latin typeface="Bricolage Grotesque"/>
+                          <a:ea typeface="Bricolage Grotesque"/>
+                          <a:cs typeface="Bricolage Grotesque"/>
+                          <a:sym typeface="Bricolage Grotesque"/>
+                        </a:rPr>
+                        <a:t>lý</a:t>
+                      </a:r>
+                      <a:r>
+                        <a:rPr lang="en-US" sz="2499" dirty="0">
+                          <a:solidFill>
+                            <a:srgbClr val="000000"/>
+                          </a:solidFill>
+                          <a:latin typeface="Bricolage Grotesque"/>
+                          <a:ea typeface="Bricolage Grotesque"/>
+                          <a:cs typeface="Bricolage Grotesque"/>
+                          <a:sym typeface="Bricolage Grotesque"/>
+                        </a:rPr>
+                        <a:t> logic </a:t>
+                      </a:r>
+                      <a:r>
+                        <a:rPr lang="en-US" sz="2499" dirty="0" err="1">
+                          <a:solidFill>
+                            <a:srgbClr val="000000"/>
+                          </a:solidFill>
+                          <a:latin typeface="Bricolage Grotesque"/>
+                          <a:ea typeface="Bricolage Grotesque"/>
+                          <a:cs typeface="Bricolage Grotesque"/>
+                          <a:sym typeface="Bricolage Grotesque"/>
+                        </a:rPr>
+                        <a:t>và</a:t>
+                      </a:r>
+                      <a:r>
+                        <a:rPr lang="en-US" sz="2499" dirty="0">
+                          <a:solidFill>
+                            <a:srgbClr val="000000"/>
+                          </a:solidFill>
+                          <a:latin typeface="Bricolage Grotesque"/>
+                          <a:ea typeface="Bricolage Grotesque"/>
+                          <a:cs typeface="Bricolage Grotesque"/>
+                          <a:sym typeface="Bricolage Grotesque"/>
+                        </a:rPr>
+                        <a:t> </a:t>
+                      </a:r>
+                      <a:r>
+                        <a:rPr lang="en-US" sz="2499" dirty="0" err="1">
+                          <a:solidFill>
+                            <a:srgbClr val="000000"/>
+                          </a:solidFill>
+                          <a:latin typeface="Bricolage Grotesque"/>
+                          <a:ea typeface="Bricolage Grotesque"/>
+                          <a:cs typeface="Bricolage Grotesque"/>
+                          <a:sym typeface="Bricolage Grotesque"/>
+                        </a:rPr>
+                        <a:t>trả</a:t>
+                      </a:r>
+                      <a:r>
+                        <a:rPr lang="en-US" sz="2499" dirty="0">
+                          <a:solidFill>
+                            <a:srgbClr val="000000"/>
+                          </a:solidFill>
+                          <a:latin typeface="Bricolage Grotesque"/>
+                          <a:ea typeface="Bricolage Grotesque"/>
+                          <a:cs typeface="Bricolage Grotesque"/>
+                          <a:sym typeface="Bricolage Grotesque"/>
+                        </a:rPr>
+                        <a:t> </a:t>
+                      </a:r>
+                      <a:r>
+                        <a:rPr lang="en-US" sz="2499" dirty="0" err="1">
+                          <a:solidFill>
+                            <a:srgbClr val="000000"/>
+                          </a:solidFill>
+                          <a:latin typeface="Bricolage Grotesque"/>
+                          <a:ea typeface="Bricolage Grotesque"/>
+                          <a:cs typeface="Bricolage Grotesque"/>
+                          <a:sym typeface="Bricolage Grotesque"/>
+                        </a:rPr>
+                        <a:t>về</a:t>
+                      </a:r>
+                      <a:r>
+                        <a:rPr lang="en-US" sz="2499" dirty="0">
+                          <a:solidFill>
+                            <a:srgbClr val="000000"/>
+                          </a:solidFill>
+                          <a:latin typeface="Bricolage Grotesque"/>
+                          <a:ea typeface="Bricolage Grotesque"/>
+                          <a:cs typeface="Bricolage Grotesque"/>
+                          <a:sym typeface="Bricolage Grotesque"/>
+                        </a:rPr>
+                        <a:t> view.</a:t>
                       </a:r>
                     </a:p>
                   </a:txBody>
@@ -7346,7 +11029,7 @@
 </p:sld>
 </file>
 
-<file path=ppt/slides/slide4.xml><?xml version="1.0" encoding="utf-8"?>
+<file path=ppt/slides/slide5.xml><?xml version="1.0" encoding="utf-8"?>
 <p:sld xmlns:a="http://schemas.openxmlformats.org/drawingml/2006/main" xmlns:r="http://schemas.openxmlformats.org/officeDocument/2006/relationships" xmlns:p="http://schemas.openxmlformats.org/presentationml/2006/main">
   <p:cSld>
     <p:bg>
@@ -7444,7 +11127,7 @@
               <a:buChar char="•"/>
             </a:pPr>
             <a:r>
-              <a:rPr lang="en-US" sz="3000" b="1">
+              <a:rPr lang="en-US" sz="3000" b="1" dirty="0" err="1">
                 <a:solidFill>
                   <a:srgbClr val="1E293B"/>
                 </a:solidFill>
@@ -7453,19 +11136,295 @@
                 <a:cs typeface="Bricolage Grotesque Bold"/>
                 <a:sym typeface="Bricolage Grotesque Bold"/>
               </a:rPr>
-              <a:t>Cú pháp giống HTML:</a:t>
-            </a:r>
-            <a:r>
-              <a:rPr lang="en-US" sz="3000">
-                <a:solidFill>
-                  <a:srgbClr val="1E293B"/>
-                </a:solidFill>
-                <a:latin typeface="Bricolage Grotesque"/>
-                <a:ea typeface="Bricolage Grotesque"/>
-                <a:cs typeface="Bricolage Grotesque"/>
-                <a:sym typeface="Bricolage Grotesque"/>
-              </a:rPr>
-              <a:t> JSX cho phép bạn viết mã giống như HTML bên trong JavaScript</a:t>
+              <a:t>Cú</a:t>
+            </a:r>
+            <a:r>
+              <a:rPr lang="en-US" sz="3000" b="1" dirty="0">
+                <a:solidFill>
+                  <a:srgbClr val="1E293B"/>
+                </a:solidFill>
+                <a:latin typeface="Bricolage Grotesque Bold"/>
+                <a:ea typeface="Bricolage Grotesque Bold"/>
+                <a:cs typeface="Bricolage Grotesque Bold"/>
+                <a:sym typeface="Bricolage Grotesque Bold"/>
+              </a:rPr>
+              <a:t> </a:t>
+            </a:r>
+            <a:r>
+              <a:rPr lang="en-US" sz="3000" b="1" dirty="0" err="1">
+                <a:solidFill>
+                  <a:srgbClr val="1E293B"/>
+                </a:solidFill>
+                <a:latin typeface="Bricolage Grotesque Bold"/>
+                <a:ea typeface="Bricolage Grotesque Bold"/>
+                <a:cs typeface="Bricolage Grotesque Bold"/>
+                <a:sym typeface="Bricolage Grotesque Bold"/>
+              </a:rPr>
+              <a:t>pháp</a:t>
+            </a:r>
+            <a:r>
+              <a:rPr lang="en-US" sz="3000" b="1" dirty="0">
+                <a:solidFill>
+                  <a:srgbClr val="1E293B"/>
+                </a:solidFill>
+                <a:latin typeface="Bricolage Grotesque Bold"/>
+                <a:ea typeface="Bricolage Grotesque Bold"/>
+                <a:cs typeface="Bricolage Grotesque Bold"/>
+                <a:sym typeface="Bricolage Grotesque Bold"/>
+              </a:rPr>
+              <a:t> </a:t>
+            </a:r>
+            <a:r>
+              <a:rPr lang="en-US" sz="3000" b="1" dirty="0" err="1">
+                <a:solidFill>
+                  <a:srgbClr val="1E293B"/>
+                </a:solidFill>
+                <a:latin typeface="Bricolage Grotesque Bold"/>
+                <a:ea typeface="Bricolage Grotesque Bold"/>
+                <a:cs typeface="Bricolage Grotesque Bold"/>
+                <a:sym typeface="Bricolage Grotesque Bold"/>
+              </a:rPr>
+              <a:t>giống</a:t>
+            </a:r>
+            <a:r>
+              <a:rPr lang="en-US" sz="3000" b="1" dirty="0">
+                <a:solidFill>
+                  <a:srgbClr val="1E293B"/>
+                </a:solidFill>
+                <a:latin typeface="Bricolage Grotesque Bold"/>
+                <a:ea typeface="Bricolage Grotesque Bold"/>
+                <a:cs typeface="Bricolage Grotesque Bold"/>
+                <a:sym typeface="Bricolage Grotesque Bold"/>
+              </a:rPr>
+              <a:t> HTML:</a:t>
+            </a:r>
+            <a:r>
+              <a:rPr lang="en-US" sz="3000" dirty="0">
+                <a:solidFill>
+                  <a:srgbClr val="1E293B"/>
+                </a:solidFill>
+                <a:latin typeface="Bricolage Grotesque"/>
+                <a:ea typeface="Bricolage Grotesque"/>
+                <a:cs typeface="Bricolage Grotesque"/>
+                <a:sym typeface="Bricolage Grotesque"/>
+              </a:rPr>
+              <a:t> JSX </a:t>
+            </a:r>
+            <a:r>
+              <a:rPr lang="en-US" sz="3000" dirty="0" err="1">
+                <a:solidFill>
+                  <a:srgbClr val="1E293B"/>
+                </a:solidFill>
+                <a:latin typeface="Bricolage Grotesque"/>
+                <a:ea typeface="Bricolage Grotesque"/>
+                <a:cs typeface="Bricolage Grotesque"/>
+                <a:sym typeface="Bricolage Grotesque"/>
+              </a:rPr>
+              <a:t>cho</a:t>
+            </a:r>
+            <a:r>
+              <a:rPr lang="en-US" sz="3000" dirty="0">
+                <a:solidFill>
+                  <a:srgbClr val="1E293B"/>
+                </a:solidFill>
+                <a:latin typeface="Bricolage Grotesque"/>
+                <a:ea typeface="Bricolage Grotesque"/>
+                <a:cs typeface="Bricolage Grotesque"/>
+                <a:sym typeface="Bricolage Grotesque"/>
+              </a:rPr>
+              <a:t> </a:t>
+            </a:r>
+            <a:r>
+              <a:rPr lang="en-US" sz="3000" dirty="0" err="1">
+                <a:solidFill>
+                  <a:srgbClr val="1E293B"/>
+                </a:solidFill>
+                <a:latin typeface="Bricolage Grotesque"/>
+                <a:ea typeface="Bricolage Grotesque"/>
+                <a:cs typeface="Bricolage Grotesque"/>
+                <a:sym typeface="Bricolage Grotesque"/>
+              </a:rPr>
+              <a:t>phép</a:t>
+            </a:r>
+            <a:r>
+              <a:rPr lang="en-US" sz="3000" dirty="0">
+                <a:solidFill>
+                  <a:srgbClr val="1E293B"/>
+                </a:solidFill>
+                <a:latin typeface="Bricolage Grotesque"/>
+                <a:ea typeface="Bricolage Grotesque"/>
+                <a:cs typeface="Bricolage Grotesque"/>
+                <a:sym typeface="Bricolage Grotesque"/>
+              </a:rPr>
+              <a:t> </a:t>
+            </a:r>
+            <a:r>
+              <a:rPr lang="en-US" sz="3000" dirty="0" err="1">
+                <a:solidFill>
+                  <a:srgbClr val="1E293B"/>
+                </a:solidFill>
+                <a:latin typeface="Bricolage Grotesque"/>
+                <a:ea typeface="Bricolage Grotesque"/>
+                <a:cs typeface="Bricolage Grotesque"/>
+                <a:sym typeface="Bricolage Grotesque"/>
+              </a:rPr>
+              <a:t>bạn</a:t>
+            </a:r>
+            <a:r>
+              <a:rPr lang="en-US" sz="3000" dirty="0">
+                <a:solidFill>
+                  <a:srgbClr val="1E293B"/>
+                </a:solidFill>
+                <a:latin typeface="Bricolage Grotesque"/>
+                <a:ea typeface="Bricolage Grotesque"/>
+                <a:cs typeface="Bricolage Grotesque"/>
+                <a:sym typeface="Bricolage Grotesque"/>
+              </a:rPr>
+              <a:t> </a:t>
+            </a:r>
+            <a:r>
+              <a:rPr lang="en-US" sz="3000" dirty="0" err="1">
+                <a:solidFill>
+                  <a:srgbClr val="1E293B"/>
+                </a:solidFill>
+                <a:latin typeface="Bricolage Grotesque"/>
+                <a:ea typeface="Bricolage Grotesque"/>
+                <a:cs typeface="Bricolage Grotesque"/>
+                <a:sym typeface="Bricolage Grotesque"/>
+              </a:rPr>
+              <a:t>viết</a:t>
+            </a:r>
+            <a:r>
+              <a:rPr lang="en-US" sz="3000" dirty="0">
+                <a:solidFill>
+                  <a:srgbClr val="1E293B"/>
+                </a:solidFill>
+                <a:latin typeface="Bricolage Grotesque"/>
+                <a:ea typeface="Bricolage Grotesque"/>
+                <a:cs typeface="Bricolage Grotesque"/>
+                <a:sym typeface="Bricolage Grotesque"/>
+              </a:rPr>
+              <a:t> </a:t>
+            </a:r>
+            <a:r>
+              <a:rPr lang="en-US" sz="3000" dirty="0" err="1">
+                <a:solidFill>
+                  <a:srgbClr val="1E293B"/>
+                </a:solidFill>
+                <a:latin typeface="Bricolage Grotesque"/>
+                <a:ea typeface="Bricolage Grotesque"/>
+                <a:cs typeface="Bricolage Grotesque"/>
+                <a:sym typeface="Bricolage Grotesque"/>
+              </a:rPr>
+              <a:t>mã</a:t>
+            </a:r>
+            <a:r>
+              <a:rPr lang="en-US" sz="3000" dirty="0">
+                <a:solidFill>
+                  <a:srgbClr val="1E293B"/>
+                </a:solidFill>
+                <a:latin typeface="Bricolage Grotesque"/>
+                <a:ea typeface="Bricolage Grotesque"/>
+                <a:cs typeface="Bricolage Grotesque"/>
+                <a:sym typeface="Bricolage Grotesque"/>
+              </a:rPr>
+              <a:t> </a:t>
+            </a:r>
+            <a:r>
+              <a:rPr lang="en-US" sz="3000" dirty="0" err="1">
+                <a:solidFill>
+                  <a:srgbClr val="1E293B"/>
+                </a:solidFill>
+                <a:latin typeface="Bricolage Grotesque"/>
+                <a:ea typeface="Bricolage Grotesque"/>
+                <a:cs typeface="Bricolage Grotesque"/>
+                <a:sym typeface="Bricolage Grotesque"/>
+              </a:rPr>
+              <a:t>giống</a:t>
+            </a:r>
+            <a:r>
+              <a:rPr lang="en-US" sz="3000" dirty="0">
+                <a:solidFill>
+                  <a:srgbClr val="1E293B"/>
+                </a:solidFill>
+                <a:latin typeface="Bricolage Grotesque"/>
+                <a:ea typeface="Bricolage Grotesque"/>
+                <a:cs typeface="Bricolage Grotesque"/>
+                <a:sym typeface="Bricolage Grotesque"/>
+              </a:rPr>
+              <a:t> </a:t>
+            </a:r>
+            <a:r>
+              <a:rPr lang="en-US" sz="3000" dirty="0" err="1">
+                <a:solidFill>
+                  <a:srgbClr val="1E293B"/>
+                </a:solidFill>
+                <a:latin typeface="Bricolage Grotesque"/>
+                <a:ea typeface="Bricolage Grotesque"/>
+                <a:cs typeface="Bricolage Grotesque"/>
+                <a:sym typeface="Bricolage Grotesque"/>
+              </a:rPr>
+              <a:t>như</a:t>
+            </a:r>
+            <a:r>
+              <a:rPr lang="en-US" sz="3000" dirty="0">
+                <a:solidFill>
+                  <a:srgbClr val="1E293B"/>
+                </a:solidFill>
+                <a:latin typeface="Bricolage Grotesque"/>
+                <a:ea typeface="Bricolage Grotesque"/>
+                <a:cs typeface="Bricolage Grotesque"/>
+                <a:sym typeface="Bricolage Grotesque"/>
+              </a:rPr>
+              <a:t> HTML </a:t>
+            </a:r>
+            <a:r>
+              <a:rPr lang="en-US" sz="3000" dirty="0" err="1">
+                <a:solidFill>
+                  <a:srgbClr val="1E293B"/>
+                </a:solidFill>
+                <a:latin typeface="Bricolage Grotesque"/>
+                <a:ea typeface="Bricolage Grotesque"/>
+                <a:cs typeface="Bricolage Grotesque"/>
+                <a:sym typeface="Bricolage Grotesque"/>
+              </a:rPr>
+              <a:t>bên</a:t>
+            </a:r>
+            <a:r>
+              <a:rPr lang="en-US" sz="3000" dirty="0">
+                <a:solidFill>
+                  <a:srgbClr val="1E293B"/>
+                </a:solidFill>
+                <a:latin typeface="Bricolage Grotesque"/>
+                <a:ea typeface="Bricolage Grotesque"/>
+                <a:cs typeface="Bricolage Grotesque"/>
+                <a:sym typeface="Bricolage Grotesque"/>
+              </a:rPr>
+              <a:t> </a:t>
+            </a:r>
+            <a:r>
+              <a:rPr lang="en-US" sz="3000" dirty="0" err="1">
+                <a:solidFill>
+                  <a:srgbClr val="1E293B"/>
+                </a:solidFill>
+                <a:latin typeface="Bricolage Grotesque"/>
+                <a:ea typeface="Bricolage Grotesque"/>
+                <a:cs typeface="Bricolage Grotesque"/>
+                <a:sym typeface="Bricolage Grotesque"/>
+              </a:rPr>
+              <a:t>trong</a:t>
+            </a:r>
+            <a:r>
+              <a:rPr lang="en-US" sz="3000" dirty="0">
+                <a:solidFill>
+                  <a:srgbClr val="1E293B"/>
+                </a:solidFill>
+                <a:latin typeface="Bricolage Grotesque"/>
+                <a:ea typeface="Bricolage Grotesque"/>
+                <a:cs typeface="Bricolage Grotesque"/>
+                <a:sym typeface="Bricolage Grotesque"/>
+              </a:rPr>
+              <a:t> JavaScript</a:t>
             </a:r>
           </a:p>
           <a:p>
@@ -7474,7 +11433,7 @@
                 <a:spcPts val="4500"/>
               </a:lnSpc>
             </a:pPr>
-            <a:endParaRPr lang="en-US" sz="3000">
+            <a:endParaRPr lang="en-US" sz="3000" dirty="0">
               <a:solidFill>
                 <a:srgbClr val="1E293B"/>
               </a:solidFill>
@@ -7493,7 +11452,7 @@
               <a:buChar char="•"/>
             </a:pPr>
             <a:r>
-              <a:rPr lang="en-US" sz="3000" b="1">
+              <a:rPr lang="en-US" sz="3000" b="1" dirty="0" err="1">
                 <a:solidFill>
                   <a:srgbClr val="1E293B"/>
                 </a:solidFill>
@@ -7502,19 +11461,451 @@
                 <a:cs typeface="Bricolage Grotesque Bold"/>
                 <a:sym typeface="Bricolage Grotesque Bold"/>
               </a:rPr>
-              <a:t>Kết hợp JavaScript và HTML: </a:t>
-            </a:r>
-            <a:r>
-              <a:rPr lang="en-US" sz="3000">
-                <a:solidFill>
-                  <a:srgbClr val="1E293B"/>
-                </a:solidFill>
-                <a:latin typeface="Bricolage Grotesque"/>
-                <a:ea typeface="Bricolage Grotesque"/>
-                <a:cs typeface="Bricolage Grotesque"/>
-                <a:sym typeface="Bricolage Grotesque"/>
-              </a:rPr>
-              <a:t>Bạn có thể nhúng các biểu thức JavaScript vào trong JSX bằng cách sử dụng dấu ngoặc nhọn {}.</a:t>
+              <a:t>Kết</a:t>
+            </a:r>
+            <a:r>
+              <a:rPr lang="en-US" sz="3000" b="1" dirty="0">
+                <a:solidFill>
+                  <a:srgbClr val="1E293B"/>
+                </a:solidFill>
+                <a:latin typeface="Bricolage Grotesque Bold"/>
+                <a:ea typeface="Bricolage Grotesque Bold"/>
+                <a:cs typeface="Bricolage Grotesque Bold"/>
+                <a:sym typeface="Bricolage Grotesque Bold"/>
+              </a:rPr>
+              <a:t> </a:t>
+            </a:r>
+            <a:r>
+              <a:rPr lang="en-US" sz="3000" b="1" dirty="0" err="1">
+                <a:solidFill>
+                  <a:srgbClr val="1E293B"/>
+                </a:solidFill>
+                <a:latin typeface="Bricolage Grotesque Bold"/>
+                <a:ea typeface="Bricolage Grotesque Bold"/>
+                <a:cs typeface="Bricolage Grotesque Bold"/>
+                <a:sym typeface="Bricolage Grotesque Bold"/>
+              </a:rPr>
+              <a:t>hợp</a:t>
+            </a:r>
+            <a:r>
+              <a:rPr lang="en-US" sz="3000" b="1" dirty="0">
+                <a:solidFill>
+                  <a:srgbClr val="1E293B"/>
+                </a:solidFill>
+                <a:latin typeface="Bricolage Grotesque Bold"/>
+                <a:ea typeface="Bricolage Grotesque Bold"/>
+                <a:cs typeface="Bricolage Grotesque Bold"/>
+                <a:sym typeface="Bricolage Grotesque Bold"/>
+              </a:rPr>
+              <a:t> JavaScript </a:t>
+            </a:r>
+            <a:r>
+              <a:rPr lang="en-US" sz="3000" b="1" dirty="0" err="1">
+                <a:solidFill>
+                  <a:srgbClr val="1E293B"/>
+                </a:solidFill>
+                <a:latin typeface="Bricolage Grotesque Bold"/>
+                <a:ea typeface="Bricolage Grotesque Bold"/>
+                <a:cs typeface="Bricolage Grotesque Bold"/>
+                <a:sym typeface="Bricolage Grotesque Bold"/>
+              </a:rPr>
+              <a:t>và</a:t>
+            </a:r>
+            <a:r>
+              <a:rPr lang="en-US" sz="3000" b="1" dirty="0">
+                <a:solidFill>
+                  <a:srgbClr val="1E293B"/>
+                </a:solidFill>
+                <a:latin typeface="Bricolage Grotesque Bold"/>
+                <a:ea typeface="Bricolage Grotesque Bold"/>
+                <a:cs typeface="Bricolage Grotesque Bold"/>
+                <a:sym typeface="Bricolage Grotesque Bold"/>
+              </a:rPr>
+              <a:t> HTML: </a:t>
+            </a:r>
+            <a:r>
+              <a:rPr lang="en-US" sz="3000" dirty="0" err="1">
+                <a:solidFill>
+                  <a:srgbClr val="1E293B"/>
+                </a:solidFill>
+                <a:latin typeface="Bricolage Grotesque"/>
+                <a:ea typeface="Bricolage Grotesque"/>
+                <a:cs typeface="Bricolage Grotesque"/>
+                <a:sym typeface="Bricolage Grotesque"/>
+              </a:rPr>
+              <a:t>Bạn</a:t>
+            </a:r>
+            <a:r>
+              <a:rPr lang="en-US" sz="3000" dirty="0">
+                <a:solidFill>
+                  <a:srgbClr val="1E293B"/>
+                </a:solidFill>
+                <a:latin typeface="Bricolage Grotesque"/>
+                <a:ea typeface="Bricolage Grotesque"/>
+                <a:cs typeface="Bricolage Grotesque"/>
+                <a:sym typeface="Bricolage Grotesque"/>
+              </a:rPr>
+              <a:t> </a:t>
+            </a:r>
+            <a:r>
+              <a:rPr lang="en-US" sz="3000" dirty="0" err="1">
+                <a:solidFill>
+                  <a:srgbClr val="1E293B"/>
+                </a:solidFill>
+                <a:latin typeface="Bricolage Grotesque"/>
+                <a:ea typeface="Bricolage Grotesque"/>
+                <a:cs typeface="Bricolage Grotesque"/>
+                <a:sym typeface="Bricolage Grotesque"/>
+              </a:rPr>
+              <a:t>có</a:t>
+            </a:r>
+            <a:r>
+              <a:rPr lang="en-US" sz="3000" dirty="0">
+                <a:solidFill>
+                  <a:srgbClr val="1E293B"/>
+                </a:solidFill>
+                <a:latin typeface="Bricolage Grotesque"/>
+                <a:ea typeface="Bricolage Grotesque"/>
+                <a:cs typeface="Bricolage Grotesque"/>
+                <a:sym typeface="Bricolage Grotesque"/>
+              </a:rPr>
+              <a:t> </a:t>
+            </a:r>
+            <a:r>
+              <a:rPr lang="en-US" sz="3000" dirty="0" err="1">
+                <a:solidFill>
+                  <a:srgbClr val="1E293B"/>
+                </a:solidFill>
+                <a:latin typeface="Bricolage Grotesque"/>
+                <a:ea typeface="Bricolage Grotesque"/>
+                <a:cs typeface="Bricolage Grotesque"/>
+                <a:sym typeface="Bricolage Grotesque"/>
+              </a:rPr>
+              <a:t>thể</a:t>
+            </a:r>
+            <a:r>
+              <a:rPr lang="en-US" sz="3000" dirty="0">
+                <a:solidFill>
+                  <a:srgbClr val="1E293B"/>
+                </a:solidFill>
+                <a:latin typeface="Bricolage Grotesque"/>
+                <a:ea typeface="Bricolage Grotesque"/>
+                <a:cs typeface="Bricolage Grotesque"/>
+                <a:sym typeface="Bricolage Grotesque"/>
+              </a:rPr>
+              <a:t> </a:t>
+            </a:r>
+            <a:r>
+              <a:rPr lang="en-US" sz="3000" dirty="0" err="1">
+                <a:solidFill>
+                  <a:srgbClr val="1E293B"/>
+                </a:solidFill>
+                <a:latin typeface="Bricolage Grotesque"/>
+                <a:ea typeface="Bricolage Grotesque"/>
+                <a:cs typeface="Bricolage Grotesque"/>
+                <a:sym typeface="Bricolage Grotesque"/>
+              </a:rPr>
+              <a:t>nhúng</a:t>
+            </a:r>
+            <a:r>
+              <a:rPr lang="en-US" sz="3000" dirty="0">
+                <a:solidFill>
+                  <a:srgbClr val="1E293B"/>
+                </a:solidFill>
+                <a:latin typeface="Bricolage Grotesque"/>
+                <a:ea typeface="Bricolage Grotesque"/>
+                <a:cs typeface="Bricolage Grotesque"/>
+                <a:sym typeface="Bricolage Grotesque"/>
+              </a:rPr>
+              <a:t> </a:t>
+            </a:r>
+            <a:r>
+              <a:rPr lang="en-US" sz="3000" dirty="0" err="1">
+                <a:solidFill>
+                  <a:srgbClr val="1E293B"/>
+                </a:solidFill>
+                <a:latin typeface="Bricolage Grotesque"/>
+                <a:ea typeface="Bricolage Grotesque"/>
+                <a:cs typeface="Bricolage Grotesque"/>
+                <a:sym typeface="Bricolage Grotesque"/>
+              </a:rPr>
+              <a:t>các</a:t>
+            </a:r>
+            <a:r>
+              <a:rPr lang="en-US" sz="3000" dirty="0">
+                <a:solidFill>
+                  <a:srgbClr val="1E293B"/>
+                </a:solidFill>
+                <a:latin typeface="Bricolage Grotesque"/>
+                <a:ea typeface="Bricolage Grotesque"/>
+                <a:cs typeface="Bricolage Grotesque"/>
+                <a:sym typeface="Bricolage Grotesque"/>
+              </a:rPr>
+              <a:t> </a:t>
+            </a:r>
+            <a:r>
+              <a:rPr lang="en-US" sz="3000" dirty="0" err="1">
+                <a:solidFill>
+                  <a:srgbClr val="1E293B"/>
+                </a:solidFill>
+                <a:latin typeface="Bricolage Grotesque"/>
+                <a:ea typeface="Bricolage Grotesque"/>
+                <a:cs typeface="Bricolage Grotesque"/>
+                <a:sym typeface="Bricolage Grotesque"/>
+              </a:rPr>
+              <a:t>biểu</a:t>
+            </a:r>
+            <a:r>
+              <a:rPr lang="en-US" sz="3000" dirty="0">
+                <a:solidFill>
+                  <a:srgbClr val="1E293B"/>
+                </a:solidFill>
+                <a:latin typeface="Bricolage Grotesque"/>
+                <a:ea typeface="Bricolage Grotesque"/>
+                <a:cs typeface="Bricolage Grotesque"/>
+                <a:sym typeface="Bricolage Grotesque"/>
+              </a:rPr>
+              <a:t> </a:t>
+            </a:r>
+            <a:r>
+              <a:rPr lang="en-US" sz="3000" dirty="0" err="1">
+                <a:solidFill>
+                  <a:srgbClr val="1E293B"/>
+                </a:solidFill>
+                <a:latin typeface="Bricolage Grotesque"/>
+                <a:ea typeface="Bricolage Grotesque"/>
+                <a:cs typeface="Bricolage Grotesque"/>
+                <a:sym typeface="Bricolage Grotesque"/>
+              </a:rPr>
+              <a:t>thức</a:t>
+            </a:r>
+            <a:r>
+              <a:rPr lang="en-US" sz="3000" dirty="0">
+                <a:solidFill>
+                  <a:srgbClr val="1E293B"/>
+                </a:solidFill>
+                <a:latin typeface="Bricolage Grotesque"/>
+                <a:ea typeface="Bricolage Grotesque"/>
+                <a:cs typeface="Bricolage Grotesque"/>
+                <a:sym typeface="Bricolage Grotesque"/>
+              </a:rPr>
+              <a:t> JavaScript </a:t>
+            </a:r>
+            <a:r>
+              <a:rPr lang="en-US" sz="3000" dirty="0" err="1">
+                <a:solidFill>
+                  <a:srgbClr val="1E293B"/>
+                </a:solidFill>
+                <a:latin typeface="Bricolage Grotesque"/>
+                <a:ea typeface="Bricolage Grotesque"/>
+                <a:cs typeface="Bricolage Grotesque"/>
+                <a:sym typeface="Bricolage Grotesque"/>
+              </a:rPr>
+              <a:t>vào</a:t>
+            </a:r>
+            <a:r>
+              <a:rPr lang="en-US" sz="3000" dirty="0">
+                <a:solidFill>
+                  <a:srgbClr val="1E293B"/>
+                </a:solidFill>
+                <a:latin typeface="Bricolage Grotesque"/>
+                <a:ea typeface="Bricolage Grotesque"/>
+                <a:cs typeface="Bricolage Grotesque"/>
+                <a:sym typeface="Bricolage Grotesque"/>
+              </a:rPr>
+              <a:t> </a:t>
+            </a:r>
+            <a:r>
+              <a:rPr lang="en-US" sz="3000" dirty="0" err="1">
+                <a:solidFill>
+                  <a:srgbClr val="1E293B"/>
+                </a:solidFill>
+                <a:latin typeface="Bricolage Grotesque"/>
+                <a:ea typeface="Bricolage Grotesque"/>
+                <a:cs typeface="Bricolage Grotesque"/>
+                <a:sym typeface="Bricolage Grotesque"/>
+              </a:rPr>
+              <a:t>trong</a:t>
+            </a:r>
+            <a:r>
+              <a:rPr lang="en-US" sz="3000" dirty="0">
+                <a:solidFill>
+                  <a:srgbClr val="1E293B"/>
+                </a:solidFill>
+                <a:latin typeface="Bricolage Grotesque"/>
+                <a:ea typeface="Bricolage Grotesque"/>
+                <a:cs typeface="Bricolage Grotesque"/>
+                <a:sym typeface="Bricolage Grotesque"/>
+              </a:rPr>
+              <a:t> JSX </a:t>
+            </a:r>
+            <a:r>
+              <a:rPr lang="en-US" sz="3000" dirty="0" err="1">
+                <a:solidFill>
+                  <a:srgbClr val="1E293B"/>
+                </a:solidFill>
+                <a:latin typeface="Bricolage Grotesque"/>
+                <a:ea typeface="Bricolage Grotesque"/>
+                <a:cs typeface="Bricolage Grotesque"/>
+                <a:sym typeface="Bricolage Grotesque"/>
+              </a:rPr>
+              <a:t>bằng</a:t>
+            </a:r>
+            <a:r>
+              <a:rPr lang="en-US" sz="3000" dirty="0">
+                <a:solidFill>
+                  <a:srgbClr val="1E293B"/>
+                </a:solidFill>
+                <a:latin typeface="Bricolage Grotesque"/>
+                <a:ea typeface="Bricolage Grotesque"/>
+                <a:cs typeface="Bricolage Grotesque"/>
+                <a:sym typeface="Bricolage Grotesque"/>
+              </a:rPr>
+              <a:t> </a:t>
+            </a:r>
+            <a:r>
+              <a:rPr lang="en-US" sz="3000" dirty="0" err="1">
+                <a:solidFill>
+                  <a:srgbClr val="1E293B"/>
+                </a:solidFill>
+                <a:latin typeface="Bricolage Grotesque"/>
+                <a:ea typeface="Bricolage Grotesque"/>
+                <a:cs typeface="Bricolage Grotesque"/>
+                <a:sym typeface="Bricolage Grotesque"/>
+              </a:rPr>
+              <a:t>cách</a:t>
+            </a:r>
+            <a:r>
+              <a:rPr lang="en-US" sz="3000" dirty="0">
+                <a:solidFill>
+                  <a:srgbClr val="1E293B"/>
+                </a:solidFill>
+                <a:latin typeface="Bricolage Grotesque"/>
+                <a:ea typeface="Bricolage Grotesque"/>
+                <a:cs typeface="Bricolage Grotesque"/>
+                <a:sym typeface="Bricolage Grotesque"/>
+              </a:rPr>
+              <a:t> </a:t>
+            </a:r>
+            <a:r>
+              <a:rPr lang="en-US" sz="3000" dirty="0" err="1">
+                <a:solidFill>
+                  <a:srgbClr val="1E293B"/>
+                </a:solidFill>
+                <a:latin typeface="Bricolage Grotesque"/>
+                <a:ea typeface="Bricolage Grotesque"/>
+                <a:cs typeface="Bricolage Grotesque"/>
+                <a:sym typeface="Bricolage Grotesque"/>
+              </a:rPr>
+              <a:t>sử</a:t>
+            </a:r>
+            <a:r>
+              <a:rPr lang="en-US" sz="3000" dirty="0">
+                <a:solidFill>
+                  <a:srgbClr val="1E293B"/>
+                </a:solidFill>
+                <a:latin typeface="Bricolage Grotesque"/>
+                <a:ea typeface="Bricolage Grotesque"/>
+                <a:cs typeface="Bricolage Grotesque"/>
+                <a:sym typeface="Bricolage Grotesque"/>
+              </a:rPr>
+              <a:t> </a:t>
+            </a:r>
+            <a:r>
+              <a:rPr lang="en-US" sz="3000" dirty="0" err="1">
+                <a:solidFill>
+                  <a:srgbClr val="1E293B"/>
+                </a:solidFill>
+                <a:latin typeface="Bricolage Grotesque"/>
+                <a:ea typeface="Bricolage Grotesque"/>
+                <a:cs typeface="Bricolage Grotesque"/>
+                <a:sym typeface="Bricolage Grotesque"/>
+              </a:rPr>
+              <a:t>dụng</a:t>
+            </a:r>
+            <a:r>
+              <a:rPr lang="en-US" sz="3000" dirty="0">
+                <a:solidFill>
+                  <a:srgbClr val="1E293B"/>
+                </a:solidFill>
+                <a:latin typeface="Bricolage Grotesque"/>
+                <a:ea typeface="Bricolage Grotesque"/>
+                <a:cs typeface="Bricolage Grotesque"/>
+                <a:sym typeface="Bricolage Grotesque"/>
+              </a:rPr>
+              <a:t> </a:t>
+            </a:r>
+            <a:r>
+              <a:rPr lang="en-US" sz="3000" dirty="0" err="1">
+                <a:solidFill>
+                  <a:srgbClr val="1E293B"/>
+                </a:solidFill>
+                <a:latin typeface="Bricolage Grotesque"/>
+                <a:ea typeface="Bricolage Grotesque"/>
+                <a:cs typeface="Bricolage Grotesque"/>
+                <a:sym typeface="Bricolage Grotesque"/>
+              </a:rPr>
+              <a:t>dấu</a:t>
+            </a:r>
+            <a:r>
+              <a:rPr lang="en-US" sz="3000" dirty="0">
+                <a:solidFill>
+                  <a:srgbClr val="1E293B"/>
+                </a:solidFill>
+                <a:latin typeface="Bricolage Grotesque"/>
+                <a:ea typeface="Bricolage Grotesque"/>
+                <a:cs typeface="Bricolage Grotesque"/>
+                <a:sym typeface="Bricolage Grotesque"/>
+              </a:rPr>
+              <a:t> </a:t>
+            </a:r>
+            <a:r>
+              <a:rPr lang="en-US" sz="3000" dirty="0" err="1">
+                <a:solidFill>
+                  <a:srgbClr val="1E293B"/>
+                </a:solidFill>
+                <a:latin typeface="Bricolage Grotesque"/>
+                <a:ea typeface="Bricolage Grotesque"/>
+                <a:cs typeface="Bricolage Grotesque"/>
+                <a:sym typeface="Bricolage Grotesque"/>
+              </a:rPr>
+              <a:t>ngoặc</a:t>
+            </a:r>
+            <a:r>
+              <a:rPr lang="en-US" sz="3000" dirty="0">
+                <a:solidFill>
+                  <a:srgbClr val="1E293B"/>
+                </a:solidFill>
+                <a:latin typeface="Bricolage Grotesque"/>
+                <a:ea typeface="Bricolage Grotesque"/>
+                <a:cs typeface="Bricolage Grotesque"/>
+                <a:sym typeface="Bricolage Grotesque"/>
+              </a:rPr>
+              <a:t> </a:t>
+            </a:r>
+            <a:r>
+              <a:rPr lang="en-US" sz="3000" dirty="0" err="1">
+                <a:solidFill>
+                  <a:srgbClr val="1E293B"/>
+                </a:solidFill>
+                <a:latin typeface="Bricolage Grotesque"/>
+                <a:ea typeface="Bricolage Grotesque"/>
+                <a:cs typeface="Bricolage Grotesque"/>
+                <a:sym typeface="Bricolage Grotesque"/>
+              </a:rPr>
+              <a:t>nhọn</a:t>
+            </a:r>
+            <a:r>
+              <a:rPr lang="en-US" sz="3000" dirty="0">
+                <a:solidFill>
+                  <a:srgbClr val="1E293B"/>
+                </a:solidFill>
+                <a:latin typeface="Bricolage Grotesque"/>
+                <a:ea typeface="Bricolage Grotesque"/>
+                <a:cs typeface="Bricolage Grotesque"/>
+                <a:sym typeface="Bricolage Grotesque"/>
+              </a:rPr>
+              <a:t> {}.</a:t>
             </a:r>
           </a:p>
           <a:p>
@@ -7523,7 +11914,7 @@
                 <a:spcPts val="4500"/>
               </a:lnSpc>
             </a:pPr>
-            <a:endParaRPr lang="en-US" sz="3000">
+            <a:endParaRPr lang="en-US" sz="3000" dirty="0">
               <a:solidFill>
                 <a:srgbClr val="1E293B"/>
               </a:solidFill>
@@ -7542,7 +11933,7 @@
               <a:buChar char="•"/>
             </a:pPr>
             <a:r>
-              <a:rPr lang="en-US" sz="3000" b="1">
+              <a:rPr lang="en-US" sz="3000" b="1" dirty="0" err="1">
                 <a:solidFill>
                   <a:srgbClr val="1E293B"/>
                 </a:solidFill>
@@ -7551,19 +11942,931 @@
                 <a:cs typeface="Bricolage Grotesque Bold"/>
                 <a:sym typeface="Bricolage Grotesque Bold"/>
               </a:rPr>
-              <a:t>Phải được biên dịch: </a:t>
-            </a:r>
-            <a:r>
-              <a:rPr lang="en-US" sz="3000">
-                <a:solidFill>
-                  <a:srgbClr val="1E293B"/>
-                </a:solidFill>
-                <a:latin typeface="Bricolage Grotesque"/>
-                <a:ea typeface="Bricolage Grotesque"/>
-                <a:cs typeface="Bricolage Grotesque"/>
-                <a:sym typeface="Bricolage Grotesque"/>
-              </a:rPr>
-              <a:t>Trình duyệt không hiểu JSX trực tiếp. Do đó, trước khi chạy, JSX cần phải được biên dịch thành JavaScript thông thường. Thường thì bạn sẽ sử dụng Babel hoặc một trình biên dịch khác để thực hiện điều này.</a:t>
+              <a:t>Phải</a:t>
+            </a:r>
+            <a:r>
+              <a:rPr lang="en-US" sz="3000" b="1" dirty="0">
+                <a:solidFill>
+                  <a:srgbClr val="1E293B"/>
+                </a:solidFill>
+                <a:latin typeface="Bricolage Grotesque Bold"/>
+                <a:ea typeface="Bricolage Grotesque Bold"/>
+                <a:cs typeface="Bricolage Grotesque Bold"/>
+                <a:sym typeface="Bricolage Grotesque Bold"/>
+              </a:rPr>
+              <a:t> </a:t>
+            </a:r>
+            <a:r>
+              <a:rPr lang="en-US" sz="3000" b="1" dirty="0" err="1">
+                <a:solidFill>
+                  <a:srgbClr val="1E293B"/>
+                </a:solidFill>
+                <a:latin typeface="Bricolage Grotesque Bold"/>
+                <a:ea typeface="Bricolage Grotesque Bold"/>
+                <a:cs typeface="Bricolage Grotesque Bold"/>
+                <a:sym typeface="Bricolage Grotesque Bold"/>
+              </a:rPr>
+              <a:t>được</a:t>
+            </a:r>
+            <a:r>
+              <a:rPr lang="en-US" sz="3000" b="1" dirty="0">
+                <a:solidFill>
+                  <a:srgbClr val="1E293B"/>
+                </a:solidFill>
+                <a:latin typeface="Bricolage Grotesque Bold"/>
+                <a:ea typeface="Bricolage Grotesque Bold"/>
+                <a:cs typeface="Bricolage Grotesque Bold"/>
+                <a:sym typeface="Bricolage Grotesque Bold"/>
+              </a:rPr>
+              <a:t> </a:t>
+            </a:r>
+            <a:r>
+              <a:rPr lang="en-US" sz="3000" b="1" dirty="0" err="1">
+                <a:solidFill>
+                  <a:srgbClr val="1E293B"/>
+                </a:solidFill>
+                <a:latin typeface="Bricolage Grotesque Bold"/>
+                <a:ea typeface="Bricolage Grotesque Bold"/>
+                <a:cs typeface="Bricolage Grotesque Bold"/>
+                <a:sym typeface="Bricolage Grotesque Bold"/>
+              </a:rPr>
+              <a:t>biên</a:t>
+            </a:r>
+            <a:r>
+              <a:rPr lang="en-US" sz="3000" b="1" dirty="0">
+                <a:solidFill>
+                  <a:srgbClr val="1E293B"/>
+                </a:solidFill>
+                <a:latin typeface="Bricolage Grotesque Bold"/>
+                <a:ea typeface="Bricolage Grotesque Bold"/>
+                <a:cs typeface="Bricolage Grotesque Bold"/>
+                <a:sym typeface="Bricolage Grotesque Bold"/>
+              </a:rPr>
+              <a:t> </a:t>
+            </a:r>
+            <a:r>
+              <a:rPr lang="en-US" sz="3000" b="1" dirty="0" err="1">
+                <a:solidFill>
+                  <a:srgbClr val="1E293B"/>
+                </a:solidFill>
+                <a:latin typeface="Bricolage Grotesque Bold"/>
+                <a:ea typeface="Bricolage Grotesque Bold"/>
+                <a:cs typeface="Bricolage Grotesque Bold"/>
+                <a:sym typeface="Bricolage Grotesque Bold"/>
+              </a:rPr>
+              <a:t>dịch</a:t>
+            </a:r>
+            <a:r>
+              <a:rPr lang="en-US" sz="3000" b="1" dirty="0">
+                <a:solidFill>
+                  <a:srgbClr val="1E293B"/>
+                </a:solidFill>
+                <a:latin typeface="Bricolage Grotesque Bold"/>
+                <a:ea typeface="Bricolage Grotesque Bold"/>
+                <a:cs typeface="Bricolage Grotesque Bold"/>
+                <a:sym typeface="Bricolage Grotesque Bold"/>
+              </a:rPr>
+              <a:t>: </a:t>
+            </a:r>
+            <a:r>
+              <a:rPr lang="en-US" sz="3000" dirty="0" err="1">
+                <a:solidFill>
+                  <a:srgbClr val="1E293B"/>
+                </a:solidFill>
+                <a:latin typeface="Bricolage Grotesque"/>
+                <a:ea typeface="Bricolage Grotesque"/>
+                <a:cs typeface="Bricolage Grotesque"/>
+                <a:sym typeface="Bricolage Grotesque"/>
+              </a:rPr>
+              <a:t>Trình</a:t>
+            </a:r>
+            <a:r>
+              <a:rPr lang="en-US" sz="3000" dirty="0">
+                <a:solidFill>
+                  <a:srgbClr val="1E293B"/>
+                </a:solidFill>
+                <a:latin typeface="Bricolage Grotesque"/>
+                <a:ea typeface="Bricolage Grotesque"/>
+                <a:cs typeface="Bricolage Grotesque"/>
+                <a:sym typeface="Bricolage Grotesque"/>
+              </a:rPr>
+              <a:t> </a:t>
+            </a:r>
+            <a:r>
+              <a:rPr lang="en-US" sz="3000" dirty="0" err="1">
+                <a:solidFill>
+                  <a:srgbClr val="1E293B"/>
+                </a:solidFill>
+                <a:latin typeface="Bricolage Grotesque"/>
+                <a:ea typeface="Bricolage Grotesque"/>
+                <a:cs typeface="Bricolage Grotesque"/>
+                <a:sym typeface="Bricolage Grotesque"/>
+              </a:rPr>
+              <a:t>duyệt</a:t>
+            </a:r>
+            <a:r>
+              <a:rPr lang="en-US" sz="3000" dirty="0">
+                <a:solidFill>
+                  <a:srgbClr val="1E293B"/>
+                </a:solidFill>
+                <a:latin typeface="Bricolage Grotesque"/>
+                <a:ea typeface="Bricolage Grotesque"/>
+                <a:cs typeface="Bricolage Grotesque"/>
+                <a:sym typeface="Bricolage Grotesque"/>
+              </a:rPr>
+              <a:t> </a:t>
+            </a:r>
+            <a:r>
+              <a:rPr lang="en-US" sz="3000" dirty="0" err="1">
+                <a:solidFill>
+                  <a:srgbClr val="1E293B"/>
+                </a:solidFill>
+                <a:latin typeface="Bricolage Grotesque"/>
+                <a:ea typeface="Bricolage Grotesque"/>
+                <a:cs typeface="Bricolage Grotesque"/>
+                <a:sym typeface="Bricolage Grotesque"/>
+              </a:rPr>
+              <a:t>không</a:t>
+            </a:r>
+            <a:r>
+              <a:rPr lang="en-US" sz="3000" dirty="0">
+                <a:solidFill>
+                  <a:srgbClr val="1E293B"/>
+                </a:solidFill>
+                <a:latin typeface="Bricolage Grotesque"/>
+                <a:ea typeface="Bricolage Grotesque"/>
+                <a:cs typeface="Bricolage Grotesque"/>
+                <a:sym typeface="Bricolage Grotesque"/>
+              </a:rPr>
+              <a:t> </a:t>
+            </a:r>
+            <a:r>
+              <a:rPr lang="en-US" sz="3000" dirty="0" err="1">
+                <a:solidFill>
+                  <a:srgbClr val="1E293B"/>
+                </a:solidFill>
+                <a:latin typeface="Bricolage Grotesque"/>
+                <a:ea typeface="Bricolage Grotesque"/>
+                <a:cs typeface="Bricolage Grotesque"/>
+                <a:sym typeface="Bricolage Grotesque"/>
+              </a:rPr>
+              <a:t>hiểu</a:t>
+            </a:r>
+            <a:r>
+              <a:rPr lang="en-US" sz="3000" dirty="0">
+                <a:solidFill>
+                  <a:srgbClr val="1E293B"/>
+                </a:solidFill>
+                <a:latin typeface="Bricolage Grotesque"/>
+                <a:ea typeface="Bricolage Grotesque"/>
+                <a:cs typeface="Bricolage Grotesque"/>
+                <a:sym typeface="Bricolage Grotesque"/>
+              </a:rPr>
+              <a:t> JSX </a:t>
+            </a:r>
+            <a:r>
+              <a:rPr lang="en-US" sz="3000" dirty="0" err="1">
+                <a:solidFill>
+                  <a:srgbClr val="1E293B"/>
+                </a:solidFill>
+                <a:latin typeface="Bricolage Grotesque"/>
+                <a:ea typeface="Bricolage Grotesque"/>
+                <a:cs typeface="Bricolage Grotesque"/>
+                <a:sym typeface="Bricolage Grotesque"/>
+              </a:rPr>
+              <a:t>trực</a:t>
+            </a:r>
+            <a:r>
+              <a:rPr lang="en-US" sz="3000" dirty="0">
+                <a:solidFill>
+                  <a:srgbClr val="1E293B"/>
+                </a:solidFill>
+                <a:latin typeface="Bricolage Grotesque"/>
+                <a:ea typeface="Bricolage Grotesque"/>
+                <a:cs typeface="Bricolage Grotesque"/>
+                <a:sym typeface="Bricolage Grotesque"/>
+              </a:rPr>
+              <a:t> </a:t>
+            </a:r>
+            <a:r>
+              <a:rPr lang="en-US" sz="3000" dirty="0" err="1">
+                <a:solidFill>
+                  <a:srgbClr val="1E293B"/>
+                </a:solidFill>
+                <a:latin typeface="Bricolage Grotesque"/>
+                <a:ea typeface="Bricolage Grotesque"/>
+                <a:cs typeface="Bricolage Grotesque"/>
+                <a:sym typeface="Bricolage Grotesque"/>
+              </a:rPr>
+              <a:t>tiếp</a:t>
+            </a:r>
+            <a:r>
+              <a:rPr lang="en-US" sz="3000" dirty="0">
+                <a:solidFill>
+                  <a:srgbClr val="1E293B"/>
+                </a:solidFill>
+                <a:latin typeface="Bricolage Grotesque"/>
+                <a:ea typeface="Bricolage Grotesque"/>
+                <a:cs typeface="Bricolage Grotesque"/>
+                <a:sym typeface="Bricolage Grotesque"/>
+              </a:rPr>
+              <a:t>. Do </a:t>
+            </a:r>
+            <a:r>
+              <a:rPr lang="en-US" sz="3000" dirty="0" err="1">
+                <a:solidFill>
+                  <a:srgbClr val="1E293B"/>
+                </a:solidFill>
+                <a:latin typeface="Bricolage Grotesque"/>
+                <a:ea typeface="Bricolage Grotesque"/>
+                <a:cs typeface="Bricolage Grotesque"/>
+                <a:sym typeface="Bricolage Grotesque"/>
+              </a:rPr>
+              <a:t>đó</a:t>
+            </a:r>
+            <a:r>
+              <a:rPr lang="en-US" sz="3000" dirty="0">
+                <a:solidFill>
+                  <a:srgbClr val="1E293B"/>
+                </a:solidFill>
+                <a:latin typeface="Bricolage Grotesque"/>
+                <a:ea typeface="Bricolage Grotesque"/>
+                <a:cs typeface="Bricolage Grotesque"/>
+                <a:sym typeface="Bricolage Grotesque"/>
+              </a:rPr>
+              <a:t>, </a:t>
+            </a:r>
+            <a:r>
+              <a:rPr lang="en-US" sz="3000" dirty="0" err="1">
+                <a:solidFill>
+                  <a:srgbClr val="1E293B"/>
+                </a:solidFill>
+                <a:latin typeface="Bricolage Grotesque"/>
+                <a:ea typeface="Bricolage Grotesque"/>
+                <a:cs typeface="Bricolage Grotesque"/>
+                <a:sym typeface="Bricolage Grotesque"/>
+              </a:rPr>
+              <a:t>trước</a:t>
+            </a:r>
+            <a:r>
+              <a:rPr lang="en-US" sz="3000" dirty="0">
+                <a:solidFill>
+                  <a:srgbClr val="1E293B"/>
+                </a:solidFill>
+                <a:latin typeface="Bricolage Grotesque"/>
+                <a:ea typeface="Bricolage Grotesque"/>
+                <a:cs typeface="Bricolage Grotesque"/>
+                <a:sym typeface="Bricolage Grotesque"/>
+              </a:rPr>
+              <a:t> </a:t>
+            </a:r>
+            <a:r>
+              <a:rPr lang="en-US" sz="3000" dirty="0" err="1">
+                <a:solidFill>
+                  <a:srgbClr val="1E293B"/>
+                </a:solidFill>
+                <a:latin typeface="Bricolage Grotesque"/>
+                <a:ea typeface="Bricolage Grotesque"/>
+                <a:cs typeface="Bricolage Grotesque"/>
+                <a:sym typeface="Bricolage Grotesque"/>
+              </a:rPr>
+              <a:t>khi</a:t>
+            </a:r>
+            <a:r>
+              <a:rPr lang="en-US" sz="3000" dirty="0">
+                <a:solidFill>
+                  <a:srgbClr val="1E293B"/>
+                </a:solidFill>
+                <a:latin typeface="Bricolage Grotesque"/>
+                <a:ea typeface="Bricolage Grotesque"/>
+                <a:cs typeface="Bricolage Grotesque"/>
+                <a:sym typeface="Bricolage Grotesque"/>
+              </a:rPr>
+              <a:t> </a:t>
+            </a:r>
+            <a:r>
+              <a:rPr lang="en-US" sz="3000" dirty="0" err="1">
+                <a:solidFill>
+                  <a:srgbClr val="1E293B"/>
+                </a:solidFill>
+                <a:latin typeface="Bricolage Grotesque"/>
+                <a:ea typeface="Bricolage Grotesque"/>
+                <a:cs typeface="Bricolage Grotesque"/>
+                <a:sym typeface="Bricolage Grotesque"/>
+              </a:rPr>
+              <a:t>chạy</a:t>
+            </a:r>
+            <a:r>
+              <a:rPr lang="en-US" sz="3000" dirty="0">
+                <a:solidFill>
+                  <a:srgbClr val="1E293B"/>
+                </a:solidFill>
+                <a:latin typeface="Bricolage Grotesque"/>
+                <a:ea typeface="Bricolage Grotesque"/>
+                <a:cs typeface="Bricolage Grotesque"/>
+                <a:sym typeface="Bricolage Grotesque"/>
+              </a:rPr>
+              <a:t>, JSX </a:t>
+            </a:r>
+            <a:r>
+              <a:rPr lang="en-US" sz="3000" dirty="0" err="1">
+                <a:solidFill>
+                  <a:srgbClr val="1E293B"/>
+                </a:solidFill>
+                <a:latin typeface="Bricolage Grotesque"/>
+                <a:ea typeface="Bricolage Grotesque"/>
+                <a:cs typeface="Bricolage Grotesque"/>
+                <a:sym typeface="Bricolage Grotesque"/>
+              </a:rPr>
+              <a:t>cần</a:t>
+            </a:r>
+            <a:r>
+              <a:rPr lang="en-US" sz="3000" dirty="0">
+                <a:solidFill>
+                  <a:srgbClr val="1E293B"/>
+                </a:solidFill>
+                <a:latin typeface="Bricolage Grotesque"/>
+                <a:ea typeface="Bricolage Grotesque"/>
+                <a:cs typeface="Bricolage Grotesque"/>
+                <a:sym typeface="Bricolage Grotesque"/>
+              </a:rPr>
+              <a:t> </a:t>
+            </a:r>
+            <a:r>
+              <a:rPr lang="en-US" sz="3000" dirty="0" err="1">
+                <a:solidFill>
+                  <a:srgbClr val="1E293B"/>
+                </a:solidFill>
+                <a:latin typeface="Bricolage Grotesque"/>
+                <a:ea typeface="Bricolage Grotesque"/>
+                <a:cs typeface="Bricolage Grotesque"/>
+                <a:sym typeface="Bricolage Grotesque"/>
+              </a:rPr>
+              <a:t>phải</a:t>
+            </a:r>
+            <a:r>
+              <a:rPr lang="en-US" sz="3000" dirty="0">
+                <a:solidFill>
+                  <a:srgbClr val="1E293B"/>
+                </a:solidFill>
+                <a:latin typeface="Bricolage Grotesque"/>
+                <a:ea typeface="Bricolage Grotesque"/>
+                <a:cs typeface="Bricolage Grotesque"/>
+                <a:sym typeface="Bricolage Grotesque"/>
+              </a:rPr>
+              <a:t> </a:t>
+            </a:r>
+            <a:r>
+              <a:rPr lang="en-US" sz="3000" dirty="0" err="1">
+                <a:solidFill>
+                  <a:srgbClr val="1E293B"/>
+                </a:solidFill>
+                <a:latin typeface="Bricolage Grotesque"/>
+                <a:ea typeface="Bricolage Grotesque"/>
+                <a:cs typeface="Bricolage Grotesque"/>
+                <a:sym typeface="Bricolage Grotesque"/>
+              </a:rPr>
+              <a:t>được</a:t>
+            </a:r>
+            <a:r>
+              <a:rPr lang="en-US" sz="3000" dirty="0">
+                <a:solidFill>
+                  <a:srgbClr val="1E293B"/>
+                </a:solidFill>
+                <a:latin typeface="Bricolage Grotesque"/>
+                <a:ea typeface="Bricolage Grotesque"/>
+                <a:cs typeface="Bricolage Grotesque"/>
+                <a:sym typeface="Bricolage Grotesque"/>
+              </a:rPr>
+              <a:t> </a:t>
+            </a:r>
+            <a:r>
+              <a:rPr lang="en-US" sz="3000" dirty="0" err="1">
+                <a:solidFill>
+                  <a:srgbClr val="1E293B"/>
+                </a:solidFill>
+                <a:latin typeface="Bricolage Grotesque"/>
+                <a:ea typeface="Bricolage Grotesque"/>
+                <a:cs typeface="Bricolage Grotesque"/>
+                <a:sym typeface="Bricolage Grotesque"/>
+              </a:rPr>
+              <a:t>biên</a:t>
+            </a:r>
+            <a:r>
+              <a:rPr lang="en-US" sz="3000" dirty="0">
+                <a:solidFill>
+                  <a:srgbClr val="1E293B"/>
+                </a:solidFill>
+                <a:latin typeface="Bricolage Grotesque"/>
+                <a:ea typeface="Bricolage Grotesque"/>
+                <a:cs typeface="Bricolage Grotesque"/>
+                <a:sym typeface="Bricolage Grotesque"/>
+              </a:rPr>
+              <a:t> </a:t>
+            </a:r>
+            <a:r>
+              <a:rPr lang="en-US" sz="3000" dirty="0" err="1">
+                <a:solidFill>
+                  <a:srgbClr val="1E293B"/>
+                </a:solidFill>
+                <a:latin typeface="Bricolage Grotesque"/>
+                <a:ea typeface="Bricolage Grotesque"/>
+                <a:cs typeface="Bricolage Grotesque"/>
+                <a:sym typeface="Bricolage Grotesque"/>
+              </a:rPr>
+              <a:t>dịch</a:t>
+            </a:r>
+            <a:r>
+              <a:rPr lang="en-US" sz="3000" dirty="0">
+                <a:solidFill>
+                  <a:srgbClr val="1E293B"/>
+                </a:solidFill>
+                <a:latin typeface="Bricolage Grotesque"/>
+                <a:ea typeface="Bricolage Grotesque"/>
+                <a:cs typeface="Bricolage Grotesque"/>
+                <a:sym typeface="Bricolage Grotesque"/>
+              </a:rPr>
+              <a:t> </a:t>
+            </a:r>
+            <a:r>
+              <a:rPr lang="en-US" sz="3000" dirty="0" err="1">
+                <a:solidFill>
+                  <a:srgbClr val="1E293B"/>
+                </a:solidFill>
+                <a:latin typeface="Bricolage Grotesque"/>
+                <a:ea typeface="Bricolage Grotesque"/>
+                <a:cs typeface="Bricolage Grotesque"/>
+                <a:sym typeface="Bricolage Grotesque"/>
+              </a:rPr>
+              <a:t>thành</a:t>
+            </a:r>
+            <a:r>
+              <a:rPr lang="en-US" sz="3000" dirty="0">
+                <a:solidFill>
+                  <a:srgbClr val="1E293B"/>
+                </a:solidFill>
+                <a:latin typeface="Bricolage Grotesque"/>
+                <a:ea typeface="Bricolage Grotesque"/>
+                <a:cs typeface="Bricolage Grotesque"/>
+                <a:sym typeface="Bricolage Grotesque"/>
+              </a:rPr>
+              <a:t> JavaScript </a:t>
+            </a:r>
+            <a:r>
+              <a:rPr lang="en-US" sz="3000" dirty="0" err="1">
+                <a:solidFill>
+                  <a:srgbClr val="1E293B"/>
+                </a:solidFill>
+                <a:latin typeface="Bricolage Grotesque"/>
+                <a:ea typeface="Bricolage Grotesque"/>
+                <a:cs typeface="Bricolage Grotesque"/>
+                <a:sym typeface="Bricolage Grotesque"/>
+              </a:rPr>
+              <a:t>thông</a:t>
+            </a:r>
+            <a:r>
+              <a:rPr lang="en-US" sz="3000" dirty="0">
+                <a:solidFill>
+                  <a:srgbClr val="1E293B"/>
+                </a:solidFill>
+                <a:latin typeface="Bricolage Grotesque"/>
+                <a:ea typeface="Bricolage Grotesque"/>
+                <a:cs typeface="Bricolage Grotesque"/>
+                <a:sym typeface="Bricolage Grotesque"/>
+              </a:rPr>
+              <a:t> </a:t>
+            </a:r>
+            <a:r>
+              <a:rPr lang="en-US" sz="3000" dirty="0" err="1">
+                <a:solidFill>
+                  <a:srgbClr val="1E293B"/>
+                </a:solidFill>
+                <a:latin typeface="Bricolage Grotesque"/>
+                <a:ea typeface="Bricolage Grotesque"/>
+                <a:cs typeface="Bricolage Grotesque"/>
+                <a:sym typeface="Bricolage Grotesque"/>
+              </a:rPr>
+              <a:t>thường</a:t>
+            </a:r>
+            <a:r>
+              <a:rPr lang="en-US" sz="3000" dirty="0">
+                <a:solidFill>
+                  <a:srgbClr val="1E293B"/>
+                </a:solidFill>
+                <a:latin typeface="Bricolage Grotesque"/>
+                <a:ea typeface="Bricolage Grotesque"/>
+                <a:cs typeface="Bricolage Grotesque"/>
+                <a:sym typeface="Bricolage Grotesque"/>
+              </a:rPr>
+              <a:t>. </a:t>
+            </a:r>
+            <a:r>
+              <a:rPr lang="en-US" sz="3000" dirty="0" err="1">
+                <a:solidFill>
+                  <a:srgbClr val="1E293B"/>
+                </a:solidFill>
+                <a:latin typeface="Bricolage Grotesque"/>
+                <a:ea typeface="Bricolage Grotesque"/>
+                <a:cs typeface="Bricolage Grotesque"/>
+                <a:sym typeface="Bricolage Grotesque"/>
+              </a:rPr>
+              <a:t>Thường</a:t>
+            </a:r>
+            <a:r>
+              <a:rPr lang="en-US" sz="3000" dirty="0">
+                <a:solidFill>
+                  <a:srgbClr val="1E293B"/>
+                </a:solidFill>
+                <a:latin typeface="Bricolage Grotesque"/>
+                <a:ea typeface="Bricolage Grotesque"/>
+                <a:cs typeface="Bricolage Grotesque"/>
+                <a:sym typeface="Bricolage Grotesque"/>
+              </a:rPr>
+              <a:t> </a:t>
+            </a:r>
+            <a:r>
+              <a:rPr lang="en-US" sz="3000" dirty="0" err="1">
+                <a:solidFill>
+                  <a:srgbClr val="1E293B"/>
+                </a:solidFill>
+                <a:latin typeface="Bricolage Grotesque"/>
+                <a:ea typeface="Bricolage Grotesque"/>
+                <a:cs typeface="Bricolage Grotesque"/>
+                <a:sym typeface="Bricolage Grotesque"/>
+              </a:rPr>
+              <a:t>thì</a:t>
+            </a:r>
+            <a:r>
+              <a:rPr lang="en-US" sz="3000" dirty="0">
+                <a:solidFill>
+                  <a:srgbClr val="1E293B"/>
+                </a:solidFill>
+                <a:latin typeface="Bricolage Grotesque"/>
+                <a:ea typeface="Bricolage Grotesque"/>
+                <a:cs typeface="Bricolage Grotesque"/>
+                <a:sym typeface="Bricolage Grotesque"/>
+              </a:rPr>
+              <a:t> </a:t>
+            </a:r>
+            <a:r>
+              <a:rPr lang="en-US" sz="3000" dirty="0" err="1">
+                <a:solidFill>
+                  <a:srgbClr val="1E293B"/>
+                </a:solidFill>
+                <a:latin typeface="Bricolage Grotesque"/>
+                <a:ea typeface="Bricolage Grotesque"/>
+                <a:cs typeface="Bricolage Grotesque"/>
+                <a:sym typeface="Bricolage Grotesque"/>
+              </a:rPr>
+              <a:t>bạn</a:t>
+            </a:r>
+            <a:r>
+              <a:rPr lang="en-US" sz="3000" dirty="0">
+                <a:solidFill>
+                  <a:srgbClr val="1E293B"/>
+                </a:solidFill>
+                <a:latin typeface="Bricolage Grotesque"/>
+                <a:ea typeface="Bricolage Grotesque"/>
+                <a:cs typeface="Bricolage Grotesque"/>
+                <a:sym typeface="Bricolage Grotesque"/>
+              </a:rPr>
+              <a:t> </a:t>
+            </a:r>
+            <a:r>
+              <a:rPr lang="en-US" sz="3000" dirty="0" err="1">
+                <a:solidFill>
+                  <a:srgbClr val="1E293B"/>
+                </a:solidFill>
+                <a:latin typeface="Bricolage Grotesque"/>
+                <a:ea typeface="Bricolage Grotesque"/>
+                <a:cs typeface="Bricolage Grotesque"/>
+                <a:sym typeface="Bricolage Grotesque"/>
+              </a:rPr>
+              <a:t>sẽ</a:t>
+            </a:r>
+            <a:r>
+              <a:rPr lang="en-US" sz="3000" dirty="0">
+                <a:solidFill>
+                  <a:srgbClr val="1E293B"/>
+                </a:solidFill>
+                <a:latin typeface="Bricolage Grotesque"/>
+                <a:ea typeface="Bricolage Grotesque"/>
+                <a:cs typeface="Bricolage Grotesque"/>
+                <a:sym typeface="Bricolage Grotesque"/>
+              </a:rPr>
+              <a:t> </a:t>
+            </a:r>
+            <a:r>
+              <a:rPr lang="en-US" sz="3000" dirty="0" err="1">
+                <a:solidFill>
+                  <a:srgbClr val="1E293B"/>
+                </a:solidFill>
+                <a:latin typeface="Bricolage Grotesque"/>
+                <a:ea typeface="Bricolage Grotesque"/>
+                <a:cs typeface="Bricolage Grotesque"/>
+                <a:sym typeface="Bricolage Grotesque"/>
+              </a:rPr>
+              <a:t>sử</a:t>
+            </a:r>
+            <a:r>
+              <a:rPr lang="en-US" sz="3000" dirty="0">
+                <a:solidFill>
+                  <a:srgbClr val="1E293B"/>
+                </a:solidFill>
+                <a:latin typeface="Bricolage Grotesque"/>
+                <a:ea typeface="Bricolage Grotesque"/>
+                <a:cs typeface="Bricolage Grotesque"/>
+                <a:sym typeface="Bricolage Grotesque"/>
+              </a:rPr>
+              <a:t> </a:t>
+            </a:r>
+            <a:r>
+              <a:rPr lang="en-US" sz="3000" dirty="0" err="1">
+                <a:solidFill>
+                  <a:srgbClr val="1E293B"/>
+                </a:solidFill>
+                <a:latin typeface="Bricolage Grotesque"/>
+                <a:ea typeface="Bricolage Grotesque"/>
+                <a:cs typeface="Bricolage Grotesque"/>
+                <a:sym typeface="Bricolage Grotesque"/>
+              </a:rPr>
+              <a:t>dụng</a:t>
+            </a:r>
+            <a:r>
+              <a:rPr lang="en-US" sz="3000" dirty="0">
+                <a:solidFill>
+                  <a:srgbClr val="1E293B"/>
+                </a:solidFill>
+                <a:latin typeface="Bricolage Grotesque"/>
+                <a:ea typeface="Bricolage Grotesque"/>
+                <a:cs typeface="Bricolage Grotesque"/>
+                <a:sym typeface="Bricolage Grotesque"/>
+              </a:rPr>
+              <a:t> Babel </a:t>
+            </a:r>
+            <a:r>
+              <a:rPr lang="en-US" sz="3000" dirty="0" err="1">
+                <a:solidFill>
+                  <a:srgbClr val="1E293B"/>
+                </a:solidFill>
+                <a:latin typeface="Bricolage Grotesque"/>
+                <a:ea typeface="Bricolage Grotesque"/>
+                <a:cs typeface="Bricolage Grotesque"/>
+                <a:sym typeface="Bricolage Grotesque"/>
+              </a:rPr>
+              <a:t>hoặc</a:t>
+            </a:r>
+            <a:r>
+              <a:rPr lang="en-US" sz="3000" dirty="0">
+                <a:solidFill>
+                  <a:srgbClr val="1E293B"/>
+                </a:solidFill>
+                <a:latin typeface="Bricolage Grotesque"/>
+                <a:ea typeface="Bricolage Grotesque"/>
+                <a:cs typeface="Bricolage Grotesque"/>
+                <a:sym typeface="Bricolage Grotesque"/>
+              </a:rPr>
+              <a:t> </a:t>
+            </a:r>
+            <a:r>
+              <a:rPr lang="en-US" sz="3000" dirty="0" err="1">
+                <a:solidFill>
+                  <a:srgbClr val="1E293B"/>
+                </a:solidFill>
+                <a:latin typeface="Bricolage Grotesque"/>
+                <a:ea typeface="Bricolage Grotesque"/>
+                <a:cs typeface="Bricolage Grotesque"/>
+                <a:sym typeface="Bricolage Grotesque"/>
+              </a:rPr>
+              <a:t>một</a:t>
+            </a:r>
+            <a:r>
+              <a:rPr lang="en-US" sz="3000" dirty="0">
+                <a:solidFill>
+                  <a:srgbClr val="1E293B"/>
+                </a:solidFill>
+                <a:latin typeface="Bricolage Grotesque"/>
+                <a:ea typeface="Bricolage Grotesque"/>
+                <a:cs typeface="Bricolage Grotesque"/>
+                <a:sym typeface="Bricolage Grotesque"/>
+              </a:rPr>
+              <a:t> </a:t>
+            </a:r>
+            <a:r>
+              <a:rPr lang="en-US" sz="3000" dirty="0" err="1">
+                <a:solidFill>
+                  <a:srgbClr val="1E293B"/>
+                </a:solidFill>
+                <a:latin typeface="Bricolage Grotesque"/>
+                <a:ea typeface="Bricolage Grotesque"/>
+                <a:cs typeface="Bricolage Grotesque"/>
+                <a:sym typeface="Bricolage Grotesque"/>
+              </a:rPr>
+              <a:t>trình</a:t>
+            </a:r>
+            <a:r>
+              <a:rPr lang="en-US" sz="3000" dirty="0">
+                <a:solidFill>
+                  <a:srgbClr val="1E293B"/>
+                </a:solidFill>
+                <a:latin typeface="Bricolage Grotesque"/>
+                <a:ea typeface="Bricolage Grotesque"/>
+                <a:cs typeface="Bricolage Grotesque"/>
+                <a:sym typeface="Bricolage Grotesque"/>
+              </a:rPr>
+              <a:t> </a:t>
+            </a:r>
+            <a:r>
+              <a:rPr lang="en-US" sz="3000" dirty="0" err="1">
+                <a:solidFill>
+                  <a:srgbClr val="1E293B"/>
+                </a:solidFill>
+                <a:latin typeface="Bricolage Grotesque"/>
+                <a:ea typeface="Bricolage Grotesque"/>
+                <a:cs typeface="Bricolage Grotesque"/>
+                <a:sym typeface="Bricolage Grotesque"/>
+              </a:rPr>
+              <a:t>biên</a:t>
+            </a:r>
+            <a:r>
+              <a:rPr lang="en-US" sz="3000" dirty="0">
+                <a:solidFill>
+                  <a:srgbClr val="1E293B"/>
+                </a:solidFill>
+                <a:latin typeface="Bricolage Grotesque"/>
+                <a:ea typeface="Bricolage Grotesque"/>
+                <a:cs typeface="Bricolage Grotesque"/>
+                <a:sym typeface="Bricolage Grotesque"/>
+              </a:rPr>
+              <a:t> </a:t>
+            </a:r>
+            <a:r>
+              <a:rPr lang="en-US" sz="3000" dirty="0" err="1">
+                <a:solidFill>
+                  <a:srgbClr val="1E293B"/>
+                </a:solidFill>
+                <a:latin typeface="Bricolage Grotesque"/>
+                <a:ea typeface="Bricolage Grotesque"/>
+                <a:cs typeface="Bricolage Grotesque"/>
+                <a:sym typeface="Bricolage Grotesque"/>
+              </a:rPr>
+              <a:t>dịch</a:t>
+            </a:r>
+            <a:r>
+              <a:rPr lang="en-US" sz="3000" dirty="0">
+                <a:solidFill>
+                  <a:srgbClr val="1E293B"/>
+                </a:solidFill>
+                <a:latin typeface="Bricolage Grotesque"/>
+                <a:ea typeface="Bricolage Grotesque"/>
+                <a:cs typeface="Bricolage Grotesque"/>
+                <a:sym typeface="Bricolage Grotesque"/>
+              </a:rPr>
+              <a:t> </a:t>
+            </a:r>
+            <a:r>
+              <a:rPr lang="en-US" sz="3000" dirty="0" err="1">
+                <a:solidFill>
+                  <a:srgbClr val="1E293B"/>
+                </a:solidFill>
+                <a:latin typeface="Bricolage Grotesque"/>
+                <a:ea typeface="Bricolage Grotesque"/>
+                <a:cs typeface="Bricolage Grotesque"/>
+                <a:sym typeface="Bricolage Grotesque"/>
+              </a:rPr>
+              <a:t>khác</a:t>
+            </a:r>
+            <a:r>
+              <a:rPr lang="en-US" sz="3000" dirty="0">
+                <a:solidFill>
+                  <a:srgbClr val="1E293B"/>
+                </a:solidFill>
+                <a:latin typeface="Bricolage Grotesque"/>
+                <a:ea typeface="Bricolage Grotesque"/>
+                <a:cs typeface="Bricolage Grotesque"/>
+                <a:sym typeface="Bricolage Grotesque"/>
+              </a:rPr>
+              <a:t> </a:t>
+            </a:r>
+            <a:r>
+              <a:rPr lang="en-US" sz="3000" dirty="0" err="1">
+                <a:solidFill>
+                  <a:srgbClr val="1E293B"/>
+                </a:solidFill>
+                <a:latin typeface="Bricolage Grotesque"/>
+                <a:ea typeface="Bricolage Grotesque"/>
+                <a:cs typeface="Bricolage Grotesque"/>
+                <a:sym typeface="Bricolage Grotesque"/>
+              </a:rPr>
+              <a:t>để</a:t>
+            </a:r>
+            <a:r>
+              <a:rPr lang="en-US" sz="3000" dirty="0">
+                <a:solidFill>
+                  <a:srgbClr val="1E293B"/>
+                </a:solidFill>
+                <a:latin typeface="Bricolage Grotesque"/>
+                <a:ea typeface="Bricolage Grotesque"/>
+                <a:cs typeface="Bricolage Grotesque"/>
+                <a:sym typeface="Bricolage Grotesque"/>
+              </a:rPr>
+              <a:t> </a:t>
+            </a:r>
+            <a:r>
+              <a:rPr lang="en-US" sz="3000" dirty="0" err="1">
+                <a:solidFill>
+                  <a:srgbClr val="1E293B"/>
+                </a:solidFill>
+                <a:latin typeface="Bricolage Grotesque"/>
+                <a:ea typeface="Bricolage Grotesque"/>
+                <a:cs typeface="Bricolage Grotesque"/>
+                <a:sym typeface="Bricolage Grotesque"/>
+              </a:rPr>
+              <a:t>thực</a:t>
+            </a:r>
+            <a:r>
+              <a:rPr lang="en-US" sz="3000" dirty="0">
+                <a:solidFill>
+                  <a:srgbClr val="1E293B"/>
+                </a:solidFill>
+                <a:latin typeface="Bricolage Grotesque"/>
+                <a:ea typeface="Bricolage Grotesque"/>
+                <a:cs typeface="Bricolage Grotesque"/>
+                <a:sym typeface="Bricolage Grotesque"/>
+              </a:rPr>
+              <a:t> </a:t>
+            </a:r>
+            <a:r>
+              <a:rPr lang="en-US" sz="3000" dirty="0" err="1">
+                <a:solidFill>
+                  <a:srgbClr val="1E293B"/>
+                </a:solidFill>
+                <a:latin typeface="Bricolage Grotesque"/>
+                <a:ea typeface="Bricolage Grotesque"/>
+                <a:cs typeface="Bricolage Grotesque"/>
+                <a:sym typeface="Bricolage Grotesque"/>
+              </a:rPr>
+              <a:t>hiện</a:t>
+            </a:r>
+            <a:r>
+              <a:rPr lang="en-US" sz="3000" dirty="0">
+                <a:solidFill>
+                  <a:srgbClr val="1E293B"/>
+                </a:solidFill>
+                <a:latin typeface="Bricolage Grotesque"/>
+                <a:ea typeface="Bricolage Grotesque"/>
+                <a:cs typeface="Bricolage Grotesque"/>
+                <a:sym typeface="Bricolage Grotesque"/>
+              </a:rPr>
+              <a:t> </a:t>
+            </a:r>
+            <a:r>
+              <a:rPr lang="en-US" sz="3000" dirty="0" err="1">
+                <a:solidFill>
+                  <a:srgbClr val="1E293B"/>
+                </a:solidFill>
+                <a:latin typeface="Bricolage Grotesque"/>
+                <a:ea typeface="Bricolage Grotesque"/>
+                <a:cs typeface="Bricolage Grotesque"/>
+                <a:sym typeface="Bricolage Grotesque"/>
+              </a:rPr>
+              <a:t>điều</a:t>
+            </a:r>
+            <a:r>
+              <a:rPr lang="en-US" sz="3000" dirty="0">
+                <a:solidFill>
+                  <a:srgbClr val="1E293B"/>
+                </a:solidFill>
+                <a:latin typeface="Bricolage Grotesque"/>
+                <a:ea typeface="Bricolage Grotesque"/>
+                <a:cs typeface="Bricolage Grotesque"/>
+                <a:sym typeface="Bricolage Grotesque"/>
+              </a:rPr>
+              <a:t> </a:t>
+            </a:r>
+            <a:r>
+              <a:rPr lang="en-US" sz="3000" dirty="0" err="1">
+                <a:solidFill>
+                  <a:srgbClr val="1E293B"/>
+                </a:solidFill>
+                <a:latin typeface="Bricolage Grotesque"/>
+                <a:ea typeface="Bricolage Grotesque"/>
+                <a:cs typeface="Bricolage Grotesque"/>
+                <a:sym typeface="Bricolage Grotesque"/>
+              </a:rPr>
+              <a:t>này</a:t>
+            </a:r>
+            <a:r>
+              <a:rPr lang="en-US" sz="3000" dirty="0">
+                <a:solidFill>
+                  <a:srgbClr val="1E293B"/>
+                </a:solidFill>
+                <a:latin typeface="Bricolage Grotesque"/>
+                <a:ea typeface="Bricolage Grotesque"/>
+                <a:cs typeface="Bricolage Grotesque"/>
+                <a:sym typeface="Bricolage Grotesque"/>
+              </a:rPr>
+              <a:t>.</a:t>
             </a:r>
           </a:p>
           <a:p>
@@ -7572,7 +12875,7 @@
                 <a:spcPts val="4500"/>
               </a:lnSpc>
             </a:pPr>
-            <a:endParaRPr lang="en-US" sz="3000">
+            <a:endParaRPr lang="en-US" sz="3000" dirty="0">
               <a:solidFill>
                 <a:srgbClr val="1E293B"/>
               </a:solidFill>
@@ -7591,7 +12894,7 @@
               <a:buChar char="•"/>
             </a:pPr>
             <a:r>
-              <a:rPr lang="en-US" sz="3000" b="1">
+              <a:rPr lang="en-US" sz="3000" b="1" dirty="0" err="1">
                 <a:solidFill>
                   <a:srgbClr val="1E293B"/>
                 </a:solidFill>
@@ -7600,19 +12903,631 @@
                 <a:cs typeface="Bricolage Grotesque Bold"/>
                 <a:sym typeface="Bricolage Grotesque Bold"/>
               </a:rPr>
-              <a:t>Các thành phần React:</a:t>
-            </a:r>
-            <a:r>
-              <a:rPr lang="en-US" sz="3000">
-                <a:solidFill>
-                  <a:srgbClr val="1E293B"/>
-                </a:solidFill>
-                <a:latin typeface="Bricolage Grotesque"/>
-                <a:ea typeface="Bricolage Grotesque"/>
-                <a:cs typeface="Bricolage Grotesque"/>
-                <a:sym typeface="Bricolage Grotesque"/>
-              </a:rPr>
-              <a:t> JSX thường được sử dụng để tạo ra các thành phần (components) trong React, cho phép bạn dễ dàng tái sử dụng và tổ chức mã.</a:t>
+              <a:t>Các</a:t>
+            </a:r>
+            <a:r>
+              <a:rPr lang="en-US" sz="3000" b="1" dirty="0">
+                <a:solidFill>
+                  <a:srgbClr val="1E293B"/>
+                </a:solidFill>
+                <a:latin typeface="Bricolage Grotesque Bold"/>
+                <a:ea typeface="Bricolage Grotesque Bold"/>
+                <a:cs typeface="Bricolage Grotesque Bold"/>
+                <a:sym typeface="Bricolage Grotesque Bold"/>
+              </a:rPr>
+              <a:t> </a:t>
+            </a:r>
+            <a:r>
+              <a:rPr lang="en-US" sz="3000" b="1" dirty="0" err="1">
+                <a:solidFill>
+                  <a:srgbClr val="1E293B"/>
+                </a:solidFill>
+                <a:latin typeface="Bricolage Grotesque Bold"/>
+                <a:ea typeface="Bricolage Grotesque Bold"/>
+                <a:cs typeface="Bricolage Grotesque Bold"/>
+                <a:sym typeface="Bricolage Grotesque Bold"/>
+              </a:rPr>
+              <a:t>thành</a:t>
+            </a:r>
+            <a:r>
+              <a:rPr lang="en-US" sz="3000" b="1" dirty="0">
+                <a:solidFill>
+                  <a:srgbClr val="1E293B"/>
+                </a:solidFill>
+                <a:latin typeface="Bricolage Grotesque Bold"/>
+                <a:ea typeface="Bricolage Grotesque Bold"/>
+                <a:cs typeface="Bricolage Grotesque Bold"/>
+                <a:sym typeface="Bricolage Grotesque Bold"/>
+              </a:rPr>
+              <a:t> </a:t>
+            </a:r>
+            <a:r>
+              <a:rPr lang="en-US" sz="3000" b="1" dirty="0" err="1">
+                <a:solidFill>
+                  <a:srgbClr val="1E293B"/>
+                </a:solidFill>
+                <a:latin typeface="Bricolage Grotesque Bold"/>
+                <a:ea typeface="Bricolage Grotesque Bold"/>
+                <a:cs typeface="Bricolage Grotesque Bold"/>
+                <a:sym typeface="Bricolage Grotesque Bold"/>
+              </a:rPr>
+              <a:t>phần</a:t>
+            </a:r>
+            <a:r>
+              <a:rPr lang="en-US" sz="3000" b="1" dirty="0">
+                <a:solidFill>
+                  <a:srgbClr val="1E293B"/>
+                </a:solidFill>
+                <a:latin typeface="Bricolage Grotesque Bold"/>
+                <a:ea typeface="Bricolage Grotesque Bold"/>
+                <a:cs typeface="Bricolage Grotesque Bold"/>
+                <a:sym typeface="Bricolage Grotesque Bold"/>
+              </a:rPr>
+              <a:t> React:</a:t>
+            </a:r>
+            <a:r>
+              <a:rPr lang="en-US" sz="3000" dirty="0">
+                <a:solidFill>
+                  <a:srgbClr val="1E293B"/>
+                </a:solidFill>
+                <a:latin typeface="Bricolage Grotesque"/>
+                <a:ea typeface="Bricolage Grotesque"/>
+                <a:cs typeface="Bricolage Grotesque"/>
+                <a:sym typeface="Bricolage Grotesque"/>
+              </a:rPr>
+              <a:t> JSX </a:t>
+            </a:r>
+            <a:r>
+              <a:rPr lang="en-US" sz="3000" dirty="0" err="1">
+                <a:solidFill>
+                  <a:srgbClr val="1E293B"/>
+                </a:solidFill>
+                <a:latin typeface="Bricolage Grotesque"/>
+                <a:ea typeface="Bricolage Grotesque"/>
+                <a:cs typeface="Bricolage Grotesque"/>
+                <a:sym typeface="Bricolage Grotesque"/>
+              </a:rPr>
+              <a:t>thường</a:t>
+            </a:r>
+            <a:r>
+              <a:rPr lang="en-US" sz="3000" dirty="0">
+                <a:solidFill>
+                  <a:srgbClr val="1E293B"/>
+                </a:solidFill>
+                <a:latin typeface="Bricolage Grotesque"/>
+                <a:ea typeface="Bricolage Grotesque"/>
+                <a:cs typeface="Bricolage Grotesque"/>
+                <a:sym typeface="Bricolage Grotesque"/>
+              </a:rPr>
+              <a:t> </a:t>
+            </a:r>
+            <a:r>
+              <a:rPr lang="en-US" sz="3000" dirty="0" err="1">
+                <a:solidFill>
+                  <a:srgbClr val="1E293B"/>
+                </a:solidFill>
+                <a:latin typeface="Bricolage Grotesque"/>
+                <a:ea typeface="Bricolage Grotesque"/>
+                <a:cs typeface="Bricolage Grotesque"/>
+                <a:sym typeface="Bricolage Grotesque"/>
+              </a:rPr>
+              <a:t>được</a:t>
+            </a:r>
+            <a:r>
+              <a:rPr lang="en-US" sz="3000" dirty="0">
+                <a:solidFill>
+                  <a:srgbClr val="1E293B"/>
+                </a:solidFill>
+                <a:latin typeface="Bricolage Grotesque"/>
+                <a:ea typeface="Bricolage Grotesque"/>
+                <a:cs typeface="Bricolage Grotesque"/>
+                <a:sym typeface="Bricolage Grotesque"/>
+              </a:rPr>
+              <a:t> </a:t>
+            </a:r>
+            <a:r>
+              <a:rPr lang="en-US" sz="3000" dirty="0" err="1">
+                <a:solidFill>
+                  <a:srgbClr val="1E293B"/>
+                </a:solidFill>
+                <a:latin typeface="Bricolage Grotesque"/>
+                <a:ea typeface="Bricolage Grotesque"/>
+                <a:cs typeface="Bricolage Grotesque"/>
+                <a:sym typeface="Bricolage Grotesque"/>
+              </a:rPr>
+              <a:t>sử</a:t>
+            </a:r>
+            <a:r>
+              <a:rPr lang="en-US" sz="3000" dirty="0">
+                <a:solidFill>
+                  <a:srgbClr val="1E293B"/>
+                </a:solidFill>
+                <a:latin typeface="Bricolage Grotesque"/>
+                <a:ea typeface="Bricolage Grotesque"/>
+                <a:cs typeface="Bricolage Grotesque"/>
+                <a:sym typeface="Bricolage Grotesque"/>
+              </a:rPr>
+              <a:t> </a:t>
+            </a:r>
+            <a:r>
+              <a:rPr lang="en-US" sz="3000" dirty="0" err="1">
+                <a:solidFill>
+                  <a:srgbClr val="1E293B"/>
+                </a:solidFill>
+                <a:latin typeface="Bricolage Grotesque"/>
+                <a:ea typeface="Bricolage Grotesque"/>
+                <a:cs typeface="Bricolage Grotesque"/>
+                <a:sym typeface="Bricolage Grotesque"/>
+              </a:rPr>
+              <a:t>dụng</a:t>
+            </a:r>
+            <a:r>
+              <a:rPr lang="en-US" sz="3000" dirty="0">
+                <a:solidFill>
+                  <a:srgbClr val="1E293B"/>
+                </a:solidFill>
+                <a:latin typeface="Bricolage Grotesque"/>
+                <a:ea typeface="Bricolage Grotesque"/>
+                <a:cs typeface="Bricolage Grotesque"/>
+                <a:sym typeface="Bricolage Grotesque"/>
+              </a:rPr>
+              <a:t> </a:t>
+            </a:r>
+            <a:r>
+              <a:rPr lang="en-US" sz="3000" dirty="0" err="1">
+                <a:solidFill>
+                  <a:srgbClr val="1E293B"/>
+                </a:solidFill>
+                <a:latin typeface="Bricolage Grotesque"/>
+                <a:ea typeface="Bricolage Grotesque"/>
+                <a:cs typeface="Bricolage Grotesque"/>
+                <a:sym typeface="Bricolage Grotesque"/>
+              </a:rPr>
+              <a:t>để</a:t>
+            </a:r>
+            <a:r>
+              <a:rPr lang="en-US" sz="3000" dirty="0">
+                <a:solidFill>
+                  <a:srgbClr val="1E293B"/>
+                </a:solidFill>
+                <a:latin typeface="Bricolage Grotesque"/>
+                <a:ea typeface="Bricolage Grotesque"/>
+                <a:cs typeface="Bricolage Grotesque"/>
+                <a:sym typeface="Bricolage Grotesque"/>
+              </a:rPr>
+              <a:t> </a:t>
+            </a:r>
+            <a:r>
+              <a:rPr lang="en-US" sz="3000" dirty="0" err="1">
+                <a:solidFill>
+                  <a:srgbClr val="1E293B"/>
+                </a:solidFill>
+                <a:latin typeface="Bricolage Grotesque"/>
+                <a:ea typeface="Bricolage Grotesque"/>
+                <a:cs typeface="Bricolage Grotesque"/>
+                <a:sym typeface="Bricolage Grotesque"/>
+              </a:rPr>
+              <a:t>tạo</a:t>
+            </a:r>
+            <a:r>
+              <a:rPr lang="en-US" sz="3000" dirty="0">
+                <a:solidFill>
+                  <a:srgbClr val="1E293B"/>
+                </a:solidFill>
+                <a:latin typeface="Bricolage Grotesque"/>
+                <a:ea typeface="Bricolage Grotesque"/>
+                <a:cs typeface="Bricolage Grotesque"/>
+                <a:sym typeface="Bricolage Grotesque"/>
+              </a:rPr>
+              <a:t> </a:t>
+            </a:r>
+            <a:r>
+              <a:rPr lang="en-US" sz="3000" dirty="0" err="1">
+                <a:solidFill>
+                  <a:srgbClr val="1E293B"/>
+                </a:solidFill>
+                <a:latin typeface="Bricolage Grotesque"/>
+                <a:ea typeface="Bricolage Grotesque"/>
+                <a:cs typeface="Bricolage Grotesque"/>
+                <a:sym typeface="Bricolage Grotesque"/>
+              </a:rPr>
+              <a:t>ra</a:t>
+            </a:r>
+            <a:r>
+              <a:rPr lang="en-US" sz="3000" dirty="0">
+                <a:solidFill>
+                  <a:srgbClr val="1E293B"/>
+                </a:solidFill>
+                <a:latin typeface="Bricolage Grotesque"/>
+                <a:ea typeface="Bricolage Grotesque"/>
+                <a:cs typeface="Bricolage Grotesque"/>
+                <a:sym typeface="Bricolage Grotesque"/>
+              </a:rPr>
+              <a:t> </a:t>
+            </a:r>
+            <a:r>
+              <a:rPr lang="en-US" sz="3000" dirty="0" err="1">
+                <a:solidFill>
+                  <a:srgbClr val="1E293B"/>
+                </a:solidFill>
+                <a:latin typeface="Bricolage Grotesque"/>
+                <a:ea typeface="Bricolage Grotesque"/>
+                <a:cs typeface="Bricolage Grotesque"/>
+                <a:sym typeface="Bricolage Grotesque"/>
+              </a:rPr>
+              <a:t>các</a:t>
+            </a:r>
+            <a:r>
+              <a:rPr lang="en-US" sz="3000" dirty="0">
+                <a:solidFill>
+                  <a:srgbClr val="1E293B"/>
+                </a:solidFill>
+                <a:latin typeface="Bricolage Grotesque"/>
+                <a:ea typeface="Bricolage Grotesque"/>
+                <a:cs typeface="Bricolage Grotesque"/>
+                <a:sym typeface="Bricolage Grotesque"/>
+              </a:rPr>
+              <a:t> </a:t>
+            </a:r>
+            <a:r>
+              <a:rPr lang="en-US" sz="3000" dirty="0" err="1">
+                <a:solidFill>
+                  <a:srgbClr val="1E293B"/>
+                </a:solidFill>
+                <a:latin typeface="Bricolage Grotesque"/>
+                <a:ea typeface="Bricolage Grotesque"/>
+                <a:cs typeface="Bricolage Grotesque"/>
+                <a:sym typeface="Bricolage Grotesque"/>
+              </a:rPr>
+              <a:t>thành</a:t>
+            </a:r>
+            <a:r>
+              <a:rPr lang="en-US" sz="3000" dirty="0">
+                <a:solidFill>
+                  <a:srgbClr val="1E293B"/>
+                </a:solidFill>
+                <a:latin typeface="Bricolage Grotesque"/>
+                <a:ea typeface="Bricolage Grotesque"/>
+                <a:cs typeface="Bricolage Grotesque"/>
+                <a:sym typeface="Bricolage Grotesque"/>
+              </a:rPr>
+              <a:t> </a:t>
+            </a:r>
+            <a:r>
+              <a:rPr lang="en-US" sz="3000" dirty="0" err="1">
+                <a:solidFill>
+                  <a:srgbClr val="1E293B"/>
+                </a:solidFill>
+                <a:latin typeface="Bricolage Grotesque"/>
+                <a:ea typeface="Bricolage Grotesque"/>
+                <a:cs typeface="Bricolage Grotesque"/>
+                <a:sym typeface="Bricolage Grotesque"/>
+              </a:rPr>
+              <a:t>phần</a:t>
+            </a:r>
+            <a:r>
+              <a:rPr lang="en-US" sz="3000" dirty="0">
+                <a:solidFill>
+                  <a:srgbClr val="1E293B"/>
+                </a:solidFill>
+                <a:latin typeface="Bricolage Grotesque"/>
+                <a:ea typeface="Bricolage Grotesque"/>
+                <a:cs typeface="Bricolage Grotesque"/>
+                <a:sym typeface="Bricolage Grotesque"/>
+              </a:rPr>
+              <a:t> (components) </a:t>
+            </a:r>
+            <a:r>
+              <a:rPr lang="en-US" sz="3000" dirty="0" err="1">
+                <a:solidFill>
+                  <a:srgbClr val="1E293B"/>
+                </a:solidFill>
+                <a:latin typeface="Bricolage Grotesque"/>
+                <a:ea typeface="Bricolage Grotesque"/>
+                <a:cs typeface="Bricolage Grotesque"/>
+                <a:sym typeface="Bricolage Grotesque"/>
+              </a:rPr>
+              <a:t>trong</a:t>
+            </a:r>
+            <a:r>
+              <a:rPr lang="en-US" sz="3000" dirty="0">
+                <a:solidFill>
+                  <a:srgbClr val="1E293B"/>
+                </a:solidFill>
+                <a:latin typeface="Bricolage Grotesque"/>
+                <a:ea typeface="Bricolage Grotesque"/>
+                <a:cs typeface="Bricolage Grotesque"/>
+                <a:sym typeface="Bricolage Grotesque"/>
+              </a:rPr>
+              <a:t> React, </a:t>
+            </a:r>
+            <a:r>
+              <a:rPr lang="en-US" sz="3000" dirty="0" err="1">
+                <a:solidFill>
+                  <a:srgbClr val="1E293B"/>
+                </a:solidFill>
+                <a:latin typeface="Bricolage Grotesque"/>
+                <a:ea typeface="Bricolage Grotesque"/>
+                <a:cs typeface="Bricolage Grotesque"/>
+                <a:sym typeface="Bricolage Grotesque"/>
+              </a:rPr>
+              <a:t>cho</a:t>
+            </a:r>
+            <a:r>
+              <a:rPr lang="en-US" sz="3000" dirty="0">
+                <a:solidFill>
+                  <a:srgbClr val="1E293B"/>
+                </a:solidFill>
+                <a:latin typeface="Bricolage Grotesque"/>
+                <a:ea typeface="Bricolage Grotesque"/>
+                <a:cs typeface="Bricolage Grotesque"/>
+                <a:sym typeface="Bricolage Grotesque"/>
+              </a:rPr>
+              <a:t> </a:t>
+            </a:r>
+            <a:r>
+              <a:rPr lang="en-US" sz="3000" dirty="0" err="1">
+                <a:solidFill>
+                  <a:srgbClr val="1E293B"/>
+                </a:solidFill>
+                <a:latin typeface="Bricolage Grotesque"/>
+                <a:ea typeface="Bricolage Grotesque"/>
+                <a:cs typeface="Bricolage Grotesque"/>
+                <a:sym typeface="Bricolage Grotesque"/>
+              </a:rPr>
+              <a:t>phép</a:t>
+            </a:r>
+            <a:r>
+              <a:rPr lang="en-US" sz="3000" dirty="0">
+                <a:solidFill>
+                  <a:srgbClr val="1E293B"/>
+                </a:solidFill>
+                <a:latin typeface="Bricolage Grotesque"/>
+                <a:ea typeface="Bricolage Grotesque"/>
+                <a:cs typeface="Bricolage Grotesque"/>
+                <a:sym typeface="Bricolage Grotesque"/>
+              </a:rPr>
+              <a:t> </a:t>
+            </a:r>
+            <a:r>
+              <a:rPr lang="en-US" sz="3000" dirty="0" err="1">
+                <a:solidFill>
+                  <a:srgbClr val="1E293B"/>
+                </a:solidFill>
+                <a:latin typeface="Bricolage Grotesque"/>
+                <a:ea typeface="Bricolage Grotesque"/>
+                <a:cs typeface="Bricolage Grotesque"/>
+                <a:sym typeface="Bricolage Grotesque"/>
+              </a:rPr>
+              <a:t>bạn</a:t>
+            </a:r>
+            <a:r>
+              <a:rPr lang="en-US" sz="3000" dirty="0">
+                <a:solidFill>
+                  <a:srgbClr val="1E293B"/>
+                </a:solidFill>
+                <a:latin typeface="Bricolage Grotesque"/>
+                <a:ea typeface="Bricolage Grotesque"/>
+                <a:cs typeface="Bricolage Grotesque"/>
+                <a:sym typeface="Bricolage Grotesque"/>
+              </a:rPr>
+              <a:t> </a:t>
+            </a:r>
+            <a:r>
+              <a:rPr lang="en-US" sz="3000" dirty="0" err="1">
+                <a:solidFill>
+                  <a:srgbClr val="1E293B"/>
+                </a:solidFill>
+                <a:latin typeface="Bricolage Grotesque"/>
+                <a:ea typeface="Bricolage Grotesque"/>
+                <a:cs typeface="Bricolage Grotesque"/>
+                <a:sym typeface="Bricolage Grotesque"/>
+              </a:rPr>
+              <a:t>dễ</a:t>
+            </a:r>
+            <a:r>
+              <a:rPr lang="en-US" sz="3000" dirty="0">
+                <a:solidFill>
+                  <a:srgbClr val="1E293B"/>
+                </a:solidFill>
+                <a:latin typeface="Bricolage Grotesque"/>
+                <a:ea typeface="Bricolage Grotesque"/>
+                <a:cs typeface="Bricolage Grotesque"/>
+                <a:sym typeface="Bricolage Grotesque"/>
+              </a:rPr>
+              <a:t> </a:t>
+            </a:r>
+            <a:r>
+              <a:rPr lang="en-US" sz="3000" dirty="0" err="1">
+                <a:solidFill>
+                  <a:srgbClr val="1E293B"/>
+                </a:solidFill>
+                <a:latin typeface="Bricolage Grotesque"/>
+                <a:ea typeface="Bricolage Grotesque"/>
+                <a:cs typeface="Bricolage Grotesque"/>
+                <a:sym typeface="Bricolage Grotesque"/>
+              </a:rPr>
+              <a:t>dàng</a:t>
+            </a:r>
+            <a:r>
+              <a:rPr lang="en-US" sz="3000" dirty="0">
+                <a:solidFill>
+                  <a:srgbClr val="1E293B"/>
+                </a:solidFill>
+                <a:latin typeface="Bricolage Grotesque"/>
+                <a:ea typeface="Bricolage Grotesque"/>
+                <a:cs typeface="Bricolage Grotesque"/>
+                <a:sym typeface="Bricolage Grotesque"/>
+              </a:rPr>
+              <a:t> </a:t>
+            </a:r>
+            <a:r>
+              <a:rPr lang="en-US" sz="3000" dirty="0" err="1">
+                <a:solidFill>
+                  <a:srgbClr val="1E293B"/>
+                </a:solidFill>
+                <a:latin typeface="Bricolage Grotesque"/>
+                <a:ea typeface="Bricolage Grotesque"/>
+                <a:cs typeface="Bricolage Grotesque"/>
+                <a:sym typeface="Bricolage Grotesque"/>
+              </a:rPr>
+              <a:t>tái</a:t>
+            </a:r>
+            <a:r>
+              <a:rPr lang="en-US" sz="3000" dirty="0">
+                <a:solidFill>
+                  <a:srgbClr val="1E293B"/>
+                </a:solidFill>
+                <a:latin typeface="Bricolage Grotesque"/>
+                <a:ea typeface="Bricolage Grotesque"/>
+                <a:cs typeface="Bricolage Grotesque"/>
+                <a:sym typeface="Bricolage Grotesque"/>
+              </a:rPr>
+              <a:t> </a:t>
+            </a:r>
+            <a:r>
+              <a:rPr lang="en-US" sz="3000" dirty="0" err="1">
+                <a:solidFill>
+                  <a:srgbClr val="1E293B"/>
+                </a:solidFill>
+                <a:latin typeface="Bricolage Grotesque"/>
+                <a:ea typeface="Bricolage Grotesque"/>
+                <a:cs typeface="Bricolage Grotesque"/>
+                <a:sym typeface="Bricolage Grotesque"/>
+              </a:rPr>
+              <a:t>sử</a:t>
+            </a:r>
+            <a:r>
+              <a:rPr lang="en-US" sz="3000" dirty="0">
+                <a:solidFill>
+                  <a:srgbClr val="1E293B"/>
+                </a:solidFill>
+                <a:latin typeface="Bricolage Grotesque"/>
+                <a:ea typeface="Bricolage Grotesque"/>
+                <a:cs typeface="Bricolage Grotesque"/>
+                <a:sym typeface="Bricolage Grotesque"/>
+              </a:rPr>
+              <a:t> </a:t>
+            </a:r>
+            <a:r>
+              <a:rPr lang="en-US" sz="3000" dirty="0" err="1">
+                <a:solidFill>
+                  <a:srgbClr val="1E293B"/>
+                </a:solidFill>
+                <a:latin typeface="Bricolage Grotesque"/>
+                <a:ea typeface="Bricolage Grotesque"/>
+                <a:cs typeface="Bricolage Grotesque"/>
+                <a:sym typeface="Bricolage Grotesque"/>
+              </a:rPr>
+              <a:t>dụng</a:t>
+            </a:r>
+            <a:r>
+              <a:rPr lang="en-US" sz="3000" dirty="0">
+                <a:solidFill>
+                  <a:srgbClr val="1E293B"/>
+                </a:solidFill>
+                <a:latin typeface="Bricolage Grotesque"/>
+                <a:ea typeface="Bricolage Grotesque"/>
+                <a:cs typeface="Bricolage Grotesque"/>
+                <a:sym typeface="Bricolage Grotesque"/>
+              </a:rPr>
+              <a:t> </a:t>
+            </a:r>
+            <a:r>
+              <a:rPr lang="en-US" sz="3000" dirty="0" err="1">
+                <a:solidFill>
+                  <a:srgbClr val="1E293B"/>
+                </a:solidFill>
+                <a:latin typeface="Bricolage Grotesque"/>
+                <a:ea typeface="Bricolage Grotesque"/>
+                <a:cs typeface="Bricolage Grotesque"/>
+                <a:sym typeface="Bricolage Grotesque"/>
+              </a:rPr>
+              <a:t>và</a:t>
+            </a:r>
+            <a:r>
+              <a:rPr lang="en-US" sz="3000" dirty="0">
+                <a:solidFill>
+                  <a:srgbClr val="1E293B"/>
+                </a:solidFill>
+                <a:latin typeface="Bricolage Grotesque"/>
+                <a:ea typeface="Bricolage Grotesque"/>
+                <a:cs typeface="Bricolage Grotesque"/>
+                <a:sym typeface="Bricolage Grotesque"/>
+              </a:rPr>
+              <a:t> </a:t>
+            </a:r>
+            <a:r>
+              <a:rPr lang="en-US" sz="3000" dirty="0" err="1">
+                <a:solidFill>
+                  <a:srgbClr val="1E293B"/>
+                </a:solidFill>
+                <a:latin typeface="Bricolage Grotesque"/>
+                <a:ea typeface="Bricolage Grotesque"/>
+                <a:cs typeface="Bricolage Grotesque"/>
+                <a:sym typeface="Bricolage Grotesque"/>
+              </a:rPr>
+              <a:t>tổ</a:t>
+            </a:r>
+            <a:r>
+              <a:rPr lang="en-US" sz="3000" dirty="0">
+                <a:solidFill>
+                  <a:srgbClr val="1E293B"/>
+                </a:solidFill>
+                <a:latin typeface="Bricolage Grotesque"/>
+                <a:ea typeface="Bricolage Grotesque"/>
+                <a:cs typeface="Bricolage Grotesque"/>
+                <a:sym typeface="Bricolage Grotesque"/>
+              </a:rPr>
+              <a:t> </a:t>
+            </a:r>
+            <a:r>
+              <a:rPr lang="en-US" sz="3000" dirty="0" err="1">
+                <a:solidFill>
+                  <a:srgbClr val="1E293B"/>
+                </a:solidFill>
+                <a:latin typeface="Bricolage Grotesque"/>
+                <a:ea typeface="Bricolage Grotesque"/>
+                <a:cs typeface="Bricolage Grotesque"/>
+                <a:sym typeface="Bricolage Grotesque"/>
+              </a:rPr>
+              <a:t>chức</a:t>
+            </a:r>
+            <a:r>
+              <a:rPr lang="en-US" sz="3000" dirty="0">
+                <a:solidFill>
+                  <a:srgbClr val="1E293B"/>
+                </a:solidFill>
+                <a:latin typeface="Bricolage Grotesque"/>
+                <a:ea typeface="Bricolage Grotesque"/>
+                <a:cs typeface="Bricolage Grotesque"/>
+                <a:sym typeface="Bricolage Grotesque"/>
+              </a:rPr>
+              <a:t> </a:t>
+            </a:r>
+            <a:r>
+              <a:rPr lang="en-US" sz="3000" dirty="0" err="1">
+                <a:solidFill>
+                  <a:srgbClr val="1E293B"/>
+                </a:solidFill>
+                <a:latin typeface="Bricolage Grotesque"/>
+                <a:ea typeface="Bricolage Grotesque"/>
+                <a:cs typeface="Bricolage Grotesque"/>
+                <a:sym typeface="Bricolage Grotesque"/>
+              </a:rPr>
+              <a:t>mã</a:t>
+            </a:r>
+            <a:r>
+              <a:rPr lang="en-US" sz="3000" dirty="0">
+                <a:solidFill>
+                  <a:srgbClr val="1E293B"/>
+                </a:solidFill>
+                <a:latin typeface="Bricolage Grotesque"/>
+                <a:ea typeface="Bricolage Grotesque"/>
+                <a:cs typeface="Bricolage Grotesque"/>
+                <a:sym typeface="Bricolage Grotesque"/>
+              </a:rPr>
+              <a:t>.</a:t>
             </a:r>
           </a:p>
         </p:txBody>
@@ -7632,7 +13547,7 @@
 </p:sld>
 </file>
 
-<file path=ppt/slides/slide5.xml><?xml version="1.0" encoding="utf-8"?>
+<file path=ppt/slides/slide6.xml><?xml version="1.0" encoding="utf-8"?>
 <p:sld xmlns:a="http://schemas.openxmlformats.org/drawingml/2006/main" xmlns:r="http://schemas.openxmlformats.org/officeDocument/2006/relationships" xmlns:p="http://schemas.openxmlformats.org/presentationml/2006/main">
   <p:cSld>
     <p:bg>
@@ -7916,7 +13831,7 @@
 </p:sld>
 </file>
 
-<file path=ppt/slides/slide6.xml><?xml version="1.0" encoding="utf-8"?>
+<file path=ppt/slides/slide7.xml><?xml version="1.0" encoding="utf-8"?>
 <p:sld xmlns:a="http://schemas.openxmlformats.org/drawingml/2006/main" xmlns:r="http://schemas.openxmlformats.org/officeDocument/2006/relationships" xmlns:p="http://schemas.openxmlformats.org/presentationml/2006/main">
   <p:cSld>
     <p:bg>
@@ -8046,7 +13961,7 @@
 </p:sld>
 </file>
 
-<file path=ppt/slides/slide7.xml><?xml version="1.0" encoding="utf-8"?>
+<file path=ppt/slides/slide8.xml><?xml version="1.0" encoding="utf-8"?>
 <p:sld xmlns:a="http://schemas.openxmlformats.org/drawingml/2006/main" xmlns:r="http://schemas.openxmlformats.org/officeDocument/2006/relationships" xmlns:p="http://schemas.openxmlformats.org/presentationml/2006/main">
   <p:cSld>
     <p:bg>
@@ -8176,7 +14091,7 @@
 </p:sld>
 </file>
 
-<file path=ppt/slides/slide8.xml><?xml version="1.0" encoding="utf-8"?>
+<file path=ppt/slides/slide9.xml><?xml version="1.0" encoding="utf-8"?>
 <p:sld xmlns:a="http://schemas.openxmlformats.org/drawingml/2006/main" xmlns:r="http://schemas.openxmlformats.org/officeDocument/2006/relationships" xmlns:p="http://schemas.openxmlformats.org/presentationml/2006/main">
   <p:cSld>
     <p:bg>
@@ -8301,7 +14216,7 @@
               <a:blip r:embed="rId2">
                 <a:extLst>
                   <a:ext uri="{96DAC541-7B7A-43D3-8B79-37D633B846F1}">
-                    <asvg:svgBlip xmlns:asvg="http://schemas.microsoft.com/office/drawing/2016/SVG/main" xmlns="" r:embed="rId3"/>
+                    <asvg:svgBlip xmlns="" xmlns:asvg="http://schemas.microsoft.com/office/drawing/2016/SVG/main" r:embed="rId3"/>
                   </a:ext>
                 </a:extLst>
               </a:blip>
@@ -8545,607 +14460,6 @@
                 <a:sym typeface="Bricolage Grotesque Bold"/>
               </a:rPr>
               <a:t>https://vite.dev/guide/</a:t>
-            </a:r>
-          </a:p>
-        </p:txBody>
-      </p:sp>
-    </p:spTree>
-  </p:cSld>
-  <p:clrMapOvr>
-    <a:masterClrMapping/>
-  </p:clrMapOvr>
-  <p:timing>
-    <p:tnLst>
-      <p:par>
-        <p:cTn id="1" dur="indefinite" restart="never" nodeType="tmRoot"/>
-      </p:par>
-    </p:tnLst>
-  </p:timing>
-</p:sld>
-</file>
-
-<file path=ppt/slides/slide9.xml><?xml version="1.0" encoding="utf-8"?>
-<p:sld xmlns:a="http://schemas.openxmlformats.org/drawingml/2006/main" xmlns:r="http://schemas.openxmlformats.org/officeDocument/2006/relationships" xmlns:p="http://schemas.openxmlformats.org/presentationml/2006/main">
-  <p:cSld>
-    <p:bg>
-      <p:bgPr>
-        <a:solidFill>
-          <a:srgbClr val="F7F7F7"/>
-        </a:solidFill>
-        <a:effectLst/>
-      </p:bgPr>
-    </p:bg>
-    <p:spTree>
-      <p:nvGrpSpPr>
-        <p:cNvPr id="1" name=""/>
-        <p:cNvGrpSpPr/>
-        <p:nvPr/>
-      </p:nvGrpSpPr>
-      <p:grpSpPr>
-        <a:xfrm>
-          <a:off x="0" y="0"/>
-          <a:ext cx="0" cy="0"/>
-          <a:chOff x="0" y="0"/>
-          <a:chExt cx="0" cy="0"/>
-        </a:xfrm>
-      </p:grpSpPr>
-      <p:graphicFrame>
-        <p:nvGraphicFramePr>
-          <p:cNvPr id="2" name="Table 2"/>
-          <p:cNvGraphicFramePr>
-            <a:graphicFrameLocks noGrp="1"/>
-          </p:cNvGraphicFramePr>
-          <p:nvPr/>
-        </p:nvGraphicFramePr>
-        <p:xfrm>
-          <a:off x="1028700" y="1690000"/>
-          <a:ext cx="16230600" cy="7568300"/>
-        </p:xfrm>
-        <a:graphic>
-          <a:graphicData uri="http://schemas.openxmlformats.org/drawingml/2006/table">
-            <a:tbl>
-              <a:tblPr/>
-              <a:tblGrid>
-                <a:gridCol w="8115300">
-                  <a:extLst>
-                    <a:ext uri="{9D8B030D-6E8A-4147-A177-3AD203B41FA5}">
-                      <a16:colId xmlns:a16="http://schemas.microsoft.com/office/drawing/2014/main" val="20000"/>
-                    </a:ext>
-                  </a:extLst>
-                </a:gridCol>
-                <a:gridCol w="8115300">
-                  <a:extLst>
-                    <a:ext uri="{9D8B030D-6E8A-4147-A177-3AD203B41FA5}">
-                      <a16:colId xmlns:a16="http://schemas.microsoft.com/office/drawing/2014/main" val="20001"/>
-                    </a:ext>
-                  </a:extLst>
-                </a:gridCol>
-              </a:tblGrid>
-              <a:tr h="1100917">
-                <a:tc>
-                  <a:txBody>
-                    <a:bodyPr/>
-                    <a:lstStyle/>
-                    <a:p>
-                      <a:pPr algn="ctr">
-                        <a:lnSpc>
-                          <a:spcPts val="4200"/>
-                        </a:lnSpc>
-                        <a:defRPr/>
-                      </a:pPr>
-                      <a:r>
-                        <a:rPr lang="en-US" sz="3000" b="1">
-                          <a:solidFill>
-                            <a:srgbClr val="000000"/>
-                          </a:solidFill>
-                          <a:latin typeface="Bricolage Grotesque Bold"/>
-                          <a:ea typeface="Bricolage Grotesque Bold"/>
-                          <a:cs typeface="Bricolage Grotesque Bold"/>
-                          <a:sym typeface="Bricolage Grotesque Bold"/>
-                        </a:rPr>
-                        <a:t>NPM (Node Package Manager)</a:t>
-                      </a:r>
-                      <a:endParaRPr lang="en-US" sz="1100"/>
-                    </a:p>
-                  </a:txBody>
-                  <a:tcPr marL="190500" marR="190500" marT="190500" marB="190500" anchor="ctr">
-                    <a:lnL w="38100" cap="flat" cmpd="sng" algn="ctr">
-                      <a:solidFill>
-                        <a:srgbClr val="000000"/>
-                      </a:solidFill>
-                      <a:prstDash val="solid"/>
-                      <a:round/>
-                      <a:headEnd type="none" w="med" len="med"/>
-                      <a:tailEnd type="none" w="med" len="med"/>
-                    </a:lnL>
-                    <a:lnR w="38100" cap="flat" cmpd="sng" algn="ctr">
-                      <a:solidFill>
-                        <a:srgbClr val="000000"/>
-                      </a:solidFill>
-                      <a:prstDash val="solid"/>
-                      <a:round/>
-                      <a:headEnd type="none" w="med" len="med"/>
-                      <a:tailEnd type="none" w="med" len="med"/>
-                    </a:lnR>
-                    <a:lnT w="38100" cap="flat" cmpd="sng" algn="ctr">
-                      <a:solidFill>
-                        <a:srgbClr val="000000"/>
-                      </a:solidFill>
-                      <a:prstDash val="solid"/>
-                      <a:round/>
-                      <a:headEnd type="none" w="med" len="med"/>
-                      <a:tailEnd type="none" w="med" len="med"/>
-                    </a:lnT>
-                    <a:lnB w="38100" cap="flat" cmpd="sng" algn="ctr">
-                      <a:solidFill>
-                        <a:srgbClr val="000000"/>
-                      </a:solidFill>
-                      <a:prstDash val="solid"/>
-                      <a:round/>
-                      <a:headEnd type="none" w="med" len="med"/>
-                      <a:tailEnd type="none" w="med" len="med"/>
-                    </a:lnB>
-                  </a:tcPr>
-                </a:tc>
-                <a:tc>
-                  <a:txBody>
-                    <a:bodyPr/>
-                    <a:lstStyle/>
-                    <a:p>
-                      <a:pPr algn="ctr">
-                        <a:lnSpc>
-                          <a:spcPts val="4200"/>
-                        </a:lnSpc>
-                        <a:defRPr/>
-                      </a:pPr>
-                      <a:r>
-                        <a:rPr lang="en-US" sz="3000" b="1">
-                          <a:solidFill>
-                            <a:srgbClr val="000000"/>
-                          </a:solidFill>
-                          <a:latin typeface="Bricolage Grotesque Bold"/>
-                          <a:ea typeface="Bricolage Grotesque Bold"/>
-                          <a:cs typeface="Bricolage Grotesque Bold"/>
-                          <a:sym typeface="Bricolage Grotesque Bold"/>
-                        </a:rPr>
-                        <a:t>NuGet</a:t>
-                      </a:r>
-                      <a:endParaRPr lang="en-US" sz="1100"/>
-                    </a:p>
-                  </a:txBody>
-                  <a:tcPr marL="190500" marR="190500" marT="190500" marB="190500" anchor="ctr">
-                    <a:lnL w="38100" cap="flat" cmpd="sng" algn="ctr">
-                      <a:solidFill>
-                        <a:srgbClr val="000000"/>
-                      </a:solidFill>
-                      <a:prstDash val="solid"/>
-                      <a:round/>
-                      <a:headEnd type="none" w="med" len="med"/>
-                      <a:tailEnd type="none" w="med" len="med"/>
-                    </a:lnL>
-                    <a:lnR w="38100" cap="flat" cmpd="sng" algn="ctr">
-                      <a:solidFill>
-                        <a:srgbClr val="000000"/>
-                      </a:solidFill>
-                      <a:prstDash val="solid"/>
-                      <a:round/>
-                      <a:headEnd type="none" w="med" len="med"/>
-                      <a:tailEnd type="none" w="med" len="med"/>
-                    </a:lnR>
-                    <a:lnT w="38100" cap="flat" cmpd="sng" algn="ctr">
-                      <a:solidFill>
-                        <a:srgbClr val="000000"/>
-                      </a:solidFill>
-                      <a:prstDash val="solid"/>
-                      <a:round/>
-                      <a:headEnd type="none" w="med" len="med"/>
-                      <a:tailEnd type="none" w="med" len="med"/>
-                    </a:lnT>
-                    <a:lnB w="38100" cap="flat" cmpd="sng" algn="ctr">
-                      <a:solidFill>
-                        <a:srgbClr val="000000"/>
-                      </a:solidFill>
-                      <a:prstDash val="solid"/>
-                      <a:round/>
-                      <a:headEnd type="none" w="med" len="med"/>
-                      <a:tailEnd type="none" w="med" len="med"/>
-                    </a:lnB>
-                  </a:tcPr>
-                </a:tc>
-                <a:extLst>
-                  <a:ext uri="{0D108BD9-81ED-4DB2-BD59-A6C34878D82A}">
-                    <a16:rowId xmlns:a16="http://schemas.microsoft.com/office/drawing/2014/main" val="10000"/>
-                  </a:ext>
-                </a:extLst>
-              </a:tr>
-              <a:tr h="6467383">
-                <a:tc>
-                  <a:txBody>
-                    <a:bodyPr/>
-                    <a:lstStyle/>
-                    <a:p>
-                      <a:pPr marL="539746" lvl="1" indent="-269873" algn="l">
-                        <a:lnSpc>
-                          <a:spcPts val="3749"/>
-                        </a:lnSpc>
-                        <a:buFont typeface="Arial"/>
-                        <a:buChar char="•"/>
-                        <a:defRPr/>
-                      </a:pPr>
-                      <a:r>
-                        <a:rPr lang="en-US" sz="2499">
-                          <a:solidFill>
-                            <a:srgbClr val="000000"/>
-                          </a:solidFill>
-                          <a:latin typeface="Bricolage Grotesque"/>
-                          <a:ea typeface="Bricolage Grotesque"/>
-                          <a:cs typeface="Bricolage Grotesque"/>
-                          <a:sym typeface="Bricolage Grotesque"/>
-                        </a:rPr>
-                        <a:t>Là công cụ quản lý gói cho Node.js và JavaScript.</a:t>
-                      </a:r>
-                      <a:endParaRPr lang="en-US" sz="1100"/>
-                    </a:p>
-                    <a:p>
-                      <a:pPr algn="l">
-                        <a:lnSpc>
-                          <a:spcPts val="3749"/>
-                        </a:lnSpc>
-                      </a:pPr>
-                      <a:endParaRPr lang="en-US" sz="1100"/>
-                    </a:p>
-                    <a:p>
-                      <a:pPr marL="539746" lvl="1" indent="-269873" algn="l">
-                        <a:lnSpc>
-                          <a:spcPts val="3749"/>
-                        </a:lnSpc>
-                        <a:buFont typeface="Arial"/>
-                        <a:buChar char="•"/>
-                      </a:pPr>
-                      <a:r>
-                        <a:rPr lang="en-US" sz="2499">
-                          <a:solidFill>
-                            <a:srgbClr val="000000"/>
-                          </a:solidFill>
-                          <a:latin typeface="Bricolage Grotesque"/>
-                          <a:ea typeface="Bricolage Grotesque"/>
-                          <a:cs typeface="Bricolage Grotesque"/>
-                          <a:sym typeface="Bricolage Grotesque"/>
-                        </a:rPr>
-                        <a:t>Được sử dụng để cài đặt và quản lý các thư viện JavaScript và các công cụ phát triển liên quan.</a:t>
-                      </a:r>
-                    </a:p>
-                    <a:p>
-                      <a:pPr algn="l">
-                        <a:lnSpc>
-                          <a:spcPts val="3749"/>
-                        </a:lnSpc>
-                      </a:pPr>
-                      <a:endParaRPr lang="en-US" sz="2499">
-                        <a:solidFill>
-                          <a:srgbClr val="000000"/>
-                        </a:solidFill>
-                        <a:latin typeface="Bricolage Grotesque"/>
-                        <a:ea typeface="Bricolage Grotesque"/>
-                        <a:cs typeface="Bricolage Grotesque"/>
-                        <a:sym typeface="Bricolage Grotesque"/>
-                      </a:endParaRPr>
-                    </a:p>
-                    <a:p>
-                      <a:pPr marL="539746" lvl="1" indent="-269873" algn="l">
-                        <a:lnSpc>
-                          <a:spcPts val="3749"/>
-                        </a:lnSpc>
-                        <a:buFont typeface="Arial"/>
-                        <a:buChar char="•"/>
-                      </a:pPr>
-                      <a:r>
-                        <a:rPr lang="en-US" sz="2499">
-                          <a:solidFill>
-                            <a:srgbClr val="000000"/>
-                          </a:solidFill>
-                          <a:latin typeface="Bricolage Grotesque"/>
-                          <a:ea typeface="Bricolage Grotesque"/>
-                          <a:cs typeface="Bricolage Grotesque"/>
-                          <a:sym typeface="Bricolage Grotesque"/>
-                        </a:rPr>
-                        <a:t>Các gói được cài đặt từ kho lưu trữ trực tuyến (npm registry).</a:t>
-                      </a:r>
-                    </a:p>
-                    <a:p>
-                      <a:pPr algn="l">
-                        <a:lnSpc>
-                          <a:spcPts val="3749"/>
-                        </a:lnSpc>
-                      </a:pPr>
-                      <a:endParaRPr lang="en-US" sz="2499">
-                        <a:solidFill>
-                          <a:srgbClr val="000000"/>
-                        </a:solidFill>
-                        <a:latin typeface="Bricolage Grotesque"/>
-                        <a:ea typeface="Bricolage Grotesque"/>
-                        <a:cs typeface="Bricolage Grotesque"/>
-                        <a:sym typeface="Bricolage Grotesque"/>
-                      </a:endParaRPr>
-                    </a:p>
-                    <a:p>
-                      <a:pPr marL="539746" lvl="1" indent="-269873" algn="l">
-                        <a:lnSpc>
-                          <a:spcPts val="3749"/>
-                        </a:lnSpc>
-                        <a:buFont typeface="Arial"/>
-                        <a:buChar char="•"/>
-                      </a:pPr>
-                      <a:r>
-                        <a:rPr lang="en-US" sz="2499">
-                          <a:solidFill>
-                            <a:srgbClr val="000000"/>
-                          </a:solidFill>
-                          <a:latin typeface="Bricolage Grotesque"/>
-                          <a:ea typeface="Bricolage Grotesque"/>
-                          <a:cs typeface="Bricolage Grotesque"/>
-                          <a:sym typeface="Bricolage Grotesque"/>
-                        </a:rPr>
-                        <a:t>Hỗ trợ các tệp cấu hình như package.json để quản lý các gói và thông tin dự án.</a:t>
-                      </a:r>
-                    </a:p>
-                  </a:txBody>
-                  <a:tcPr marL="190500" marR="190500" marT="190500" marB="190500" anchor="ctr">
-                    <a:lnL w="38100" cap="flat" cmpd="sng" algn="ctr">
-                      <a:solidFill>
-                        <a:srgbClr val="000000"/>
-                      </a:solidFill>
-                      <a:prstDash val="solid"/>
-                      <a:round/>
-                      <a:headEnd type="none" w="med" len="med"/>
-                      <a:tailEnd type="none" w="med" len="med"/>
-                    </a:lnL>
-                    <a:lnR w="38100" cap="flat" cmpd="sng" algn="ctr">
-                      <a:solidFill>
-                        <a:srgbClr val="000000"/>
-                      </a:solidFill>
-                      <a:prstDash val="solid"/>
-                      <a:round/>
-                      <a:headEnd type="none" w="med" len="med"/>
-                      <a:tailEnd type="none" w="med" len="med"/>
-                    </a:lnR>
-                    <a:lnT w="38100" cap="flat" cmpd="sng" algn="ctr">
-                      <a:solidFill>
-                        <a:srgbClr val="000000"/>
-                      </a:solidFill>
-                      <a:prstDash val="solid"/>
-                      <a:round/>
-                      <a:headEnd type="none" w="med" len="med"/>
-                      <a:tailEnd type="none" w="med" len="med"/>
-                    </a:lnT>
-                    <a:lnB w="38100" cap="flat" cmpd="sng" algn="ctr">
-                      <a:solidFill>
-                        <a:srgbClr val="000000"/>
-                      </a:solidFill>
-                      <a:prstDash val="solid"/>
-                      <a:round/>
-                      <a:headEnd type="none" w="med" len="med"/>
-                      <a:tailEnd type="none" w="med" len="med"/>
-                    </a:lnB>
-                  </a:tcPr>
-                </a:tc>
-                <a:tc>
-                  <a:txBody>
-                    <a:bodyPr/>
-                    <a:lstStyle/>
-                    <a:p>
-                      <a:pPr marL="539746" lvl="1" indent="-269873" algn="l">
-                        <a:lnSpc>
-                          <a:spcPts val="3749"/>
-                        </a:lnSpc>
-                        <a:buFont typeface="Arial"/>
-                        <a:buChar char="•"/>
-                        <a:defRPr/>
-                      </a:pPr>
-                      <a:r>
-                        <a:rPr lang="en-US" sz="2499">
-                          <a:solidFill>
-                            <a:srgbClr val="000000"/>
-                          </a:solidFill>
-                          <a:latin typeface="Bricolage Grotesque"/>
-                          <a:ea typeface="Bricolage Grotesque"/>
-                          <a:cs typeface="Bricolage Grotesque"/>
-                          <a:sym typeface="Bricolage Grotesque"/>
-                        </a:rPr>
-                        <a:t>Là công cụ quản lý gói cho .NET và các ứng dụng dựa trên .NET.</a:t>
-                      </a:r>
-                      <a:endParaRPr lang="en-US" sz="1100"/>
-                    </a:p>
-                    <a:p>
-                      <a:pPr algn="l">
-                        <a:lnSpc>
-                          <a:spcPts val="3749"/>
-                        </a:lnSpc>
-                      </a:pPr>
-                      <a:endParaRPr lang="en-US" sz="1100"/>
-                    </a:p>
-                    <a:p>
-                      <a:pPr marL="539746" lvl="1" indent="-269873" algn="l">
-                        <a:lnSpc>
-                          <a:spcPts val="3749"/>
-                        </a:lnSpc>
-                        <a:buFont typeface="Arial"/>
-                        <a:buChar char="•"/>
-                      </a:pPr>
-                      <a:r>
-                        <a:rPr lang="en-US" sz="2499">
-                          <a:solidFill>
-                            <a:srgbClr val="000000"/>
-                          </a:solidFill>
-                          <a:latin typeface="Bricolage Grotesque"/>
-                          <a:ea typeface="Bricolage Grotesque"/>
-                          <a:cs typeface="Bricolage Grotesque"/>
-                          <a:sym typeface="Bricolage Grotesque"/>
-                        </a:rPr>
-                        <a:t>Được sử dụng để cài đặt và quản lý các thư viện .NET, bao gồm cả thư viện cho ASP.NET, WinForms, WPF và các loại dự án khác.</a:t>
-                      </a:r>
-                    </a:p>
-                    <a:p>
-                      <a:pPr algn="l">
-                        <a:lnSpc>
-                          <a:spcPts val="3749"/>
-                        </a:lnSpc>
-                      </a:pPr>
-                      <a:endParaRPr lang="en-US" sz="2499">
-                        <a:solidFill>
-                          <a:srgbClr val="000000"/>
-                        </a:solidFill>
-                        <a:latin typeface="Bricolage Grotesque"/>
-                        <a:ea typeface="Bricolage Grotesque"/>
-                        <a:cs typeface="Bricolage Grotesque"/>
-                        <a:sym typeface="Bricolage Grotesque"/>
-                      </a:endParaRPr>
-                    </a:p>
-                    <a:p>
-                      <a:pPr marL="539746" lvl="1" indent="-269873" algn="l">
-                        <a:lnSpc>
-                          <a:spcPts val="3749"/>
-                        </a:lnSpc>
-                        <a:buFont typeface="Arial"/>
-                        <a:buChar char="•"/>
-                      </a:pPr>
-                      <a:r>
-                        <a:rPr lang="en-US" sz="2499">
-                          <a:solidFill>
-                            <a:srgbClr val="000000"/>
-                          </a:solidFill>
-                          <a:latin typeface="Bricolage Grotesque"/>
-                          <a:ea typeface="Bricolage Grotesque"/>
-                          <a:cs typeface="Bricolage Grotesque"/>
-                          <a:sym typeface="Bricolage Grotesque"/>
-                        </a:rPr>
-                        <a:t>Các gói được cài đặt từ kho lưu trữ NuGet (nuget.org).</a:t>
-                      </a:r>
-                    </a:p>
-                    <a:p>
-                      <a:pPr algn="l">
-                        <a:lnSpc>
-                          <a:spcPts val="3749"/>
-                        </a:lnSpc>
-                      </a:pPr>
-                      <a:endParaRPr lang="en-US" sz="2499">
-                        <a:solidFill>
-                          <a:srgbClr val="000000"/>
-                        </a:solidFill>
-                        <a:latin typeface="Bricolage Grotesque"/>
-                        <a:ea typeface="Bricolage Grotesque"/>
-                        <a:cs typeface="Bricolage Grotesque"/>
-                        <a:sym typeface="Bricolage Grotesque"/>
-                      </a:endParaRPr>
-                    </a:p>
-                    <a:p>
-                      <a:pPr marL="539746" lvl="1" indent="-269873" algn="l">
-                        <a:lnSpc>
-                          <a:spcPts val="3749"/>
-                        </a:lnSpc>
-                        <a:buFont typeface="Arial"/>
-                        <a:buChar char="•"/>
-                      </a:pPr>
-                      <a:r>
-                        <a:rPr lang="en-US" sz="2499">
-                          <a:solidFill>
-                            <a:srgbClr val="000000"/>
-                          </a:solidFill>
-                          <a:latin typeface="Bricolage Grotesque"/>
-                          <a:ea typeface="Bricolage Grotesque"/>
-                          <a:cs typeface="Bricolage Grotesque"/>
-                          <a:sym typeface="Bricolage Grotesque"/>
-                        </a:rPr>
-                        <a:t>Sử dụng tệp cấu hình như packages.config hoặc .csproj để quản lý các gói và thông tin dự án.</a:t>
-                      </a:r>
-                    </a:p>
-                  </a:txBody>
-                  <a:tcPr marL="190500" marR="190500" marT="190500" marB="190500" anchor="ctr">
-                    <a:lnL w="38100" cap="flat" cmpd="sng" algn="ctr">
-                      <a:solidFill>
-                        <a:srgbClr val="000000"/>
-                      </a:solidFill>
-                      <a:prstDash val="solid"/>
-                      <a:round/>
-                      <a:headEnd type="none" w="med" len="med"/>
-                      <a:tailEnd type="none" w="med" len="med"/>
-                    </a:lnL>
-                    <a:lnR w="38100" cap="flat" cmpd="sng" algn="ctr">
-                      <a:solidFill>
-                        <a:srgbClr val="000000"/>
-                      </a:solidFill>
-                      <a:prstDash val="solid"/>
-                      <a:round/>
-                      <a:headEnd type="none" w="med" len="med"/>
-                      <a:tailEnd type="none" w="med" len="med"/>
-                    </a:lnR>
-                    <a:lnT w="38100" cap="flat" cmpd="sng" algn="ctr">
-                      <a:solidFill>
-                        <a:srgbClr val="000000"/>
-                      </a:solidFill>
-                      <a:prstDash val="solid"/>
-                      <a:round/>
-                      <a:headEnd type="none" w="med" len="med"/>
-                      <a:tailEnd type="none" w="med" len="med"/>
-                    </a:lnT>
-                    <a:lnB w="38100" cap="flat" cmpd="sng" algn="ctr">
-                      <a:solidFill>
-                        <a:srgbClr val="000000"/>
-                      </a:solidFill>
-                      <a:prstDash val="solid"/>
-                      <a:round/>
-                      <a:headEnd type="none" w="med" len="med"/>
-                      <a:tailEnd type="none" w="med" len="med"/>
-                    </a:lnB>
-                  </a:tcPr>
-                </a:tc>
-                <a:extLst>
-                  <a:ext uri="{0D108BD9-81ED-4DB2-BD59-A6C34878D82A}">
-                    <a16:rowId xmlns:a16="http://schemas.microsoft.com/office/drawing/2014/main" val="10001"/>
-                  </a:ext>
-                </a:extLst>
-              </a:tr>
-            </a:tbl>
-          </a:graphicData>
-        </a:graphic>
-      </p:graphicFrame>
-      <p:sp>
-        <p:nvSpPr>
-          <p:cNvPr id="3" name="TextBox 3"/>
-          <p:cNvSpPr txBox="1"/>
-          <p:nvPr/>
-        </p:nvSpPr>
-        <p:spPr>
-          <a:xfrm>
-            <a:off x="0" y="323789"/>
-            <a:ext cx="18288000" cy="812068"/>
-          </a:xfrm>
-          <a:prstGeom prst="rect">
-            <a:avLst/>
-          </a:prstGeom>
-        </p:spPr>
-        <p:txBody>
-          <a:bodyPr lIns="0" tIns="0" rIns="0" bIns="0" rtlCol="0" anchor="t">
-            <a:spAutoFit/>
-          </a:bodyPr>
-          <a:lstStyle/>
-          <a:p>
-            <a:pPr algn="ctr">
-              <a:lnSpc>
-                <a:spcPts val="6626"/>
-              </a:lnSpc>
-            </a:pPr>
-            <a:r>
-              <a:rPr lang="en-US" sz="4733" b="1">
-                <a:solidFill>
-                  <a:srgbClr val="000000"/>
-                </a:solidFill>
-                <a:latin typeface="Bricolage Grotesque Bold"/>
-                <a:ea typeface="Bricolage Grotesque Bold"/>
-                <a:cs typeface="Bricolage Grotesque Bold"/>
-                <a:sym typeface="Bricolage Grotesque Bold"/>
-              </a:rPr>
-              <a:t>NPM khác gì NuGet</a:t>
             </a:r>
           </a:p>
         </p:txBody>

--- a/giao-an/buoi1/BUỔI 1 TỪ RAZOR VIEW SANG JSX.pptx
+++ b/giao-an/buoi1/BUỔI 1 TỪ RAZOR VIEW SANG JSX.pptx
@@ -3532,7 +3532,7 @@
                         <a:defRPr/>
                       </a:pPr>
                       <a:r>
-                        <a:rPr lang="en-US" sz="3000" b="1">
+                        <a:rPr lang="en-US" sz="3000" b="1" dirty="0">
                           <a:solidFill>
                             <a:srgbClr val="000000"/>
                           </a:solidFill>
@@ -3543,7 +3543,7 @@
                         </a:rPr>
                         <a:t>NPM (Node Package Manager)</a:t>
                       </a:r>
-                      <a:endParaRPr lang="en-US" sz="1100"/>
+                      <a:endParaRPr lang="en-US" sz="1100" dirty="0"/>
                     </a:p>
                   </a:txBody>
                   <a:tcPr marL="190500" marR="190500" marT="190500" marB="190500" anchor="ctr">
@@ -3597,7 +3597,7 @@
                         <a:defRPr/>
                       </a:pPr>
                       <a:r>
-                        <a:rPr lang="en-US" sz="3000" b="1">
+                        <a:rPr lang="en-US" sz="3000" b="1" dirty="0" err="1">
                           <a:solidFill>
                             <a:srgbClr val="000000"/>
                           </a:solidFill>
@@ -3608,7 +3608,7 @@
                         </a:rPr>
                         <a:t>NuGet</a:t>
                       </a:r>
-                      <a:endParaRPr lang="en-US" sz="1100"/>
+                      <a:endParaRPr lang="en-US" sz="1100" dirty="0"/>
                     </a:p>
                   </a:txBody>
                   <a:tcPr marL="190500" marR="190500" marT="190500" marB="190500" anchor="ctr">
@@ -3671,18 +3671,198 @@
                         <a:defRPr/>
                       </a:pPr>
                       <a:r>
-                        <a:rPr lang="en-US" sz="2499">
-                          <a:solidFill>
-                            <a:srgbClr val="000000"/>
-                          </a:solidFill>
-                          <a:latin typeface="Bricolage Grotesque"/>
-                          <a:ea typeface="Bricolage Grotesque"/>
-                          <a:cs typeface="Bricolage Grotesque"/>
-                          <a:sym typeface="Bricolage Grotesque"/>
-                        </a:rPr>
-                        <a:t>Là công cụ quản lý gói cho Node.js và JavaScript.</a:t>
-                      </a:r>
-                      <a:endParaRPr lang="en-US" sz="1100"/>
+                        <a:rPr lang="en-US" sz="2499" dirty="0" err="1">
+                          <a:solidFill>
+                            <a:srgbClr val="000000"/>
+                          </a:solidFill>
+                          <a:latin typeface="Bricolage Grotesque"/>
+                          <a:ea typeface="Bricolage Grotesque"/>
+                          <a:cs typeface="Bricolage Grotesque"/>
+                          <a:sym typeface="Bricolage Grotesque"/>
+                        </a:rPr>
+                        <a:t>Là</a:t>
+                      </a:r>
+                      <a:r>
+                        <a:rPr lang="en-US" sz="2499" dirty="0">
+                          <a:solidFill>
+                            <a:srgbClr val="000000"/>
+                          </a:solidFill>
+                          <a:latin typeface="Bricolage Grotesque"/>
+                          <a:ea typeface="Bricolage Grotesque"/>
+                          <a:cs typeface="Bricolage Grotesque"/>
+                          <a:sym typeface="Bricolage Grotesque"/>
+                        </a:rPr>
+                        <a:t> </a:t>
+                      </a:r>
+                      <a:r>
+                        <a:rPr lang="en-US" sz="2499" dirty="0" err="1">
+                          <a:solidFill>
+                            <a:srgbClr val="000000"/>
+                          </a:solidFill>
+                          <a:latin typeface="Bricolage Grotesque"/>
+                          <a:ea typeface="Bricolage Grotesque"/>
+                          <a:cs typeface="Bricolage Grotesque"/>
+                          <a:sym typeface="Bricolage Grotesque"/>
+                        </a:rPr>
+                        <a:t>công</a:t>
+                      </a:r>
+                      <a:r>
+                        <a:rPr lang="en-US" sz="2499" dirty="0">
+                          <a:solidFill>
+                            <a:srgbClr val="000000"/>
+                          </a:solidFill>
+                          <a:latin typeface="Bricolage Grotesque"/>
+                          <a:ea typeface="Bricolage Grotesque"/>
+                          <a:cs typeface="Bricolage Grotesque"/>
+                          <a:sym typeface="Bricolage Grotesque"/>
+                        </a:rPr>
+                        <a:t> </a:t>
+                      </a:r>
+                      <a:r>
+                        <a:rPr lang="en-US" sz="2499" dirty="0" err="1">
+                          <a:solidFill>
+                            <a:srgbClr val="000000"/>
+                          </a:solidFill>
+                          <a:latin typeface="Bricolage Grotesque"/>
+                          <a:ea typeface="Bricolage Grotesque"/>
+                          <a:cs typeface="Bricolage Grotesque"/>
+                          <a:sym typeface="Bricolage Grotesque"/>
+                        </a:rPr>
+                        <a:t>cụ</a:t>
+                      </a:r>
+                      <a:r>
+                        <a:rPr lang="en-US" sz="2499" dirty="0">
+                          <a:solidFill>
+                            <a:srgbClr val="000000"/>
+                          </a:solidFill>
+                          <a:latin typeface="Bricolage Grotesque"/>
+                          <a:ea typeface="Bricolage Grotesque"/>
+                          <a:cs typeface="Bricolage Grotesque"/>
+                          <a:sym typeface="Bricolage Grotesque"/>
+                        </a:rPr>
+                        <a:t> </a:t>
+                      </a:r>
+                      <a:r>
+                        <a:rPr lang="en-US" sz="2499" dirty="0" err="1">
+                          <a:solidFill>
+                            <a:srgbClr val="000000"/>
+                          </a:solidFill>
+                          <a:latin typeface="Bricolage Grotesque"/>
+                          <a:ea typeface="Bricolage Grotesque"/>
+                          <a:cs typeface="Bricolage Grotesque"/>
+                          <a:sym typeface="Bricolage Grotesque"/>
+                        </a:rPr>
+                        <a:t>quản</a:t>
+                      </a:r>
+                      <a:r>
+                        <a:rPr lang="en-US" sz="2499" dirty="0">
+                          <a:solidFill>
+                            <a:srgbClr val="000000"/>
+                          </a:solidFill>
+                          <a:latin typeface="Bricolage Grotesque"/>
+                          <a:ea typeface="Bricolage Grotesque"/>
+                          <a:cs typeface="Bricolage Grotesque"/>
+                          <a:sym typeface="Bricolage Grotesque"/>
+                        </a:rPr>
+                        <a:t> </a:t>
+                      </a:r>
+                      <a:r>
+                        <a:rPr lang="en-US" sz="2499" dirty="0" err="1">
+                          <a:solidFill>
+                            <a:srgbClr val="000000"/>
+                          </a:solidFill>
+                          <a:latin typeface="Bricolage Grotesque"/>
+                          <a:ea typeface="Bricolage Grotesque"/>
+                          <a:cs typeface="Bricolage Grotesque"/>
+                          <a:sym typeface="Bricolage Grotesque"/>
+                        </a:rPr>
+                        <a:t>lý</a:t>
+                      </a:r>
+                      <a:r>
+                        <a:rPr lang="en-US" sz="2499" dirty="0">
+                          <a:solidFill>
+                            <a:srgbClr val="000000"/>
+                          </a:solidFill>
+                          <a:latin typeface="Bricolage Grotesque"/>
+                          <a:ea typeface="Bricolage Grotesque"/>
+                          <a:cs typeface="Bricolage Grotesque"/>
+                          <a:sym typeface="Bricolage Grotesque"/>
+                        </a:rPr>
+                        <a:t> </a:t>
+                      </a:r>
+                      <a:r>
+                        <a:rPr lang="en-US" sz="2499" dirty="0" err="1">
+                          <a:solidFill>
+                            <a:srgbClr val="000000"/>
+                          </a:solidFill>
+                          <a:latin typeface="Bricolage Grotesque"/>
+                          <a:ea typeface="Bricolage Grotesque"/>
+                          <a:cs typeface="Bricolage Grotesque"/>
+                          <a:sym typeface="Bricolage Grotesque"/>
+                        </a:rPr>
+                        <a:t>gói</a:t>
+                      </a:r>
+                      <a:r>
+                        <a:rPr lang="en-US" sz="2499" dirty="0">
+                          <a:solidFill>
+                            <a:srgbClr val="000000"/>
+                          </a:solidFill>
+                          <a:latin typeface="Bricolage Grotesque"/>
+                          <a:ea typeface="Bricolage Grotesque"/>
+                          <a:cs typeface="Bricolage Grotesque"/>
+                          <a:sym typeface="Bricolage Grotesque"/>
+                        </a:rPr>
+                        <a:t> </a:t>
+                      </a:r>
+                      <a:r>
+                        <a:rPr lang="en-US" sz="2499" dirty="0" err="1">
+                          <a:solidFill>
+                            <a:srgbClr val="000000"/>
+                          </a:solidFill>
+                          <a:latin typeface="Bricolage Grotesque"/>
+                          <a:ea typeface="Bricolage Grotesque"/>
+                          <a:cs typeface="Bricolage Grotesque"/>
+                          <a:sym typeface="Bricolage Grotesque"/>
+                        </a:rPr>
+                        <a:t>cho</a:t>
+                      </a:r>
+                      <a:r>
+                        <a:rPr lang="en-US" sz="2499" dirty="0">
+                          <a:solidFill>
+                            <a:srgbClr val="000000"/>
+                          </a:solidFill>
+                          <a:latin typeface="Bricolage Grotesque"/>
+                          <a:ea typeface="Bricolage Grotesque"/>
+                          <a:cs typeface="Bricolage Grotesque"/>
+                          <a:sym typeface="Bricolage Grotesque"/>
+                        </a:rPr>
+                        <a:t> Node.js </a:t>
+                      </a:r>
+                      <a:r>
+                        <a:rPr lang="en-US" sz="2499" dirty="0" err="1">
+                          <a:solidFill>
+                            <a:srgbClr val="000000"/>
+                          </a:solidFill>
+                          <a:latin typeface="Bricolage Grotesque"/>
+                          <a:ea typeface="Bricolage Grotesque"/>
+                          <a:cs typeface="Bricolage Grotesque"/>
+                          <a:sym typeface="Bricolage Grotesque"/>
+                        </a:rPr>
+                        <a:t>và</a:t>
+                      </a:r>
+                      <a:r>
+                        <a:rPr lang="en-US" sz="2499" dirty="0">
+                          <a:solidFill>
+                            <a:srgbClr val="000000"/>
+                          </a:solidFill>
+                          <a:latin typeface="Bricolage Grotesque"/>
+                          <a:ea typeface="Bricolage Grotesque"/>
+                          <a:cs typeface="Bricolage Grotesque"/>
+                          <a:sym typeface="Bricolage Grotesque"/>
+                        </a:rPr>
+                        <a:t> JavaScript.</a:t>
+                      </a:r>
+                      <a:endParaRPr lang="en-US" sz="1100" dirty="0"/>
                     </a:p>
                     <a:p>
                       <a:pPr algn="l">
@@ -3690,7 +3870,7 @@
                           <a:spcPts val="3749"/>
                         </a:lnSpc>
                       </a:pPr>
-                      <a:endParaRPr lang="en-US" sz="1100"/>
+                      <a:endParaRPr lang="en-US" sz="1100" dirty="0"/>
                     </a:p>
                     <a:p>
                       <a:pPr marL="539746" lvl="1" indent="-269873" algn="l">
@@ -3701,16 +3881,484 @@
                         <a:buChar char="•"/>
                       </a:pPr>
                       <a:r>
-                        <a:rPr lang="en-US" sz="2499">
-                          <a:solidFill>
-                            <a:srgbClr val="000000"/>
-                          </a:solidFill>
-                          <a:latin typeface="Bricolage Grotesque"/>
-                          <a:ea typeface="Bricolage Grotesque"/>
-                          <a:cs typeface="Bricolage Grotesque"/>
-                          <a:sym typeface="Bricolage Grotesque"/>
-                        </a:rPr>
-                        <a:t>Được sử dụng để cài đặt và quản lý các thư viện JavaScript và các công cụ phát triển liên quan.</a:t>
+                        <a:rPr lang="en-US" sz="2499" dirty="0" err="1">
+                          <a:solidFill>
+                            <a:srgbClr val="000000"/>
+                          </a:solidFill>
+                          <a:latin typeface="Bricolage Grotesque"/>
+                          <a:ea typeface="Bricolage Grotesque"/>
+                          <a:cs typeface="Bricolage Grotesque"/>
+                          <a:sym typeface="Bricolage Grotesque"/>
+                        </a:rPr>
+                        <a:t>Được</a:t>
+                      </a:r>
+                      <a:r>
+                        <a:rPr lang="en-US" sz="2499" dirty="0">
+                          <a:solidFill>
+                            <a:srgbClr val="000000"/>
+                          </a:solidFill>
+                          <a:latin typeface="Bricolage Grotesque"/>
+                          <a:ea typeface="Bricolage Grotesque"/>
+                          <a:cs typeface="Bricolage Grotesque"/>
+                          <a:sym typeface="Bricolage Grotesque"/>
+                        </a:rPr>
+                        <a:t> </a:t>
+                      </a:r>
+                      <a:r>
+                        <a:rPr lang="en-US" sz="2499" dirty="0" err="1">
+                          <a:solidFill>
+                            <a:srgbClr val="000000"/>
+                          </a:solidFill>
+                          <a:latin typeface="Bricolage Grotesque"/>
+                          <a:ea typeface="Bricolage Grotesque"/>
+                          <a:cs typeface="Bricolage Grotesque"/>
+                          <a:sym typeface="Bricolage Grotesque"/>
+                        </a:rPr>
+                        <a:t>sử</a:t>
+                      </a:r>
+                      <a:r>
+                        <a:rPr lang="en-US" sz="2499" dirty="0">
+                          <a:solidFill>
+                            <a:srgbClr val="000000"/>
+                          </a:solidFill>
+                          <a:latin typeface="Bricolage Grotesque"/>
+                          <a:ea typeface="Bricolage Grotesque"/>
+                          <a:cs typeface="Bricolage Grotesque"/>
+                          <a:sym typeface="Bricolage Grotesque"/>
+                        </a:rPr>
+                        <a:t> </a:t>
+                      </a:r>
+                      <a:r>
+                        <a:rPr lang="en-US" sz="2499" dirty="0" err="1">
+                          <a:solidFill>
+                            <a:srgbClr val="000000"/>
+                          </a:solidFill>
+                          <a:latin typeface="Bricolage Grotesque"/>
+                          <a:ea typeface="Bricolage Grotesque"/>
+                          <a:cs typeface="Bricolage Grotesque"/>
+                          <a:sym typeface="Bricolage Grotesque"/>
+                        </a:rPr>
+                        <a:t>dụng</a:t>
+                      </a:r>
+                      <a:r>
+                        <a:rPr lang="en-US" sz="2499" dirty="0">
+                          <a:solidFill>
+                            <a:srgbClr val="000000"/>
+                          </a:solidFill>
+                          <a:latin typeface="Bricolage Grotesque"/>
+                          <a:ea typeface="Bricolage Grotesque"/>
+                          <a:cs typeface="Bricolage Grotesque"/>
+                          <a:sym typeface="Bricolage Grotesque"/>
+                        </a:rPr>
+                        <a:t> </a:t>
+                      </a:r>
+                      <a:r>
+                        <a:rPr lang="en-US" sz="2499" dirty="0" err="1">
+                          <a:solidFill>
+                            <a:srgbClr val="000000"/>
+                          </a:solidFill>
+                          <a:latin typeface="Bricolage Grotesque"/>
+                          <a:ea typeface="Bricolage Grotesque"/>
+                          <a:cs typeface="Bricolage Grotesque"/>
+                          <a:sym typeface="Bricolage Grotesque"/>
+                        </a:rPr>
+                        <a:t>để</a:t>
+                      </a:r>
+                      <a:r>
+                        <a:rPr lang="en-US" sz="2499" dirty="0">
+                          <a:solidFill>
+                            <a:srgbClr val="000000"/>
+                          </a:solidFill>
+                          <a:latin typeface="Bricolage Grotesque"/>
+                          <a:ea typeface="Bricolage Grotesque"/>
+                          <a:cs typeface="Bricolage Grotesque"/>
+                          <a:sym typeface="Bricolage Grotesque"/>
+                        </a:rPr>
+                        <a:t> </a:t>
+                      </a:r>
+                      <a:r>
+                        <a:rPr lang="en-US" sz="2499" dirty="0" err="1">
+                          <a:solidFill>
+                            <a:srgbClr val="000000"/>
+                          </a:solidFill>
+                          <a:latin typeface="Bricolage Grotesque"/>
+                          <a:ea typeface="Bricolage Grotesque"/>
+                          <a:cs typeface="Bricolage Grotesque"/>
+                          <a:sym typeface="Bricolage Grotesque"/>
+                        </a:rPr>
+                        <a:t>cài</a:t>
+                      </a:r>
+                      <a:r>
+                        <a:rPr lang="en-US" sz="2499" dirty="0">
+                          <a:solidFill>
+                            <a:srgbClr val="000000"/>
+                          </a:solidFill>
+                          <a:latin typeface="Bricolage Grotesque"/>
+                          <a:ea typeface="Bricolage Grotesque"/>
+                          <a:cs typeface="Bricolage Grotesque"/>
+                          <a:sym typeface="Bricolage Grotesque"/>
+                        </a:rPr>
+                        <a:t> </a:t>
+                      </a:r>
+                      <a:r>
+                        <a:rPr lang="en-US" sz="2499" dirty="0" err="1">
+                          <a:solidFill>
+                            <a:srgbClr val="000000"/>
+                          </a:solidFill>
+                          <a:latin typeface="Bricolage Grotesque"/>
+                          <a:ea typeface="Bricolage Grotesque"/>
+                          <a:cs typeface="Bricolage Grotesque"/>
+                          <a:sym typeface="Bricolage Grotesque"/>
+                        </a:rPr>
+                        <a:t>đặt</a:t>
+                      </a:r>
+                      <a:r>
+                        <a:rPr lang="en-US" sz="2499" dirty="0">
+                          <a:solidFill>
+                            <a:srgbClr val="000000"/>
+                          </a:solidFill>
+                          <a:latin typeface="Bricolage Grotesque"/>
+                          <a:ea typeface="Bricolage Grotesque"/>
+                          <a:cs typeface="Bricolage Grotesque"/>
+                          <a:sym typeface="Bricolage Grotesque"/>
+                        </a:rPr>
+                        <a:t> </a:t>
+                      </a:r>
+                      <a:r>
+                        <a:rPr lang="en-US" sz="2499" dirty="0" err="1">
+                          <a:solidFill>
+                            <a:srgbClr val="000000"/>
+                          </a:solidFill>
+                          <a:latin typeface="Bricolage Grotesque"/>
+                          <a:ea typeface="Bricolage Grotesque"/>
+                          <a:cs typeface="Bricolage Grotesque"/>
+                          <a:sym typeface="Bricolage Grotesque"/>
+                        </a:rPr>
+                        <a:t>và</a:t>
+                      </a:r>
+                      <a:r>
+                        <a:rPr lang="en-US" sz="2499" dirty="0">
+                          <a:solidFill>
+                            <a:srgbClr val="000000"/>
+                          </a:solidFill>
+                          <a:latin typeface="Bricolage Grotesque"/>
+                          <a:ea typeface="Bricolage Grotesque"/>
+                          <a:cs typeface="Bricolage Grotesque"/>
+                          <a:sym typeface="Bricolage Grotesque"/>
+                        </a:rPr>
+                        <a:t> </a:t>
+                      </a:r>
+                      <a:r>
+                        <a:rPr lang="en-US" sz="2499" dirty="0" err="1">
+                          <a:solidFill>
+                            <a:srgbClr val="000000"/>
+                          </a:solidFill>
+                          <a:latin typeface="Bricolage Grotesque"/>
+                          <a:ea typeface="Bricolage Grotesque"/>
+                          <a:cs typeface="Bricolage Grotesque"/>
+                          <a:sym typeface="Bricolage Grotesque"/>
+                        </a:rPr>
+                        <a:t>quản</a:t>
+                      </a:r>
+                      <a:r>
+                        <a:rPr lang="en-US" sz="2499" dirty="0">
+                          <a:solidFill>
+                            <a:srgbClr val="000000"/>
+                          </a:solidFill>
+                          <a:latin typeface="Bricolage Grotesque"/>
+                          <a:ea typeface="Bricolage Grotesque"/>
+                          <a:cs typeface="Bricolage Grotesque"/>
+                          <a:sym typeface="Bricolage Grotesque"/>
+                        </a:rPr>
+                        <a:t> </a:t>
+                      </a:r>
+                      <a:r>
+                        <a:rPr lang="en-US" sz="2499" dirty="0" err="1">
+                          <a:solidFill>
+                            <a:srgbClr val="000000"/>
+                          </a:solidFill>
+                          <a:latin typeface="Bricolage Grotesque"/>
+                          <a:ea typeface="Bricolage Grotesque"/>
+                          <a:cs typeface="Bricolage Grotesque"/>
+                          <a:sym typeface="Bricolage Grotesque"/>
+                        </a:rPr>
+                        <a:t>lý</a:t>
+                      </a:r>
+                      <a:r>
+                        <a:rPr lang="en-US" sz="2499" dirty="0">
+                          <a:solidFill>
+                            <a:srgbClr val="000000"/>
+                          </a:solidFill>
+                          <a:latin typeface="Bricolage Grotesque"/>
+                          <a:ea typeface="Bricolage Grotesque"/>
+                          <a:cs typeface="Bricolage Grotesque"/>
+                          <a:sym typeface="Bricolage Grotesque"/>
+                        </a:rPr>
+                        <a:t> </a:t>
+                      </a:r>
+                      <a:r>
+                        <a:rPr lang="en-US" sz="2499" dirty="0" err="1">
+                          <a:solidFill>
+                            <a:srgbClr val="000000"/>
+                          </a:solidFill>
+                          <a:latin typeface="Bricolage Grotesque"/>
+                          <a:ea typeface="Bricolage Grotesque"/>
+                          <a:cs typeface="Bricolage Grotesque"/>
+                          <a:sym typeface="Bricolage Grotesque"/>
+                        </a:rPr>
+                        <a:t>các</a:t>
+                      </a:r>
+                      <a:r>
+                        <a:rPr lang="en-US" sz="2499" dirty="0">
+                          <a:solidFill>
+                            <a:srgbClr val="000000"/>
+                          </a:solidFill>
+                          <a:latin typeface="Bricolage Grotesque"/>
+                          <a:ea typeface="Bricolage Grotesque"/>
+                          <a:cs typeface="Bricolage Grotesque"/>
+                          <a:sym typeface="Bricolage Grotesque"/>
+                        </a:rPr>
+                        <a:t> </a:t>
+                      </a:r>
+                      <a:r>
+                        <a:rPr lang="en-US" sz="2499" dirty="0" err="1">
+                          <a:solidFill>
+                            <a:srgbClr val="000000"/>
+                          </a:solidFill>
+                          <a:latin typeface="Bricolage Grotesque"/>
+                          <a:ea typeface="Bricolage Grotesque"/>
+                          <a:cs typeface="Bricolage Grotesque"/>
+                          <a:sym typeface="Bricolage Grotesque"/>
+                        </a:rPr>
+                        <a:t>thư</a:t>
+                      </a:r>
+                      <a:r>
+                        <a:rPr lang="en-US" sz="2499" dirty="0">
+                          <a:solidFill>
+                            <a:srgbClr val="000000"/>
+                          </a:solidFill>
+                          <a:latin typeface="Bricolage Grotesque"/>
+                          <a:ea typeface="Bricolage Grotesque"/>
+                          <a:cs typeface="Bricolage Grotesque"/>
+                          <a:sym typeface="Bricolage Grotesque"/>
+                        </a:rPr>
+                        <a:t> </a:t>
+                      </a:r>
+                      <a:r>
+                        <a:rPr lang="en-US" sz="2499" dirty="0" err="1">
+                          <a:solidFill>
+                            <a:srgbClr val="000000"/>
+                          </a:solidFill>
+                          <a:latin typeface="Bricolage Grotesque"/>
+                          <a:ea typeface="Bricolage Grotesque"/>
+                          <a:cs typeface="Bricolage Grotesque"/>
+                          <a:sym typeface="Bricolage Grotesque"/>
+                        </a:rPr>
+                        <a:t>viện</a:t>
+                      </a:r>
+                      <a:r>
+                        <a:rPr lang="en-US" sz="2499" dirty="0">
+                          <a:solidFill>
+                            <a:srgbClr val="000000"/>
+                          </a:solidFill>
+                          <a:latin typeface="Bricolage Grotesque"/>
+                          <a:ea typeface="Bricolage Grotesque"/>
+                          <a:cs typeface="Bricolage Grotesque"/>
+                          <a:sym typeface="Bricolage Grotesque"/>
+                        </a:rPr>
+                        <a:t> JavaScript </a:t>
+                      </a:r>
+                      <a:r>
+                        <a:rPr lang="en-US" sz="2499" dirty="0" err="1">
+                          <a:solidFill>
+                            <a:srgbClr val="000000"/>
+                          </a:solidFill>
+                          <a:latin typeface="Bricolage Grotesque"/>
+                          <a:ea typeface="Bricolage Grotesque"/>
+                          <a:cs typeface="Bricolage Grotesque"/>
+                          <a:sym typeface="Bricolage Grotesque"/>
+                        </a:rPr>
+                        <a:t>và</a:t>
+                      </a:r>
+                      <a:r>
+                        <a:rPr lang="en-US" sz="2499" dirty="0">
+                          <a:solidFill>
+                            <a:srgbClr val="000000"/>
+                          </a:solidFill>
+                          <a:latin typeface="Bricolage Grotesque"/>
+                          <a:ea typeface="Bricolage Grotesque"/>
+                          <a:cs typeface="Bricolage Grotesque"/>
+                          <a:sym typeface="Bricolage Grotesque"/>
+                        </a:rPr>
+                        <a:t> </a:t>
+                      </a:r>
+                      <a:r>
+                        <a:rPr lang="en-US" sz="2499" dirty="0" err="1">
+                          <a:solidFill>
+                            <a:srgbClr val="000000"/>
+                          </a:solidFill>
+                          <a:latin typeface="Bricolage Grotesque"/>
+                          <a:ea typeface="Bricolage Grotesque"/>
+                          <a:cs typeface="Bricolage Grotesque"/>
+                          <a:sym typeface="Bricolage Grotesque"/>
+                        </a:rPr>
+                        <a:t>các</a:t>
+                      </a:r>
+                      <a:r>
+                        <a:rPr lang="en-US" sz="2499" dirty="0">
+                          <a:solidFill>
+                            <a:srgbClr val="000000"/>
+                          </a:solidFill>
+                          <a:latin typeface="Bricolage Grotesque"/>
+                          <a:ea typeface="Bricolage Grotesque"/>
+                          <a:cs typeface="Bricolage Grotesque"/>
+                          <a:sym typeface="Bricolage Grotesque"/>
+                        </a:rPr>
+                        <a:t> </a:t>
+                      </a:r>
+                      <a:r>
+                        <a:rPr lang="en-US" sz="2499" dirty="0" err="1">
+                          <a:solidFill>
+                            <a:srgbClr val="000000"/>
+                          </a:solidFill>
+                          <a:latin typeface="Bricolage Grotesque"/>
+                          <a:ea typeface="Bricolage Grotesque"/>
+                          <a:cs typeface="Bricolage Grotesque"/>
+                          <a:sym typeface="Bricolage Grotesque"/>
+                        </a:rPr>
+                        <a:t>công</a:t>
+                      </a:r>
+                      <a:r>
+                        <a:rPr lang="en-US" sz="2499" dirty="0">
+                          <a:solidFill>
+                            <a:srgbClr val="000000"/>
+                          </a:solidFill>
+                          <a:latin typeface="Bricolage Grotesque"/>
+                          <a:ea typeface="Bricolage Grotesque"/>
+                          <a:cs typeface="Bricolage Grotesque"/>
+                          <a:sym typeface="Bricolage Grotesque"/>
+                        </a:rPr>
+                        <a:t> </a:t>
+                      </a:r>
+                      <a:r>
+                        <a:rPr lang="en-US" sz="2499" dirty="0" err="1">
+                          <a:solidFill>
+                            <a:srgbClr val="000000"/>
+                          </a:solidFill>
+                          <a:latin typeface="Bricolage Grotesque"/>
+                          <a:ea typeface="Bricolage Grotesque"/>
+                          <a:cs typeface="Bricolage Grotesque"/>
+                          <a:sym typeface="Bricolage Grotesque"/>
+                        </a:rPr>
+                        <a:t>cụ</a:t>
+                      </a:r>
+                      <a:r>
+                        <a:rPr lang="en-US" sz="2499" dirty="0">
+                          <a:solidFill>
+                            <a:srgbClr val="000000"/>
+                          </a:solidFill>
+                          <a:latin typeface="Bricolage Grotesque"/>
+                          <a:ea typeface="Bricolage Grotesque"/>
+                          <a:cs typeface="Bricolage Grotesque"/>
+                          <a:sym typeface="Bricolage Grotesque"/>
+                        </a:rPr>
+                        <a:t> </a:t>
+                      </a:r>
+                      <a:r>
+                        <a:rPr lang="en-US" sz="2499" dirty="0" err="1">
+                          <a:solidFill>
+                            <a:srgbClr val="000000"/>
+                          </a:solidFill>
+                          <a:latin typeface="Bricolage Grotesque"/>
+                          <a:ea typeface="Bricolage Grotesque"/>
+                          <a:cs typeface="Bricolage Grotesque"/>
+                          <a:sym typeface="Bricolage Grotesque"/>
+                        </a:rPr>
+                        <a:t>phát</a:t>
+                      </a:r>
+                      <a:r>
+                        <a:rPr lang="en-US" sz="2499" dirty="0">
+                          <a:solidFill>
+                            <a:srgbClr val="000000"/>
+                          </a:solidFill>
+                          <a:latin typeface="Bricolage Grotesque"/>
+                          <a:ea typeface="Bricolage Grotesque"/>
+                          <a:cs typeface="Bricolage Grotesque"/>
+                          <a:sym typeface="Bricolage Grotesque"/>
+                        </a:rPr>
+                        <a:t> </a:t>
+                      </a:r>
+                      <a:r>
+                        <a:rPr lang="en-US" sz="2499" dirty="0" err="1">
+                          <a:solidFill>
+                            <a:srgbClr val="000000"/>
+                          </a:solidFill>
+                          <a:latin typeface="Bricolage Grotesque"/>
+                          <a:ea typeface="Bricolage Grotesque"/>
+                          <a:cs typeface="Bricolage Grotesque"/>
+                          <a:sym typeface="Bricolage Grotesque"/>
+                        </a:rPr>
+                        <a:t>triển</a:t>
+                      </a:r>
+                      <a:r>
+                        <a:rPr lang="en-US" sz="2499" dirty="0">
+                          <a:solidFill>
+                            <a:srgbClr val="000000"/>
+                          </a:solidFill>
+                          <a:latin typeface="Bricolage Grotesque"/>
+                          <a:ea typeface="Bricolage Grotesque"/>
+                          <a:cs typeface="Bricolage Grotesque"/>
+                          <a:sym typeface="Bricolage Grotesque"/>
+                        </a:rPr>
+                        <a:t> </a:t>
+                      </a:r>
+                      <a:r>
+                        <a:rPr lang="en-US" sz="2499" dirty="0" err="1">
+                          <a:solidFill>
+                            <a:srgbClr val="000000"/>
+                          </a:solidFill>
+                          <a:latin typeface="Bricolage Grotesque"/>
+                          <a:ea typeface="Bricolage Grotesque"/>
+                          <a:cs typeface="Bricolage Grotesque"/>
+                          <a:sym typeface="Bricolage Grotesque"/>
+                        </a:rPr>
+                        <a:t>liên</a:t>
+                      </a:r>
+                      <a:r>
+                        <a:rPr lang="en-US" sz="2499" dirty="0">
+                          <a:solidFill>
+                            <a:srgbClr val="000000"/>
+                          </a:solidFill>
+                          <a:latin typeface="Bricolage Grotesque"/>
+                          <a:ea typeface="Bricolage Grotesque"/>
+                          <a:cs typeface="Bricolage Grotesque"/>
+                          <a:sym typeface="Bricolage Grotesque"/>
+                        </a:rPr>
+                        <a:t> </a:t>
+                      </a:r>
+                      <a:r>
+                        <a:rPr lang="en-US" sz="2499" dirty="0" err="1">
+                          <a:solidFill>
+                            <a:srgbClr val="000000"/>
+                          </a:solidFill>
+                          <a:latin typeface="Bricolage Grotesque"/>
+                          <a:ea typeface="Bricolage Grotesque"/>
+                          <a:cs typeface="Bricolage Grotesque"/>
+                          <a:sym typeface="Bricolage Grotesque"/>
+                        </a:rPr>
+                        <a:t>quan</a:t>
+                      </a:r>
+                      <a:r>
+                        <a:rPr lang="en-US" sz="2499" dirty="0">
+                          <a:solidFill>
+                            <a:srgbClr val="000000"/>
+                          </a:solidFill>
+                          <a:latin typeface="Bricolage Grotesque"/>
+                          <a:ea typeface="Bricolage Grotesque"/>
+                          <a:cs typeface="Bricolage Grotesque"/>
+                          <a:sym typeface="Bricolage Grotesque"/>
+                        </a:rPr>
+                        <a:t>.</a:t>
                       </a:r>
                     </a:p>
                     <a:p>
@@ -3719,7 +4367,7 @@
                           <a:spcPts val="3749"/>
                         </a:lnSpc>
                       </a:pPr>
-                      <a:endParaRPr lang="en-US" sz="2499">
+                      <a:endParaRPr lang="en-US" sz="2499" dirty="0">
                         <a:solidFill>
                           <a:srgbClr val="000000"/>
                         </a:solidFill>
@@ -3738,16 +4386,292 @@
                         <a:buChar char="•"/>
                       </a:pPr>
                       <a:r>
-                        <a:rPr lang="en-US" sz="2499">
-                          <a:solidFill>
-                            <a:srgbClr val="000000"/>
-                          </a:solidFill>
-                          <a:latin typeface="Bricolage Grotesque"/>
-                          <a:ea typeface="Bricolage Grotesque"/>
-                          <a:cs typeface="Bricolage Grotesque"/>
-                          <a:sym typeface="Bricolage Grotesque"/>
-                        </a:rPr>
-                        <a:t>Các gói được cài đặt từ kho lưu trữ trực tuyến (npm registry).</a:t>
+                        <a:rPr lang="en-US" sz="2499" dirty="0" err="1">
+                          <a:solidFill>
+                            <a:srgbClr val="000000"/>
+                          </a:solidFill>
+                          <a:latin typeface="Bricolage Grotesque"/>
+                          <a:ea typeface="Bricolage Grotesque"/>
+                          <a:cs typeface="Bricolage Grotesque"/>
+                          <a:sym typeface="Bricolage Grotesque"/>
+                        </a:rPr>
+                        <a:t>Các</a:t>
+                      </a:r>
+                      <a:r>
+                        <a:rPr lang="en-US" sz="2499" dirty="0">
+                          <a:solidFill>
+                            <a:srgbClr val="000000"/>
+                          </a:solidFill>
+                          <a:latin typeface="Bricolage Grotesque"/>
+                          <a:ea typeface="Bricolage Grotesque"/>
+                          <a:cs typeface="Bricolage Grotesque"/>
+                          <a:sym typeface="Bricolage Grotesque"/>
+                        </a:rPr>
+                        <a:t> </a:t>
+                      </a:r>
+                      <a:r>
+                        <a:rPr lang="en-US" sz="2499" dirty="0" err="1">
+                          <a:solidFill>
+                            <a:srgbClr val="000000"/>
+                          </a:solidFill>
+                          <a:latin typeface="Bricolage Grotesque"/>
+                          <a:ea typeface="Bricolage Grotesque"/>
+                          <a:cs typeface="Bricolage Grotesque"/>
+                          <a:sym typeface="Bricolage Grotesque"/>
+                        </a:rPr>
+                        <a:t>gói</a:t>
+                      </a:r>
+                      <a:r>
+                        <a:rPr lang="en-US" sz="2499" dirty="0">
+                          <a:solidFill>
+                            <a:srgbClr val="000000"/>
+                          </a:solidFill>
+                          <a:latin typeface="Bricolage Grotesque"/>
+                          <a:ea typeface="Bricolage Grotesque"/>
+                          <a:cs typeface="Bricolage Grotesque"/>
+                          <a:sym typeface="Bricolage Grotesque"/>
+                        </a:rPr>
+                        <a:t> </a:t>
+                      </a:r>
+                      <a:r>
+                        <a:rPr lang="en-US" sz="2499" dirty="0" err="1">
+                          <a:solidFill>
+                            <a:srgbClr val="000000"/>
+                          </a:solidFill>
+                          <a:latin typeface="Bricolage Grotesque"/>
+                          <a:ea typeface="Bricolage Grotesque"/>
+                          <a:cs typeface="Bricolage Grotesque"/>
+                          <a:sym typeface="Bricolage Grotesque"/>
+                        </a:rPr>
+                        <a:t>được</a:t>
+                      </a:r>
+                      <a:r>
+                        <a:rPr lang="en-US" sz="2499" dirty="0">
+                          <a:solidFill>
+                            <a:srgbClr val="000000"/>
+                          </a:solidFill>
+                          <a:latin typeface="Bricolage Grotesque"/>
+                          <a:ea typeface="Bricolage Grotesque"/>
+                          <a:cs typeface="Bricolage Grotesque"/>
+                          <a:sym typeface="Bricolage Grotesque"/>
+                        </a:rPr>
+                        <a:t> </a:t>
+                      </a:r>
+                      <a:r>
+                        <a:rPr lang="en-US" sz="2499" dirty="0" err="1">
+                          <a:solidFill>
+                            <a:srgbClr val="000000"/>
+                          </a:solidFill>
+                          <a:latin typeface="Bricolage Grotesque"/>
+                          <a:ea typeface="Bricolage Grotesque"/>
+                          <a:cs typeface="Bricolage Grotesque"/>
+                          <a:sym typeface="Bricolage Grotesque"/>
+                        </a:rPr>
+                        <a:t>cài</a:t>
+                      </a:r>
+                      <a:r>
+                        <a:rPr lang="en-US" sz="2499" dirty="0">
+                          <a:solidFill>
+                            <a:srgbClr val="000000"/>
+                          </a:solidFill>
+                          <a:latin typeface="Bricolage Grotesque"/>
+                          <a:ea typeface="Bricolage Grotesque"/>
+                          <a:cs typeface="Bricolage Grotesque"/>
+                          <a:sym typeface="Bricolage Grotesque"/>
+                        </a:rPr>
+                        <a:t> </a:t>
+                      </a:r>
+                      <a:r>
+                        <a:rPr lang="en-US" sz="2499" dirty="0" err="1">
+                          <a:solidFill>
+                            <a:srgbClr val="000000"/>
+                          </a:solidFill>
+                          <a:latin typeface="Bricolage Grotesque"/>
+                          <a:ea typeface="Bricolage Grotesque"/>
+                          <a:cs typeface="Bricolage Grotesque"/>
+                          <a:sym typeface="Bricolage Grotesque"/>
+                        </a:rPr>
+                        <a:t>đặt</a:t>
+                      </a:r>
+                      <a:r>
+                        <a:rPr lang="en-US" sz="2499" dirty="0">
+                          <a:solidFill>
+                            <a:srgbClr val="000000"/>
+                          </a:solidFill>
+                          <a:latin typeface="Bricolage Grotesque"/>
+                          <a:ea typeface="Bricolage Grotesque"/>
+                          <a:cs typeface="Bricolage Grotesque"/>
+                          <a:sym typeface="Bricolage Grotesque"/>
+                        </a:rPr>
+                        <a:t> </a:t>
+                      </a:r>
+                      <a:r>
+                        <a:rPr lang="en-US" sz="2499" dirty="0" err="1">
+                          <a:solidFill>
+                            <a:srgbClr val="000000"/>
+                          </a:solidFill>
+                          <a:latin typeface="Bricolage Grotesque"/>
+                          <a:ea typeface="Bricolage Grotesque"/>
+                          <a:cs typeface="Bricolage Grotesque"/>
+                          <a:sym typeface="Bricolage Grotesque"/>
+                        </a:rPr>
+                        <a:t>từ</a:t>
+                      </a:r>
+                      <a:r>
+                        <a:rPr lang="en-US" sz="2499" dirty="0">
+                          <a:solidFill>
+                            <a:srgbClr val="000000"/>
+                          </a:solidFill>
+                          <a:latin typeface="Bricolage Grotesque"/>
+                          <a:ea typeface="Bricolage Grotesque"/>
+                          <a:cs typeface="Bricolage Grotesque"/>
+                          <a:sym typeface="Bricolage Grotesque"/>
+                        </a:rPr>
+                        <a:t> </a:t>
+                      </a:r>
+                      <a:r>
+                        <a:rPr lang="en-US" sz="2499" dirty="0" err="1">
+                          <a:solidFill>
+                            <a:srgbClr val="000000"/>
+                          </a:solidFill>
+                          <a:latin typeface="Bricolage Grotesque"/>
+                          <a:ea typeface="Bricolage Grotesque"/>
+                          <a:cs typeface="Bricolage Grotesque"/>
+                          <a:sym typeface="Bricolage Grotesque"/>
+                        </a:rPr>
+                        <a:t>kho</a:t>
+                      </a:r>
+                      <a:r>
+                        <a:rPr lang="en-US" sz="2499" dirty="0">
+                          <a:solidFill>
+                            <a:srgbClr val="000000"/>
+                          </a:solidFill>
+                          <a:latin typeface="Bricolage Grotesque"/>
+                          <a:ea typeface="Bricolage Grotesque"/>
+                          <a:cs typeface="Bricolage Grotesque"/>
+                          <a:sym typeface="Bricolage Grotesque"/>
+                        </a:rPr>
+                        <a:t> </a:t>
+                      </a:r>
+                      <a:r>
+                        <a:rPr lang="en-US" sz="2499" dirty="0" err="1">
+                          <a:solidFill>
+                            <a:srgbClr val="000000"/>
+                          </a:solidFill>
+                          <a:latin typeface="Bricolage Grotesque"/>
+                          <a:ea typeface="Bricolage Grotesque"/>
+                          <a:cs typeface="Bricolage Grotesque"/>
+                          <a:sym typeface="Bricolage Grotesque"/>
+                        </a:rPr>
+                        <a:t>lưu</a:t>
+                      </a:r>
+                      <a:r>
+                        <a:rPr lang="en-US" sz="2499" dirty="0">
+                          <a:solidFill>
+                            <a:srgbClr val="000000"/>
+                          </a:solidFill>
+                          <a:latin typeface="Bricolage Grotesque"/>
+                          <a:ea typeface="Bricolage Grotesque"/>
+                          <a:cs typeface="Bricolage Grotesque"/>
+                          <a:sym typeface="Bricolage Grotesque"/>
+                        </a:rPr>
+                        <a:t> </a:t>
+                      </a:r>
+                      <a:r>
+                        <a:rPr lang="en-US" sz="2499" dirty="0" err="1">
+                          <a:solidFill>
+                            <a:srgbClr val="000000"/>
+                          </a:solidFill>
+                          <a:latin typeface="Bricolage Grotesque"/>
+                          <a:ea typeface="Bricolage Grotesque"/>
+                          <a:cs typeface="Bricolage Grotesque"/>
+                          <a:sym typeface="Bricolage Grotesque"/>
+                        </a:rPr>
+                        <a:t>trữ</a:t>
+                      </a:r>
+                      <a:r>
+                        <a:rPr lang="en-US" sz="2499" dirty="0">
+                          <a:solidFill>
+                            <a:srgbClr val="000000"/>
+                          </a:solidFill>
+                          <a:latin typeface="Bricolage Grotesque"/>
+                          <a:ea typeface="Bricolage Grotesque"/>
+                          <a:cs typeface="Bricolage Grotesque"/>
+                          <a:sym typeface="Bricolage Grotesque"/>
+                        </a:rPr>
+                        <a:t> </a:t>
+                      </a:r>
+                      <a:r>
+                        <a:rPr lang="en-US" sz="2499" dirty="0" err="1">
+                          <a:solidFill>
+                            <a:srgbClr val="000000"/>
+                          </a:solidFill>
+                          <a:latin typeface="Bricolage Grotesque"/>
+                          <a:ea typeface="Bricolage Grotesque"/>
+                          <a:cs typeface="Bricolage Grotesque"/>
+                          <a:sym typeface="Bricolage Grotesque"/>
+                        </a:rPr>
+                        <a:t>trực</a:t>
+                      </a:r>
+                      <a:r>
+                        <a:rPr lang="en-US" sz="2499" dirty="0">
+                          <a:solidFill>
+                            <a:srgbClr val="000000"/>
+                          </a:solidFill>
+                          <a:latin typeface="Bricolage Grotesque"/>
+                          <a:ea typeface="Bricolage Grotesque"/>
+                          <a:cs typeface="Bricolage Grotesque"/>
+                          <a:sym typeface="Bricolage Grotesque"/>
+                        </a:rPr>
+                        <a:t> </a:t>
+                      </a:r>
+                      <a:r>
+                        <a:rPr lang="en-US" sz="2499" dirty="0" err="1">
+                          <a:solidFill>
+                            <a:srgbClr val="000000"/>
+                          </a:solidFill>
+                          <a:latin typeface="Bricolage Grotesque"/>
+                          <a:ea typeface="Bricolage Grotesque"/>
+                          <a:cs typeface="Bricolage Grotesque"/>
+                          <a:sym typeface="Bricolage Grotesque"/>
+                        </a:rPr>
+                        <a:t>tuyến</a:t>
+                      </a:r>
+                      <a:r>
+                        <a:rPr lang="en-US" sz="2499" dirty="0">
+                          <a:solidFill>
+                            <a:srgbClr val="000000"/>
+                          </a:solidFill>
+                          <a:latin typeface="Bricolage Grotesque"/>
+                          <a:ea typeface="Bricolage Grotesque"/>
+                          <a:cs typeface="Bricolage Grotesque"/>
+                          <a:sym typeface="Bricolage Grotesque"/>
+                        </a:rPr>
+                        <a:t> (</a:t>
+                      </a:r>
+                      <a:r>
+                        <a:rPr lang="en-US" sz="2499" dirty="0" err="1">
+                          <a:solidFill>
+                            <a:srgbClr val="000000"/>
+                          </a:solidFill>
+                          <a:latin typeface="Bricolage Grotesque"/>
+                          <a:ea typeface="Bricolage Grotesque"/>
+                          <a:cs typeface="Bricolage Grotesque"/>
+                          <a:sym typeface="Bricolage Grotesque"/>
+                        </a:rPr>
+                        <a:t>npm</a:t>
+                      </a:r>
+                      <a:r>
+                        <a:rPr lang="en-US" sz="2499" dirty="0">
+                          <a:solidFill>
+                            <a:srgbClr val="000000"/>
+                          </a:solidFill>
+                          <a:latin typeface="Bricolage Grotesque"/>
+                          <a:ea typeface="Bricolage Grotesque"/>
+                          <a:cs typeface="Bricolage Grotesque"/>
+                          <a:sym typeface="Bricolage Grotesque"/>
+                        </a:rPr>
+                        <a:t> registry).</a:t>
                       </a:r>
                     </a:p>
                     <a:p>
@@ -3756,7 +4680,7 @@
                           <a:spcPts val="3749"/>
                         </a:lnSpc>
                       </a:pPr>
-                      <a:endParaRPr lang="en-US" sz="2499">
+                      <a:endParaRPr lang="en-US" sz="2499" dirty="0">
                         <a:solidFill>
                           <a:srgbClr val="000000"/>
                         </a:solidFill>
@@ -3775,16 +4699,412 @@
                         <a:buChar char="•"/>
                       </a:pPr>
                       <a:r>
-                        <a:rPr lang="en-US" sz="2499">
-                          <a:solidFill>
-                            <a:srgbClr val="000000"/>
-                          </a:solidFill>
-                          <a:latin typeface="Bricolage Grotesque"/>
-                          <a:ea typeface="Bricolage Grotesque"/>
-                          <a:cs typeface="Bricolage Grotesque"/>
-                          <a:sym typeface="Bricolage Grotesque"/>
-                        </a:rPr>
-                        <a:t>Hỗ trợ các tệp cấu hình như package.json để quản lý các gói và thông tin dự án.</a:t>
+                        <a:rPr lang="en-US" sz="2499" dirty="0" err="1">
+                          <a:solidFill>
+                            <a:srgbClr val="000000"/>
+                          </a:solidFill>
+                          <a:latin typeface="Bricolage Grotesque"/>
+                          <a:ea typeface="Bricolage Grotesque"/>
+                          <a:cs typeface="Bricolage Grotesque"/>
+                          <a:sym typeface="Bricolage Grotesque"/>
+                        </a:rPr>
+                        <a:t>Hỗ</a:t>
+                      </a:r>
+                      <a:r>
+                        <a:rPr lang="en-US" sz="2499" dirty="0">
+                          <a:solidFill>
+                            <a:srgbClr val="000000"/>
+                          </a:solidFill>
+                          <a:latin typeface="Bricolage Grotesque"/>
+                          <a:ea typeface="Bricolage Grotesque"/>
+                          <a:cs typeface="Bricolage Grotesque"/>
+                          <a:sym typeface="Bricolage Grotesque"/>
+                        </a:rPr>
+                        <a:t> </a:t>
+                      </a:r>
+                      <a:r>
+                        <a:rPr lang="en-US" sz="2499" dirty="0" err="1">
+                          <a:solidFill>
+                            <a:srgbClr val="000000"/>
+                          </a:solidFill>
+                          <a:latin typeface="Bricolage Grotesque"/>
+                          <a:ea typeface="Bricolage Grotesque"/>
+                          <a:cs typeface="Bricolage Grotesque"/>
+                          <a:sym typeface="Bricolage Grotesque"/>
+                        </a:rPr>
+                        <a:t>trợ</a:t>
+                      </a:r>
+                      <a:r>
+                        <a:rPr lang="en-US" sz="2499" dirty="0">
+                          <a:solidFill>
+                            <a:srgbClr val="000000"/>
+                          </a:solidFill>
+                          <a:latin typeface="Bricolage Grotesque"/>
+                          <a:ea typeface="Bricolage Grotesque"/>
+                          <a:cs typeface="Bricolage Grotesque"/>
+                          <a:sym typeface="Bricolage Grotesque"/>
+                        </a:rPr>
+                        <a:t> </a:t>
+                      </a:r>
+                      <a:r>
+                        <a:rPr lang="en-US" sz="2499" dirty="0" err="1">
+                          <a:solidFill>
+                            <a:srgbClr val="000000"/>
+                          </a:solidFill>
+                          <a:latin typeface="Bricolage Grotesque"/>
+                          <a:ea typeface="Bricolage Grotesque"/>
+                          <a:cs typeface="Bricolage Grotesque"/>
+                          <a:sym typeface="Bricolage Grotesque"/>
+                        </a:rPr>
+                        <a:t>các</a:t>
+                      </a:r>
+                      <a:r>
+                        <a:rPr lang="en-US" sz="2499" dirty="0">
+                          <a:solidFill>
+                            <a:srgbClr val="000000"/>
+                          </a:solidFill>
+                          <a:latin typeface="Bricolage Grotesque"/>
+                          <a:ea typeface="Bricolage Grotesque"/>
+                          <a:cs typeface="Bricolage Grotesque"/>
+                          <a:sym typeface="Bricolage Grotesque"/>
+                        </a:rPr>
+                        <a:t> </a:t>
+                      </a:r>
+                      <a:r>
+                        <a:rPr lang="en-US" sz="2499" dirty="0" err="1">
+                          <a:solidFill>
+                            <a:srgbClr val="000000"/>
+                          </a:solidFill>
+                          <a:latin typeface="Bricolage Grotesque"/>
+                          <a:ea typeface="Bricolage Grotesque"/>
+                          <a:cs typeface="Bricolage Grotesque"/>
+                          <a:sym typeface="Bricolage Grotesque"/>
+                        </a:rPr>
+                        <a:t>tệp</a:t>
+                      </a:r>
+                      <a:r>
+                        <a:rPr lang="en-US" sz="2499" dirty="0">
+                          <a:solidFill>
+                            <a:srgbClr val="000000"/>
+                          </a:solidFill>
+                          <a:latin typeface="Bricolage Grotesque"/>
+                          <a:ea typeface="Bricolage Grotesque"/>
+                          <a:cs typeface="Bricolage Grotesque"/>
+                          <a:sym typeface="Bricolage Grotesque"/>
+                        </a:rPr>
+                        <a:t> </a:t>
+                      </a:r>
+                      <a:r>
+                        <a:rPr lang="en-US" sz="2499" dirty="0" err="1">
+                          <a:solidFill>
+                            <a:srgbClr val="000000"/>
+                          </a:solidFill>
+                          <a:latin typeface="Bricolage Grotesque"/>
+                          <a:ea typeface="Bricolage Grotesque"/>
+                          <a:cs typeface="Bricolage Grotesque"/>
+                          <a:sym typeface="Bricolage Grotesque"/>
+                        </a:rPr>
+                        <a:t>cấu</a:t>
+                      </a:r>
+                      <a:r>
+                        <a:rPr lang="en-US" sz="2499" dirty="0">
+                          <a:solidFill>
+                            <a:srgbClr val="000000"/>
+                          </a:solidFill>
+                          <a:latin typeface="Bricolage Grotesque"/>
+                          <a:ea typeface="Bricolage Grotesque"/>
+                          <a:cs typeface="Bricolage Grotesque"/>
+                          <a:sym typeface="Bricolage Grotesque"/>
+                        </a:rPr>
+                        <a:t> </a:t>
+                      </a:r>
+                      <a:r>
+                        <a:rPr lang="en-US" sz="2499" dirty="0" err="1">
+                          <a:solidFill>
+                            <a:srgbClr val="000000"/>
+                          </a:solidFill>
+                          <a:latin typeface="Bricolage Grotesque"/>
+                          <a:ea typeface="Bricolage Grotesque"/>
+                          <a:cs typeface="Bricolage Grotesque"/>
+                          <a:sym typeface="Bricolage Grotesque"/>
+                        </a:rPr>
+                        <a:t>hình</a:t>
+                      </a:r>
+                      <a:r>
+                        <a:rPr lang="en-US" sz="2499" dirty="0">
+                          <a:solidFill>
+                            <a:srgbClr val="000000"/>
+                          </a:solidFill>
+                          <a:latin typeface="Bricolage Grotesque"/>
+                          <a:ea typeface="Bricolage Grotesque"/>
+                          <a:cs typeface="Bricolage Grotesque"/>
+                          <a:sym typeface="Bricolage Grotesque"/>
+                        </a:rPr>
+                        <a:t> </a:t>
+                      </a:r>
+                      <a:r>
+                        <a:rPr lang="en-US" sz="2499" dirty="0" err="1">
+                          <a:solidFill>
+                            <a:srgbClr val="000000"/>
+                          </a:solidFill>
+                          <a:latin typeface="Bricolage Grotesque"/>
+                          <a:ea typeface="Bricolage Grotesque"/>
+                          <a:cs typeface="Bricolage Grotesque"/>
+                          <a:sym typeface="Bricolage Grotesque"/>
+                        </a:rPr>
+                        <a:t>như</a:t>
+                      </a:r>
+                      <a:r>
+                        <a:rPr lang="en-US" sz="2499" dirty="0">
+                          <a:solidFill>
+                            <a:srgbClr val="000000"/>
+                          </a:solidFill>
+                          <a:latin typeface="Bricolage Grotesque"/>
+                          <a:ea typeface="Bricolage Grotesque"/>
+                          <a:cs typeface="Bricolage Grotesque"/>
+                          <a:sym typeface="Bricolage Grotesque"/>
+                        </a:rPr>
+                        <a:t> </a:t>
+                      </a:r>
+                      <a:r>
+                        <a:rPr lang="en-US" sz="2499" dirty="0" err="1">
+                          <a:solidFill>
+                            <a:srgbClr val="000000"/>
+                          </a:solidFill>
+                          <a:latin typeface="Bricolage Grotesque"/>
+                          <a:ea typeface="Bricolage Grotesque"/>
+                          <a:cs typeface="Bricolage Grotesque"/>
+                          <a:sym typeface="Bricolage Grotesque"/>
+                        </a:rPr>
+                        <a:t>package.json</a:t>
+                      </a:r>
+                      <a:r>
+                        <a:rPr lang="en-US" sz="2499" dirty="0">
+                          <a:solidFill>
+                            <a:srgbClr val="000000"/>
+                          </a:solidFill>
+                          <a:latin typeface="Bricolage Grotesque"/>
+                          <a:ea typeface="Bricolage Grotesque"/>
+                          <a:cs typeface="Bricolage Grotesque"/>
+                          <a:sym typeface="Bricolage Grotesque"/>
+                        </a:rPr>
+                        <a:t> </a:t>
+                      </a:r>
+                      <a:r>
+                        <a:rPr lang="en-US" sz="2499" dirty="0" err="1">
+                          <a:solidFill>
+                            <a:srgbClr val="000000"/>
+                          </a:solidFill>
+                          <a:latin typeface="Bricolage Grotesque"/>
+                          <a:ea typeface="Bricolage Grotesque"/>
+                          <a:cs typeface="Bricolage Grotesque"/>
+                          <a:sym typeface="Bricolage Grotesque"/>
+                        </a:rPr>
+                        <a:t>để</a:t>
+                      </a:r>
+                      <a:r>
+                        <a:rPr lang="en-US" sz="2499" dirty="0">
+                          <a:solidFill>
+                            <a:srgbClr val="000000"/>
+                          </a:solidFill>
+                          <a:latin typeface="Bricolage Grotesque"/>
+                          <a:ea typeface="Bricolage Grotesque"/>
+                          <a:cs typeface="Bricolage Grotesque"/>
+                          <a:sym typeface="Bricolage Grotesque"/>
+                        </a:rPr>
+                        <a:t> </a:t>
+                      </a:r>
+                      <a:r>
+                        <a:rPr lang="en-US" sz="2499" dirty="0" err="1">
+                          <a:solidFill>
+                            <a:srgbClr val="000000"/>
+                          </a:solidFill>
+                          <a:latin typeface="Bricolage Grotesque"/>
+                          <a:ea typeface="Bricolage Grotesque"/>
+                          <a:cs typeface="Bricolage Grotesque"/>
+                          <a:sym typeface="Bricolage Grotesque"/>
+                        </a:rPr>
+                        <a:t>quản</a:t>
+                      </a:r>
+                      <a:r>
+                        <a:rPr lang="en-US" sz="2499" dirty="0">
+                          <a:solidFill>
+                            <a:srgbClr val="000000"/>
+                          </a:solidFill>
+                          <a:latin typeface="Bricolage Grotesque"/>
+                          <a:ea typeface="Bricolage Grotesque"/>
+                          <a:cs typeface="Bricolage Grotesque"/>
+                          <a:sym typeface="Bricolage Grotesque"/>
+                        </a:rPr>
+                        <a:t> </a:t>
+                      </a:r>
+                      <a:r>
+                        <a:rPr lang="en-US" sz="2499" dirty="0" err="1">
+                          <a:solidFill>
+                            <a:srgbClr val="000000"/>
+                          </a:solidFill>
+                          <a:latin typeface="Bricolage Grotesque"/>
+                          <a:ea typeface="Bricolage Grotesque"/>
+                          <a:cs typeface="Bricolage Grotesque"/>
+                          <a:sym typeface="Bricolage Grotesque"/>
+                        </a:rPr>
+                        <a:t>lý</a:t>
+                      </a:r>
+                      <a:r>
+                        <a:rPr lang="en-US" sz="2499" dirty="0">
+                          <a:solidFill>
+                            <a:srgbClr val="000000"/>
+                          </a:solidFill>
+                          <a:latin typeface="Bricolage Grotesque"/>
+                          <a:ea typeface="Bricolage Grotesque"/>
+                          <a:cs typeface="Bricolage Grotesque"/>
+                          <a:sym typeface="Bricolage Grotesque"/>
+                        </a:rPr>
+                        <a:t> </a:t>
+                      </a:r>
+                      <a:r>
+                        <a:rPr lang="en-US" sz="2499" dirty="0" err="1">
+                          <a:solidFill>
+                            <a:srgbClr val="000000"/>
+                          </a:solidFill>
+                          <a:latin typeface="Bricolage Grotesque"/>
+                          <a:ea typeface="Bricolage Grotesque"/>
+                          <a:cs typeface="Bricolage Grotesque"/>
+                          <a:sym typeface="Bricolage Grotesque"/>
+                        </a:rPr>
+                        <a:t>các</a:t>
+                      </a:r>
+                      <a:r>
+                        <a:rPr lang="en-US" sz="2499" dirty="0">
+                          <a:solidFill>
+                            <a:srgbClr val="000000"/>
+                          </a:solidFill>
+                          <a:latin typeface="Bricolage Grotesque"/>
+                          <a:ea typeface="Bricolage Grotesque"/>
+                          <a:cs typeface="Bricolage Grotesque"/>
+                          <a:sym typeface="Bricolage Grotesque"/>
+                        </a:rPr>
+                        <a:t> </a:t>
+                      </a:r>
+                      <a:r>
+                        <a:rPr lang="en-US" sz="2499" dirty="0" err="1">
+                          <a:solidFill>
+                            <a:srgbClr val="000000"/>
+                          </a:solidFill>
+                          <a:latin typeface="Bricolage Grotesque"/>
+                          <a:ea typeface="Bricolage Grotesque"/>
+                          <a:cs typeface="Bricolage Grotesque"/>
+                          <a:sym typeface="Bricolage Grotesque"/>
+                        </a:rPr>
+                        <a:t>gói</a:t>
+                      </a:r>
+                      <a:r>
+                        <a:rPr lang="en-US" sz="2499" dirty="0">
+                          <a:solidFill>
+                            <a:srgbClr val="000000"/>
+                          </a:solidFill>
+                          <a:latin typeface="Bricolage Grotesque"/>
+                          <a:ea typeface="Bricolage Grotesque"/>
+                          <a:cs typeface="Bricolage Grotesque"/>
+                          <a:sym typeface="Bricolage Grotesque"/>
+                        </a:rPr>
+                        <a:t> </a:t>
+                      </a:r>
+                      <a:r>
+                        <a:rPr lang="en-US" sz="2499" dirty="0" err="1">
+                          <a:solidFill>
+                            <a:srgbClr val="000000"/>
+                          </a:solidFill>
+                          <a:latin typeface="Bricolage Grotesque"/>
+                          <a:ea typeface="Bricolage Grotesque"/>
+                          <a:cs typeface="Bricolage Grotesque"/>
+                          <a:sym typeface="Bricolage Grotesque"/>
+                        </a:rPr>
+                        <a:t>và</a:t>
+                      </a:r>
+                      <a:r>
+                        <a:rPr lang="en-US" sz="2499" dirty="0">
+                          <a:solidFill>
+                            <a:srgbClr val="000000"/>
+                          </a:solidFill>
+                          <a:latin typeface="Bricolage Grotesque"/>
+                          <a:ea typeface="Bricolage Grotesque"/>
+                          <a:cs typeface="Bricolage Grotesque"/>
+                          <a:sym typeface="Bricolage Grotesque"/>
+                        </a:rPr>
+                        <a:t> </a:t>
+                      </a:r>
+                      <a:r>
+                        <a:rPr lang="en-US" sz="2499" dirty="0" err="1">
+                          <a:solidFill>
+                            <a:srgbClr val="000000"/>
+                          </a:solidFill>
+                          <a:latin typeface="Bricolage Grotesque"/>
+                          <a:ea typeface="Bricolage Grotesque"/>
+                          <a:cs typeface="Bricolage Grotesque"/>
+                          <a:sym typeface="Bricolage Grotesque"/>
+                        </a:rPr>
+                        <a:t>thông</a:t>
+                      </a:r>
+                      <a:r>
+                        <a:rPr lang="en-US" sz="2499" dirty="0">
+                          <a:solidFill>
+                            <a:srgbClr val="000000"/>
+                          </a:solidFill>
+                          <a:latin typeface="Bricolage Grotesque"/>
+                          <a:ea typeface="Bricolage Grotesque"/>
+                          <a:cs typeface="Bricolage Grotesque"/>
+                          <a:sym typeface="Bricolage Grotesque"/>
+                        </a:rPr>
+                        <a:t> tin </a:t>
+                      </a:r>
+                      <a:r>
+                        <a:rPr lang="en-US" sz="2499" dirty="0" err="1">
+                          <a:solidFill>
+                            <a:srgbClr val="000000"/>
+                          </a:solidFill>
+                          <a:latin typeface="Bricolage Grotesque"/>
+                          <a:ea typeface="Bricolage Grotesque"/>
+                          <a:cs typeface="Bricolage Grotesque"/>
+                          <a:sym typeface="Bricolage Grotesque"/>
+                        </a:rPr>
+                        <a:t>dự</a:t>
+                      </a:r>
+                      <a:r>
+                        <a:rPr lang="en-US" sz="2499" dirty="0">
+                          <a:solidFill>
+                            <a:srgbClr val="000000"/>
+                          </a:solidFill>
+                          <a:latin typeface="Bricolage Grotesque"/>
+                          <a:ea typeface="Bricolage Grotesque"/>
+                          <a:cs typeface="Bricolage Grotesque"/>
+                          <a:sym typeface="Bricolage Grotesque"/>
+                        </a:rPr>
+                        <a:t> </a:t>
+                      </a:r>
+                      <a:r>
+                        <a:rPr lang="en-US" sz="2499" dirty="0" err="1">
+                          <a:solidFill>
+                            <a:srgbClr val="000000"/>
+                          </a:solidFill>
+                          <a:latin typeface="Bricolage Grotesque"/>
+                          <a:ea typeface="Bricolage Grotesque"/>
+                          <a:cs typeface="Bricolage Grotesque"/>
+                          <a:sym typeface="Bricolage Grotesque"/>
+                        </a:rPr>
+                        <a:t>án</a:t>
+                      </a:r>
+                      <a:r>
+                        <a:rPr lang="en-US" sz="2499" dirty="0">
+                          <a:solidFill>
+                            <a:srgbClr val="000000"/>
+                          </a:solidFill>
+                          <a:latin typeface="Bricolage Grotesque"/>
+                          <a:ea typeface="Bricolage Grotesque"/>
+                          <a:cs typeface="Bricolage Grotesque"/>
+                          <a:sym typeface="Bricolage Grotesque"/>
+                        </a:rPr>
+                        <a:t>.</a:t>
                       </a:r>
                     </a:p>
                   </a:txBody>
@@ -3841,18 +5161,318 @@
                         <a:defRPr/>
                       </a:pPr>
                       <a:r>
-                        <a:rPr lang="en-US" sz="2499">
-                          <a:solidFill>
-                            <a:srgbClr val="000000"/>
-                          </a:solidFill>
-                          <a:latin typeface="Bricolage Grotesque"/>
-                          <a:ea typeface="Bricolage Grotesque"/>
-                          <a:cs typeface="Bricolage Grotesque"/>
-                          <a:sym typeface="Bricolage Grotesque"/>
-                        </a:rPr>
-                        <a:t>Là công cụ quản lý gói cho .NET và các ứng dụng dựa trên .NET.</a:t>
-                      </a:r>
-                      <a:endParaRPr lang="en-US" sz="1100"/>
+                        <a:rPr lang="en-US" sz="2499" dirty="0" err="1">
+                          <a:solidFill>
+                            <a:srgbClr val="000000"/>
+                          </a:solidFill>
+                          <a:latin typeface="Bricolage Grotesque"/>
+                          <a:ea typeface="Bricolage Grotesque"/>
+                          <a:cs typeface="Bricolage Grotesque"/>
+                          <a:sym typeface="Bricolage Grotesque"/>
+                        </a:rPr>
+                        <a:t>Là</a:t>
+                      </a:r>
+                      <a:r>
+                        <a:rPr lang="en-US" sz="2499" dirty="0">
+                          <a:solidFill>
+                            <a:srgbClr val="000000"/>
+                          </a:solidFill>
+                          <a:latin typeface="Bricolage Grotesque"/>
+                          <a:ea typeface="Bricolage Grotesque"/>
+                          <a:cs typeface="Bricolage Grotesque"/>
+                          <a:sym typeface="Bricolage Grotesque"/>
+                        </a:rPr>
+                        <a:t> </a:t>
+                      </a:r>
+                      <a:r>
+                        <a:rPr lang="en-US" sz="2499" dirty="0" err="1">
+                          <a:solidFill>
+                            <a:srgbClr val="000000"/>
+                          </a:solidFill>
+                          <a:latin typeface="Bricolage Grotesque"/>
+                          <a:ea typeface="Bricolage Grotesque"/>
+                          <a:cs typeface="Bricolage Grotesque"/>
+                          <a:sym typeface="Bricolage Grotesque"/>
+                        </a:rPr>
+                        <a:t>công</a:t>
+                      </a:r>
+                      <a:r>
+                        <a:rPr lang="en-US" sz="2499" dirty="0">
+                          <a:solidFill>
+                            <a:srgbClr val="000000"/>
+                          </a:solidFill>
+                          <a:latin typeface="Bricolage Grotesque"/>
+                          <a:ea typeface="Bricolage Grotesque"/>
+                          <a:cs typeface="Bricolage Grotesque"/>
+                          <a:sym typeface="Bricolage Grotesque"/>
+                        </a:rPr>
+                        <a:t> </a:t>
+                      </a:r>
+                      <a:r>
+                        <a:rPr lang="en-US" sz="2499" dirty="0" err="1">
+                          <a:solidFill>
+                            <a:srgbClr val="000000"/>
+                          </a:solidFill>
+                          <a:latin typeface="Bricolage Grotesque"/>
+                          <a:ea typeface="Bricolage Grotesque"/>
+                          <a:cs typeface="Bricolage Grotesque"/>
+                          <a:sym typeface="Bricolage Grotesque"/>
+                        </a:rPr>
+                        <a:t>cụ</a:t>
+                      </a:r>
+                      <a:r>
+                        <a:rPr lang="en-US" sz="2499" dirty="0">
+                          <a:solidFill>
+                            <a:srgbClr val="000000"/>
+                          </a:solidFill>
+                          <a:latin typeface="Bricolage Grotesque"/>
+                          <a:ea typeface="Bricolage Grotesque"/>
+                          <a:cs typeface="Bricolage Grotesque"/>
+                          <a:sym typeface="Bricolage Grotesque"/>
+                        </a:rPr>
+                        <a:t> </a:t>
+                      </a:r>
+                      <a:r>
+                        <a:rPr lang="en-US" sz="2499" dirty="0" err="1">
+                          <a:solidFill>
+                            <a:srgbClr val="000000"/>
+                          </a:solidFill>
+                          <a:latin typeface="Bricolage Grotesque"/>
+                          <a:ea typeface="Bricolage Grotesque"/>
+                          <a:cs typeface="Bricolage Grotesque"/>
+                          <a:sym typeface="Bricolage Grotesque"/>
+                        </a:rPr>
+                        <a:t>quản</a:t>
+                      </a:r>
+                      <a:r>
+                        <a:rPr lang="en-US" sz="2499" dirty="0">
+                          <a:solidFill>
+                            <a:srgbClr val="000000"/>
+                          </a:solidFill>
+                          <a:latin typeface="Bricolage Grotesque"/>
+                          <a:ea typeface="Bricolage Grotesque"/>
+                          <a:cs typeface="Bricolage Grotesque"/>
+                          <a:sym typeface="Bricolage Grotesque"/>
+                        </a:rPr>
+                        <a:t> </a:t>
+                      </a:r>
+                      <a:r>
+                        <a:rPr lang="en-US" sz="2499" dirty="0" err="1">
+                          <a:solidFill>
+                            <a:srgbClr val="000000"/>
+                          </a:solidFill>
+                          <a:latin typeface="Bricolage Grotesque"/>
+                          <a:ea typeface="Bricolage Grotesque"/>
+                          <a:cs typeface="Bricolage Grotesque"/>
+                          <a:sym typeface="Bricolage Grotesque"/>
+                        </a:rPr>
+                        <a:t>lý</a:t>
+                      </a:r>
+                      <a:r>
+                        <a:rPr lang="en-US" sz="2499" dirty="0">
+                          <a:solidFill>
+                            <a:srgbClr val="000000"/>
+                          </a:solidFill>
+                          <a:latin typeface="Bricolage Grotesque"/>
+                          <a:ea typeface="Bricolage Grotesque"/>
+                          <a:cs typeface="Bricolage Grotesque"/>
+                          <a:sym typeface="Bricolage Grotesque"/>
+                        </a:rPr>
+                        <a:t> </a:t>
+                      </a:r>
+                      <a:r>
+                        <a:rPr lang="en-US" sz="2499" dirty="0" err="1">
+                          <a:solidFill>
+                            <a:srgbClr val="000000"/>
+                          </a:solidFill>
+                          <a:latin typeface="Bricolage Grotesque"/>
+                          <a:ea typeface="Bricolage Grotesque"/>
+                          <a:cs typeface="Bricolage Grotesque"/>
+                          <a:sym typeface="Bricolage Grotesque"/>
+                        </a:rPr>
+                        <a:t>gói</a:t>
+                      </a:r>
+                      <a:r>
+                        <a:rPr lang="en-US" sz="2499" dirty="0">
+                          <a:solidFill>
+                            <a:srgbClr val="000000"/>
+                          </a:solidFill>
+                          <a:latin typeface="Bricolage Grotesque"/>
+                          <a:ea typeface="Bricolage Grotesque"/>
+                          <a:cs typeface="Bricolage Grotesque"/>
+                          <a:sym typeface="Bricolage Grotesque"/>
+                        </a:rPr>
+                        <a:t> </a:t>
+                      </a:r>
+                      <a:r>
+                        <a:rPr lang="en-US" sz="2499" dirty="0" err="1">
+                          <a:solidFill>
+                            <a:srgbClr val="000000"/>
+                          </a:solidFill>
+                          <a:latin typeface="Bricolage Grotesque"/>
+                          <a:ea typeface="Bricolage Grotesque"/>
+                          <a:cs typeface="Bricolage Grotesque"/>
+                          <a:sym typeface="Bricolage Grotesque"/>
+                        </a:rPr>
+                        <a:t>cho</a:t>
+                      </a:r>
+                      <a:r>
+                        <a:rPr lang="en-US" sz="2499" dirty="0">
+                          <a:solidFill>
+                            <a:srgbClr val="000000"/>
+                          </a:solidFill>
+                          <a:latin typeface="Bricolage Grotesque"/>
+                          <a:ea typeface="Bricolage Grotesque"/>
+                          <a:cs typeface="Bricolage Grotesque"/>
+                          <a:sym typeface="Bricolage Grotesque"/>
+                        </a:rPr>
+                        <a:t> .NET </a:t>
+                      </a:r>
+                      <a:r>
+                        <a:rPr lang="en-US" sz="2499" dirty="0" err="1">
+                          <a:solidFill>
+                            <a:srgbClr val="000000"/>
+                          </a:solidFill>
+                          <a:latin typeface="Bricolage Grotesque"/>
+                          <a:ea typeface="Bricolage Grotesque"/>
+                          <a:cs typeface="Bricolage Grotesque"/>
+                          <a:sym typeface="Bricolage Grotesque"/>
+                        </a:rPr>
+                        <a:t>và</a:t>
+                      </a:r>
+                      <a:r>
+                        <a:rPr lang="en-US" sz="2499" dirty="0">
+                          <a:solidFill>
+                            <a:srgbClr val="000000"/>
+                          </a:solidFill>
+                          <a:latin typeface="Bricolage Grotesque"/>
+                          <a:ea typeface="Bricolage Grotesque"/>
+                          <a:cs typeface="Bricolage Grotesque"/>
+                          <a:sym typeface="Bricolage Grotesque"/>
+                        </a:rPr>
+                        <a:t> </a:t>
+                      </a:r>
+                      <a:r>
+                        <a:rPr lang="en-US" sz="2499" dirty="0" err="1">
+                          <a:solidFill>
+                            <a:srgbClr val="000000"/>
+                          </a:solidFill>
+                          <a:latin typeface="Bricolage Grotesque"/>
+                          <a:ea typeface="Bricolage Grotesque"/>
+                          <a:cs typeface="Bricolage Grotesque"/>
+                          <a:sym typeface="Bricolage Grotesque"/>
+                        </a:rPr>
+                        <a:t>các</a:t>
+                      </a:r>
+                      <a:r>
+                        <a:rPr lang="en-US" sz="2499" dirty="0">
+                          <a:solidFill>
+                            <a:srgbClr val="000000"/>
+                          </a:solidFill>
+                          <a:latin typeface="Bricolage Grotesque"/>
+                          <a:ea typeface="Bricolage Grotesque"/>
+                          <a:cs typeface="Bricolage Grotesque"/>
+                          <a:sym typeface="Bricolage Grotesque"/>
+                        </a:rPr>
+                        <a:t> </a:t>
+                      </a:r>
+                      <a:r>
+                        <a:rPr lang="en-US" sz="2499" dirty="0" err="1">
+                          <a:solidFill>
+                            <a:srgbClr val="000000"/>
+                          </a:solidFill>
+                          <a:latin typeface="Bricolage Grotesque"/>
+                          <a:ea typeface="Bricolage Grotesque"/>
+                          <a:cs typeface="Bricolage Grotesque"/>
+                          <a:sym typeface="Bricolage Grotesque"/>
+                        </a:rPr>
+                        <a:t>ứng</a:t>
+                      </a:r>
+                      <a:r>
+                        <a:rPr lang="en-US" sz="2499" dirty="0">
+                          <a:solidFill>
+                            <a:srgbClr val="000000"/>
+                          </a:solidFill>
+                          <a:latin typeface="Bricolage Grotesque"/>
+                          <a:ea typeface="Bricolage Grotesque"/>
+                          <a:cs typeface="Bricolage Grotesque"/>
+                          <a:sym typeface="Bricolage Grotesque"/>
+                        </a:rPr>
+                        <a:t> </a:t>
+                      </a:r>
+                      <a:r>
+                        <a:rPr lang="en-US" sz="2499" dirty="0" err="1">
+                          <a:solidFill>
+                            <a:srgbClr val="000000"/>
+                          </a:solidFill>
+                          <a:latin typeface="Bricolage Grotesque"/>
+                          <a:ea typeface="Bricolage Grotesque"/>
+                          <a:cs typeface="Bricolage Grotesque"/>
+                          <a:sym typeface="Bricolage Grotesque"/>
+                        </a:rPr>
+                        <a:t>dụng</a:t>
+                      </a:r>
+                      <a:r>
+                        <a:rPr lang="en-US" sz="2499" dirty="0">
+                          <a:solidFill>
+                            <a:srgbClr val="000000"/>
+                          </a:solidFill>
+                          <a:latin typeface="Bricolage Grotesque"/>
+                          <a:ea typeface="Bricolage Grotesque"/>
+                          <a:cs typeface="Bricolage Grotesque"/>
+                          <a:sym typeface="Bricolage Grotesque"/>
+                        </a:rPr>
+                        <a:t> </a:t>
+                      </a:r>
+                      <a:r>
+                        <a:rPr lang="en-US" sz="2499" dirty="0" err="1">
+                          <a:solidFill>
+                            <a:srgbClr val="000000"/>
+                          </a:solidFill>
+                          <a:latin typeface="Bricolage Grotesque"/>
+                          <a:ea typeface="Bricolage Grotesque"/>
+                          <a:cs typeface="Bricolage Grotesque"/>
+                          <a:sym typeface="Bricolage Grotesque"/>
+                        </a:rPr>
+                        <a:t>dựa</a:t>
+                      </a:r>
+                      <a:r>
+                        <a:rPr lang="en-US" sz="2499" dirty="0">
+                          <a:solidFill>
+                            <a:srgbClr val="000000"/>
+                          </a:solidFill>
+                          <a:latin typeface="Bricolage Grotesque"/>
+                          <a:ea typeface="Bricolage Grotesque"/>
+                          <a:cs typeface="Bricolage Grotesque"/>
+                          <a:sym typeface="Bricolage Grotesque"/>
+                        </a:rPr>
+                        <a:t> </a:t>
+                      </a:r>
+                      <a:r>
+                        <a:rPr lang="en-US" sz="2499" dirty="0" err="1">
+                          <a:solidFill>
+                            <a:srgbClr val="000000"/>
+                          </a:solidFill>
+                          <a:latin typeface="Bricolage Grotesque"/>
+                          <a:ea typeface="Bricolage Grotesque"/>
+                          <a:cs typeface="Bricolage Grotesque"/>
+                          <a:sym typeface="Bricolage Grotesque"/>
+                        </a:rPr>
+                        <a:t>trên</a:t>
+                      </a:r>
+                      <a:r>
+                        <a:rPr lang="en-US" sz="2499" dirty="0">
+                          <a:solidFill>
+                            <a:srgbClr val="000000"/>
+                          </a:solidFill>
+                          <a:latin typeface="Bricolage Grotesque"/>
+                          <a:ea typeface="Bricolage Grotesque"/>
+                          <a:cs typeface="Bricolage Grotesque"/>
+                          <a:sym typeface="Bricolage Grotesque"/>
+                        </a:rPr>
+                        <a:t> .NET.</a:t>
+                      </a:r>
+                      <a:endParaRPr lang="en-US" sz="1100" dirty="0"/>
                     </a:p>
                     <a:p>
                       <a:pPr algn="l">
@@ -3860,7 +5480,7 @@
                           <a:spcPts val="3749"/>
                         </a:lnSpc>
                       </a:pPr>
-                      <a:endParaRPr lang="en-US" sz="1100"/>
+                      <a:endParaRPr lang="en-US" sz="1100" dirty="0"/>
                     </a:p>
                     <a:p>
                       <a:pPr marL="539746" lvl="1" indent="-269873" algn="l">
@@ -3871,16 +5491,604 @@
                         <a:buChar char="•"/>
                       </a:pPr>
                       <a:r>
-                        <a:rPr lang="en-US" sz="2499">
-                          <a:solidFill>
-                            <a:srgbClr val="000000"/>
-                          </a:solidFill>
-                          <a:latin typeface="Bricolage Grotesque"/>
-                          <a:ea typeface="Bricolage Grotesque"/>
-                          <a:cs typeface="Bricolage Grotesque"/>
-                          <a:sym typeface="Bricolage Grotesque"/>
-                        </a:rPr>
-                        <a:t>Được sử dụng để cài đặt và quản lý các thư viện .NET, bao gồm cả thư viện cho ASP.NET, WinForms, WPF và các loại dự án khác.</a:t>
+                        <a:rPr lang="en-US" sz="2499" dirty="0" err="1">
+                          <a:solidFill>
+                            <a:srgbClr val="000000"/>
+                          </a:solidFill>
+                          <a:latin typeface="Bricolage Grotesque"/>
+                          <a:ea typeface="Bricolage Grotesque"/>
+                          <a:cs typeface="Bricolage Grotesque"/>
+                          <a:sym typeface="Bricolage Grotesque"/>
+                        </a:rPr>
+                        <a:t>Được</a:t>
+                      </a:r>
+                      <a:r>
+                        <a:rPr lang="en-US" sz="2499" dirty="0">
+                          <a:solidFill>
+                            <a:srgbClr val="000000"/>
+                          </a:solidFill>
+                          <a:latin typeface="Bricolage Grotesque"/>
+                          <a:ea typeface="Bricolage Grotesque"/>
+                          <a:cs typeface="Bricolage Grotesque"/>
+                          <a:sym typeface="Bricolage Grotesque"/>
+                        </a:rPr>
+                        <a:t> </a:t>
+                      </a:r>
+                      <a:r>
+                        <a:rPr lang="en-US" sz="2499" dirty="0" err="1">
+                          <a:solidFill>
+                            <a:srgbClr val="000000"/>
+                          </a:solidFill>
+                          <a:latin typeface="Bricolage Grotesque"/>
+                          <a:ea typeface="Bricolage Grotesque"/>
+                          <a:cs typeface="Bricolage Grotesque"/>
+                          <a:sym typeface="Bricolage Grotesque"/>
+                        </a:rPr>
+                        <a:t>sử</a:t>
+                      </a:r>
+                      <a:r>
+                        <a:rPr lang="en-US" sz="2499" dirty="0">
+                          <a:solidFill>
+                            <a:srgbClr val="000000"/>
+                          </a:solidFill>
+                          <a:latin typeface="Bricolage Grotesque"/>
+                          <a:ea typeface="Bricolage Grotesque"/>
+                          <a:cs typeface="Bricolage Grotesque"/>
+                          <a:sym typeface="Bricolage Grotesque"/>
+                        </a:rPr>
+                        <a:t> </a:t>
+                      </a:r>
+                      <a:r>
+                        <a:rPr lang="en-US" sz="2499" dirty="0" err="1">
+                          <a:solidFill>
+                            <a:srgbClr val="000000"/>
+                          </a:solidFill>
+                          <a:latin typeface="Bricolage Grotesque"/>
+                          <a:ea typeface="Bricolage Grotesque"/>
+                          <a:cs typeface="Bricolage Grotesque"/>
+                          <a:sym typeface="Bricolage Grotesque"/>
+                        </a:rPr>
+                        <a:t>dụng</a:t>
+                      </a:r>
+                      <a:r>
+                        <a:rPr lang="en-US" sz="2499" dirty="0">
+                          <a:solidFill>
+                            <a:srgbClr val="000000"/>
+                          </a:solidFill>
+                          <a:latin typeface="Bricolage Grotesque"/>
+                          <a:ea typeface="Bricolage Grotesque"/>
+                          <a:cs typeface="Bricolage Grotesque"/>
+                          <a:sym typeface="Bricolage Grotesque"/>
+                        </a:rPr>
+                        <a:t> </a:t>
+                      </a:r>
+                      <a:r>
+                        <a:rPr lang="en-US" sz="2499" dirty="0" err="1">
+                          <a:solidFill>
+                            <a:srgbClr val="000000"/>
+                          </a:solidFill>
+                          <a:latin typeface="Bricolage Grotesque"/>
+                          <a:ea typeface="Bricolage Grotesque"/>
+                          <a:cs typeface="Bricolage Grotesque"/>
+                          <a:sym typeface="Bricolage Grotesque"/>
+                        </a:rPr>
+                        <a:t>để</a:t>
+                      </a:r>
+                      <a:r>
+                        <a:rPr lang="en-US" sz="2499" dirty="0">
+                          <a:solidFill>
+                            <a:srgbClr val="000000"/>
+                          </a:solidFill>
+                          <a:latin typeface="Bricolage Grotesque"/>
+                          <a:ea typeface="Bricolage Grotesque"/>
+                          <a:cs typeface="Bricolage Grotesque"/>
+                          <a:sym typeface="Bricolage Grotesque"/>
+                        </a:rPr>
+                        <a:t> </a:t>
+                      </a:r>
+                      <a:r>
+                        <a:rPr lang="en-US" sz="2499" dirty="0" err="1">
+                          <a:solidFill>
+                            <a:srgbClr val="000000"/>
+                          </a:solidFill>
+                          <a:latin typeface="Bricolage Grotesque"/>
+                          <a:ea typeface="Bricolage Grotesque"/>
+                          <a:cs typeface="Bricolage Grotesque"/>
+                          <a:sym typeface="Bricolage Grotesque"/>
+                        </a:rPr>
+                        <a:t>cài</a:t>
+                      </a:r>
+                      <a:r>
+                        <a:rPr lang="en-US" sz="2499" dirty="0">
+                          <a:solidFill>
+                            <a:srgbClr val="000000"/>
+                          </a:solidFill>
+                          <a:latin typeface="Bricolage Grotesque"/>
+                          <a:ea typeface="Bricolage Grotesque"/>
+                          <a:cs typeface="Bricolage Grotesque"/>
+                          <a:sym typeface="Bricolage Grotesque"/>
+                        </a:rPr>
+                        <a:t> </a:t>
+                      </a:r>
+                      <a:r>
+                        <a:rPr lang="en-US" sz="2499" dirty="0" err="1">
+                          <a:solidFill>
+                            <a:srgbClr val="000000"/>
+                          </a:solidFill>
+                          <a:latin typeface="Bricolage Grotesque"/>
+                          <a:ea typeface="Bricolage Grotesque"/>
+                          <a:cs typeface="Bricolage Grotesque"/>
+                          <a:sym typeface="Bricolage Grotesque"/>
+                        </a:rPr>
+                        <a:t>đặt</a:t>
+                      </a:r>
+                      <a:r>
+                        <a:rPr lang="en-US" sz="2499" dirty="0">
+                          <a:solidFill>
+                            <a:srgbClr val="000000"/>
+                          </a:solidFill>
+                          <a:latin typeface="Bricolage Grotesque"/>
+                          <a:ea typeface="Bricolage Grotesque"/>
+                          <a:cs typeface="Bricolage Grotesque"/>
+                          <a:sym typeface="Bricolage Grotesque"/>
+                        </a:rPr>
+                        <a:t> </a:t>
+                      </a:r>
+                      <a:r>
+                        <a:rPr lang="en-US" sz="2499" dirty="0" err="1">
+                          <a:solidFill>
+                            <a:srgbClr val="000000"/>
+                          </a:solidFill>
+                          <a:latin typeface="Bricolage Grotesque"/>
+                          <a:ea typeface="Bricolage Grotesque"/>
+                          <a:cs typeface="Bricolage Grotesque"/>
+                          <a:sym typeface="Bricolage Grotesque"/>
+                        </a:rPr>
+                        <a:t>và</a:t>
+                      </a:r>
+                      <a:r>
+                        <a:rPr lang="en-US" sz="2499" dirty="0">
+                          <a:solidFill>
+                            <a:srgbClr val="000000"/>
+                          </a:solidFill>
+                          <a:latin typeface="Bricolage Grotesque"/>
+                          <a:ea typeface="Bricolage Grotesque"/>
+                          <a:cs typeface="Bricolage Grotesque"/>
+                          <a:sym typeface="Bricolage Grotesque"/>
+                        </a:rPr>
+                        <a:t> </a:t>
+                      </a:r>
+                      <a:r>
+                        <a:rPr lang="en-US" sz="2499" dirty="0" err="1">
+                          <a:solidFill>
+                            <a:srgbClr val="000000"/>
+                          </a:solidFill>
+                          <a:latin typeface="Bricolage Grotesque"/>
+                          <a:ea typeface="Bricolage Grotesque"/>
+                          <a:cs typeface="Bricolage Grotesque"/>
+                          <a:sym typeface="Bricolage Grotesque"/>
+                        </a:rPr>
+                        <a:t>quản</a:t>
+                      </a:r>
+                      <a:r>
+                        <a:rPr lang="en-US" sz="2499" dirty="0">
+                          <a:solidFill>
+                            <a:srgbClr val="000000"/>
+                          </a:solidFill>
+                          <a:latin typeface="Bricolage Grotesque"/>
+                          <a:ea typeface="Bricolage Grotesque"/>
+                          <a:cs typeface="Bricolage Grotesque"/>
+                          <a:sym typeface="Bricolage Grotesque"/>
+                        </a:rPr>
+                        <a:t> </a:t>
+                      </a:r>
+                      <a:r>
+                        <a:rPr lang="en-US" sz="2499" dirty="0" err="1">
+                          <a:solidFill>
+                            <a:srgbClr val="000000"/>
+                          </a:solidFill>
+                          <a:latin typeface="Bricolage Grotesque"/>
+                          <a:ea typeface="Bricolage Grotesque"/>
+                          <a:cs typeface="Bricolage Grotesque"/>
+                          <a:sym typeface="Bricolage Grotesque"/>
+                        </a:rPr>
+                        <a:t>lý</a:t>
+                      </a:r>
+                      <a:r>
+                        <a:rPr lang="en-US" sz="2499" dirty="0">
+                          <a:solidFill>
+                            <a:srgbClr val="000000"/>
+                          </a:solidFill>
+                          <a:latin typeface="Bricolage Grotesque"/>
+                          <a:ea typeface="Bricolage Grotesque"/>
+                          <a:cs typeface="Bricolage Grotesque"/>
+                          <a:sym typeface="Bricolage Grotesque"/>
+                        </a:rPr>
+                        <a:t> </a:t>
+                      </a:r>
+                      <a:r>
+                        <a:rPr lang="en-US" sz="2499" dirty="0" err="1">
+                          <a:solidFill>
+                            <a:srgbClr val="000000"/>
+                          </a:solidFill>
+                          <a:latin typeface="Bricolage Grotesque"/>
+                          <a:ea typeface="Bricolage Grotesque"/>
+                          <a:cs typeface="Bricolage Grotesque"/>
+                          <a:sym typeface="Bricolage Grotesque"/>
+                        </a:rPr>
+                        <a:t>các</a:t>
+                      </a:r>
+                      <a:r>
+                        <a:rPr lang="en-US" sz="2499" dirty="0">
+                          <a:solidFill>
+                            <a:srgbClr val="000000"/>
+                          </a:solidFill>
+                          <a:latin typeface="Bricolage Grotesque"/>
+                          <a:ea typeface="Bricolage Grotesque"/>
+                          <a:cs typeface="Bricolage Grotesque"/>
+                          <a:sym typeface="Bricolage Grotesque"/>
+                        </a:rPr>
+                        <a:t> </a:t>
+                      </a:r>
+                      <a:r>
+                        <a:rPr lang="en-US" sz="2499" dirty="0" err="1">
+                          <a:solidFill>
+                            <a:srgbClr val="000000"/>
+                          </a:solidFill>
+                          <a:latin typeface="Bricolage Grotesque"/>
+                          <a:ea typeface="Bricolage Grotesque"/>
+                          <a:cs typeface="Bricolage Grotesque"/>
+                          <a:sym typeface="Bricolage Grotesque"/>
+                        </a:rPr>
+                        <a:t>thư</a:t>
+                      </a:r>
+                      <a:r>
+                        <a:rPr lang="en-US" sz="2499" dirty="0">
+                          <a:solidFill>
+                            <a:srgbClr val="000000"/>
+                          </a:solidFill>
+                          <a:latin typeface="Bricolage Grotesque"/>
+                          <a:ea typeface="Bricolage Grotesque"/>
+                          <a:cs typeface="Bricolage Grotesque"/>
+                          <a:sym typeface="Bricolage Grotesque"/>
+                        </a:rPr>
+                        <a:t> </a:t>
+                      </a:r>
+                      <a:r>
+                        <a:rPr lang="en-US" sz="2499" dirty="0" err="1">
+                          <a:solidFill>
+                            <a:srgbClr val="000000"/>
+                          </a:solidFill>
+                          <a:latin typeface="Bricolage Grotesque"/>
+                          <a:ea typeface="Bricolage Grotesque"/>
+                          <a:cs typeface="Bricolage Grotesque"/>
+                          <a:sym typeface="Bricolage Grotesque"/>
+                        </a:rPr>
+                        <a:t>viện</a:t>
+                      </a:r>
+                      <a:r>
+                        <a:rPr lang="en-US" sz="2499" dirty="0">
+                          <a:solidFill>
+                            <a:srgbClr val="000000"/>
+                          </a:solidFill>
+                          <a:latin typeface="Bricolage Grotesque"/>
+                          <a:ea typeface="Bricolage Grotesque"/>
+                          <a:cs typeface="Bricolage Grotesque"/>
+                          <a:sym typeface="Bricolage Grotesque"/>
+                        </a:rPr>
+                        <a:t> .NET, </a:t>
+                      </a:r>
+                      <a:r>
+                        <a:rPr lang="en-US" sz="2499" dirty="0" err="1">
+                          <a:solidFill>
+                            <a:srgbClr val="000000"/>
+                          </a:solidFill>
+                          <a:latin typeface="Bricolage Grotesque"/>
+                          <a:ea typeface="Bricolage Grotesque"/>
+                          <a:cs typeface="Bricolage Grotesque"/>
+                          <a:sym typeface="Bricolage Grotesque"/>
+                        </a:rPr>
+                        <a:t>bao</a:t>
+                      </a:r>
+                      <a:r>
+                        <a:rPr lang="en-US" sz="2499" dirty="0">
+                          <a:solidFill>
+                            <a:srgbClr val="000000"/>
+                          </a:solidFill>
+                          <a:latin typeface="Bricolage Grotesque"/>
+                          <a:ea typeface="Bricolage Grotesque"/>
+                          <a:cs typeface="Bricolage Grotesque"/>
+                          <a:sym typeface="Bricolage Grotesque"/>
+                        </a:rPr>
+                        <a:t> </a:t>
+                      </a:r>
+                      <a:r>
+                        <a:rPr lang="en-US" sz="2499" dirty="0" err="1">
+                          <a:solidFill>
+                            <a:srgbClr val="000000"/>
+                          </a:solidFill>
+                          <a:latin typeface="Bricolage Grotesque"/>
+                          <a:ea typeface="Bricolage Grotesque"/>
+                          <a:cs typeface="Bricolage Grotesque"/>
+                          <a:sym typeface="Bricolage Grotesque"/>
+                        </a:rPr>
+                        <a:t>gồm</a:t>
+                      </a:r>
+                      <a:r>
+                        <a:rPr lang="en-US" sz="2499" dirty="0">
+                          <a:solidFill>
+                            <a:srgbClr val="000000"/>
+                          </a:solidFill>
+                          <a:latin typeface="Bricolage Grotesque"/>
+                          <a:ea typeface="Bricolage Grotesque"/>
+                          <a:cs typeface="Bricolage Grotesque"/>
+                          <a:sym typeface="Bricolage Grotesque"/>
+                        </a:rPr>
+                        <a:t> </a:t>
+                      </a:r>
+                      <a:r>
+                        <a:rPr lang="en-US" sz="2499" dirty="0" err="1">
+                          <a:solidFill>
+                            <a:srgbClr val="000000"/>
+                          </a:solidFill>
+                          <a:latin typeface="Bricolage Grotesque"/>
+                          <a:ea typeface="Bricolage Grotesque"/>
+                          <a:cs typeface="Bricolage Grotesque"/>
+                          <a:sym typeface="Bricolage Grotesque"/>
+                        </a:rPr>
+                        <a:t>cả</a:t>
+                      </a:r>
+                      <a:r>
+                        <a:rPr lang="en-US" sz="2499" dirty="0">
+                          <a:solidFill>
+                            <a:srgbClr val="000000"/>
+                          </a:solidFill>
+                          <a:latin typeface="Bricolage Grotesque"/>
+                          <a:ea typeface="Bricolage Grotesque"/>
+                          <a:cs typeface="Bricolage Grotesque"/>
+                          <a:sym typeface="Bricolage Grotesque"/>
+                        </a:rPr>
+                        <a:t> </a:t>
+                      </a:r>
+                      <a:r>
+                        <a:rPr lang="en-US" sz="2499" dirty="0" err="1">
+                          <a:solidFill>
+                            <a:srgbClr val="000000"/>
+                          </a:solidFill>
+                          <a:latin typeface="Bricolage Grotesque"/>
+                          <a:ea typeface="Bricolage Grotesque"/>
+                          <a:cs typeface="Bricolage Grotesque"/>
+                          <a:sym typeface="Bricolage Grotesque"/>
+                        </a:rPr>
+                        <a:t>thư</a:t>
+                      </a:r>
+                      <a:r>
+                        <a:rPr lang="en-US" sz="2499" dirty="0">
+                          <a:solidFill>
+                            <a:srgbClr val="000000"/>
+                          </a:solidFill>
+                          <a:latin typeface="Bricolage Grotesque"/>
+                          <a:ea typeface="Bricolage Grotesque"/>
+                          <a:cs typeface="Bricolage Grotesque"/>
+                          <a:sym typeface="Bricolage Grotesque"/>
+                        </a:rPr>
+                        <a:t> </a:t>
+                      </a:r>
+                      <a:r>
+                        <a:rPr lang="en-US" sz="2499" dirty="0" err="1">
+                          <a:solidFill>
+                            <a:srgbClr val="000000"/>
+                          </a:solidFill>
+                          <a:latin typeface="Bricolage Grotesque"/>
+                          <a:ea typeface="Bricolage Grotesque"/>
+                          <a:cs typeface="Bricolage Grotesque"/>
+                          <a:sym typeface="Bricolage Grotesque"/>
+                        </a:rPr>
+                        <a:t>viện</a:t>
+                      </a:r>
+                      <a:r>
+                        <a:rPr lang="en-US" sz="2499" dirty="0">
+                          <a:solidFill>
+                            <a:srgbClr val="000000"/>
+                          </a:solidFill>
+                          <a:latin typeface="Bricolage Grotesque"/>
+                          <a:ea typeface="Bricolage Grotesque"/>
+                          <a:cs typeface="Bricolage Grotesque"/>
+                          <a:sym typeface="Bricolage Grotesque"/>
+                        </a:rPr>
+                        <a:t> </a:t>
+                      </a:r>
+                      <a:r>
+                        <a:rPr lang="en-US" sz="2499" dirty="0" err="1">
+                          <a:solidFill>
+                            <a:srgbClr val="000000"/>
+                          </a:solidFill>
+                          <a:latin typeface="Bricolage Grotesque"/>
+                          <a:ea typeface="Bricolage Grotesque"/>
+                          <a:cs typeface="Bricolage Grotesque"/>
+                          <a:sym typeface="Bricolage Grotesque"/>
+                        </a:rPr>
+                        <a:t>cho</a:t>
+                      </a:r>
+                      <a:r>
+                        <a:rPr lang="en-US" sz="2499" dirty="0">
+                          <a:solidFill>
+                            <a:srgbClr val="000000"/>
+                          </a:solidFill>
+                          <a:latin typeface="Bricolage Grotesque"/>
+                          <a:ea typeface="Bricolage Grotesque"/>
+                          <a:cs typeface="Bricolage Grotesque"/>
+                          <a:sym typeface="Bricolage Grotesque"/>
+                        </a:rPr>
+                        <a:t> ASP.NET, </a:t>
+                      </a:r>
+                      <a:r>
+                        <a:rPr lang="en-US" sz="2499" dirty="0" err="1">
+                          <a:solidFill>
+                            <a:srgbClr val="000000"/>
+                          </a:solidFill>
+                          <a:latin typeface="Bricolage Grotesque"/>
+                          <a:ea typeface="Bricolage Grotesque"/>
+                          <a:cs typeface="Bricolage Grotesque"/>
+                          <a:sym typeface="Bricolage Grotesque"/>
+                        </a:rPr>
+                        <a:t>WinForms</a:t>
+                      </a:r>
+                      <a:r>
+                        <a:rPr lang="en-US" sz="2499" dirty="0">
+                          <a:solidFill>
+                            <a:srgbClr val="000000"/>
+                          </a:solidFill>
+                          <a:latin typeface="Bricolage Grotesque"/>
+                          <a:ea typeface="Bricolage Grotesque"/>
+                          <a:cs typeface="Bricolage Grotesque"/>
+                          <a:sym typeface="Bricolage Grotesque"/>
+                        </a:rPr>
+                        <a:t>, WPF </a:t>
+                      </a:r>
+                      <a:r>
+                        <a:rPr lang="en-US" sz="2499" dirty="0" err="1">
+                          <a:solidFill>
+                            <a:srgbClr val="000000"/>
+                          </a:solidFill>
+                          <a:latin typeface="Bricolage Grotesque"/>
+                          <a:ea typeface="Bricolage Grotesque"/>
+                          <a:cs typeface="Bricolage Grotesque"/>
+                          <a:sym typeface="Bricolage Grotesque"/>
+                        </a:rPr>
+                        <a:t>và</a:t>
+                      </a:r>
+                      <a:r>
+                        <a:rPr lang="en-US" sz="2499" dirty="0">
+                          <a:solidFill>
+                            <a:srgbClr val="000000"/>
+                          </a:solidFill>
+                          <a:latin typeface="Bricolage Grotesque"/>
+                          <a:ea typeface="Bricolage Grotesque"/>
+                          <a:cs typeface="Bricolage Grotesque"/>
+                          <a:sym typeface="Bricolage Grotesque"/>
+                        </a:rPr>
+                        <a:t> </a:t>
+                      </a:r>
+                      <a:r>
+                        <a:rPr lang="en-US" sz="2499" dirty="0" err="1">
+                          <a:solidFill>
+                            <a:srgbClr val="000000"/>
+                          </a:solidFill>
+                          <a:latin typeface="Bricolage Grotesque"/>
+                          <a:ea typeface="Bricolage Grotesque"/>
+                          <a:cs typeface="Bricolage Grotesque"/>
+                          <a:sym typeface="Bricolage Grotesque"/>
+                        </a:rPr>
+                        <a:t>các</a:t>
+                      </a:r>
+                      <a:r>
+                        <a:rPr lang="en-US" sz="2499" dirty="0">
+                          <a:solidFill>
+                            <a:srgbClr val="000000"/>
+                          </a:solidFill>
+                          <a:latin typeface="Bricolage Grotesque"/>
+                          <a:ea typeface="Bricolage Grotesque"/>
+                          <a:cs typeface="Bricolage Grotesque"/>
+                          <a:sym typeface="Bricolage Grotesque"/>
+                        </a:rPr>
+                        <a:t> </a:t>
+                      </a:r>
+                      <a:r>
+                        <a:rPr lang="en-US" sz="2499" dirty="0" err="1">
+                          <a:solidFill>
+                            <a:srgbClr val="000000"/>
+                          </a:solidFill>
+                          <a:latin typeface="Bricolage Grotesque"/>
+                          <a:ea typeface="Bricolage Grotesque"/>
+                          <a:cs typeface="Bricolage Grotesque"/>
+                          <a:sym typeface="Bricolage Grotesque"/>
+                        </a:rPr>
+                        <a:t>loại</a:t>
+                      </a:r>
+                      <a:r>
+                        <a:rPr lang="en-US" sz="2499" dirty="0">
+                          <a:solidFill>
+                            <a:srgbClr val="000000"/>
+                          </a:solidFill>
+                          <a:latin typeface="Bricolage Grotesque"/>
+                          <a:ea typeface="Bricolage Grotesque"/>
+                          <a:cs typeface="Bricolage Grotesque"/>
+                          <a:sym typeface="Bricolage Grotesque"/>
+                        </a:rPr>
+                        <a:t> </a:t>
+                      </a:r>
+                      <a:r>
+                        <a:rPr lang="en-US" sz="2499" dirty="0" err="1">
+                          <a:solidFill>
+                            <a:srgbClr val="000000"/>
+                          </a:solidFill>
+                          <a:latin typeface="Bricolage Grotesque"/>
+                          <a:ea typeface="Bricolage Grotesque"/>
+                          <a:cs typeface="Bricolage Grotesque"/>
+                          <a:sym typeface="Bricolage Grotesque"/>
+                        </a:rPr>
+                        <a:t>dự</a:t>
+                      </a:r>
+                      <a:r>
+                        <a:rPr lang="en-US" sz="2499" dirty="0">
+                          <a:solidFill>
+                            <a:srgbClr val="000000"/>
+                          </a:solidFill>
+                          <a:latin typeface="Bricolage Grotesque"/>
+                          <a:ea typeface="Bricolage Grotesque"/>
+                          <a:cs typeface="Bricolage Grotesque"/>
+                          <a:sym typeface="Bricolage Grotesque"/>
+                        </a:rPr>
+                        <a:t> </a:t>
+                      </a:r>
+                      <a:r>
+                        <a:rPr lang="en-US" sz="2499" dirty="0" err="1">
+                          <a:solidFill>
+                            <a:srgbClr val="000000"/>
+                          </a:solidFill>
+                          <a:latin typeface="Bricolage Grotesque"/>
+                          <a:ea typeface="Bricolage Grotesque"/>
+                          <a:cs typeface="Bricolage Grotesque"/>
+                          <a:sym typeface="Bricolage Grotesque"/>
+                        </a:rPr>
+                        <a:t>án</a:t>
+                      </a:r>
+                      <a:r>
+                        <a:rPr lang="en-US" sz="2499" dirty="0">
+                          <a:solidFill>
+                            <a:srgbClr val="000000"/>
+                          </a:solidFill>
+                          <a:latin typeface="Bricolage Grotesque"/>
+                          <a:ea typeface="Bricolage Grotesque"/>
+                          <a:cs typeface="Bricolage Grotesque"/>
+                          <a:sym typeface="Bricolage Grotesque"/>
+                        </a:rPr>
+                        <a:t> </a:t>
+                      </a:r>
+                      <a:r>
+                        <a:rPr lang="en-US" sz="2499" dirty="0" err="1">
+                          <a:solidFill>
+                            <a:srgbClr val="000000"/>
+                          </a:solidFill>
+                          <a:latin typeface="Bricolage Grotesque"/>
+                          <a:ea typeface="Bricolage Grotesque"/>
+                          <a:cs typeface="Bricolage Grotesque"/>
+                          <a:sym typeface="Bricolage Grotesque"/>
+                        </a:rPr>
+                        <a:t>khác</a:t>
+                      </a:r>
+                      <a:r>
+                        <a:rPr lang="en-US" sz="2499" dirty="0">
+                          <a:solidFill>
+                            <a:srgbClr val="000000"/>
+                          </a:solidFill>
+                          <a:latin typeface="Bricolage Grotesque"/>
+                          <a:ea typeface="Bricolage Grotesque"/>
+                          <a:cs typeface="Bricolage Grotesque"/>
+                          <a:sym typeface="Bricolage Grotesque"/>
+                        </a:rPr>
+                        <a:t>.</a:t>
                       </a:r>
                     </a:p>
                     <a:p>
@@ -3889,7 +6097,7 @@
                           <a:spcPts val="3749"/>
                         </a:lnSpc>
                       </a:pPr>
-                      <a:endParaRPr lang="en-US" sz="2499">
+                      <a:endParaRPr lang="en-US" sz="2499" dirty="0">
                         <a:solidFill>
                           <a:srgbClr val="000000"/>
                         </a:solidFill>
@@ -3908,16 +6116,244 @@
                         <a:buChar char="•"/>
                       </a:pPr>
                       <a:r>
-                        <a:rPr lang="en-US" sz="2499">
-                          <a:solidFill>
-                            <a:srgbClr val="000000"/>
-                          </a:solidFill>
-                          <a:latin typeface="Bricolage Grotesque"/>
-                          <a:ea typeface="Bricolage Grotesque"/>
-                          <a:cs typeface="Bricolage Grotesque"/>
-                          <a:sym typeface="Bricolage Grotesque"/>
-                        </a:rPr>
-                        <a:t>Các gói được cài đặt từ kho lưu trữ NuGet (nuget.org).</a:t>
+                        <a:rPr lang="en-US" sz="2499" dirty="0" err="1">
+                          <a:solidFill>
+                            <a:srgbClr val="000000"/>
+                          </a:solidFill>
+                          <a:latin typeface="Bricolage Grotesque"/>
+                          <a:ea typeface="Bricolage Grotesque"/>
+                          <a:cs typeface="Bricolage Grotesque"/>
+                          <a:sym typeface="Bricolage Grotesque"/>
+                        </a:rPr>
+                        <a:t>Các</a:t>
+                      </a:r>
+                      <a:r>
+                        <a:rPr lang="en-US" sz="2499" dirty="0">
+                          <a:solidFill>
+                            <a:srgbClr val="000000"/>
+                          </a:solidFill>
+                          <a:latin typeface="Bricolage Grotesque"/>
+                          <a:ea typeface="Bricolage Grotesque"/>
+                          <a:cs typeface="Bricolage Grotesque"/>
+                          <a:sym typeface="Bricolage Grotesque"/>
+                        </a:rPr>
+                        <a:t> </a:t>
+                      </a:r>
+                      <a:r>
+                        <a:rPr lang="en-US" sz="2499" dirty="0" err="1">
+                          <a:solidFill>
+                            <a:srgbClr val="000000"/>
+                          </a:solidFill>
+                          <a:latin typeface="Bricolage Grotesque"/>
+                          <a:ea typeface="Bricolage Grotesque"/>
+                          <a:cs typeface="Bricolage Grotesque"/>
+                          <a:sym typeface="Bricolage Grotesque"/>
+                        </a:rPr>
+                        <a:t>gói</a:t>
+                      </a:r>
+                      <a:r>
+                        <a:rPr lang="en-US" sz="2499" dirty="0">
+                          <a:solidFill>
+                            <a:srgbClr val="000000"/>
+                          </a:solidFill>
+                          <a:latin typeface="Bricolage Grotesque"/>
+                          <a:ea typeface="Bricolage Grotesque"/>
+                          <a:cs typeface="Bricolage Grotesque"/>
+                          <a:sym typeface="Bricolage Grotesque"/>
+                        </a:rPr>
+                        <a:t> </a:t>
+                      </a:r>
+                      <a:r>
+                        <a:rPr lang="en-US" sz="2499" dirty="0" err="1">
+                          <a:solidFill>
+                            <a:srgbClr val="000000"/>
+                          </a:solidFill>
+                          <a:latin typeface="Bricolage Grotesque"/>
+                          <a:ea typeface="Bricolage Grotesque"/>
+                          <a:cs typeface="Bricolage Grotesque"/>
+                          <a:sym typeface="Bricolage Grotesque"/>
+                        </a:rPr>
+                        <a:t>được</a:t>
+                      </a:r>
+                      <a:r>
+                        <a:rPr lang="en-US" sz="2499" dirty="0">
+                          <a:solidFill>
+                            <a:srgbClr val="000000"/>
+                          </a:solidFill>
+                          <a:latin typeface="Bricolage Grotesque"/>
+                          <a:ea typeface="Bricolage Grotesque"/>
+                          <a:cs typeface="Bricolage Grotesque"/>
+                          <a:sym typeface="Bricolage Grotesque"/>
+                        </a:rPr>
+                        <a:t> </a:t>
+                      </a:r>
+                      <a:r>
+                        <a:rPr lang="en-US" sz="2499" dirty="0" err="1">
+                          <a:solidFill>
+                            <a:srgbClr val="000000"/>
+                          </a:solidFill>
+                          <a:latin typeface="Bricolage Grotesque"/>
+                          <a:ea typeface="Bricolage Grotesque"/>
+                          <a:cs typeface="Bricolage Grotesque"/>
+                          <a:sym typeface="Bricolage Grotesque"/>
+                        </a:rPr>
+                        <a:t>cài</a:t>
+                      </a:r>
+                      <a:r>
+                        <a:rPr lang="en-US" sz="2499" dirty="0">
+                          <a:solidFill>
+                            <a:srgbClr val="000000"/>
+                          </a:solidFill>
+                          <a:latin typeface="Bricolage Grotesque"/>
+                          <a:ea typeface="Bricolage Grotesque"/>
+                          <a:cs typeface="Bricolage Grotesque"/>
+                          <a:sym typeface="Bricolage Grotesque"/>
+                        </a:rPr>
+                        <a:t> </a:t>
+                      </a:r>
+                      <a:r>
+                        <a:rPr lang="en-US" sz="2499" dirty="0" err="1">
+                          <a:solidFill>
+                            <a:srgbClr val="000000"/>
+                          </a:solidFill>
+                          <a:latin typeface="Bricolage Grotesque"/>
+                          <a:ea typeface="Bricolage Grotesque"/>
+                          <a:cs typeface="Bricolage Grotesque"/>
+                          <a:sym typeface="Bricolage Grotesque"/>
+                        </a:rPr>
+                        <a:t>đặt</a:t>
+                      </a:r>
+                      <a:r>
+                        <a:rPr lang="en-US" sz="2499" dirty="0">
+                          <a:solidFill>
+                            <a:srgbClr val="000000"/>
+                          </a:solidFill>
+                          <a:latin typeface="Bricolage Grotesque"/>
+                          <a:ea typeface="Bricolage Grotesque"/>
+                          <a:cs typeface="Bricolage Grotesque"/>
+                          <a:sym typeface="Bricolage Grotesque"/>
+                        </a:rPr>
+                        <a:t> </a:t>
+                      </a:r>
+                      <a:r>
+                        <a:rPr lang="en-US" sz="2499" dirty="0" err="1">
+                          <a:solidFill>
+                            <a:srgbClr val="000000"/>
+                          </a:solidFill>
+                          <a:latin typeface="Bricolage Grotesque"/>
+                          <a:ea typeface="Bricolage Grotesque"/>
+                          <a:cs typeface="Bricolage Grotesque"/>
+                          <a:sym typeface="Bricolage Grotesque"/>
+                        </a:rPr>
+                        <a:t>từ</a:t>
+                      </a:r>
+                      <a:r>
+                        <a:rPr lang="en-US" sz="2499" dirty="0">
+                          <a:solidFill>
+                            <a:srgbClr val="000000"/>
+                          </a:solidFill>
+                          <a:latin typeface="Bricolage Grotesque"/>
+                          <a:ea typeface="Bricolage Grotesque"/>
+                          <a:cs typeface="Bricolage Grotesque"/>
+                          <a:sym typeface="Bricolage Grotesque"/>
+                        </a:rPr>
+                        <a:t> </a:t>
+                      </a:r>
+                      <a:r>
+                        <a:rPr lang="en-US" sz="2499" dirty="0" err="1">
+                          <a:solidFill>
+                            <a:srgbClr val="000000"/>
+                          </a:solidFill>
+                          <a:latin typeface="Bricolage Grotesque"/>
+                          <a:ea typeface="Bricolage Grotesque"/>
+                          <a:cs typeface="Bricolage Grotesque"/>
+                          <a:sym typeface="Bricolage Grotesque"/>
+                        </a:rPr>
+                        <a:t>kho</a:t>
+                      </a:r>
+                      <a:r>
+                        <a:rPr lang="en-US" sz="2499" dirty="0">
+                          <a:solidFill>
+                            <a:srgbClr val="000000"/>
+                          </a:solidFill>
+                          <a:latin typeface="Bricolage Grotesque"/>
+                          <a:ea typeface="Bricolage Grotesque"/>
+                          <a:cs typeface="Bricolage Grotesque"/>
+                          <a:sym typeface="Bricolage Grotesque"/>
+                        </a:rPr>
+                        <a:t> </a:t>
+                      </a:r>
+                      <a:r>
+                        <a:rPr lang="en-US" sz="2499" dirty="0" err="1">
+                          <a:solidFill>
+                            <a:srgbClr val="000000"/>
+                          </a:solidFill>
+                          <a:latin typeface="Bricolage Grotesque"/>
+                          <a:ea typeface="Bricolage Grotesque"/>
+                          <a:cs typeface="Bricolage Grotesque"/>
+                          <a:sym typeface="Bricolage Grotesque"/>
+                        </a:rPr>
+                        <a:t>lưu</a:t>
+                      </a:r>
+                      <a:r>
+                        <a:rPr lang="en-US" sz="2499" dirty="0">
+                          <a:solidFill>
+                            <a:srgbClr val="000000"/>
+                          </a:solidFill>
+                          <a:latin typeface="Bricolage Grotesque"/>
+                          <a:ea typeface="Bricolage Grotesque"/>
+                          <a:cs typeface="Bricolage Grotesque"/>
+                          <a:sym typeface="Bricolage Grotesque"/>
+                        </a:rPr>
+                        <a:t> </a:t>
+                      </a:r>
+                      <a:r>
+                        <a:rPr lang="en-US" sz="2499" dirty="0" err="1">
+                          <a:solidFill>
+                            <a:srgbClr val="000000"/>
+                          </a:solidFill>
+                          <a:latin typeface="Bricolage Grotesque"/>
+                          <a:ea typeface="Bricolage Grotesque"/>
+                          <a:cs typeface="Bricolage Grotesque"/>
+                          <a:sym typeface="Bricolage Grotesque"/>
+                        </a:rPr>
+                        <a:t>trữ</a:t>
+                      </a:r>
+                      <a:r>
+                        <a:rPr lang="en-US" sz="2499" dirty="0">
+                          <a:solidFill>
+                            <a:srgbClr val="000000"/>
+                          </a:solidFill>
+                          <a:latin typeface="Bricolage Grotesque"/>
+                          <a:ea typeface="Bricolage Grotesque"/>
+                          <a:cs typeface="Bricolage Grotesque"/>
+                          <a:sym typeface="Bricolage Grotesque"/>
+                        </a:rPr>
+                        <a:t> </a:t>
+                      </a:r>
+                      <a:r>
+                        <a:rPr lang="en-US" sz="2499" dirty="0" err="1">
+                          <a:solidFill>
+                            <a:srgbClr val="000000"/>
+                          </a:solidFill>
+                          <a:latin typeface="Bricolage Grotesque"/>
+                          <a:ea typeface="Bricolage Grotesque"/>
+                          <a:cs typeface="Bricolage Grotesque"/>
+                          <a:sym typeface="Bricolage Grotesque"/>
+                        </a:rPr>
+                        <a:t>NuGet</a:t>
+                      </a:r>
+                      <a:r>
+                        <a:rPr lang="en-US" sz="2499" dirty="0">
+                          <a:solidFill>
+                            <a:srgbClr val="000000"/>
+                          </a:solidFill>
+                          <a:latin typeface="Bricolage Grotesque"/>
+                          <a:ea typeface="Bricolage Grotesque"/>
+                          <a:cs typeface="Bricolage Grotesque"/>
+                          <a:sym typeface="Bricolage Grotesque"/>
+                        </a:rPr>
+                        <a:t> (nuget.org).</a:t>
                       </a:r>
                     </a:p>
                     <a:p>
@@ -3926,7 +6362,7 @@
                           <a:spcPts val="3749"/>
                         </a:lnSpc>
                       </a:pPr>
-                      <a:endParaRPr lang="en-US" sz="2499">
+                      <a:endParaRPr lang="en-US" sz="2499" dirty="0">
                         <a:solidFill>
                           <a:srgbClr val="000000"/>
                         </a:solidFill>
@@ -3945,16 +6381,436 @@
                         <a:buChar char="•"/>
                       </a:pPr>
                       <a:r>
-                        <a:rPr lang="en-US" sz="2499">
-                          <a:solidFill>
-                            <a:srgbClr val="000000"/>
-                          </a:solidFill>
-                          <a:latin typeface="Bricolage Grotesque"/>
-                          <a:ea typeface="Bricolage Grotesque"/>
-                          <a:cs typeface="Bricolage Grotesque"/>
-                          <a:sym typeface="Bricolage Grotesque"/>
-                        </a:rPr>
-                        <a:t>Sử dụng tệp cấu hình như packages.config hoặc .csproj để quản lý các gói và thông tin dự án.</a:t>
+                        <a:rPr lang="en-US" sz="2499" dirty="0" err="1">
+                          <a:solidFill>
+                            <a:srgbClr val="000000"/>
+                          </a:solidFill>
+                          <a:latin typeface="Bricolage Grotesque"/>
+                          <a:ea typeface="Bricolage Grotesque"/>
+                          <a:cs typeface="Bricolage Grotesque"/>
+                          <a:sym typeface="Bricolage Grotesque"/>
+                        </a:rPr>
+                        <a:t>Sử</a:t>
+                      </a:r>
+                      <a:r>
+                        <a:rPr lang="en-US" sz="2499" dirty="0">
+                          <a:solidFill>
+                            <a:srgbClr val="000000"/>
+                          </a:solidFill>
+                          <a:latin typeface="Bricolage Grotesque"/>
+                          <a:ea typeface="Bricolage Grotesque"/>
+                          <a:cs typeface="Bricolage Grotesque"/>
+                          <a:sym typeface="Bricolage Grotesque"/>
+                        </a:rPr>
+                        <a:t> </a:t>
+                      </a:r>
+                      <a:r>
+                        <a:rPr lang="en-US" sz="2499" dirty="0" err="1">
+                          <a:solidFill>
+                            <a:srgbClr val="000000"/>
+                          </a:solidFill>
+                          <a:latin typeface="Bricolage Grotesque"/>
+                          <a:ea typeface="Bricolage Grotesque"/>
+                          <a:cs typeface="Bricolage Grotesque"/>
+                          <a:sym typeface="Bricolage Grotesque"/>
+                        </a:rPr>
+                        <a:t>dụng</a:t>
+                      </a:r>
+                      <a:r>
+                        <a:rPr lang="en-US" sz="2499" dirty="0">
+                          <a:solidFill>
+                            <a:srgbClr val="000000"/>
+                          </a:solidFill>
+                          <a:latin typeface="Bricolage Grotesque"/>
+                          <a:ea typeface="Bricolage Grotesque"/>
+                          <a:cs typeface="Bricolage Grotesque"/>
+                          <a:sym typeface="Bricolage Grotesque"/>
+                        </a:rPr>
+                        <a:t> </a:t>
+                      </a:r>
+                      <a:r>
+                        <a:rPr lang="en-US" sz="2499" dirty="0" err="1">
+                          <a:solidFill>
+                            <a:srgbClr val="000000"/>
+                          </a:solidFill>
+                          <a:latin typeface="Bricolage Grotesque"/>
+                          <a:ea typeface="Bricolage Grotesque"/>
+                          <a:cs typeface="Bricolage Grotesque"/>
+                          <a:sym typeface="Bricolage Grotesque"/>
+                        </a:rPr>
+                        <a:t>tệp</a:t>
+                      </a:r>
+                      <a:r>
+                        <a:rPr lang="en-US" sz="2499" dirty="0">
+                          <a:solidFill>
+                            <a:srgbClr val="000000"/>
+                          </a:solidFill>
+                          <a:latin typeface="Bricolage Grotesque"/>
+                          <a:ea typeface="Bricolage Grotesque"/>
+                          <a:cs typeface="Bricolage Grotesque"/>
+                          <a:sym typeface="Bricolage Grotesque"/>
+                        </a:rPr>
+                        <a:t> </a:t>
+                      </a:r>
+                      <a:r>
+                        <a:rPr lang="en-US" sz="2499" dirty="0" err="1">
+                          <a:solidFill>
+                            <a:srgbClr val="000000"/>
+                          </a:solidFill>
+                          <a:latin typeface="Bricolage Grotesque"/>
+                          <a:ea typeface="Bricolage Grotesque"/>
+                          <a:cs typeface="Bricolage Grotesque"/>
+                          <a:sym typeface="Bricolage Grotesque"/>
+                        </a:rPr>
+                        <a:t>cấu</a:t>
+                      </a:r>
+                      <a:r>
+                        <a:rPr lang="en-US" sz="2499" dirty="0">
+                          <a:solidFill>
+                            <a:srgbClr val="000000"/>
+                          </a:solidFill>
+                          <a:latin typeface="Bricolage Grotesque"/>
+                          <a:ea typeface="Bricolage Grotesque"/>
+                          <a:cs typeface="Bricolage Grotesque"/>
+                          <a:sym typeface="Bricolage Grotesque"/>
+                        </a:rPr>
+                        <a:t> </a:t>
+                      </a:r>
+                      <a:r>
+                        <a:rPr lang="en-US" sz="2499" dirty="0" err="1">
+                          <a:solidFill>
+                            <a:srgbClr val="000000"/>
+                          </a:solidFill>
+                          <a:latin typeface="Bricolage Grotesque"/>
+                          <a:ea typeface="Bricolage Grotesque"/>
+                          <a:cs typeface="Bricolage Grotesque"/>
+                          <a:sym typeface="Bricolage Grotesque"/>
+                        </a:rPr>
+                        <a:t>hình</a:t>
+                      </a:r>
+                      <a:r>
+                        <a:rPr lang="en-US" sz="2499" dirty="0">
+                          <a:solidFill>
+                            <a:srgbClr val="000000"/>
+                          </a:solidFill>
+                          <a:latin typeface="Bricolage Grotesque"/>
+                          <a:ea typeface="Bricolage Grotesque"/>
+                          <a:cs typeface="Bricolage Grotesque"/>
+                          <a:sym typeface="Bricolage Grotesque"/>
+                        </a:rPr>
+                        <a:t> </a:t>
+                      </a:r>
+                      <a:r>
+                        <a:rPr lang="en-US" sz="2499" dirty="0" err="1">
+                          <a:solidFill>
+                            <a:srgbClr val="000000"/>
+                          </a:solidFill>
+                          <a:latin typeface="Bricolage Grotesque"/>
+                          <a:ea typeface="Bricolage Grotesque"/>
+                          <a:cs typeface="Bricolage Grotesque"/>
+                          <a:sym typeface="Bricolage Grotesque"/>
+                        </a:rPr>
+                        <a:t>như</a:t>
+                      </a:r>
+                      <a:r>
+                        <a:rPr lang="en-US" sz="2499" dirty="0">
+                          <a:solidFill>
+                            <a:srgbClr val="000000"/>
+                          </a:solidFill>
+                          <a:latin typeface="Bricolage Grotesque"/>
+                          <a:ea typeface="Bricolage Grotesque"/>
+                          <a:cs typeface="Bricolage Grotesque"/>
+                          <a:sym typeface="Bricolage Grotesque"/>
+                        </a:rPr>
+                        <a:t> </a:t>
+                      </a:r>
+                      <a:r>
+                        <a:rPr lang="en-US" sz="2499" dirty="0" err="1">
+                          <a:solidFill>
+                            <a:srgbClr val="000000"/>
+                          </a:solidFill>
+                          <a:latin typeface="Bricolage Grotesque"/>
+                          <a:ea typeface="Bricolage Grotesque"/>
+                          <a:cs typeface="Bricolage Grotesque"/>
+                          <a:sym typeface="Bricolage Grotesque"/>
+                        </a:rPr>
+                        <a:t>packages.config</a:t>
+                      </a:r>
+                      <a:r>
+                        <a:rPr lang="en-US" sz="2499" dirty="0">
+                          <a:solidFill>
+                            <a:srgbClr val="000000"/>
+                          </a:solidFill>
+                          <a:latin typeface="Bricolage Grotesque"/>
+                          <a:ea typeface="Bricolage Grotesque"/>
+                          <a:cs typeface="Bricolage Grotesque"/>
+                          <a:sym typeface="Bricolage Grotesque"/>
+                        </a:rPr>
+                        <a:t> </a:t>
+                      </a:r>
+                      <a:r>
+                        <a:rPr lang="en-US" sz="2499" dirty="0" err="1">
+                          <a:solidFill>
+                            <a:srgbClr val="000000"/>
+                          </a:solidFill>
+                          <a:latin typeface="Bricolage Grotesque"/>
+                          <a:ea typeface="Bricolage Grotesque"/>
+                          <a:cs typeface="Bricolage Grotesque"/>
+                          <a:sym typeface="Bricolage Grotesque"/>
+                        </a:rPr>
+                        <a:t>hoặc</a:t>
+                      </a:r>
+                      <a:r>
+                        <a:rPr lang="en-US" sz="2499" dirty="0">
+                          <a:solidFill>
+                            <a:srgbClr val="000000"/>
+                          </a:solidFill>
+                          <a:latin typeface="Bricolage Grotesque"/>
+                          <a:ea typeface="Bricolage Grotesque"/>
+                          <a:cs typeface="Bricolage Grotesque"/>
+                          <a:sym typeface="Bricolage Grotesque"/>
+                        </a:rPr>
+                        <a:t> .</a:t>
+                      </a:r>
+                      <a:r>
+                        <a:rPr lang="en-US" sz="2499" dirty="0" err="1">
+                          <a:solidFill>
+                            <a:srgbClr val="000000"/>
+                          </a:solidFill>
+                          <a:latin typeface="Bricolage Grotesque"/>
+                          <a:ea typeface="Bricolage Grotesque"/>
+                          <a:cs typeface="Bricolage Grotesque"/>
+                          <a:sym typeface="Bricolage Grotesque"/>
+                        </a:rPr>
+                        <a:t>csproj</a:t>
+                      </a:r>
+                      <a:r>
+                        <a:rPr lang="en-US" sz="2499" dirty="0">
+                          <a:solidFill>
+                            <a:srgbClr val="000000"/>
+                          </a:solidFill>
+                          <a:latin typeface="Bricolage Grotesque"/>
+                          <a:ea typeface="Bricolage Grotesque"/>
+                          <a:cs typeface="Bricolage Grotesque"/>
+                          <a:sym typeface="Bricolage Grotesque"/>
+                        </a:rPr>
+                        <a:t> </a:t>
+                      </a:r>
+                      <a:r>
+                        <a:rPr lang="en-US" sz="2499" dirty="0" err="1">
+                          <a:solidFill>
+                            <a:srgbClr val="000000"/>
+                          </a:solidFill>
+                          <a:latin typeface="Bricolage Grotesque"/>
+                          <a:ea typeface="Bricolage Grotesque"/>
+                          <a:cs typeface="Bricolage Grotesque"/>
+                          <a:sym typeface="Bricolage Grotesque"/>
+                        </a:rPr>
+                        <a:t>để</a:t>
+                      </a:r>
+                      <a:r>
+                        <a:rPr lang="en-US" sz="2499" dirty="0">
+                          <a:solidFill>
+                            <a:srgbClr val="000000"/>
+                          </a:solidFill>
+                          <a:latin typeface="Bricolage Grotesque"/>
+                          <a:ea typeface="Bricolage Grotesque"/>
+                          <a:cs typeface="Bricolage Grotesque"/>
+                          <a:sym typeface="Bricolage Grotesque"/>
+                        </a:rPr>
+                        <a:t> </a:t>
+                      </a:r>
+                      <a:r>
+                        <a:rPr lang="en-US" sz="2499" dirty="0" err="1">
+                          <a:solidFill>
+                            <a:srgbClr val="000000"/>
+                          </a:solidFill>
+                          <a:latin typeface="Bricolage Grotesque"/>
+                          <a:ea typeface="Bricolage Grotesque"/>
+                          <a:cs typeface="Bricolage Grotesque"/>
+                          <a:sym typeface="Bricolage Grotesque"/>
+                        </a:rPr>
+                        <a:t>quản</a:t>
+                      </a:r>
+                      <a:r>
+                        <a:rPr lang="en-US" sz="2499" dirty="0">
+                          <a:solidFill>
+                            <a:srgbClr val="000000"/>
+                          </a:solidFill>
+                          <a:latin typeface="Bricolage Grotesque"/>
+                          <a:ea typeface="Bricolage Grotesque"/>
+                          <a:cs typeface="Bricolage Grotesque"/>
+                          <a:sym typeface="Bricolage Grotesque"/>
+                        </a:rPr>
+                        <a:t> </a:t>
+                      </a:r>
+                      <a:r>
+                        <a:rPr lang="en-US" sz="2499" dirty="0" err="1">
+                          <a:solidFill>
+                            <a:srgbClr val="000000"/>
+                          </a:solidFill>
+                          <a:latin typeface="Bricolage Grotesque"/>
+                          <a:ea typeface="Bricolage Grotesque"/>
+                          <a:cs typeface="Bricolage Grotesque"/>
+                          <a:sym typeface="Bricolage Grotesque"/>
+                        </a:rPr>
+                        <a:t>lý</a:t>
+                      </a:r>
+                      <a:r>
+                        <a:rPr lang="en-US" sz="2499" dirty="0">
+                          <a:solidFill>
+                            <a:srgbClr val="000000"/>
+                          </a:solidFill>
+                          <a:latin typeface="Bricolage Grotesque"/>
+                          <a:ea typeface="Bricolage Grotesque"/>
+                          <a:cs typeface="Bricolage Grotesque"/>
+                          <a:sym typeface="Bricolage Grotesque"/>
+                        </a:rPr>
+                        <a:t> </a:t>
+                      </a:r>
+                      <a:r>
+                        <a:rPr lang="en-US" sz="2499" dirty="0" err="1">
+                          <a:solidFill>
+                            <a:srgbClr val="000000"/>
+                          </a:solidFill>
+                          <a:latin typeface="Bricolage Grotesque"/>
+                          <a:ea typeface="Bricolage Grotesque"/>
+                          <a:cs typeface="Bricolage Grotesque"/>
+                          <a:sym typeface="Bricolage Grotesque"/>
+                        </a:rPr>
+                        <a:t>các</a:t>
+                      </a:r>
+                      <a:r>
+                        <a:rPr lang="en-US" sz="2499" dirty="0">
+                          <a:solidFill>
+                            <a:srgbClr val="000000"/>
+                          </a:solidFill>
+                          <a:latin typeface="Bricolage Grotesque"/>
+                          <a:ea typeface="Bricolage Grotesque"/>
+                          <a:cs typeface="Bricolage Grotesque"/>
+                          <a:sym typeface="Bricolage Grotesque"/>
+                        </a:rPr>
+                        <a:t> </a:t>
+                      </a:r>
+                      <a:r>
+                        <a:rPr lang="en-US" sz="2499" dirty="0" err="1">
+                          <a:solidFill>
+                            <a:srgbClr val="000000"/>
+                          </a:solidFill>
+                          <a:latin typeface="Bricolage Grotesque"/>
+                          <a:ea typeface="Bricolage Grotesque"/>
+                          <a:cs typeface="Bricolage Grotesque"/>
+                          <a:sym typeface="Bricolage Grotesque"/>
+                        </a:rPr>
+                        <a:t>gói</a:t>
+                      </a:r>
+                      <a:r>
+                        <a:rPr lang="en-US" sz="2499" dirty="0">
+                          <a:solidFill>
+                            <a:srgbClr val="000000"/>
+                          </a:solidFill>
+                          <a:latin typeface="Bricolage Grotesque"/>
+                          <a:ea typeface="Bricolage Grotesque"/>
+                          <a:cs typeface="Bricolage Grotesque"/>
+                          <a:sym typeface="Bricolage Grotesque"/>
+                        </a:rPr>
+                        <a:t> </a:t>
+                      </a:r>
+                      <a:r>
+                        <a:rPr lang="en-US" sz="2499" dirty="0" err="1">
+                          <a:solidFill>
+                            <a:srgbClr val="000000"/>
+                          </a:solidFill>
+                          <a:latin typeface="Bricolage Grotesque"/>
+                          <a:ea typeface="Bricolage Grotesque"/>
+                          <a:cs typeface="Bricolage Grotesque"/>
+                          <a:sym typeface="Bricolage Grotesque"/>
+                        </a:rPr>
+                        <a:t>và</a:t>
+                      </a:r>
+                      <a:r>
+                        <a:rPr lang="en-US" sz="2499" dirty="0">
+                          <a:solidFill>
+                            <a:srgbClr val="000000"/>
+                          </a:solidFill>
+                          <a:latin typeface="Bricolage Grotesque"/>
+                          <a:ea typeface="Bricolage Grotesque"/>
+                          <a:cs typeface="Bricolage Grotesque"/>
+                          <a:sym typeface="Bricolage Grotesque"/>
+                        </a:rPr>
+                        <a:t> </a:t>
+                      </a:r>
+                      <a:r>
+                        <a:rPr lang="en-US" sz="2499" dirty="0" err="1">
+                          <a:solidFill>
+                            <a:srgbClr val="000000"/>
+                          </a:solidFill>
+                          <a:latin typeface="Bricolage Grotesque"/>
+                          <a:ea typeface="Bricolage Grotesque"/>
+                          <a:cs typeface="Bricolage Grotesque"/>
+                          <a:sym typeface="Bricolage Grotesque"/>
+                        </a:rPr>
+                        <a:t>thông</a:t>
+                      </a:r>
+                      <a:r>
+                        <a:rPr lang="en-US" sz="2499" dirty="0">
+                          <a:solidFill>
+                            <a:srgbClr val="000000"/>
+                          </a:solidFill>
+                          <a:latin typeface="Bricolage Grotesque"/>
+                          <a:ea typeface="Bricolage Grotesque"/>
+                          <a:cs typeface="Bricolage Grotesque"/>
+                          <a:sym typeface="Bricolage Grotesque"/>
+                        </a:rPr>
+                        <a:t> tin </a:t>
+                      </a:r>
+                      <a:r>
+                        <a:rPr lang="en-US" sz="2499" dirty="0" err="1">
+                          <a:solidFill>
+                            <a:srgbClr val="000000"/>
+                          </a:solidFill>
+                          <a:latin typeface="Bricolage Grotesque"/>
+                          <a:ea typeface="Bricolage Grotesque"/>
+                          <a:cs typeface="Bricolage Grotesque"/>
+                          <a:sym typeface="Bricolage Grotesque"/>
+                        </a:rPr>
+                        <a:t>dự</a:t>
+                      </a:r>
+                      <a:r>
+                        <a:rPr lang="en-US" sz="2499" dirty="0">
+                          <a:solidFill>
+                            <a:srgbClr val="000000"/>
+                          </a:solidFill>
+                          <a:latin typeface="Bricolage Grotesque"/>
+                          <a:ea typeface="Bricolage Grotesque"/>
+                          <a:cs typeface="Bricolage Grotesque"/>
+                          <a:sym typeface="Bricolage Grotesque"/>
+                        </a:rPr>
+                        <a:t> </a:t>
+                      </a:r>
+                      <a:r>
+                        <a:rPr lang="en-US" sz="2499" dirty="0" err="1">
+                          <a:solidFill>
+                            <a:srgbClr val="000000"/>
+                          </a:solidFill>
+                          <a:latin typeface="Bricolage Grotesque"/>
+                          <a:ea typeface="Bricolage Grotesque"/>
+                          <a:cs typeface="Bricolage Grotesque"/>
+                          <a:sym typeface="Bricolage Grotesque"/>
+                        </a:rPr>
+                        <a:t>án</a:t>
+                      </a:r>
+                      <a:r>
+                        <a:rPr lang="en-US" sz="2499" dirty="0">
+                          <a:solidFill>
+                            <a:srgbClr val="000000"/>
+                          </a:solidFill>
+                          <a:latin typeface="Bricolage Grotesque"/>
+                          <a:ea typeface="Bricolage Grotesque"/>
+                          <a:cs typeface="Bricolage Grotesque"/>
+                          <a:sym typeface="Bricolage Grotesque"/>
+                        </a:rPr>
+                        <a:t>.</a:t>
                       </a:r>
                     </a:p>
                   </a:txBody>
@@ -7881,7 +10737,7 @@
         </p:blipFill>
         <p:spPr>
           <a:xfrm>
-            <a:off x="685800" y="5753100"/>
+            <a:off x="794405" y="5753100"/>
             <a:ext cx="6934200" cy="2524384"/>
           </a:xfrm>
           <a:prstGeom prst="rect">
